--- a/Presentasjon.pptx
+++ b/Presentasjon.pptx
@@ -117,6 +117,11 @@
       </a:defRPr>
     </a:lvl9pPr>
   </p:defaultTextStyle>
+  <p:extLst>
+    <p:ext uri="{EFAFB233-063F-42B5-8137-9DF3F51BA10A}">
+      <p15:sldGuideLst xmlns:p15="http://schemas.microsoft.com/office/powerpoint/2012/main"/>
+    </p:ext>
+  </p:extLst>
 </p:presentation>
 </file>
 
@@ -4759,7 +4764,7 @@
         <p:spPr>
           <a:xfrm>
             <a:off x="1285875" y="2088971"/>
-            <a:ext cx="3198311" cy="1631216"/>
+            <a:ext cx="3666388" cy="1631216"/>
           </a:xfrm>
           <a:prstGeom prst="rect">
             <a:avLst/>
@@ -4781,7 +4786,7 @@
                 <a:latin typeface="Yu Gothic UI Semibold" panose="020B0700000000000000" pitchFamily="34" charset="-128"/>
                 <a:ea typeface="Yu Gothic UI Semibold" panose="020B0700000000000000" pitchFamily="34" charset="-128"/>
               </a:rPr>
-              <a:t>Oliver – Systemutvikler</a:t>
+              <a:t>Oliver         -Systemutvikler</a:t>
             </a:r>
           </a:p>
           <a:p>
@@ -4804,7 +4809,7 @@
                 <a:latin typeface="Yu Gothic UI Semibold" panose="020B0700000000000000" pitchFamily="34" charset="-128"/>
                 <a:ea typeface="Yu Gothic UI Semibold" panose="020B0700000000000000" pitchFamily="34" charset="-128"/>
               </a:rPr>
-              <a:t>Ariel – Lead-designer</a:t>
+              <a:t>Ariel           -Lead-designer</a:t>
             </a:r>
           </a:p>
           <a:p>
@@ -4827,7 +4832,7 @@
                 <a:latin typeface="Yu Gothic UI Semibold" panose="020B0700000000000000" pitchFamily="34" charset="-128"/>
                 <a:ea typeface="Yu Gothic UI Semibold" panose="020B0700000000000000" pitchFamily="34" charset="-128"/>
               </a:rPr>
-              <a:t>Jonas - Arkitekt</a:t>
+              <a:t>Jonas         -Arkitekt</a:t>
             </a:r>
           </a:p>
         </p:txBody>
@@ -4880,13 +4885,13 @@
   <p:clrMapOvr>
     <a:masterClrMapping/>
   </p:clrMapOvr>
-  <mc:AlternateContent xmlns:mc="http://schemas.openxmlformats.org/markup-compatibility/2006">
-    <mc:Choice xmlns:p159="http://schemas.microsoft.com/office/powerpoint/2015/09/main" Requires="p159">
+  <mc:AlternateContent xmlns:mc="http://schemas.openxmlformats.org/markup-compatibility/2006" xmlns:p159="http://schemas.microsoft.com/office/powerpoint/2015/09/main">
+    <mc:Choice Requires="p159">
       <p:transition xmlns:p14="http://schemas.microsoft.com/office/powerpoint/2010/main" spd="slow" p14:dur="2000">
         <p159:morph option="byObject"/>
       </p:transition>
     </mc:Choice>
-    <mc:Fallback>
+    <mc:Fallback xmlns="">
       <p:transition spd="slow">
         <p:fade/>
       </p:transition>
@@ -5335,13 +5340,13 @@
   <p:clrMapOvr>
     <a:masterClrMapping/>
   </p:clrMapOvr>
-  <mc:AlternateContent xmlns:mc="http://schemas.openxmlformats.org/markup-compatibility/2006">
-    <mc:Choice xmlns:p159="http://schemas.microsoft.com/office/powerpoint/2015/09/main" Requires="p159">
+  <mc:AlternateContent xmlns:mc="http://schemas.openxmlformats.org/markup-compatibility/2006" xmlns:p159="http://schemas.microsoft.com/office/powerpoint/2015/09/main">
+    <mc:Choice Requires="p159">
       <p:transition xmlns:p14="http://schemas.microsoft.com/office/powerpoint/2010/main" spd="slow" p14:dur="2000">
         <p159:morph option="byObject"/>
       </p:transition>
     </mc:Choice>
-    <mc:Fallback>
+    <mc:Fallback xmlns="">
       <p:transition spd="slow">
         <p:fade/>
       </p:transition>
@@ -5853,13 +5858,13 @@
   <p:clrMapOvr>
     <a:masterClrMapping/>
   </p:clrMapOvr>
-  <mc:AlternateContent xmlns:mc="http://schemas.openxmlformats.org/markup-compatibility/2006">
-    <mc:Choice xmlns:p159="http://schemas.microsoft.com/office/powerpoint/2015/09/main" Requires="p159">
+  <mc:AlternateContent xmlns:mc="http://schemas.openxmlformats.org/markup-compatibility/2006" xmlns:p159="http://schemas.microsoft.com/office/powerpoint/2015/09/main">
+    <mc:Choice Requires="p159">
       <p:transition xmlns:p14="http://schemas.microsoft.com/office/powerpoint/2010/main" spd="slow" p14:dur="2000">
         <p159:morph option="byObject"/>
       </p:transition>
     </mc:Choice>
-    <mc:Fallback>
+    <mc:Fallback xmlns="">
       <p:transition spd="slow">
         <p:fade/>
       </p:transition>
@@ -6668,13 +6673,13 @@
   <p:clrMapOvr>
     <a:masterClrMapping/>
   </p:clrMapOvr>
-  <mc:AlternateContent xmlns:mc="http://schemas.openxmlformats.org/markup-compatibility/2006">
-    <mc:Choice xmlns:p159="http://schemas.microsoft.com/office/powerpoint/2015/09/main" Requires="p159">
+  <mc:AlternateContent xmlns:mc="http://schemas.openxmlformats.org/markup-compatibility/2006" xmlns:p159="http://schemas.microsoft.com/office/powerpoint/2015/09/main">
+    <mc:Choice Requires="p159">
       <p:transition xmlns:p14="http://schemas.microsoft.com/office/powerpoint/2010/main" spd="slow" p14:dur="2000">
         <p159:morph option="byObject"/>
       </p:transition>
     </mc:Choice>
-    <mc:Fallback>
+    <mc:Fallback xmlns="">
       <p:transition spd="slow">
         <p:fade/>
       </p:transition>
@@ -7360,13 +7365,13 @@
   <p:clrMapOvr>
     <a:masterClrMapping/>
   </p:clrMapOvr>
-  <mc:AlternateContent xmlns:mc="http://schemas.openxmlformats.org/markup-compatibility/2006">
-    <mc:Choice xmlns:p159="http://schemas.microsoft.com/office/powerpoint/2015/09/main" Requires="p159">
+  <mc:AlternateContent xmlns:mc="http://schemas.openxmlformats.org/markup-compatibility/2006" xmlns:p159="http://schemas.microsoft.com/office/powerpoint/2015/09/main">
+    <mc:Choice Requires="p159">
       <p:transition xmlns:p14="http://schemas.microsoft.com/office/powerpoint/2010/main" spd="slow" p14:dur="2000">
         <p159:morph option="byObject"/>
       </p:transition>
     </mc:Choice>
-    <mc:Fallback>
+    <mc:Fallback xmlns="">
       <p:transition spd="slow">
         <p:fade/>
       </p:transition>
@@ -8013,13 +8018,13 @@
   <p:clrMapOvr>
     <a:masterClrMapping/>
   </p:clrMapOvr>
-  <mc:AlternateContent xmlns:mc="http://schemas.openxmlformats.org/markup-compatibility/2006">
-    <mc:Choice xmlns:p159="http://schemas.microsoft.com/office/powerpoint/2015/09/main" Requires="p159">
+  <mc:AlternateContent xmlns:mc="http://schemas.openxmlformats.org/markup-compatibility/2006" xmlns:p159="http://schemas.microsoft.com/office/powerpoint/2015/09/main">
+    <mc:Choice Requires="p159">
       <p:transition xmlns:p14="http://schemas.microsoft.com/office/powerpoint/2010/main" spd="slow" p14:dur="2000">
         <p159:morph option="byObject"/>
       </p:transition>
     </mc:Choice>
-    <mc:Fallback>
+    <mc:Fallback xmlns="">
       <p:transition spd="slow">
         <p:fade/>
       </p:transition>
@@ -8479,6 +8484,262 @@
           </a:prstGeom>
         </p:spPr>
       </p:pic>
+      <p:pic>
+        <p:nvPicPr>
+          <p:cNvPr id="3" name="Bilde 2">
+            <a:extLst>
+              <a:ext uri="{FF2B5EF4-FFF2-40B4-BE49-F238E27FC236}">
+                <a16:creationId xmlns:a16="http://schemas.microsoft.com/office/drawing/2014/main" id="{0522CD81-2064-9257-AAC7-E69E85F74A8D}"/>
+              </a:ext>
+            </a:extLst>
+          </p:cNvPr>
+          <p:cNvPicPr>
+            <a:picLocks noChangeAspect="1"/>
+          </p:cNvPicPr>
+          <p:nvPr/>
+        </p:nvPicPr>
+        <p:blipFill>
+          <a:blip r:embed="rId7"/>
+          <a:stretch>
+            <a:fillRect/>
+          </a:stretch>
+        </p:blipFill>
+        <p:spPr>
+          <a:xfrm>
+            <a:off x="757389" y="-2456483"/>
+            <a:ext cx="5338611" cy="2050511"/>
+          </a:xfrm>
+          <a:prstGeom prst="rect">
+            <a:avLst/>
+          </a:prstGeom>
+        </p:spPr>
+      </p:pic>
+      <p:pic>
+        <p:nvPicPr>
+          <p:cNvPr id="8" name="Bilde 7">
+            <a:extLst>
+              <a:ext uri="{FF2B5EF4-FFF2-40B4-BE49-F238E27FC236}">
+                <a16:creationId xmlns:a16="http://schemas.microsoft.com/office/drawing/2014/main" id="{B9EED919-E027-B52C-AA78-C607C70D3186}"/>
+              </a:ext>
+            </a:extLst>
+          </p:cNvPr>
+          <p:cNvPicPr>
+            <a:picLocks noChangeAspect="1"/>
+          </p:cNvPicPr>
+          <p:nvPr/>
+        </p:nvPicPr>
+        <p:blipFill>
+          <a:blip r:embed="rId8"/>
+          <a:stretch>
+            <a:fillRect/>
+          </a:stretch>
+        </p:blipFill>
+        <p:spPr>
+          <a:xfrm>
+            <a:off x="6224727" y="-2447771"/>
+            <a:ext cx="5253326" cy="2344259"/>
+          </a:xfrm>
+          <a:prstGeom prst="rect">
+            <a:avLst/>
+          </a:prstGeom>
+        </p:spPr>
+      </p:pic>
+      <p:sp>
+        <p:nvSpPr>
+          <p:cNvPr id="11" name="Sirkel: hul 10">
+            <a:extLst>
+              <a:ext uri="{FF2B5EF4-FFF2-40B4-BE49-F238E27FC236}">
+                <a16:creationId xmlns:a16="http://schemas.microsoft.com/office/drawing/2014/main" id="{79D7C504-1CD9-FDBD-6FD8-DF9D08E17B9E}"/>
+              </a:ext>
+            </a:extLst>
+          </p:cNvPr>
+          <p:cNvSpPr/>
+          <p:nvPr/>
+        </p:nvSpPr>
+        <p:spPr>
+          <a:xfrm>
+            <a:off x="3990405" y="-1193200"/>
+            <a:ext cx="697583" cy="656223"/>
+          </a:xfrm>
+          <a:prstGeom prst="donut">
+            <a:avLst>
+              <a:gd name="adj" fmla="val 5428"/>
+            </a:avLst>
+          </a:prstGeom>
+          <a:solidFill>
+            <a:srgbClr val="FF0000"/>
+          </a:solidFill>
+          <a:ln w="3175"/>
+        </p:spPr>
+        <p:style>
+          <a:lnRef idx="2">
+            <a:schemeClr val="accent1">
+              <a:shade val="15000"/>
+            </a:schemeClr>
+          </a:lnRef>
+          <a:fillRef idx="1">
+            <a:schemeClr val="accent1"/>
+          </a:fillRef>
+          <a:effectRef idx="0">
+            <a:schemeClr val="accent1"/>
+          </a:effectRef>
+          <a:fontRef idx="minor">
+            <a:schemeClr val="lt1"/>
+          </a:fontRef>
+        </p:style>
+        <p:txBody>
+          <a:bodyPr rtlCol="0" anchor="ctr"/>
+          <a:lstStyle/>
+          <a:p>
+            <a:pPr algn="ctr"/>
+            <a:endParaRPr lang="nb-NO">
+              <a:solidFill>
+                <a:schemeClr val="tx1"/>
+              </a:solidFill>
+            </a:endParaRPr>
+          </a:p>
+        </p:txBody>
+      </p:sp>
+      <p:cxnSp>
+        <p:nvCxnSpPr>
+          <p:cNvPr id="16" name="Rett pilkobling 15">
+            <a:extLst>
+              <a:ext uri="{FF2B5EF4-FFF2-40B4-BE49-F238E27FC236}">
+                <a16:creationId xmlns:a16="http://schemas.microsoft.com/office/drawing/2014/main" id="{80DD8595-4D4A-B12C-9724-A4D756F92016}"/>
+              </a:ext>
+            </a:extLst>
+          </p:cNvPr>
+          <p:cNvCxnSpPr/>
+          <p:nvPr/>
+        </p:nvCxnSpPr>
+        <p:spPr>
+          <a:xfrm flipH="1">
+            <a:off x="4587383" y="-1436404"/>
+            <a:ext cx="329938" cy="313484"/>
+          </a:xfrm>
+          <a:prstGeom prst="straightConnector1">
+            <a:avLst/>
+          </a:prstGeom>
+          <a:ln w="57150">
+            <a:solidFill>
+              <a:srgbClr val="FF0000"/>
+            </a:solidFill>
+            <a:tailEnd type="triangle"/>
+          </a:ln>
+        </p:spPr>
+        <p:style>
+          <a:lnRef idx="1">
+            <a:schemeClr val="accent1"/>
+          </a:lnRef>
+          <a:fillRef idx="0">
+            <a:schemeClr val="accent1"/>
+          </a:fillRef>
+          <a:effectRef idx="0">
+            <a:schemeClr val="accent1"/>
+          </a:effectRef>
+          <a:fontRef idx="minor">
+            <a:schemeClr val="tx1"/>
+          </a:fontRef>
+        </p:style>
+      </p:cxnSp>
+      <p:sp>
+        <p:nvSpPr>
+          <p:cNvPr id="17" name="Sirkel: hul 16">
+            <a:extLst>
+              <a:ext uri="{FF2B5EF4-FFF2-40B4-BE49-F238E27FC236}">
+                <a16:creationId xmlns:a16="http://schemas.microsoft.com/office/drawing/2014/main" id="{BE14A006-3B30-F7F7-0F23-ABEB4D232471}"/>
+              </a:ext>
+            </a:extLst>
+          </p:cNvPr>
+          <p:cNvSpPr/>
+          <p:nvPr/>
+        </p:nvSpPr>
+        <p:spPr>
+          <a:xfrm>
+            <a:off x="9506656" y="-1157320"/>
+            <a:ext cx="697583" cy="656223"/>
+          </a:xfrm>
+          <a:prstGeom prst="donut">
+            <a:avLst>
+              <a:gd name="adj" fmla="val 5428"/>
+            </a:avLst>
+          </a:prstGeom>
+          <a:solidFill>
+            <a:srgbClr val="FF0000"/>
+          </a:solidFill>
+          <a:ln w="3175"/>
+        </p:spPr>
+        <p:style>
+          <a:lnRef idx="2">
+            <a:schemeClr val="accent1">
+              <a:shade val="15000"/>
+            </a:schemeClr>
+          </a:lnRef>
+          <a:fillRef idx="1">
+            <a:schemeClr val="accent1"/>
+          </a:fillRef>
+          <a:effectRef idx="0">
+            <a:schemeClr val="accent1"/>
+          </a:effectRef>
+          <a:fontRef idx="minor">
+            <a:schemeClr val="lt1"/>
+          </a:fontRef>
+        </p:style>
+        <p:txBody>
+          <a:bodyPr rtlCol="0" anchor="ctr"/>
+          <a:lstStyle/>
+          <a:p>
+            <a:pPr algn="ctr"/>
+            <a:endParaRPr lang="nb-NO">
+              <a:solidFill>
+                <a:schemeClr val="tx1"/>
+              </a:solidFill>
+            </a:endParaRPr>
+          </a:p>
+        </p:txBody>
+      </p:sp>
+      <p:cxnSp>
+        <p:nvCxnSpPr>
+          <p:cNvPr id="18" name="Rett pilkobling 17">
+            <a:extLst>
+              <a:ext uri="{FF2B5EF4-FFF2-40B4-BE49-F238E27FC236}">
+                <a16:creationId xmlns:a16="http://schemas.microsoft.com/office/drawing/2014/main" id="{121AF80D-4ACC-9249-2BFB-09DCF5ADB2B2}"/>
+              </a:ext>
+            </a:extLst>
+          </p:cNvPr>
+          <p:cNvCxnSpPr/>
+          <p:nvPr/>
+        </p:nvCxnSpPr>
+        <p:spPr>
+          <a:xfrm flipH="1">
+            <a:off x="10103634" y="-1400524"/>
+            <a:ext cx="329938" cy="313484"/>
+          </a:xfrm>
+          <a:prstGeom prst="straightConnector1">
+            <a:avLst/>
+          </a:prstGeom>
+          <a:ln w="57150">
+            <a:solidFill>
+              <a:srgbClr val="FF0000"/>
+            </a:solidFill>
+            <a:tailEnd type="triangle"/>
+          </a:ln>
+        </p:spPr>
+        <p:style>
+          <a:lnRef idx="1">
+            <a:schemeClr val="accent1"/>
+          </a:lnRef>
+          <a:fillRef idx="0">
+            <a:schemeClr val="accent1"/>
+          </a:fillRef>
+          <a:effectRef idx="0">
+            <a:schemeClr val="accent1"/>
+          </a:effectRef>
+          <a:fontRef idx="minor">
+            <a:schemeClr val="tx1"/>
+          </a:fontRef>
+        </p:style>
+      </p:cxnSp>
     </p:spTree>
     <p:extLst>
       <p:ext uri="{BB962C8B-B14F-4D97-AF65-F5344CB8AC3E}">
@@ -8489,13 +8750,13 @@
   <p:clrMapOvr>
     <a:masterClrMapping/>
   </p:clrMapOvr>
-  <mc:AlternateContent xmlns:mc="http://schemas.openxmlformats.org/markup-compatibility/2006">
-    <mc:Choice xmlns:p159="http://schemas.microsoft.com/office/powerpoint/2015/09/main" Requires="p159">
+  <mc:AlternateContent xmlns:mc="http://schemas.openxmlformats.org/markup-compatibility/2006" xmlns:p159="http://schemas.microsoft.com/office/powerpoint/2015/09/main">
+    <mc:Choice Requires="p159">
       <p:transition xmlns:p14="http://schemas.microsoft.com/office/powerpoint/2010/main" spd="slow" p14:dur="2000">
         <p159:morph option="byObject"/>
       </p:transition>
     </mc:Choice>
-    <mc:Fallback>
+    <mc:Fallback xmlns="">
       <p:transition spd="slow">
         <p:fade/>
       </p:transition>
@@ -8865,6 +9126,262 @@
           </a:prstGeom>
         </p:spPr>
       </p:pic>
+      <p:pic>
+        <p:nvPicPr>
+          <p:cNvPr id="6" name="Bilde 5">
+            <a:extLst>
+              <a:ext uri="{FF2B5EF4-FFF2-40B4-BE49-F238E27FC236}">
+                <a16:creationId xmlns:a16="http://schemas.microsoft.com/office/drawing/2014/main" id="{E2F647AF-ABF1-C632-BEBA-E43D700425DC}"/>
+              </a:ext>
+            </a:extLst>
+          </p:cNvPr>
+          <p:cNvPicPr>
+            <a:picLocks noChangeAspect="1"/>
+          </p:cNvPicPr>
+          <p:nvPr/>
+        </p:nvPicPr>
+        <p:blipFill>
+          <a:blip r:embed="rId5"/>
+          <a:stretch>
+            <a:fillRect/>
+          </a:stretch>
+        </p:blipFill>
+        <p:spPr>
+          <a:xfrm>
+            <a:off x="735668" y="2403744"/>
+            <a:ext cx="5338611" cy="2050511"/>
+          </a:xfrm>
+          <a:prstGeom prst="rect">
+            <a:avLst/>
+          </a:prstGeom>
+        </p:spPr>
+      </p:pic>
+      <p:pic>
+        <p:nvPicPr>
+          <p:cNvPr id="13" name="Bilde 12">
+            <a:extLst>
+              <a:ext uri="{FF2B5EF4-FFF2-40B4-BE49-F238E27FC236}">
+                <a16:creationId xmlns:a16="http://schemas.microsoft.com/office/drawing/2014/main" id="{4782BE43-BBC5-AC48-9213-3504203ECD41}"/>
+              </a:ext>
+            </a:extLst>
+          </p:cNvPr>
+          <p:cNvPicPr>
+            <a:picLocks noChangeAspect="1"/>
+          </p:cNvPicPr>
+          <p:nvPr/>
+        </p:nvPicPr>
+        <p:blipFill>
+          <a:blip r:embed="rId6"/>
+          <a:stretch>
+            <a:fillRect/>
+          </a:stretch>
+        </p:blipFill>
+        <p:spPr>
+          <a:xfrm>
+            <a:off x="6203006" y="2412456"/>
+            <a:ext cx="5253326" cy="2344259"/>
+          </a:xfrm>
+          <a:prstGeom prst="rect">
+            <a:avLst/>
+          </a:prstGeom>
+        </p:spPr>
+      </p:pic>
+      <p:sp>
+        <p:nvSpPr>
+          <p:cNvPr id="16" name="Sirkel: hul 15">
+            <a:extLst>
+              <a:ext uri="{FF2B5EF4-FFF2-40B4-BE49-F238E27FC236}">
+                <a16:creationId xmlns:a16="http://schemas.microsoft.com/office/drawing/2014/main" id="{1DDA63F3-B982-51A2-6873-5CFFC37F40BD}"/>
+              </a:ext>
+            </a:extLst>
+          </p:cNvPr>
+          <p:cNvSpPr/>
+          <p:nvPr/>
+        </p:nvSpPr>
+        <p:spPr>
+          <a:xfrm>
+            <a:off x="3968684" y="3667027"/>
+            <a:ext cx="697583" cy="656223"/>
+          </a:xfrm>
+          <a:prstGeom prst="donut">
+            <a:avLst>
+              <a:gd name="adj" fmla="val 5428"/>
+            </a:avLst>
+          </a:prstGeom>
+          <a:solidFill>
+            <a:srgbClr val="FF0000"/>
+          </a:solidFill>
+          <a:ln w="3175"/>
+        </p:spPr>
+        <p:style>
+          <a:lnRef idx="2">
+            <a:schemeClr val="accent1">
+              <a:shade val="15000"/>
+            </a:schemeClr>
+          </a:lnRef>
+          <a:fillRef idx="1">
+            <a:schemeClr val="accent1"/>
+          </a:fillRef>
+          <a:effectRef idx="0">
+            <a:schemeClr val="accent1"/>
+          </a:effectRef>
+          <a:fontRef idx="minor">
+            <a:schemeClr val="lt1"/>
+          </a:fontRef>
+        </p:style>
+        <p:txBody>
+          <a:bodyPr rtlCol="0" anchor="ctr"/>
+          <a:lstStyle/>
+          <a:p>
+            <a:pPr algn="ctr"/>
+            <a:endParaRPr lang="nb-NO">
+              <a:solidFill>
+                <a:schemeClr val="tx1"/>
+              </a:solidFill>
+            </a:endParaRPr>
+          </a:p>
+        </p:txBody>
+      </p:sp>
+      <p:cxnSp>
+        <p:nvCxnSpPr>
+          <p:cNvPr id="18" name="Rett pilkobling 17">
+            <a:extLst>
+              <a:ext uri="{FF2B5EF4-FFF2-40B4-BE49-F238E27FC236}">
+                <a16:creationId xmlns:a16="http://schemas.microsoft.com/office/drawing/2014/main" id="{09716682-8912-E2D5-76E3-2606DCCB23F6}"/>
+              </a:ext>
+            </a:extLst>
+          </p:cNvPr>
+          <p:cNvCxnSpPr/>
+          <p:nvPr/>
+        </p:nvCxnSpPr>
+        <p:spPr>
+          <a:xfrm flipH="1">
+            <a:off x="4565662" y="3423823"/>
+            <a:ext cx="329938" cy="313484"/>
+          </a:xfrm>
+          <a:prstGeom prst="straightConnector1">
+            <a:avLst/>
+          </a:prstGeom>
+          <a:ln w="57150">
+            <a:solidFill>
+              <a:srgbClr val="FF0000"/>
+            </a:solidFill>
+            <a:tailEnd type="triangle"/>
+          </a:ln>
+        </p:spPr>
+        <p:style>
+          <a:lnRef idx="1">
+            <a:schemeClr val="accent1"/>
+          </a:lnRef>
+          <a:fillRef idx="0">
+            <a:schemeClr val="accent1"/>
+          </a:fillRef>
+          <a:effectRef idx="0">
+            <a:schemeClr val="accent1"/>
+          </a:effectRef>
+          <a:fontRef idx="minor">
+            <a:schemeClr val="tx1"/>
+          </a:fontRef>
+        </p:style>
+      </p:cxnSp>
+      <p:sp>
+        <p:nvSpPr>
+          <p:cNvPr id="19" name="Sirkel: hul 18">
+            <a:extLst>
+              <a:ext uri="{FF2B5EF4-FFF2-40B4-BE49-F238E27FC236}">
+                <a16:creationId xmlns:a16="http://schemas.microsoft.com/office/drawing/2014/main" id="{72F4751A-267B-8661-6282-CC86994686F3}"/>
+              </a:ext>
+            </a:extLst>
+          </p:cNvPr>
+          <p:cNvSpPr/>
+          <p:nvPr/>
+        </p:nvSpPr>
+        <p:spPr>
+          <a:xfrm>
+            <a:off x="9484935" y="3702907"/>
+            <a:ext cx="697583" cy="656223"/>
+          </a:xfrm>
+          <a:prstGeom prst="donut">
+            <a:avLst>
+              <a:gd name="adj" fmla="val 5428"/>
+            </a:avLst>
+          </a:prstGeom>
+          <a:solidFill>
+            <a:srgbClr val="FF0000"/>
+          </a:solidFill>
+          <a:ln w="3175"/>
+        </p:spPr>
+        <p:style>
+          <a:lnRef idx="2">
+            <a:schemeClr val="accent1">
+              <a:shade val="15000"/>
+            </a:schemeClr>
+          </a:lnRef>
+          <a:fillRef idx="1">
+            <a:schemeClr val="accent1"/>
+          </a:fillRef>
+          <a:effectRef idx="0">
+            <a:schemeClr val="accent1"/>
+          </a:effectRef>
+          <a:fontRef idx="minor">
+            <a:schemeClr val="lt1"/>
+          </a:fontRef>
+        </p:style>
+        <p:txBody>
+          <a:bodyPr rtlCol="0" anchor="ctr"/>
+          <a:lstStyle/>
+          <a:p>
+            <a:pPr algn="ctr"/>
+            <a:endParaRPr lang="nb-NO">
+              <a:solidFill>
+                <a:schemeClr val="tx1"/>
+              </a:solidFill>
+            </a:endParaRPr>
+          </a:p>
+        </p:txBody>
+      </p:sp>
+      <p:cxnSp>
+        <p:nvCxnSpPr>
+          <p:cNvPr id="20" name="Rett pilkobling 19">
+            <a:extLst>
+              <a:ext uri="{FF2B5EF4-FFF2-40B4-BE49-F238E27FC236}">
+                <a16:creationId xmlns:a16="http://schemas.microsoft.com/office/drawing/2014/main" id="{F4164890-1FBC-E188-73A2-05603C54FCBF}"/>
+              </a:ext>
+            </a:extLst>
+          </p:cNvPr>
+          <p:cNvCxnSpPr/>
+          <p:nvPr/>
+        </p:nvCxnSpPr>
+        <p:spPr>
+          <a:xfrm flipH="1">
+            <a:off x="10081913" y="3459703"/>
+            <a:ext cx="329938" cy="313484"/>
+          </a:xfrm>
+          <a:prstGeom prst="straightConnector1">
+            <a:avLst/>
+          </a:prstGeom>
+          <a:ln w="57150">
+            <a:solidFill>
+              <a:srgbClr val="FF0000"/>
+            </a:solidFill>
+            <a:tailEnd type="triangle"/>
+          </a:ln>
+        </p:spPr>
+        <p:style>
+          <a:lnRef idx="1">
+            <a:schemeClr val="accent1"/>
+          </a:lnRef>
+          <a:fillRef idx="0">
+            <a:schemeClr val="accent1"/>
+          </a:fillRef>
+          <a:effectRef idx="0">
+            <a:schemeClr val="accent1"/>
+          </a:effectRef>
+          <a:fontRef idx="minor">
+            <a:schemeClr val="tx1"/>
+          </a:fontRef>
+        </p:style>
+      </p:cxnSp>
     </p:spTree>
     <p:extLst>
       <p:ext uri="{BB962C8B-B14F-4D97-AF65-F5344CB8AC3E}">
@@ -8875,13 +9392,13 @@
   <p:clrMapOvr>
     <a:masterClrMapping/>
   </p:clrMapOvr>
-  <mc:AlternateContent xmlns:mc="http://schemas.openxmlformats.org/markup-compatibility/2006">
-    <mc:Choice xmlns:p159="http://schemas.microsoft.com/office/powerpoint/2015/09/main" Requires="p159">
+  <mc:AlternateContent xmlns:mc="http://schemas.openxmlformats.org/markup-compatibility/2006" xmlns:p159="http://schemas.microsoft.com/office/powerpoint/2015/09/main">
+    <mc:Choice Requires="p159">
       <p:transition xmlns:p14="http://schemas.microsoft.com/office/powerpoint/2010/main" spd="slow" p14:dur="2000">
         <p159:morph option="byObject"/>
       </p:transition>
     </mc:Choice>
-    <mc:Fallback>
+    <mc:Fallback xmlns="">
       <p:transition spd="slow">
         <p:fade/>
       </p:transition>
@@ -9292,6 +9809,266 @@
           </a:p>
         </p:txBody>
       </p:sp>
+      <p:pic>
+        <p:nvPicPr>
+          <p:cNvPr id="6" name="Bilde 5">
+            <a:extLst>
+              <a:ext uri="{FF2B5EF4-FFF2-40B4-BE49-F238E27FC236}">
+                <a16:creationId xmlns:a16="http://schemas.microsoft.com/office/drawing/2014/main" id="{BB756BAA-4AB3-7B30-3208-BB985F099B6B}"/>
+              </a:ext>
+            </a:extLst>
+          </p:cNvPr>
+          <p:cNvPicPr>
+            <a:picLocks noChangeAspect="1"/>
+          </p:cNvPicPr>
+          <p:nvPr/>
+        </p:nvPicPr>
+        <p:blipFill>
+          <a:blip r:embed="rId4"/>
+          <a:stretch>
+            <a:fillRect/>
+          </a:stretch>
+        </p:blipFill>
+        <p:spPr>
+          <a:xfrm>
+            <a:off x="735668" y="2403744"/>
+            <a:ext cx="5338611" cy="2050511"/>
+          </a:xfrm>
+          <a:prstGeom prst="rect">
+            <a:avLst/>
+          </a:prstGeom>
+        </p:spPr>
+      </p:pic>
+      <p:pic>
+        <p:nvPicPr>
+          <p:cNvPr id="7" name="Bilde 6">
+            <a:extLst>
+              <a:ext uri="{FF2B5EF4-FFF2-40B4-BE49-F238E27FC236}">
+                <a16:creationId xmlns:a16="http://schemas.microsoft.com/office/drawing/2014/main" id="{78AE2C29-E015-8119-875A-552C96E79802}"/>
+              </a:ext>
+            </a:extLst>
+          </p:cNvPr>
+          <p:cNvPicPr>
+            <a:picLocks noChangeAspect="1"/>
+          </p:cNvPicPr>
+          <p:nvPr/>
+        </p:nvPicPr>
+        <p:blipFill>
+          <a:blip r:embed="rId5"/>
+          <a:stretch>
+            <a:fillRect/>
+          </a:stretch>
+        </p:blipFill>
+        <p:spPr>
+          <a:xfrm>
+            <a:off x="6203006" y="2412456"/>
+            <a:ext cx="5253326" cy="2344259"/>
+          </a:xfrm>
+          <a:prstGeom prst="rect">
+            <a:avLst/>
+          </a:prstGeom>
+        </p:spPr>
+      </p:pic>
+      <p:sp>
+        <p:nvSpPr>
+          <p:cNvPr id="8" name="Sirkel: hul 7">
+            <a:extLst>
+              <a:ext uri="{FF2B5EF4-FFF2-40B4-BE49-F238E27FC236}">
+                <a16:creationId xmlns:a16="http://schemas.microsoft.com/office/drawing/2014/main" id="{795920CC-C2E2-CB4F-D6E7-C3473CAFE7CA}"/>
+              </a:ext>
+            </a:extLst>
+          </p:cNvPr>
+          <p:cNvSpPr/>
+          <p:nvPr/>
+        </p:nvSpPr>
+        <p:spPr>
+          <a:xfrm>
+            <a:off x="4929192" y="3697773"/>
+            <a:ext cx="697583" cy="656223"/>
+          </a:xfrm>
+          <a:prstGeom prst="donut">
+            <a:avLst>
+              <a:gd name="adj" fmla="val 5428"/>
+            </a:avLst>
+          </a:prstGeom>
+          <a:solidFill>
+            <a:srgbClr val="FF0000"/>
+          </a:solidFill>
+          <a:ln w="3175"/>
+        </p:spPr>
+        <p:style>
+          <a:lnRef idx="2">
+            <a:schemeClr val="accent1">
+              <a:shade val="15000"/>
+            </a:schemeClr>
+          </a:lnRef>
+          <a:fillRef idx="1">
+            <a:schemeClr val="accent1"/>
+          </a:fillRef>
+          <a:effectRef idx="0">
+            <a:schemeClr val="accent1"/>
+          </a:effectRef>
+          <a:fontRef idx="minor">
+            <a:schemeClr val="lt1"/>
+          </a:fontRef>
+        </p:style>
+        <p:txBody>
+          <a:bodyPr rtlCol="0" anchor="ctr"/>
+          <a:lstStyle/>
+          <a:p>
+            <a:pPr algn="ctr"/>
+            <a:endParaRPr lang="nb-NO">
+              <a:solidFill>
+                <a:schemeClr val="tx1"/>
+              </a:solidFill>
+            </a:endParaRPr>
+          </a:p>
+        </p:txBody>
+      </p:sp>
+      <p:cxnSp>
+        <p:nvCxnSpPr>
+          <p:cNvPr id="9" name="Rett pilkobling 8">
+            <a:extLst>
+              <a:ext uri="{FF2B5EF4-FFF2-40B4-BE49-F238E27FC236}">
+                <a16:creationId xmlns:a16="http://schemas.microsoft.com/office/drawing/2014/main" id="{D7F11093-39DB-5181-810B-E3EA509D2DBD}"/>
+              </a:ext>
+            </a:extLst>
+          </p:cNvPr>
+          <p:cNvCxnSpPr>
+            <a:cxnSpLocks/>
+          </p:cNvCxnSpPr>
+          <p:nvPr/>
+        </p:nvCxnSpPr>
+        <p:spPr>
+          <a:xfrm>
+            <a:off x="4800465" y="3428999"/>
+            <a:ext cx="358060" cy="268774"/>
+          </a:xfrm>
+          <a:prstGeom prst="straightConnector1">
+            <a:avLst/>
+          </a:prstGeom>
+          <a:ln w="57150">
+            <a:solidFill>
+              <a:srgbClr val="FF0000"/>
+            </a:solidFill>
+            <a:tailEnd type="triangle"/>
+          </a:ln>
+        </p:spPr>
+        <p:style>
+          <a:lnRef idx="1">
+            <a:schemeClr val="accent1"/>
+          </a:lnRef>
+          <a:fillRef idx="0">
+            <a:schemeClr val="accent1"/>
+          </a:fillRef>
+          <a:effectRef idx="0">
+            <a:schemeClr val="accent1"/>
+          </a:effectRef>
+          <a:fontRef idx="minor">
+            <a:schemeClr val="tx1"/>
+          </a:fontRef>
+        </p:style>
+      </p:cxnSp>
+      <p:sp>
+        <p:nvSpPr>
+          <p:cNvPr id="13" name="Sirkel: hul 12">
+            <a:extLst>
+              <a:ext uri="{FF2B5EF4-FFF2-40B4-BE49-F238E27FC236}">
+                <a16:creationId xmlns:a16="http://schemas.microsoft.com/office/drawing/2014/main" id="{03DB1FB4-C6CB-B307-9827-E0CDE8B9C142}"/>
+              </a:ext>
+            </a:extLst>
+          </p:cNvPr>
+          <p:cNvSpPr/>
+          <p:nvPr/>
+        </p:nvSpPr>
+        <p:spPr>
+          <a:xfrm>
+            <a:off x="10506612" y="3697773"/>
+            <a:ext cx="673578" cy="656223"/>
+          </a:xfrm>
+          <a:prstGeom prst="donut">
+            <a:avLst>
+              <a:gd name="adj" fmla="val 5428"/>
+            </a:avLst>
+          </a:prstGeom>
+          <a:solidFill>
+            <a:srgbClr val="FF0000"/>
+          </a:solidFill>
+          <a:ln w="3175"/>
+        </p:spPr>
+        <p:style>
+          <a:lnRef idx="2">
+            <a:schemeClr val="accent1">
+              <a:shade val="15000"/>
+            </a:schemeClr>
+          </a:lnRef>
+          <a:fillRef idx="1">
+            <a:schemeClr val="accent1"/>
+          </a:fillRef>
+          <a:effectRef idx="0">
+            <a:schemeClr val="accent1"/>
+          </a:effectRef>
+          <a:fontRef idx="minor">
+            <a:schemeClr val="lt1"/>
+          </a:fontRef>
+        </p:style>
+        <p:txBody>
+          <a:bodyPr rtlCol="0" anchor="ctr"/>
+          <a:lstStyle/>
+          <a:p>
+            <a:pPr algn="ctr"/>
+            <a:endParaRPr lang="nb-NO">
+              <a:solidFill>
+                <a:schemeClr val="tx1"/>
+              </a:solidFill>
+            </a:endParaRPr>
+          </a:p>
+        </p:txBody>
+      </p:sp>
+      <p:cxnSp>
+        <p:nvCxnSpPr>
+          <p:cNvPr id="15" name="Rett pilkobling 14">
+            <a:extLst>
+              <a:ext uri="{FF2B5EF4-FFF2-40B4-BE49-F238E27FC236}">
+                <a16:creationId xmlns:a16="http://schemas.microsoft.com/office/drawing/2014/main" id="{CF4D6DF2-05DB-C570-7938-8A23646EF21F}"/>
+              </a:ext>
+            </a:extLst>
+          </p:cNvPr>
+          <p:cNvCxnSpPr>
+            <a:cxnSpLocks/>
+          </p:cNvCxnSpPr>
+          <p:nvPr/>
+        </p:nvCxnSpPr>
+        <p:spPr>
+          <a:xfrm>
+            <a:off x="10194776" y="3456800"/>
+            <a:ext cx="367536" cy="278255"/>
+          </a:xfrm>
+          <a:prstGeom prst="straightConnector1">
+            <a:avLst/>
+          </a:prstGeom>
+          <a:ln w="57150">
+            <a:solidFill>
+              <a:srgbClr val="FF0000"/>
+            </a:solidFill>
+            <a:tailEnd type="triangle"/>
+          </a:ln>
+        </p:spPr>
+        <p:style>
+          <a:lnRef idx="1">
+            <a:schemeClr val="accent1"/>
+          </a:lnRef>
+          <a:fillRef idx="0">
+            <a:schemeClr val="accent1"/>
+          </a:fillRef>
+          <a:effectRef idx="0">
+            <a:schemeClr val="accent1"/>
+          </a:effectRef>
+          <a:fontRef idx="minor">
+            <a:schemeClr val="tx1"/>
+          </a:fontRef>
+        </p:style>
+      </p:cxnSp>
     </p:spTree>
     <p:extLst>
       <p:ext uri="{BB962C8B-B14F-4D97-AF65-F5344CB8AC3E}">
@@ -9302,13 +10079,13 @@
   <p:clrMapOvr>
     <a:masterClrMapping/>
   </p:clrMapOvr>
-  <mc:AlternateContent xmlns:mc="http://schemas.openxmlformats.org/markup-compatibility/2006">
-    <mc:Choice xmlns:p159="http://schemas.microsoft.com/office/powerpoint/2015/09/main" Requires="p159">
+  <mc:AlternateContent xmlns:mc="http://schemas.openxmlformats.org/markup-compatibility/2006" xmlns:p159="http://schemas.microsoft.com/office/powerpoint/2015/09/main">
+    <mc:Choice Requires="p159">
       <p:transition xmlns:p14="http://schemas.microsoft.com/office/powerpoint/2010/main" spd="slow" p14:dur="2000">
         <p159:morph option="byObject"/>
       </p:transition>
     </mc:Choice>
-    <mc:Fallback>
+    <mc:Fallback xmlns="">
       <p:transition spd="slow">
         <p:fade/>
       </p:transition>
@@ -9541,7 +10318,13 @@
             </a:pPr>
             <a:r>
               <a:rPr lang="nb-NO" sz="2400" dirty="0"/>
-              <a:t>Brukere av tjenesten godkjenner Terms </a:t>
+              <a:t>Brukere av tjenesten godkjenner </a:t>
+            </a:r>
+          </a:p>
+          <a:p>
+            <a:r>
+              <a:rPr lang="nb-NO" sz="2400" dirty="0"/>
+              <a:t>    Terms </a:t>
             </a:r>
             <a:r>
               <a:rPr lang="nb-NO" sz="2400" dirty="0" err="1"/>
@@ -9596,6 +10379,266 @@
           </a:p>
         </p:txBody>
       </p:sp>
+      <p:pic>
+        <p:nvPicPr>
+          <p:cNvPr id="2" name="Bilde 1">
+            <a:extLst>
+              <a:ext uri="{FF2B5EF4-FFF2-40B4-BE49-F238E27FC236}">
+                <a16:creationId xmlns:a16="http://schemas.microsoft.com/office/drawing/2014/main" id="{AE1F0002-1BD4-1921-F464-ACC93CC6A74A}"/>
+              </a:ext>
+            </a:extLst>
+          </p:cNvPr>
+          <p:cNvPicPr>
+            <a:picLocks noChangeAspect="1"/>
+          </p:cNvPicPr>
+          <p:nvPr/>
+        </p:nvPicPr>
+        <p:blipFill>
+          <a:blip r:embed="rId4"/>
+          <a:stretch>
+            <a:fillRect/>
+          </a:stretch>
+        </p:blipFill>
+        <p:spPr>
+          <a:xfrm>
+            <a:off x="662516" y="7233199"/>
+            <a:ext cx="5338611" cy="2050511"/>
+          </a:xfrm>
+          <a:prstGeom prst="rect">
+            <a:avLst/>
+          </a:prstGeom>
+        </p:spPr>
+      </p:pic>
+      <p:pic>
+        <p:nvPicPr>
+          <p:cNvPr id="3" name="Bilde 2">
+            <a:extLst>
+              <a:ext uri="{FF2B5EF4-FFF2-40B4-BE49-F238E27FC236}">
+                <a16:creationId xmlns:a16="http://schemas.microsoft.com/office/drawing/2014/main" id="{EDCB2721-F85D-90DF-348A-E6652BAF266C}"/>
+              </a:ext>
+            </a:extLst>
+          </p:cNvPr>
+          <p:cNvPicPr>
+            <a:picLocks noChangeAspect="1"/>
+          </p:cNvPicPr>
+          <p:nvPr/>
+        </p:nvPicPr>
+        <p:blipFill>
+          <a:blip r:embed="rId5"/>
+          <a:stretch>
+            <a:fillRect/>
+          </a:stretch>
+        </p:blipFill>
+        <p:spPr>
+          <a:xfrm>
+            <a:off x="6129854" y="7241911"/>
+            <a:ext cx="5253326" cy="2344259"/>
+          </a:xfrm>
+          <a:prstGeom prst="rect">
+            <a:avLst/>
+          </a:prstGeom>
+        </p:spPr>
+      </p:pic>
+      <p:sp>
+        <p:nvSpPr>
+          <p:cNvPr id="6" name="Sirkel: hul 5">
+            <a:extLst>
+              <a:ext uri="{FF2B5EF4-FFF2-40B4-BE49-F238E27FC236}">
+                <a16:creationId xmlns:a16="http://schemas.microsoft.com/office/drawing/2014/main" id="{DA930D1F-0C07-0687-4BCC-22F2EFA348F6}"/>
+              </a:ext>
+            </a:extLst>
+          </p:cNvPr>
+          <p:cNvSpPr/>
+          <p:nvPr/>
+        </p:nvSpPr>
+        <p:spPr>
+          <a:xfrm>
+            <a:off x="4856040" y="8527228"/>
+            <a:ext cx="697583" cy="656223"/>
+          </a:xfrm>
+          <a:prstGeom prst="donut">
+            <a:avLst>
+              <a:gd name="adj" fmla="val 5428"/>
+            </a:avLst>
+          </a:prstGeom>
+          <a:solidFill>
+            <a:srgbClr val="FF0000"/>
+          </a:solidFill>
+          <a:ln w="3175"/>
+        </p:spPr>
+        <p:style>
+          <a:lnRef idx="2">
+            <a:schemeClr val="accent1">
+              <a:shade val="15000"/>
+            </a:schemeClr>
+          </a:lnRef>
+          <a:fillRef idx="1">
+            <a:schemeClr val="accent1"/>
+          </a:fillRef>
+          <a:effectRef idx="0">
+            <a:schemeClr val="accent1"/>
+          </a:effectRef>
+          <a:fontRef idx="minor">
+            <a:schemeClr val="lt1"/>
+          </a:fontRef>
+        </p:style>
+        <p:txBody>
+          <a:bodyPr rtlCol="0" anchor="ctr"/>
+          <a:lstStyle/>
+          <a:p>
+            <a:pPr algn="ctr"/>
+            <a:endParaRPr lang="nb-NO">
+              <a:solidFill>
+                <a:schemeClr val="tx1"/>
+              </a:solidFill>
+            </a:endParaRPr>
+          </a:p>
+        </p:txBody>
+      </p:sp>
+      <p:cxnSp>
+        <p:nvCxnSpPr>
+          <p:cNvPr id="10" name="Rett pilkobling 9">
+            <a:extLst>
+              <a:ext uri="{FF2B5EF4-FFF2-40B4-BE49-F238E27FC236}">
+                <a16:creationId xmlns:a16="http://schemas.microsoft.com/office/drawing/2014/main" id="{67D0C621-EE45-AD56-E746-AAD7E708189F}"/>
+              </a:ext>
+            </a:extLst>
+          </p:cNvPr>
+          <p:cNvCxnSpPr>
+            <a:cxnSpLocks/>
+          </p:cNvCxnSpPr>
+          <p:nvPr/>
+        </p:nvCxnSpPr>
+        <p:spPr>
+          <a:xfrm>
+            <a:off x="4727313" y="8258454"/>
+            <a:ext cx="358060" cy="268774"/>
+          </a:xfrm>
+          <a:prstGeom prst="straightConnector1">
+            <a:avLst/>
+          </a:prstGeom>
+          <a:ln w="57150">
+            <a:solidFill>
+              <a:srgbClr val="FF0000"/>
+            </a:solidFill>
+            <a:tailEnd type="triangle"/>
+          </a:ln>
+        </p:spPr>
+        <p:style>
+          <a:lnRef idx="1">
+            <a:schemeClr val="accent1"/>
+          </a:lnRef>
+          <a:fillRef idx="0">
+            <a:schemeClr val="accent1"/>
+          </a:fillRef>
+          <a:effectRef idx="0">
+            <a:schemeClr val="accent1"/>
+          </a:effectRef>
+          <a:fontRef idx="minor">
+            <a:schemeClr val="tx1"/>
+          </a:fontRef>
+        </p:style>
+      </p:cxnSp>
+      <p:sp>
+        <p:nvSpPr>
+          <p:cNvPr id="11" name="Sirkel: hul 10">
+            <a:extLst>
+              <a:ext uri="{FF2B5EF4-FFF2-40B4-BE49-F238E27FC236}">
+                <a16:creationId xmlns:a16="http://schemas.microsoft.com/office/drawing/2014/main" id="{9B5720E2-1E2A-AB71-F4C9-DAF04120DE0C}"/>
+              </a:ext>
+            </a:extLst>
+          </p:cNvPr>
+          <p:cNvSpPr/>
+          <p:nvPr/>
+        </p:nvSpPr>
+        <p:spPr>
+          <a:xfrm>
+            <a:off x="10340268" y="8527228"/>
+            <a:ext cx="697583" cy="656223"/>
+          </a:xfrm>
+          <a:prstGeom prst="donut">
+            <a:avLst>
+              <a:gd name="adj" fmla="val 5428"/>
+            </a:avLst>
+          </a:prstGeom>
+          <a:solidFill>
+            <a:srgbClr val="FF0000"/>
+          </a:solidFill>
+          <a:ln w="3175"/>
+        </p:spPr>
+        <p:style>
+          <a:lnRef idx="2">
+            <a:schemeClr val="accent1">
+              <a:shade val="15000"/>
+            </a:schemeClr>
+          </a:lnRef>
+          <a:fillRef idx="1">
+            <a:schemeClr val="accent1"/>
+          </a:fillRef>
+          <a:effectRef idx="0">
+            <a:schemeClr val="accent1"/>
+          </a:effectRef>
+          <a:fontRef idx="minor">
+            <a:schemeClr val="lt1"/>
+          </a:fontRef>
+        </p:style>
+        <p:txBody>
+          <a:bodyPr rtlCol="0" anchor="ctr"/>
+          <a:lstStyle/>
+          <a:p>
+            <a:pPr algn="ctr"/>
+            <a:endParaRPr lang="nb-NO">
+              <a:solidFill>
+                <a:schemeClr val="tx1"/>
+              </a:solidFill>
+            </a:endParaRPr>
+          </a:p>
+        </p:txBody>
+      </p:sp>
+      <p:cxnSp>
+        <p:nvCxnSpPr>
+          <p:cNvPr id="12" name="Rett pilkobling 11">
+            <a:extLst>
+              <a:ext uri="{FF2B5EF4-FFF2-40B4-BE49-F238E27FC236}">
+                <a16:creationId xmlns:a16="http://schemas.microsoft.com/office/drawing/2014/main" id="{E1957962-390C-C2A6-62E8-A026642780A0}"/>
+              </a:ext>
+            </a:extLst>
+          </p:cNvPr>
+          <p:cNvCxnSpPr>
+            <a:cxnSpLocks/>
+          </p:cNvCxnSpPr>
+          <p:nvPr/>
+        </p:nvCxnSpPr>
+        <p:spPr>
+          <a:xfrm>
+            <a:off x="10065924" y="8283855"/>
+            <a:ext cx="367536" cy="278255"/>
+          </a:xfrm>
+          <a:prstGeom prst="straightConnector1">
+            <a:avLst/>
+          </a:prstGeom>
+          <a:ln w="57150">
+            <a:solidFill>
+              <a:srgbClr val="FF0000"/>
+            </a:solidFill>
+            <a:tailEnd type="triangle"/>
+          </a:ln>
+        </p:spPr>
+        <p:style>
+          <a:lnRef idx="1">
+            <a:schemeClr val="accent1"/>
+          </a:lnRef>
+          <a:fillRef idx="0">
+            <a:schemeClr val="accent1"/>
+          </a:fillRef>
+          <a:effectRef idx="0">
+            <a:schemeClr val="accent1"/>
+          </a:effectRef>
+          <a:fontRef idx="minor">
+            <a:schemeClr val="tx1"/>
+          </a:fontRef>
+        </p:style>
+      </p:cxnSp>
     </p:spTree>
     <p:extLst>
       <p:ext uri="{BB962C8B-B14F-4D97-AF65-F5344CB8AC3E}">
@@ -9606,13 +10649,13 @@
   <p:clrMapOvr>
     <a:masterClrMapping/>
   </p:clrMapOvr>
-  <mc:AlternateContent xmlns:mc="http://schemas.openxmlformats.org/markup-compatibility/2006">
-    <mc:Choice xmlns:p159="http://schemas.microsoft.com/office/powerpoint/2015/09/main" Requires="p159">
+  <mc:AlternateContent xmlns:mc="http://schemas.openxmlformats.org/markup-compatibility/2006" xmlns:p159="http://schemas.microsoft.com/office/powerpoint/2015/09/main">
+    <mc:Choice Requires="p159">
       <p:transition xmlns:p14="http://schemas.microsoft.com/office/powerpoint/2010/main" spd="slow" p14:dur="2000">
         <p159:morph option="byObject"/>
       </p:transition>
     </mc:Choice>
-    <mc:Fallback>
+    <mc:Fallback xmlns="">
       <p:transition spd="slow">
         <p:fade/>
       </p:transition>
@@ -9776,7 +10819,7 @@
                                         <p:tgtEl>
                                           <p:spTgt spid="9">
                                             <p:txEl>
-                                              <p:pRg st="4" end="4"/>
+                                              <p:pRg st="3" end="3"/>
                                             </p:txEl>
                                           </p:spTgt>
                                         </p:tgtEl>
@@ -9794,7 +10837,7 @@
                                         <p:tgtEl>
                                           <p:spTgt spid="9">
                                             <p:txEl>
-                                              <p:pRg st="4" end="4"/>
+                                              <p:pRg st="3" end="3"/>
                                             </p:txEl>
                                           </p:spTgt>
                                         </p:tgtEl>
@@ -9837,7 +10880,7 @@
                                         <p:tgtEl>
                                           <p:spTgt spid="9">
                                             <p:txEl>
-                                              <p:pRg st="6" end="6"/>
+                                              <p:pRg st="5" end="5"/>
                                             </p:txEl>
                                           </p:spTgt>
                                         </p:tgtEl>
@@ -9855,7 +10898,68 @@
                                         <p:tgtEl>
                                           <p:spTgt spid="9">
                                             <p:txEl>
-                                              <p:pRg st="6" end="6"/>
+                                              <p:pRg st="5" end="5"/>
+                                            </p:txEl>
+                                          </p:spTgt>
+                                        </p:tgtEl>
+                                      </p:cBhvr>
+                                    </p:animEffect>
+                                  </p:childTnLst>
+                                </p:cTn>
+                              </p:par>
+                            </p:childTnLst>
+                          </p:cTn>
+                        </p:par>
+                      </p:childTnLst>
+                    </p:cTn>
+                  </p:par>
+                  <p:par>
+                    <p:cTn id="23" fill="hold">
+                      <p:stCondLst>
+                        <p:cond delay="indefinite"/>
+                      </p:stCondLst>
+                      <p:childTnLst>
+                        <p:par>
+                          <p:cTn id="24" fill="hold">
+                            <p:stCondLst>
+                              <p:cond delay="0"/>
+                            </p:stCondLst>
+                            <p:childTnLst>
+                              <p:par>
+                                <p:cTn id="25" presetID="10" presetClass="entr" presetSubtype="0" fill="hold" nodeType="clickEffect">
+                                  <p:stCondLst>
+                                    <p:cond delay="0"/>
+                                  </p:stCondLst>
+                                  <p:childTnLst>
+                                    <p:set>
+                                      <p:cBhvr>
+                                        <p:cTn id="26" dur="1" fill="hold">
+                                          <p:stCondLst>
+                                            <p:cond delay="0"/>
+                                          </p:stCondLst>
+                                        </p:cTn>
+                                        <p:tgtEl>
+                                          <p:spTgt spid="9">
+                                            <p:txEl>
+                                              <p:pRg st="7" end="7"/>
+                                            </p:txEl>
+                                          </p:spTgt>
+                                        </p:tgtEl>
+                                        <p:attrNameLst>
+                                          <p:attrName>style.visibility</p:attrName>
+                                        </p:attrNameLst>
+                                      </p:cBhvr>
+                                      <p:to>
+                                        <p:strVal val="visible"/>
+                                      </p:to>
+                                    </p:set>
+                                    <p:animEffect transition="in" filter="fade">
+                                      <p:cBhvr>
+                                        <p:cTn id="27" dur="500"/>
+                                        <p:tgtEl>
+                                          <p:spTgt spid="9">
+                                            <p:txEl>
+                                              <p:pRg st="7" end="7"/>
                                             </p:txEl>
                                           </p:spTgt>
                                         </p:tgtEl>

--- a/Presentasjon.pptx
+++ b/Presentasjon.pptx
@@ -207,7 +207,7 @@
           <a:p>
             <a:fld id="{2327A38E-9F09-445C-BA1E-5368DD676257}" type="datetimeFigureOut">
               <a:rPr lang="nb-NO" smtClean="0"/>
-              <a:t>02.04.2024</a:t>
+              <a:t>04.04.2024</a:t>
             </a:fld>
             <a:endParaRPr lang="nb-NO"/>
           </a:p>
@@ -906,7 +906,7 @@
           <a:p>
             <a:fld id="{3CADBD16-5BFB-4D9F-9646-C75D1B53BBB6}" type="datetimeFigureOut">
               <a:rPr lang="en-US" smtClean="0"/>
-              <a:t>4/2/2024</a:t>
+              <a:t>4/4/2024</a:t>
             </a:fld>
             <a:endParaRPr lang="en-US"/>
           </a:p>
@@ -1147,7 +1147,7 @@
           <a:p>
             <a:fld id="{3CADBD16-5BFB-4D9F-9646-C75D1B53BBB6}" type="datetimeFigureOut">
               <a:rPr lang="en-US" smtClean="0"/>
-              <a:t>4/2/2024</a:t>
+              <a:t>4/4/2024</a:t>
             </a:fld>
             <a:endParaRPr lang="en-US"/>
           </a:p>
@@ -1355,7 +1355,7 @@
           <a:p>
             <a:fld id="{3CADBD16-5BFB-4D9F-9646-C75D1B53BBB6}" type="datetimeFigureOut">
               <a:rPr lang="en-US" smtClean="0"/>
-              <a:t>4/2/2024</a:t>
+              <a:t>4/4/2024</a:t>
             </a:fld>
             <a:endParaRPr lang="en-US"/>
           </a:p>
@@ -1553,7 +1553,7 @@
           <a:p>
             <a:fld id="{3CADBD16-5BFB-4D9F-9646-C75D1B53BBB6}" type="datetimeFigureOut">
               <a:rPr lang="en-US" smtClean="0"/>
-              <a:t>4/2/2024</a:t>
+              <a:t>4/4/2024</a:t>
             </a:fld>
             <a:endParaRPr lang="en-US"/>
           </a:p>
@@ -1830,7 +1830,7 @@
           <a:p>
             <a:fld id="{3CADBD16-5BFB-4D9F-9646-C75D1B53BBB6}" type="datetimeFigureOut">
               <a:rPr lang="en-US" smtClean="0"/>
-              <a:t>4/2/2024</a:t>
+              <a:t>4/4/2024</a:t>
             </a:fld>
             <a:endParaRPr lang="en-US"/>
           </a:p>
@@ -2095,7 +2095,7 @@
           <a:p>
             <a:fld id="{3CADBD16-5BFB-4D9F-9646-C75D1B53BBB6}" type="datetimeFigureOut">
               <a:rPr lang="en-US" smtClean="0"/>
-              <a:t>4/2/2024</a:t>
+              <a:t>4/4/2024</a:t>
             </a:fld>
             <a:endParaRPr lang="en-US"/>
           </a:p>
@@ -2511,7 +2511,7 @@
           <a:p>
             <a:fld id="{3CADBD16-5BFB-4D9F-9646-C75D1B53BBB6}" type="datetimeFigureOut">
               <a:rPr lang="en-US" smtClean="0"/>
-              <a:t>4/2/2024</a:t>
+              <a:t>4/4/2024</a:t>
             </a:fld>
             <a:endParaRPr lang="en-US"/>
           </a:p>
@@ -2661,7 +2661,7 @@
           <a:p>
             <a:fld id="{3CADBD16-5BFB-4D9F-9646-C75D1B53BBB6}" type="datetimeFigureOut">
               <a:rPr lang="en-US" smtClean="0"/>
-              <a:t>4/2/2024</a:t>
+              <a:t>4/4/2024</a:t>
             </a:fld>
             <a:endParaRPr lang="en-US"/>
           </a:p>
@@ -2774,7 +2774,7 @@
           <a:p>
             <a:fld id="{3CADBD16-5BFB-4D9F-9646-C75D1B53BBB6}" type="datetimeFigureOut">
               <a:rPr lang="en-US" smtClean="0"/>
-              <a:t>4/2/2024</a:t>
+              <a:t>4/4/2024</a:t>
             </a:fld>
             <a:endParaRPr lang="en-US"/>
           </a:p>
@@ -3090,7 +3090,7 @@
           <a:p>
             <a:fld id="{3CADBD16-5BFB-4D9F-9646-C75D1B53BBB6}" type="datetimeFigureOut">
               <a:rPr lang="en-US" smtClean="0"/>
-              <a:t>4/2/2024</a:t>
+              <a:t>4/4/2024</a:t>
             </a:fld>
             <a:endParaRPr lang="en-US"/>
           </a:p>
@@ -3341,7 +3341,7 @@
           <a:p>
             <a:fld id="{3CADBD16-5BFB-4D9F-9646-C75D1B53BBB6}" type="datetimeFigureOut">
               <a:rPr lang="en-US" smtClean="0"/>
-              <a:t>4/2/2024</a:t>
+              <a:t>4/4/2024</a:t>
             </a:fld>
             <a:endParaRPr lang="en-US"/>
           </a:p>
@@ -3850,7 +3850,7 @@
             <a:fld id="{3CADBD16-5BFB-4D9F-9646-C75D1B53BBB6}" type="datetimeFigureOut">
               <a:rPr lang="en-US" smtClean="0"/>
               <a:pPr/>
-              <a:t>4/2/2024</a:t>
+              <a:t>4/4/2024</a:t>
             </a:fld>
             <a:endParaRPr lang="en-US" dirty="0"/>
           </a:p>
@@ -4459,42 +4459,6 @@
           </a:p>
         </p:txBody>
       </p:sp>
-      <p:pic>
-        <p:nvPicPr>
-          <p:cNvPr id="12" name="Bilde 11" descr="Et bilde som inneholder Font, skjermbilde, Grafikk, logo&#10;&#10;Automatisk generert beskrivelse">
-            <a:extLst>
-              <a:ext uri="{FF2B5EF4-FFF2-40B4-BE49-F238E27FC236}">
-                <a16:creationId xmlns:a16="http://schemas.microsoft.com/office/drawing/2014/main" id="{E26039A8-4518-2CE0-552B-5C46B9CCC68D}"/>
-              </a:ext>
-            </a:extLst>
-          </p:cNvPr>
-          <p:cNvPicPr>
-            <a:picLocks noChangeAspect="1"/>
-          </p:cNvPicPr>
-          <p:nvPr/>
-        </p:nvPicPr>
-        <p:blipFill>
-          <a:blip r:embed="rId2">
-            <a:extLst>
-              <a:ext uri="{28A0092B-C50C-407E-A947-70E740481C1C}">
-                <a14:useLocalDpi xmlns:a14="http://schemas.microsoft.com/office/drawing/2010/main" val="0"/>
-              </a:ext>
-            </a:extLst>
-          </a:blip>
-          <a:stretch>
-            <a:fillRect/>
-          </a:stretch>
-        </p:blipFill>
-        <p:spPr>
-          <a:xfrm>
-            <a:off x="3826414" y="741054"/>
-            <a:ext cx="4539172" cy="3621593"/>
-          </a:xfrm>
-          <a:prstGeom prst="rect">
-            <a:avLst/>
-          </a:prstGeom>
-        </p:spPr>
-      </p:pic>
       <p:cxnSp>
         <p:nvCxnSpPr>
           <p:cNvPr id="14" name="Rett linje 13">
@@ -4577,6 +4541,42 @@
           </a:p>
         </p:txBody>
       </p:sp>
+      <p:pic>
+        <p:nvPicPr>
+          <p:cNvPr id="3" name="Bilde 2" descr="Et bilde som inneholder Font, Grafikk, skjermbilde, tekst&#10;&#10;Automatisk generert beskrivelse">
+            <a:extLst>
+              <a:ext uri="{FF2B5EF4-FFF2-40B4-BE49-F238E27FC236}">
+                <a16:creationId xmlns:a16="http://schemas.microsoft.com/office/drawing/2014/main" id="{1E9FC2C0-F9FF-C19C-CDFB-297368576CEB}"/>
+              </a:ext>
+            </a:extLst>
+          </p:cNvPr>
+          <p:cNvPicPr>
+            <a:picLocks noChangeAspect="1"/>
+          </p:cNvPicPr>
+          <p:nvPr/>
+        </p:nvPicPr>
+        <p:blipFill>
+          <a:blip r:embed="rId2">
+            <a:extLst>
+              <a:ext uri="{28A0092B-C50C-407E-A947-70E740481C1C}">
+                <a14:useLocalDpi xmlns:a14="http://schemas.microsoft.com/office/drawing/2010/main" val="0"/>
+              </a:ext>
+            </a:extLst>
+          </a:blip>
+          <a:stretch>
+            <a:fillRect/>
+          </a:stretch>
+        </p:blipFill>
+        <p:spPr>
+          <a:xfrm>
+            <a:off x="3300412" y="426678"/>
+            <a:ext cx="5591175" cy="4048125"/>
+          </a:xfrm>
+          <a:prstGeom prst="rect">
+            <a:avLst/>
+          </a:prstGeom>
+        </p:spPr>
+      </p:pic>
     </p:spTree>
     <p:extLst>
       <p:ext uri="{BB962C8B-B14F-4D97-AF65-F5344CB8AC3E}">
@@ -4609,10 +4609,10 @@
       </p:grpSpPr>
       <p:pic>
         <p:nvPicPr>
-          <p:cNvPr id="4" name="Bilde 3" descr="Et bilde som inneholder Font, skjermbilde, Grafikk, logo&#10;&#10;Automatisk generert beskrivelse">
-            <a:extLst>
-              <a:ext uri="{FF2B5EF4-FFF2-40B4-BE49-F238E27FC236}">
-                <a16:creationId xmlns:a16="http://schemas.microsoft.com/office/drawing/2014/main" id="{708FCC79-D822-14E4-4633-1A03C5636EBE}"/>
+          <p:cNvPr id="5" name="Bilde 4">
+            <a:extLst>
+              <a:ext uri="{FF2B5EF4-FFF2-40B4-BE49-F238E27FC236}">
+                <a16:creationId xmlns:a16="http://schemas.microsoft.com/office/drawing/2014/main" id="{E1742CDB-AC92-E6F7-9FA8-BB1B8EC98ECC}"/>
               </a:ext>
             </a:extLst>
           </p:cNvPr>
@@ -4622,43 +4622,7 @@
           <p:nvPr/>
         </p:nvPicPr>
         <p:blipFill>
-          <a:blip r:embed="rId2">
-            <a:extLst>
-              <a:ext uri="{28A0092B-C50C-407E-A947-70E740481C1C}">
-                <a14:useLocalDpi xmlns:a14="http://schemas.microsoft.com/office/drawing/2010/main" val="0"/>
-              </a:ext>
-            </a:extLst>
-          </a:blip>
-          <a:stretch>
-            <a:fillRect/>
-          </a:stretch>
-        </p:blipFill>
-        <p:spPr>
-          <a:xfrm>
-            <a:off x="9696450" y="5233285"/>
-            <a:ext cx="2495550" cy="1991083"/>
-          </a:xfrm>
-          <a:prstGeom prst="rect">
-            <a:avLst/>
-          </a:prstGeom>
-        </p:spPr>
-      </p:pic>
-      <p:pic>
-        <p:nvPicPr>
-          <p:cNvPr id="5" name="Bilde 4">
-            <a:extLst>
-              <a:ext uri="{FF2B5EF4-FFF2-40B4-BE49-F238E27FC236}">
-                <a16:creationId xmlns:a16="http://schemas.microsoft.com/office/drawing/2014/main" id="{E1742CDB-AC92-E6F7-9FA8-BB1B8EC98ECC}"/>
-              </a:ext>
-            </a:extLst>
-          </p:cNvPr>
-          <p:cNvPicPr>
-            <a:picLocks noChangeAspect="1"/>
-          </p:cNvPicPr>
-          <p:nvPr/>
-        </p:nvPicPr>
-        <p:blipFill>
-          <a:blip r:embed="rId3"/>
+          <a:blip r:embed="rId2"/>
           <a:stretch>
             <a:fillRect/>
           </a:stretch>
@@ -4851,7 +4815,7 @@
         </p:nvSpPr>
         <p:spPr>
           <a:xfrm>
-            <a:off x="2125201" y="7111349"/>
+            <a:off x="2125201" y="-1598335"/>
             <a:ext cx="7941598" cy="1446550"/>
           </a:xfrm>
           <a:prstGeom prst="rect">
@@ -4875,6 +4839,42 @@
           </a:p>
         </p:txBody>
       </p:sp>
+      <p:pic>
+        <p:nvPicPr>
+          <p:cNvPr id="3" name="Bilde 2" descr="Et bilde som inneholder Font, Grafikk, skjermbilde, tekst&#10;&#10;Automatisk generert beskrivelse">
+            <a:extLst>
+              <a:ext uri="{FF2B5EF4-FFF2-40B4-BE49-F238E27FC236}">
+                <a16:creationId xmlns:a16="http://schemas.microsoft.com/office/drawing/2014/main" id="{68BFA0C6-7773-2DCC-BFD7-0693CBC56FE5}"/>
+              </a:ext>
+            </a:extLst>
+          </p:cNvPr>
+          <p:cNvPicPr>
+            <a:picLocks noChangeAspect="1"/>
+          </p:cNvPicPr>
+          <p:nvPr/>
+        </p:nvPicPr>
+        <p:blipFill>
+          <a:blip r:embed="rId3">
+            <a:extLst>
+              <a:ext uri="{28A0092B-C50C-407E-A947-70E740481C1C}">
+                <a14:useLocalDpi xmlns:a14="http://schemas.microsoft.com/office/drawing/2010/main" val="0"/>
+              </a:ext>
+            </a:extLst>
+          </a:blip>
+          <a:stretch>
+            <a:fillRect/>
+          </a:stretch>
+        </p:blipFill>
+        <p:spPr>
+          <a:xfrm>
+            <a:off x="9618917" y="5095462"/>
+            <a:ext cx="2487740" cy="1801175"/>
+          </a:xfrm>
+          <a:prstGeom prst="rect">
+            <a:avLst/>
+          </a:prstGeom>
+        </p:spPr>
+      </p:pic>
     </p:spTree>
     <p:extLst>
       <p:ext uri="{BB962C8B-B14F-4D97-AF65-F5344CB8AC3E}">
@@ -5130,42 +5130,6 @@
           <a:chExt cx="0" cy="0"/>
         </a:xfrm>
       </p:grpSpPr>
-      <p:pic>
-        <p:nvPicPr>
-          <p:cNvPr id="4" name="Bilde 3" descr="Et bilde som inneholder Font, skjermbilde, Grafikk, logo&#10;&#10;Automatisk generert beskrivelse">
-            <a:extLst>
-              <a:ext uri="{FF2B5EF4-FFF2-40B4-BE49-F238E27FC236}">
-                <a16:creationId xmlns:a16="http://schemas.microsoft.com/office/drawing/2014/main" id="{708FCC79-D822-14E4-4633-1A03C5636EBE}"/>
-              </a:ext>
-            </a:extLst>
-          </p:cNvPr>
-          <p:cNvPicPr>
-            <a:picLocks noChangeAspect="1"/>
-          </p:cNvPicPr>
-          <p:nvPr/>
-        </p:nvPicPr>
-        <p:blipFill>
-          <a:blip r:embed="rId2">
-            <a:extLst>
-              <a:ext uri="{28A0092B-C50C-407E-A947-70E740481C1C}">
-                <a14:useLocalDpi xmlns:a14="http://schemas.microsoft.com/office/drawing/2010/main" val="0"/>
-              </a:ext>
-            </a:extLst>
-          </a:blip>
-          <a:stretch>
-            <a:fillRect/>
-          </a:stretch>
-        </p:blipFill>
-        <p:spPr>
-          <a:xfrm>
-            <a:off x="9696450" y="5233285"/>
-            <a:ext cx="2495550" cy="1991083"/>
-          </a:xfrm>
-          <a:prstGeom prst="rect">
-            <a:avLst/>
-          </a:prstGeom>
-        </p:spPr>
-      </p:pic>
       <p:sp>
         <p:nvSpPr>
           <p:cNvPr id="2" name="TekstSylinder 1">
@@ -5330,6 +5294,42 @@
           </a:p>
         </p:txBody>
       </p:sp>
+      <p:pic>
+        <p:nvPicPr>
+          <p:cNvPr id="5" name="Bilde 4" descr="Et bilde som inneholder Font, Grafikk, skjermbilde, tekst&#10;&#10;Automatisk generert beskrivelse">
+            <a:extLst>
+              <a:ext uri="{FF2B5EF4-FFF2-40B4-BE49-F238E27FC236}">
+                <a16:creationId xmlns:a16="http://schemas.microsoft.com/office/drawing/2014/main" id="{40DAC41D-6B1B-4258-6CC6-C556F18975C2}"/>
+              </a:ext>
+            </a:extLst>
+          </p:cNvPr>
+          <p:cNvPicPr>
+            <a:picLocks noChangeAspect="1"/>
+          </p:cNvPicPr>
+          <p:nvPr/>
+        </p:nvPicPr>
+        <p:blipFill>
+          <a:blip r:embed="rId2">
+            <a:extLst>
+              <a:ext uri="{28A0092B-C50C-407E-A947-70E740481C1C}">
+                <a14:useLocalDpi xmlns:a14="http://schemas.microsoft.com/office/drawing/2010/main" val="0"/>
+              </a:ext>
+            </a:extLst>
+          </a:blip>
+          <a:stretch>
+            <a:fillRect/>
+          </a:stretch>
+        </p:blipFill>
+        <p:spPr>
+          <a:xfrm>
+            <a:off x="4033551" y="2330207"/>
+            <a:ext cx="4124898" cy="2986511"/>
+          </a:xfrm>
+          <a:prstGeom prst="rect">
+            <a:avLst/>
+          </a:prstGeom>
+        </p:spPr>
+      </p:pic>
     </p:spTree>
     <p:extLst>
       <p:ext uri="{BB962C8B-B14F-4D97-AF65-F5344CB8AC3E}">
@@ -5408,42 +5408,6 @@
           </a:prstGeom>
         </p:spPr>
       </p:pic>
-      <p:pic>
-        <p:nvPicPr>
-          <p:cNvPr id="5" name="Bilde 4" descr="Et bilde som inneholder Font, skjermbilde, Grafikk, logo&#10;&#10;Automatisk generert beskrivelse">
-            <a:extLst>
-              <a:ext uri="{FF2B5EF4-FFF2-40B4-BE49-F238E27FC236}">
-                <a16:creationId xmlns:a16="http://schemas.microsoft.com/office/drawing/2014/main" id="{5624167A-E9C9-A264-C40A-132FB6DB9252}"/>
-              </a:ext>
-            </a:extLst>
-          </p:cNvPr>
-          <p:cNvPicPr>
-            <a:picLocks noChangeAspect="1"/>
-          </p:cNvPicPr>
-          <p:nvPr/>
-        </p:nvPicPr>
-        <p:blipFill>
-          <a:blip r:embed="rId2">
-            <a:extLst>
-              <a:ext uri="{28A0092B-C50C-407E-A947-70E740481C1C}">
-                <a14:useLocalDpi xmlns:a14="http://schemas.microsoft.com/office/drawing/2010/main" val="0"/>
-              </a:ext>
-            </a:extLst>
-          </a:blip>
-          <a:stretch>
-            <a:fillRect/>
-          </a:stretch>
-        </p:blipFill>
-        <p:spPr>
-          <a:xfrm>
-            <a:off x="9696450" y="5233285"/>
-            <a:ext cx="2495550" cy="1991083"/>
-          </a:xfrm>
-          <a:prstGeom prst="rect">
-            <a:avLst/>
-          </a:prstGeom>
-        </p:spPr>
-      </p:pic>
       <p:sp>
         <p:nvSpPr>
           <p:cNvPr id="6" name="TekstSylinder 5">
@@ -5848,6 +5812,42 @@
           </a:p>
         </p:txBody>
       </p:sp>
+      <p:pic>
+        <p:nvPicPr>
+          <p:cNvPr id="3" name="Bilde 2" descr="Et bilde som inneholder Font, Grafikk, skjermbilde, tekst&#10;&#10;Automatisk generert beskrivelse">
+            <a:extLst>
+              <a:ext uri="{FF2B5EF4-FFF2-40B4-BE49-F238E27FC236}">
+                <a16:creationId xmlns:a16="http://schemas.microsoft.com/office/drawing/2014/main" id="{F651C939-8525-4050-D9A8-88748D064326}"/>
+              </a:ext>
+            </a:extLst>
+          </p:cNvPr>
+          <p:cNvPicPr>
+            <a:picLocks noChangeAspect="1"/>
+          </p:cNvPicPr>
+          <p:nvPr/>
+        </p:nvPicPr>
+        <p:blipFill>
+          <a:blip r:embed="rId3">
+            <a:extLst>
+              <a:ext uri="{28A0092B-C50C-407E-A947-70E740481C1C}">
+                <a14:useLocalDpi xmlns:a14="http://schemas.microsoft.com/office/drawing/2010/main" val="0"/>
+              </a:ext>
+            </a:extLst>
+          </a:blip>
+          <a:stretch>
+            <a:fillRect/>
+          </a:stretch>
+        </p:blipFill>
+        <p:spPr>
+          <a:xfrm>
+            <a:off x="9618917" y="5095462"/>
+            <a:ext cx="2487740" cy="1801175"/>
+          </a:xfrm>
+          <a:prstGeom prst="rect">
+            <a:avLst/>
+          </a:prstGeom>
+        </p:spPr>
+      </p:pic>
     </p:spTree>
     <p:extLst>
       <p:ext uri="{BB962C8B-B14F-4D97-AF65-F5344CB8AC3E}">
@@ -6433,12 +6433,206 @@
           </a:p>
         </p:txBody>
       </p:sp>
+      <p:sp>
+        <p:nvSpPr>
+          <p:cNvPr id="6" name="TekstSylinder 5">
+            <a:extLst>
+              <a:ext uri="{FF2B5EF4-FFF2-40B4-BE49-F238E27FC236}">
+                <a16:creationId xmlns:a16="http://schemas.microsoft.com/office/drawing/2014/main" id="{C74986E6-DACF-7035-0972-85836707950B}"/>
+              </a:ext>
+            </a:extLst>
+          </p:cNvPr>
+          <p:cNvSpPr txBox="1"/>
+          <p:nvPr/>
+        </p:nvSpPr>
+        <p:spPr>
+          <a:xfrm>
+            <a:off x="1171577" y="-3113485"/>
+            <a:ext cx="2311851" cy="1477328"/>
+          </a:xfrm>
+          <a:prstGeom prst="rect">
+            <a:avLst/>
+          </a:prstGeom>
+          <a:noFill/>
+        </p:spPr>
+        <p:txBody>
+          <a:bodyPr wrap="square" rtlCol="0">
+            <a:spAutoFit/>
+          </a:bodyPr>
+          <a:lstStyle/>
+          <a:p>
+            <a:r>
+              <a:rPr lang="nb-NO" sz="7200" dirty="0">
+                <a:latin typeface="Yu Gothic UI Semibold" panose="020B0700000000000000" pitchFamily="34" charset="-128"/>
+                <a:ea typeface="Yu Gothic UI Semibold" panose="020B0700000000000000" pitchFamily="34" charset="-128"/>
+              </a:rPr>
+              <a:t>R</a:t>
+            </a:r>
+            <a:r>
+              <a:rPr lang="nb-NO" sz="4400" dirty="0">
+                <a:latin typeface="Yu Gothic UI Semibold" panose="020B0700000000000000" pitchFamily="34" charset="-128"/>
+                <a:ea typeface="Yu Gothic UI Semibold" panose="020B0700000000000000" pitchFamily="34" charset="-128"/>
+              </a:rPr>
+              <a:t>ead</a:t>
+            </a:r>
+          </a:p>
+          <a:p>
+            <a:endParaRPr lang="nb-NO" dirty="0"/>
+          </a:p>
+        </p:txBody>
+      </p:sp>
+      <p:sp>
+        <p:nvSpPr>
+          <p:cNvPr id="8" name="TekstSylinder 7">
+            <a:extLst>
+              <a:ext uri="{FF2B5EF4-FFF2-40B4-BE49-F238E27FC236}">
+                <a16:creationId xmlns:a16="http://schemas.microsoft.com/office/drawing/2014/main" id="{B58A59A3-D594-5AE3-344B-C457E86A4758}"/>
+              </a:ext>
+            </a:extLst>
+          </p:cNvPr>
+          <p:cNvSpPr txBox="1"/>
+          <p:nvPr/>
+        </p:nvSpPr>
+        <p:spPr>
+          <a:xfrm>
+            <a:off x="1171576" y="-2254956"/>
+            <a:ext cx="2311851" cy="1477328"/>
+          </a:xfrm>
+          <a:prstGeom prst="rect">
+            <a:avLst/>
+          </a:prstGeom>
+          <a:noFill/>
+        </p:spPr>
+        <p:txBody>
+          <a:bodyPr wrap="none" rtlCol="0">
+            <a:spAutoFit/>
+          </a:bodyPr>
+          <a:lstStyle/>
+          <a:p>
+            <a:r>
+              <a:rPr lang="nb-NO" sz="7200" dirty="0">
+                <a:latin typeface="Yu Gothic UI Semibold" panose="020B0700000000000000" pitchFamily="34" charset="-128"/>
+                <a:ea typeface="Yu Gothic UI Semibold" panose="020B0700000000000000" pitchFamily="34" charset="-128"/>
+              </a:rPr>
+              <a:t>U</a:t>
+            </a:r>
+            <a:r>
+              <a:rPr lang="nb-NO" sz="4400" dirty="0">
+                <a:latin typeface="Yu Gothic UI Semibold" panose="020B0700000000000000" pitchFamily="34" charset="-128"/>
+                <a:ea typeface="Yu Gothic UI Semibold" panose="020B0700000000000000" pitchFamily="34" charset="-128"/>
+              </a:rPr>
+              <a:t>pdate</a:t>
+            </a:r>
+          </a:p>
+          <a:p>
+            <a:endParaRPr lang="nb-NO" dirty="0"/>
+          </a:p>
+        </p:txBody>
+      </p:sp>
+      <p:sp>
+        <p:nvSpPr>
+          <p:cNvPr id="10" name="TekstSylinder 9">
+            <a:extLst>
+              <a:ext uri="{FF2B5EF4-FFF2-40B4-BE49-F238E27FC236}">
+                <a16:creationId xmlns:a16="http://schemas.microsoft.com/office/drawing/2014/main" id="{D811A3EB-FFD9-0B28-7CF3-07BC036C67E1}"/>
+              </a:ext>
+            </a:extLst>
+          </p:cNvPr>
+          <p:cNvSpPr txBox="1"/>
+          <p:nvPr/>
+        </p:nvSpPr>
+        <p:spPr>
+          <a:xfrm>
+            <a:off x="1171575" y="-1367314"/>
+            <a:ext cx="2097049" cy="1477328"/>
+          </a:xfrm>
+          <a:prstGeom prst="rect">
+            <a:avLst/>
+          </a:prstGeom>
+          <a:noFill/>
+        </p:spPr>
+        <p:txBody>
+          <a:bodyPr wrap="none" rtlCol="0">
+            <a:spAutoFit/>
+          </a:bodyPr>
+          <a:lstStyle/>
+          <a:p>
+            <a:r>
+              <a:rPr lang="nb-NO" sz="7200" dirty="0" err="1">
+                <a:latin typeface="Yu Gothic UI Semibold" panose="020B0700000000000000" pitchFamily="34" charset="-128"/>
+                <a:ea typeface="Yu Gothic UI Semibold" panose="020B0700000000000000" pitchFamily="34" charset="-128"/>
+              </a:rPr>
+              <a:t>D</a:t>
+            </a:r>
+            <a:r>
+              <a:rPr lang="nb-NO" sz="4400" dirty="0" err="1">
+                <a:latin typeface="Yu Gothic UI Semibold" panose="020B0700000000000000" pitchFamily="34" charset="-128"/>
+                <a:ea typeface="Yu Gothic UI Semibold" panose="020B0700000000000000" pitchFamily="34" charset="-128"/>
+              </a:rPr>
+              <a:t>elete</a:t>
+            </a:r>
+            <a:endParaRPr lang="nb-NO" sz="4400" dirty="0">
+              <a:latin typeface="Yu Gothic UI Semibold" panose="020B0700000000000000" pitchFamily="34" charset="-128"/>
+              <a:ea typeface="Yu Gothic UI Semibold" panose="020B0700000000000000" pitchFamily="34" charset="-128"/>
+            </a:endParaRPr>
+          </a:p>
+          <a:p>
+            <a:endParaRPr lang="nb-NO" dirty="0"/>
+          </a:p>
+        </p:txBody>
+      </p:sp>
+      <p:sp>
+        <p:nvSpPr>
+          <p:cNvPr id="11" name="TekstSylinder 10">
+            <a:extLst>
+              <a:ext uri="{FF2B5EF4-FFF2-40B4-BE49-F238E27FC236}">
+                <a16:creationId xmlns:a16="http://schemas.microsoft.com/office/drawing/2014/main" id="{DAC12EB1-9282-0B3B-97DD-EB87DE75F7A8}"/>
+              </a:ext>
+            </a:extLst>
+          </p:cNvPr>
+          <p:cNvSpPr txBox="1"/>
+          <p:nvPr/>
+        </p:nvSpPr>
+        <p:spPr>
+          <a:xfrm>
+            <a:off x="1171576" y="-3972014"/>
+            <a:ext cx="2661483" cy="1200329"/>
+          </a:xfrm>
+          <a:prstGeom prst="rect">
+            <a:avLst/>
+          </a:prstGeom>
+          <a:noFill/>
+        </p:spPr>
+        <p:txBody>
+          <a:bodyPr wrap="square" rtlCol="0">
+            <a:spAutoFit/>
+          </a:bodyPr>
+          <a:lstStyle/>
+          <a:p>
+            <a:r>
+              <a:rPr lang="nb-NO" sz="7200" dirty="0" err="1">
+                <a:latin typeface="Yu Gothic UI Semibold" panose="020B0700000000000000" pitchFamily="34" charset="-128"/>
+                <a:ea typeface="Yu Gothic UI Semibold" panose="020B0700000000000000" pitchFamily="34" charset="-128"/>
+              </a:rPr>
+              <a:t>C</a:t>
+            </a:r>
+            <a:r>
+              <a:rPr lang="nb-NO" sz="4000" dirty="0" err="1">
+                <a:latin typeface="Yu Gothic UI Semibold" panose="020B0700000000000000" pitchFamily="34" charset="-128"/>
+                <a:ea typeface="Yu Gothic UI Semibold" panose="020B0700000000000000" pitchFamily="34" charset="-128"/>
+              </a:rPr>
+              <a:t>reate</a:t>
+            </a:r>
+            <a:endParaRPr lang="nb-NO" sz="4000" dirty="0"/>
+          </a:p>
+        </p:txBody>
+      </p:sp>
       <p:pic>
         <p:nvPicPr>
-          <p:cNvPr id="5" name="Bilde 4" descr="Et bilde som inneholder Font, skjermbilde, Grafikk, logo&#10;&#10;Automatisk generert beskrivelse">
-            <a:extLst>
-              <a:ext uri="{FF2B5EF4-FFF2-40B4-BE49-F238E27FC236}">
-                <a16:creationId xmlns:a16="http://schemas.microsoft.com/office/drawing/2014/main" id="{5624167A-E9C9-A264-C40A-132FB6DB9252}"/>
+          <p:cNvPr id="4" name="Bilde 3" descr="Et bilde som inneholder Font, Grafikk, skjermbilde, tekst&#10;&#10;Automatisk generert beskrivelse">
+            <a:extLst>
+              <a:ext uri="{FF2B5EF4-FFF2-40B4-BE49-F238E27FC236}">
+                <a16:creationId xmlns:a16="http://schemas.microsoft.com/office/drawing/2014/main" id="{77FCBECF-48C3-1180-FE89-947359824830}"/>
               </a:ext>
             </a:extLst>
           </p:cNvPr>
@@ -6448,7 +6642,7 @@
           <p:nvPr/>
         </p:nvPicPr>
         <p:blipFill>
-          <a:blip r:embed="rId2">
+          <a:blip r:embed="rId3">
             <a:extLst>
               <a:ext uri="{28A0092B-C50C-407E-A947-70E740481C1C}">
                 <a14:useLocalDpi xmlns:a14="http://schemas.microsoft.com/office/drawing/2010/main" val="0"/>
@@ -6461,208 +6655,14 @@
         </p:blipFill>
         <p:spPr>
           <a:xfrm>
-            <a:off x="9696450" y="5233285"/>
-            <a:ext cx="2495550" cy="1991083"/>
+            <a:off x="9618917" y="5095462"/>
+            <a:ext cx="2487740" cy="1801175"/>
           </a:xfrm>
           <a:prstGeom prst="rect">
             <a:avLst/>
           </a:prstGeom>
         </p:spPr>
       </p:pic>
-      <p:sp>
-        <p:nvSpPr>
-          <p:cNvPr id="6" name="TekstSylinder 5">
-            <a:extLst>
-              <a:ext uri="{FF2B5EF4-FFF2-40B4-BE49-F238E27FC236}">
-                <a16:creationId xmlns:a16="http://schemas.microsoft.com/office/drawing/2014/main" id="{C74986E6-DACF-7035-0972-85836707950B}"/>
-              </a:ext>
-            </a:extLst>
-          </p:cNvPr>
-          <p:cNvSpPr txBox="1"/>
-          <p:nvPr/>
-        </p:nvSpPr>
-        <p:spPr>
-          <a:xfrm>
-            <a:off x="1171577" y="-3113485"/>
-            <a:ext cx="2311851" cy="1477328"/>
-          </a:xfrm>
-          <a:prstGeom prst="rect">
-            <a:avLst/>
-          </a:prstGeom>
-          <a:noFill/>
-        </p:spPr>
-        <p:txBody>
-          <a:bodyPr wrap="square" rtlCol="0">
-            <a:spAutoFit/>
-          </a:bodyPr>
-          <a:lstStyle/>
-          <a:p>
-            <a:r>
-              <a:rPr lang="nb-NO" sz="7200" dirty="0">
-                <a:latin typeface="Yu Gothic UI Semibold" panose="020B0700000000000000" pitchFamily="34" charset="-128"/>
-                <a:ea typeface="Yu Gothic UI Semibold" panose="020B0700000000000000" pitchFamily="34" charset="-128"/>
-              </a:rPr>
-              <a:t>R</a:t>
-            </a:r>
-            <a:r>
-              <a:rPr lang="nb-NO" sz="4400" dirty="0">
-                <a:latin typeface="Yu Gothic UI Semibold" panose="020B0700000000000000" pitchFamily="34" charset="-128"/>
-                <a:ea typeface="Yu Gothic UI Semibold" panose="020B0700000000000000" pitchFamily="34" charset="-128"/>
-              </a:rPr>
-              <a:t>ead</a:t>
-            </a:r>
-          </a:p>
-          <a:p>
-            <a:endParaRPr lang="nb-NO" dirty="0"/>
-          </a:p>
-        </p:txBody>
-      </p:sp>
-      <p:sp>
-        <p:nvSpPr>
-          <p:cNvPr id="8" name="TekstSylinder 7">
-            <a:extLst>
-              <a:ext uri="{FF2B5EF4-FFF2-40B4-BE49-F238E27FC236}">
-                <a16:creationId xmlns:a16="http://schemas.microsoft.com/office/drawing/2014/main" id="{B58A59A3-D594-5AE3-344B-C457E86A4758}"/>
-              </a:ext>
-            </a:extLst>
-          </p:cNvPr>
-          <p:cNvSpPr txBox="1"/>
-          <p:nvPr/>
-        </p:nvSpPr>
-        <p:spPr>
-          <a:xfrm>
-            <a:off x="1171576" y="-2254956"/>
-            <a:ext cx="2311851" cy="1477328"/>
-          </a:xfrm>
-          <a:prstGeom prst="rect">
-            <a:avLst/>
-          </a:prstGeom>
-          <a:noFill/>
-        </p:spPr>
-        <p:txBody>
-          <a:bodyPr wrap="none" rtlCol="0">
-            <a:spAutoFit/>
-          </a:bodyPr>
-          <a:lstStyle/>
-          <a:p>
-            <a:r>
-              <a:rPr lang="nb-NO" sz="7200" dirty="0">
-                <a:latin typeface="Yu Gothic UI Semibold" panose="020B0700000000000000" pitchFamily="34" charset="-128"/>
-                <a:ea typeface="Yu Gothic UI Semibold" panose="020B0700000000000000" pitchFamily="34" charset="-128"/>
-              </a:rPr>
-              <a:t>U</a:t>
-            </a:r>
-            <a:r>
-              <a:rPr lang="nb-NO" sz="4400" dirty="0">
-                <a:latin typeface="Yu Gothic UI Semibold" panose="020B0700000000000000" pitchFamily="34" charset="-128"/>
-                <a:ea typeface="Yu Gothic UI Semibold" panose="020B0700000000000000" pitchFamily="34" charset="-128"/>
-              </a:rPr>
-              <a:t>pdate</a:t>
-            </a:r>
-          </a:p>
-          <a:p>
-            <a:endParaRPr lang="nb-NO" dirty="0"/>
-          </a:p>
-        </p:txBody>
-      </p:sp>
-      <p:sp>
-        <p:nvSpPr>
-          <p:cNvPr id="10" name="TekstSylinder 9">
-            <a:extLst>
-              <a:ext uri="{FF2B5EF4-FFF2-40B4-BE49-F238E27FC236}">
-                <a16:creationId xmlns:a16="http://schemas.microsoft.com/office/drawing/2014/main" id="{D811A3EB-FFD9-0B28-7CF3-07BC036C67E1}"/>
-              </a:ext>
-            </a:extLst>
-          </p:cNvPr>
-          <p:cNvSpPr txBox="1"/>
-          <p:nvPr/>
-        </p:nvSpPr>
-        <p:spPr>
-          <a:xfrm>
-            <a:off x="1171575" y="-1367314"/>
-            <a:ext cx="2097049" cy="1477328"/>
-          </a:xfrm>
-          <a:prstGeom prst="rect">
-            <a:avLst/>
-          </a:prstGeom>
-          <a:noFill/>
-        </p:spPr>
-        <p:txBody>
-          <a:bodyPr wrap="none" rtlCol="0">
-            <a:spAutoFit/>
-          </a:bodyPr>
-          <a:lstStyle/>
-          <a:p>
-            <a:r>
-              <a:rPr lang="nb-NO" sz="7200" dirty="0" err="1">
-                <a:latin typeface="Yu Gothic UI Semibold" panose="020B0700000000000000" pitchFamily="34" charset="-128"/>
-                <a:ea typeface="Yu Gothic UI Semibold" panose="020B0700000000000000" pitchFamily="34" charset="-128"/>
-              </a:rPr>
-              <a:t>D</a:t>
-            </a:r>
-            <a:r>
-              <a:rPr lang="nb-NO" sz="4400" dirty="0" err="1">
-                <a:latin typeface="Yu Gothic UI Semibold" panose="020B0700000000000000" pitchFamily="34" charset="-128"/>
-                <a:ea typeface="Yu Gothic UI Semibold" panose="020B0700000000000000" pitchFamily="34" charset="-128"/>
-              </a:rPr>
-              <a:t>elete</a:t>
-            </a:r>
-            <a:endParaRPr lang="nb-NO" sz="4400" dirty="0">
-              <a:latin typeface="Yu Gothic UI Semibold" panose="020B0700000000000000" pitchFamily="34" charset="-128"/>
-              <a:ea typeface="Yu Gothic UI Semibold" panose="020B0700000000000000" pitchFamily="34" charset="-128"/>
-            </a:endParaRPr>
-          </a:p>
-          <a:p>
-            <a:endParaRPr lang="nb-NO" dirty="0"/>
-          </a:p>
-        </p:txBody>
-      </p:sp>
-      <p:sp>
-        <p:nvSpPr>
-          <p:cNvPr id="11" name="TekstSylinder 10">
-            <a:extLst>
-              <a:ext uri="{FF2B5EF4-FFF2-40B4-BE49-F238E27FC236}">
-                <a16:creationId xmlns:a16="http://schemas.microsoft.com/office/drawing/2014/main" id="{DAC12EB1-9282-0B3B-97DD-EB87DE75F7A8}"/>
-              </a:ext>
-            </a:extLst>
-          </p:cNvPr>
-          <p:cNvSpPr txBox="1"/>
-          <p:nvPr/>
-        </p:nvSpPr>
-        <p:spPr>
-          <a:xfrm>
-            <a:off x="1171576" y="-3972014"/>
-            <a:ext cx="2661483" cy="1200329"/>
-          </a:xfrm>
-          <a:prstGeom prst="rect">
-            <a:avLst/>
-          </a:prstGeom>
-          <a:noFill/>
-        </p:spPr>
-        <p:txBody>
-          <a:bodyPr wrap="square" rtlCol="0">
-            <a:spAutoFit/>
-          </a:bodyPr>
-          <a:lstStyle/>
-          <a:p>
-            <a:r>
-              <a:rPr lang="nb-NO" sz="7200" dirty="0" err="1">
-                <a:latin typeface="Yu Gothic UI Semibold" panose="020B0700000000000000" pitchFamily="34" charset="-128"/>
-                <a:ea typeface="Yu Gothic UI Semibold" panose="020B0700000000000000" pitchFamily="34" charset="-128"/>
-              </a:rPr>
-              <a:t>C</a:t>
-            </a:r>
-            <a:r>
-              <a:rPr lang="nb-NO" sz="4000" dirty="0" err="1">
-                <a:latin typeface="Yu Gothic UI Semibold" panose="020B0700000000000000" pitchFamily="34" charset="-128"/>
-                <a:ea typeface="Yu Gothic UI Semibold" panose="020B0700000000000000" pitchFamily="34" charset="-128"/>
-              </a:rPr>
-              <a:t>reate</a:t>
-            </a:r>
-            <a:endParaRPr lang="nb-NO" sz="4000" dirty="0"/>
-          </a:p>
-        </p:txBody>
-      </p:sp>
     </p:spTree>
     <p:extLst>
       <p:ext uri="{BB962C8B-B14F-4D97-AF65-F5344CB8AC3E}">
@@ -7065,42 +7065,6 @@
           </a:p>
         </p:txBody>
       </p:sp>
-      <p:pic>
-        <p:nvPicPr>
-          <p:cNvPr id="4" name="Bilde 3" descr="Et bilde som inneholder Font, skjermbilde, Grafikk, logo&#10;&#10;Automatisk generert beskrivelse">
-            <a:extLst>
-              <a:ext uri="{FF2B5EF4-FFF2-40B4-BE49-F238E27FC236}">
-                <a16:creationId xmlns:a16="http://schemas.microsoft.com/office/drawing/2014/main" id="{708FCC79-D822-14E4-4633-1A03C5636EBE}"/>
-              </a:ext>
-            </a:extLst>
-          </p:cNvPr>
-          <p:cNvPicPr>
-            <a:picLocks noChangeAspect="1"/>
-          </p:cNvPicPr>
-          <p:nvPr/>
-        </p:nvPicPr>
-        <p:blipFill>
-          <a:blip r:embed="rId3">
-            <a:extLst>
-              <a:ext uri="{28A0092B-C50C-407E-A947-70E740481C1C}">
-                <a14:useLocalDpi xmlns:a14="http://schemas.microsoft.com/office/drawing/2010/main" val="0"/>
-              </a:ext>
-            </a:extLst>
-          </a:blip>
-          <a:stretch>
-            <a:fillRect/>
-          </a:stretch>
-        </p:blipFill>
-        <p:spPr>
-          <a:xfrm>
-            <a:off x="9696450" y="5233285"/>
-            <a:ext cx="2495550" cy="1991083"/>
-          </a:xfrm>
-          <a:prstGeom prst="rect">
-            <a:avLst/>
-          </a:prstGeom>
-        </p:spPr>
-      </p:pic>
       <p:sp>
         <p:nvSpPr>
           <p:cNvPr id="8" name="TekstSylinder 7">
@@ -7349,6 +7313,42 @@
           <a:xfrm>
             <a:off x="18367599" y="1966816"/>
             <a:ext cx="5076192" cy="2497009"/>
+          </a:xfrm>
+          <a:prstGeom prst="rect">
+            <a:avLst/>
+          </a:prstGeom>
+        </p:spPr>
+      </p:pic>
+      <p:pic>
+        <p:nvPicPr>
+          <p:cNvPr id="5" name="Bilde 4" descr="Et bilde som inneholder Font, Grafikk, skjermbilde, tekst&#10;&#10;Automatisk generert beskrivelse">
+            <a:extLst>
+              <a:ext uri="{FF2B5EF4-FFF2-40B4-BE49-F238E27FC236}">
+                <a16:creationId xmlns:a16="http://schemas.microsoft.com/office/drawing/2014/main" id="{8395E943-0326-4464-101A-93E26F924356}"/>
+              </a:ext>
+            </a:extLst>
+          </p:cNvPr>
+          <p:cNvPicPr>
+            <a:picLocks noChangeAspect="1"/>
+          </p:cNvPicPr>
+          <p:nvPr/>
+        </p:nvPicPr>
+        <p:blipFill>
+          <a:blip r:embed="rId6">
+            <a:extLst>
+              <a:ext uri="{28A0092B-C50C-407E-A947-70E740481C1C}">
+                <a14:useLocalDpi xmlns:a14="http://schemas.microsoft.com/office/drawing/2010/main" val="0"/>
+              </a:ext>
+            </a:extLst>
+          </a:blip>
+          <a:stretch>
+            <a:fillRect/>
+          </a:stretch>
+        </p:blipFill>
+        <p:spPr>
+          <a:xfrm>
+            <a:off x="9618917" y="5095462"/>
+            <a:ext cx="2487740" cy="1801175"/>
           </a:xfrm>
           <a:prstGeom prst="rect">
             <a:avLst/>
@@ -7610,12 +7610,206 @@
           <a:chExt cx="0" cy="0"/>
         </a:xfrm>
       </p:grpSpPr>
+      <p:sp>
+        <p:nvSpPr>
+          <p:cNvPr id="8" name="TekstSylinder 7">
+            <a:extLst>
+              <a:ext uri="{FF2B5EF4-FFF2-40B4-BE49-F238E27FC236}">
+                <a16:creationId xmlns:a16="http://schemas.microsoft.com/office/drawing/2014/main" id="{CE314272-5618-A5AE-3EF3-DE2433140CE2}"/>
+              </a:ext>
+            </a:extLst>
+          </p:cNvPr>
+          <p:cNvSpPr txBox="1"/>
+          <p:nvPr/>
+        </p:nvSpPr>
+        <p:spPr>
+          <a:xfrm>
+            <a:off x="-2579692" y="1838415"/>
+            <a:ext cx="2311851" cy="1477328"/>
+          </a:xfrm>
+          <a:prstGeom prst="rect">
+            <a:avLst/>
+          </a:prstGeom>
+          <a:noFill/>
+        </p:spPr>
+        <p:txBody>
+          <a:bodyPr wrap="square" rtlCol="0">
+            <a:spAutoFit/>
+          </a:bodyPr>
+          <a:lstStyle/>
+          <a:p>
+            <a:r>
+              <a:rPr lang="nb-NO" sz="7200" dirty="0">
+                <a:latin typeface="Yu Gothic UI Semibold" panose="020B0700000000000000" pitchFamily="34" charset="-128"/>
+                <a:ea typeface="Yu Gothic UI Semibold" panose="020B0700000000000000" pitchFamily="34" charset="-128"/>
+              </a:rPr>
+              <a:t>R</a:t>
+            </a:r>
+            <a:r>
+              <a:rPr lang="nb-NO" sz="4400" dirty="0">
+                <a:latin typeface="Yu Gothic UI Semibold" panose="020B0700000000000000" pitchFamily="34" charset="-128"/>
+                <a:ea typeface="Yu Gothic UI Semibold" panose="020B0700000000000000" pitchFamily="34" charset="-128"/>
+              </a:rPr>
+              <a:t>ead</a:t>
+            </a:r>
+          </a:p>
+          <a:p>
+            <a:endParaRPr lang="nb-NO" dirty="0"/>
+          </a:p>
+        </p:txBody>
+      </p:sp>
+      <p:sp>
+        <p:nvSpPr>
+          <p:cNvPr id="9" name="TekstSylinder 8">
+            <a:extLst>
+              <a:ext uri="{FF2B5EF4-FFF2-40B4-BE49-F238E27FC236}">
+                <a16:creationId xmlns:a16="http://schemas.microsoft.com/office/drawing/2014/main" id="{BEDC57DB-2F8F-47E2-3742-6CCCD51D93B3}"/>
+              </a:ext>
+            </a:extLst>
+          </p:cNvPr>
+          <p:cNvSpPr txBox="1"/>
+          <p:nvPr/>
+        </p:nvSpPr>
+        <p:spPr>
+          <a:xfrm>
+            <a:off x="-2579693" y="2696944"/>
+            <a:ext cx="2311851" cy="1477328"/>
+          </a:xfrm>
+          <a:prstGeom prst="rect">
+            <a:avLst/>
+          </a:prstGeom>
+          <a:noFill/>
+        </p:spPr>
+        <p:txBody>
+          <a:bodyPr wrap="none" rtlCol="0">
+            <a:spAutoFit/>
+          </a:bodyPr>
+          <a:lstStyle/>
+          <a:p>
+            <a:r>
+              <a:rPr lang="nb-NO" sz="7200" dirty="0">
+                <a:latin typeface="Yu Gothic UI Semibold" panose="020B0700000000000000" pitchFamily="34" charset="-128"/>
+                <a:ea typeface="Yu Gothic UI Semibold" panose="020B0700000000000000" pitchFamily="34" charset="-128"/>
+              </a:rPr>
+              <a:t>U</a:t>
+            </a:r>
+            <a:r>
+              <a:rPr lang="nb-NO" sz="4400" dirty="0">
+                <a:latin typeface="Yu Gothic UI Semibold" panose="020B0700000000000000" pitchFamily="34" charset="-128"/>
+                <a:ea typeface="Yu Gothic UI Semibold" panose="020B0700000000000000" pitchFamily="34" charset="-128"/>
+              </a:rPr>
+              <a:t>pdate</a:t>
+            </a:r>
+          </a:p>
+          <a:p>
+            <a:endParaRPr lang="nb-NO" dirty="0"/>
+          </a:p>
+        </p:txBody>
+      </p:sp>
+      <p:sp>
+        <p:nvSpPr>
+          <p:cNvPr id="10" name="TekstSylinder 9">
+            <a:extLst>
+              <a:ext uri="{FF2B5EF4-FFF2-40B4-BE49-F238E27FC236}">
+                <a16:creationId xmlns:a16="http://schemas.microsoft.com/office/drawing/2014/main" id="{1A7DAA38-29E5-ADA5-05BD-B759A504B5C0}"/>
+              </a:ext>
+            </a:extLst>
+          </p:cNvPr>
+          <p:cNvSpPr txBox="1"/>
+          <p:nvPr/>
+        </p:nvSpPr>
+        <p:spPr>
+          <a:xfrm>
+            <a:off x="-2579694" y="3584586"/>
+            <a:ext cx="2097049" cy="1477328"/>
+          </a:xfrm>
+          <a:prstGeom prst="rect">
+            <a:avLst/>
+          </a:prstGeom>
+          <a:noFill/>
+        </p:spPr>
+        <p:txBody>
+          <a:bodyPr wrap="none" rtlCol="0">
+            <a:spAutoFit/>
+          </a:bodyPr>
+          <a:lstStyle/>
+          <a:p>
+            <a:r>
+              <a:rPr lang="nb-NO" sz="7200" dirty="0" err="1">
+                <a:latin typeface="Yu Gothic UI Semibold" panose="020B0700000000000000" pitchFamily="34" charset="-128"/>
+                <a:ea typeface="Yu Gothic UI Semibold" panose="020B0700000000000000" pitchFamily="34" charset="-128"/>
+              </a:rPr>
+              <a:t>D</a:t>
+            </a:r>
+            <a:r>
+              <a:rPr lang="nb-NO" sz="4400" dirty="0" err="1">
+                <a:latin typeface="Yu Gothic UI Semibold" panose="020B0700000000000000" pitchFamily="34" charset="-128"/>
+                <a:ea typeface="Yu Gothic UI Semibold" panose="020B0700000000000000" pitchFamily="34" charset="-128"/>
+              </a:rPr>
+              <a:t>elete</a:t>
+            </a:r>
+            <a:endParaRPr lang="nb-NO" sz="4400" dirty="0">
+              <a:latin typeface="Yu Gothic UI Semibold" panose="020B0700000000000000" pitchFamily="34" charset="-128"/>
+              <a:ea typeface="Yu Gothic UI Semibold" panose="020B0700000000000000" pitchFamily="34" charset="-128"/>
+            </a:endParaRPr>
+          </a:p>
+          <a:p>
+            <a:endParaRPr lang="nb-NO" dirty="0"/>
+          </a:p>
+        </p:txBody>
+      </p:sp>
+      <p:sp>
+        <p:nvSpPr>
+          <p:cNvPr id="13" name="TekstSylinder 12">
+            <a:extLst>
+              <a:ext uri="{FF2B5EF4-FFF2-40B4-BE49-F238E27FC236}">
+                <a16:creationId xmlns:a16="http://schemas.microsoft.com/office/drawing/2014/main" id="{4B1932FB-6C9A-6B70-A523-0092AD951AF9}"/>
+              </a:ext>
+            </a:extLst>
+          </p:cNvPr>
+          <p:cNvSpPr txBox="1"/>
+          <p:nvPr/>
+        </p:nvSpPr>
+        <p:spPr>
+          <a:xfrm>
+            <a:off x="1116007" y="208361"/>
+            <a:ext cx="2661483" cy="1200329"/>
+          </a:xfrm>
+          <a:prstGeom prst="rect">
+            <a:avLst/>
+          </a:prstGeom>
+          <a:noFill/>
+        </p:spPr>
+        <p:txBody>
+          <a:bodyPr wrap="square" rtlCol="0">
+            <a:spAutoFit/>
+          </a:bodyPr>
+          <a:lstStyle/>
+          <a:p>
+            <a:r>
+              <a:rPr lang="nb-NO" sz="7200" dirty="0" err="1">
+                <a:latin typeface="Yu Gothic UI Semibold" panose="020B0700000000000000" pitchFamily="34" charset="-128"/>
+                <a:ea typeface="Yu Gothic UI Semibold" panose="020B0700000000000000" pitchFamily="34" charset="-128"/>
+              </a:rPr>
+              <a:t>C</a:t>
+            </a:r>
+            <a:r>
+              <a:rPr lang="nb-NO" sz="4000" dirty="0" err="1">
+                <a:latin typeface="Yu Gothic UI Semibold" panose="020B0700000000000000" pitchFamily="34" charset="-128"/>
+                <a:ea typeface="Yu Gothic UI Semibold" panose="020B0700000000000000" pitchFamily="34" charset="-128"/>
+              </a:rPr>
+              <a:t>reate</a:t>
+            </a:r>
+            <a:endParaRPr lang="nb-NO" sz="4000" dirty="0"/>
+          </a:p>
+        </p:txBody>
+      </p:sp>
       <p:pic>
         <p:nvPicPr>
-          <p:cNvPr id="4" name="Bilde 3" descr="Et bilde som inneholder Font, skjermbilde, Grafikk, logo&#10;&#10;Automatisk generert beskrivelse">
-            <a:extLst>
-              <a:ext uri="{FF2B5EF4-FFF2-40B4-BE49-F238E27FC236}">
-                <a16:creationId xmlns:a16="http://schemas.microsoft.com/office/drawing/2014/main" id="{708FCC79-D822-14E4-4633-1A03C5636EBE}"/>
+          <p:cNvPr id="6" name="Bilde 5">
+            <a:extLst>
+              <a:ext uri="{FF2B5EF4-FFF2-40B4-BE49-F238E27FC236}">
+                <a16:creationId xmlns:a16="http://schemas.microsoft.com/office/drawing/2014/main" id="{51E3D04B-B234-D1B1-0703-EAFFE34A7AAF}"/>
               </a:ext>
             </a:extLst>
           </p:cNvPr>
@@ -7625,21 +7819,15 @@
           <p:nvPr/>
         </p:nvPicPr>
         <p:blipFill>
-          <a:blip r:embed="rId2">
-            <a:extLst>
-              <a:ext uri="{28A0092B-C50C-407E-A947-70E740481C1C}">
-                <a14:useLocalDpi xmlns:a14="http://schemas.microsoft.com/office/drawing/2010/main" val="0"/>
-              </a:ext>
-            </a:extLst>
-          </a:blip>
+          <a:blip r:embed="rId2"/>
           <a:stretch>
             <a:fillRect/>
           </a:stretch>
         </p:blipFill>
         <p:spPr>
           <a:xfrm>
-            <a:off x="9696450" y="5233285"/>
-            <a:ext cx="2495550" cy="1991083"/>
+            <a:off x="1014411" y="1938749"/>
+            <a:ext cx="5081588" cy="2497010"/>
           </a:xfrm>
           <a:prstGeom prst="rect">
             <a:avLst/>
@@ -7648,10 +7836,10 @@
       </p:pic>
       <p:sp>
         <p:nvSpPr>
-          <p:cNvPr id="8" name="TekstSylinder 7">
-            <a:extLst>
-              <a:ext uri="{FF2B5EF4-FFF2-40B4-BE49-F238E27FC236}">
-                <a16:creationId xmlns:a16="http://schemas.microsoft.com/office/drawing/2014/main" id="{CE314272-5618-A5AE-3EF3-DE2433140CE2}"/>
+          <p:cNvPr id="11" name="TekstSylinder 10">
+            <a:extLst>
+              <a:ext uri="{FF2B5EF4-FFF2-40B4-BE49-F238E27FC236}">
+                <a16:creationId xmlns:a16="http://schemas.microsoft.com/office/drawing/2014/main" id="{5703BF19-3BEA-B550-54B7-DF066A7238F8}"/>
               </a:ext>
             </a:extLst>
           </p:cNvPr>
@@ -7660,7 +7848,7 @@
         </p:nvSpPr>
         <p:spPr>
           <a:xfrm>
-            <a:off x="-2579692" y="1838415"/>
+            <a:off x="-1638571" y="208361"/>
             <a:ext cx="2311851" cy="1477328"/>
           </a:xfrm>
           <a:prstGeom prst="rect">
@@ -7694,158 +7882,12 @@
           </a:p>
         </p:txBody>
       </p:sp>
-      <p:sp>
-        <p:nvSpPr>
-          <p:cNvPr id="9" name="TekstSylinder 8">
-            <a:extLst>
-              <a:ext uri="{FF2B5EF4-FFF2-40B4-BE49-F238E27FC236}">
-                <a16:creationId xmlns:a16="http://schemas.microsoft.com/office/drawing/2014/main" id="{BEDC57DB-2F8F-47E2-3742-6CCCD51D93B3}"/>
-              </a:ext>
-            </a:extLst>
-          </p:cNvPr>
-          <p:cNvSpPr txBox="1"/>
-          <p:nvPr/>
-        </p:nvSpPr>
-        <p:spPr>
-          <a:xfrm>
-            <a:off x="-2579693" y="2696944"/>
-            <a:ext cx="2311851" cy="1477328"/>
-          </a:xfrm>
-          <a:prstGeom prst="rect">
-            <a:avLst/>
-          </a:prstGeom>
-          <a:noFill/>
-        </p:spPr>
-        <p:txBody>
-          <a:bodyPr wrap="none" rtlCol="0">
-            <a:spAutoFit/>
-          </a:bodyPr>
-          <a:lstStyle/>
-          <a:p>
-            <a:r>
-              <a:rPr lang="nb-NO" sz="7200" dirty="0">
-                <a:latin typeface="Yu Gothic UI Semibold" panose="020B0700000000000000" pitchFamily="34" charset="-128"/>
-                <a:ea typeface="Yu Gothic UI Semibold" panose="020B0700000000000000" pitchFamily="34" charset="-128"/>
-              </a:rPr>
-              <a:t>U</a:t>
-            </a:r>
-            <a:r>
-              <a:rPr lang="nb-NO" sz="4400" dirty="0">
-                <a:latin typeface="Yu Gothic UI Semibold" panose="020B0700000000000000" pitchFamily="34" charset="-128"/>
-                <a:ea typeface="Yu Gothic UI Semibold" panose="020B0700000000000000" pitchFamily="34" charset="-128"/>
-              </a:rPr>
-              <a:t>pdate</a:t>
-            </a:r>
-          </a:p>
-          <a:p>
-            <a:endParaRPr lang="nb-NO" dirty="0"/>
-          </a:p>
-        </p:txBody>
-      </p:sp>
-      <p:sp>
-        <p:nvSpPr>
-          <p:cNvPr id="10" name="TekstSylinder 9">
-            <a:extLst>
-              <a:ext uri="{FF2B5EF4-FFF2-40B4-BE49-F238E27FC236}">
-                <a16:creationId xmlns:a16="http://schemas.microsoft.com/office/drawing/2014/main" id="{1A7DAA38-29E5-ADA5-05BD-B759A504B5C0}"/>
-              </a:ext>
-            </a:extLst>
-          </p:cNvPr>
-          <p:cNvSpPr txBox="1"/>
-          <p:nvPr/>
-        </p:nvSpPr>
-        <p:spPr>
-          <a:xfrm>
-            <a:off x="-2579694" y="3584586"/>
-            <a:ext cx="2097049" cy="1477328"/>
-          </a:xfrm>
-          <a:prstGeom prst="rect">
-            <a:avLst/>
-          </a:prstGeom>
-          <a:noFill/>
-        </p:spPr>
-        <p:txBody>
-          <a:bodyPr wrap="none" rtlCol="0">
-            <a:spAutoFit/>
-          </a:bodyPr>
-          <a:lstStyle/>
-          <a:p>
-            <a:r>
-              <a:rPr lang="nb-NO" sz="7200" dirty="0" err="1">
-                <a:latin typeface="Yu Gothic UI Semibold" panose="020B0700000000000000" pitchFamily="34" charset="-128"/>
-                <a:ea typeface="Yu Gothic UI Semibold" panose="020B0700000000000000" pitchFamily="34" charset="-128"/>
-              </a:rPr>
-              <a:t>D</a:t>
-            </a:r>
-            <a:r>
-              <a:rPr lang="nb-NO" sz="4400" dirty="0" err="1">
-                <a:latin typeface="Yu Gothic UI Semibold" panose="020B0700000000000000" pitchFamily="34" charset="-128"/>
-                <a:ea typeface="Yu Gothic UI Semibold" panose="020B0700000000000000" pitchFamily="34" charset="-128"/>
-              </a:rPr>
-              <a:t>elete</a:t>
-            </a:r>
-            <a:endParaRPr lang="nb-NO" sz="4400" dirty="0">
-              <a:latin typeface="Yu Gothic UI Semibold" panose="020B0700000000000000" pitchFamily="34" charset="-128"/>
-              <a:ea typeface="Yu Gothic UI Semibold" panose="020B0700000000000000" pitchFamily="34" charset="-128"/>
-            </a:endParaRPr>
-          </a:p>
-          <a:p>
-            <a:endParaRPr lang="nb-NO" dirty="0"/>
-          </a:p>
-        </p:txBody>
-      </p:sp>
-      <p:sp>
-        <p:nvSpPr>
-          <p:cNvPr id="13" name="TekstSylinder 12">
-            <a:extLst>
-              <a:ext uri="{FF2B5EF4-FFF2-40B4-BE49-F238E27FC236}">
-                <a16:creationId xmlns:a16="http://schemas.microsoft.com/office/drawing/2014/main" id="{4B1932FB-6C9A-6B70-A523-0092AD951AF9}"/>
-              </a:ext>
-            </a:extLst>
-          </p:cNvPr>
-          <p:cNvSpPr txBox="1"/>
-          <p:nvPr/>
-        </p:nvSpPr>
-        <p:spPr>
-          <a:xfrm>
-            <a:off x="1116007" y="208361"/>
-            <a:ext cx="2661483" cy="1200329"/>
-          </a:xfrm>
-          <a:prstGeom prst="rect">
-            <a:avLst/>
-          </a:prstGeom>
-          <a:noFill/>
-        </p:spPr>
-        <p:txBody>
-          <a:bodyPr wrap="square" rtlCol="0">
-            <a:spAutoFit/>
-          </a:bodyPr>
-          <a:lstStyle/>
-          <a:p>
-            <a:r>
-              <a:rPr lang="nb-NO" sz="7200" dirty="0" err="1">
-                <a:latin typeface="Yu Gothic UI Semibold" panose="020B0700000000000000" pitchFamily="34" charset="-128"/>
-                <a:ea typeface="Yu Gothic UI Semibold" panose="020B0700000000000000" pitchFamily="34" charset="-128"/>
-              </a:rPr>
-              <a:t>C</a:t>
-            </a:r>
-            <a:r>
-              <a:rPr lang="nb-NO" sz="4000" dirty="0" err="1">
-                <a:latin typeface="Yu Gothic UI Semibold" panose="020B0700000000000000" pitchFamily="34" charset="-128"/>
-                <a:ea typeface="Yu Gothic UI Semibold" panose="020B0700000000000000" pitchFamily="34" charset="-128"/>
-              </a:rPr>
-              <a:t>reate</a:t>
-            </a:r>
-            <a:endParaRPr lang="nb-NO" sz="4000" dirty="0"/>
-          </a:p>
-        </p:txBody>
-      </p:sp>
       <p:pic>
         <p:nvPicPr>
-          <p:cNvPr id="6" name="Bilde 5">
-            <a:extLst>
-              <a:ext uri="{FF2B5EF4-FFF2-40B4-BE49-F238E27FC236}">
-                <a16:creationId xmlns:a16="http://schemas.microsoft.com/office/drawing/2014/main" id="{51E3D04B-B234-D1B1-0703-EAFFE34A7AAF}"/>
+          <p:cNvPr id="15" name="Bilde 14">
+            <a:extLst>
+              <a:ext uri="{FF2B5EF4-FFF2-40B4-BE49-F238E27FC236}">
+                <a16:creationId xmlns:a16="http://schemas.microsoft.com/office/drawing/2014/main" id="{FA9F4F1E-B0D5-2C15-8D0E-5BBF39DC4E44}"/>
               </a:ext>
             </a:extLst>
           </p:cNvPr>
@@ -7862,68 +7904,20 @@
         </p:blipFill>
         <p:spPr>
           <a:xfrm>
-            <a:off x="1014411" y="1938749"/>
-            <a:ext cx="5081588" cy="2497010"/>
+            <a:off x="12579350" y="1685689"/>
+            <a:ext cx="5353033" cy="3254581"/>
           </a:xfrm>
           <a:prstGeom prst="rect">
             <a:avLst/>
           </a:prstGeom>
         </p:spPr>
       </p:pic>
-      <p:sp>
-        <p:nvSpPr>
-          <p:cNvPr id="11" name="TekstSylinder 10">
-            <a:extLst>
-              <a:ext uri="{FF2B5EF4-FFF2-40B4-BE49-F238E27FC236}">
-                <a16:creationId xmlns:a16="http://schemas.microsoft.com/office/drawing/2014/main" id="{5703BF19-3BEA-B550-54B7-DF066A7238F8}"/>
-              </a:ext>
-            </a:extLst>
-          </p:cNvPr>
-          <p:cNvSpPr txBox="1"/>
-          <p:nvPr/>
-        </p:nvSpPr>
-        <p:spPr>
-          <a:xfrm>
-            <a:off x="-1638571" y="208361"/>
-            <a:ext cx="2311851" cy="1477328"/>
-          </a:xfrm>
-          <a:prstGeom prst="rect">
-            <a:avLst/>
-          </a:prstGeom>
-          <a:noFill/>
-        </p:spPr>
-        <p:txBody>
-          <a:bodyPr wrap="square" rtlCol="0">
-            <a:spAutoFit/>
-          </a:bodyPr>
-          <a:lstStyle/>
-          <a:p>
-            <a:r>
-              <a:rPr lang="nb-NO" sz="7200" dirty="0">
-                <a:latin typeface="Yu Gothic UI Semibold" panose="020B0700000000000000" pitchFamily="34" charset="-128"/>
-                <a:ea typeface="Yu Gothic UI Semibold" panose="020B0700000000000000" pitchFamily="34" charset="-128"/>
-              </a:rPr>
-              <a:t>R</a:t>
-            </a:r>
-            <a:r>
-              <a:rPr lang="nb-NO" sz="4400" dirty="0">
-                <a:latin typeface="Yu Gothic UI Semibold" panose="020B0700000000000000" pitchFamily="34" charset="-128"/>
-                <a:ea typeface="Yu Gothic UI Semibold" panose="020B0700000000000000" pitchFamily="34" charset="-128"/>
-              </a:rPr>
-              <a:t>ead</a:t>
-            </a:r>
-          </a:p>
-          <a:p>
-            <a:endParaRPr lang="nb-NO" dirty="0"/>
-          </a:p>
-        </p:txBody>
-      </p:sp>
       <p:pic>
         <p:nvPicPr>
-          <p:cNvPr id="15" name="Bilde 14">
-            <a:extLst>
-              <a:ext uri="{FF2B5EF4-FFF2-40B4-BE49-F238E27FC236}">
-                <a16:creationId xmlns:a16="http://schemas.microsoft.com/office/drawing/2014/main" id="{FA9F4F1E-B0D5-2C15-8D0E-5BBF39DC4E44}"/>
+          <p:cNvPr id="17" name="Bilde 16">
+            <a:extLst>
+              <a:ext uri="{FF2B5EF4-FFF2-40B4-BE49-F238E27FC236}">
+                <a16:creationId xmlns:a16="http://schemas.microsoft.com/office/drawing/2014/main" id="{F3760F6D-56DF-14C8-6C2C-97063851B205}"/>
               </a:ext>
             </a:extLst>
           </p:cNvPr>
@@ -7940,8 +7934,8 @@
         </p:blipFill>
         <p:spPr>
           <a:xfrm>
-            <a:off x="12579350" y="1685689"/>
-            <a:ext cx="5353033" cy="3254581"/>
+            <a:off x="6487050" y="1938750"/>
+            <a:ext cx="5076192" cy="2497009"/>
           </a:xfrm>
           <a:prstGeom prst="rect">
             <a:avLst/>
@@ -7950,10 +7944,10 @@
       </p:pic>
       <p:pic>
         <p:nvPicPr>
-          <p:cNvPr id="17" name="Bilde 16">
-            <a:extLst>
-              <a:ext uri="{FF2B5EF4-FFF2-40B4-BE49-F238E27FC236}">
-                <a16:creationId xmlns:a16="http://schemas.microsoft.com/office/drawing/2014/main" id="{F3760F6D-56DF-14C8-6C2C-97063851B205}"/>
+          <p:cNvPr id="19" name="Bilde 18">
+            <a:extLst>
+              <a:ext uri="{FF2B5EF4-FFF2-40B4-BE49-F238E27FC236}">
+                <a16:creationId xmlns:a16="http://schemas.microsoft.com/office/drawing/2014/main" id="{52FEF64A-6A90-D84B-CE2D-6A9372E63640}"/>
               </a:ext>
             </a:extLst>
           </p:cNvPr>
@@ -7970,8 +7964,8 @@
         </p:blipFill>
         <p:spPr>
           <a:xfrm>
-            <a:off x="6487050" y="1938750"/>
-            <a:ext cx="5076192" cy="2497009"/>
+            <a:off x="17932383" y="1591154"/>
+            <a:ext cx="6415315" cy="3349116"/>
           </a:xfrm>
           <a:prstGeom prst="rect">
             <a:avLst/>
@@ -7980,10 +7974,10 @@
       </p:pic>
       <p:pic>
         <p:nvPicPr>
-          <p:cNvPr id="19" name="Bilde 18">
-            <a:extLst>
-              <a:ext uri="{FF2B5EF4-FFF2-40B4-BE49-F238E27FC236}">
-                <a16:creationId xmlns:a16="http://schemas.microsoft.com/office/drawing/2014/main" id="{52FEF64A-6A90-D84B-CE2D-6A9372E63640}"/>
+          <p:cNvPr id="2" name="Bilde 1" descr="Et bilde som inneholder Font, Grafikk, skjermbilde, tekst&#10;&#10;Automatisk generert beskrivelse">
+            <a:extLst>
+              <a:ext uri="{FF2B5EF4-FFF2-40B4-BE49-F238E27FC236}">
+                <a16:creationId xmlns:a16="http://schemas.microsoft.com/office/drawing/2014/main" id="{AEFF8EB2-DD1C-0BF6-FDFA-877A07A8D586}"/>
               </a:ext>
             </a:extLst>
           </p:cNvPr>
@@ -7993,15 +7987,21 @@
           <p:nvPr/>
         </p:nvPicPr>
         <p:blipFill>
-          <a:blip r:embed="rId6"/>
+          <a:blip r:embed="rId6">
+            <a:extLst>
+              <a:ext uri="{28A0092B-C50C-407E-A947-70E740481C1C}">
+                <a14:useLocalDpi xmlns:a14="http://schemas.microsoft.com/office/drawing/2010/main" val="0"/>
+              </a:ext>
+            </a:extLst>
+          </a:blip>
           <a:stretch>
             <a:fillRect/>
           </a:stretch>
         </p:blipFill>
         <p:spPr>
           <a:xfrm>
-            <a:off x="17932383" y="1591154"/>
-            <a:ext cx="6415315" cy="3349116"/>
+            <a:off x="9618917" y="5095462"/>
+            <a:ext cx="2487740" cy="1801175"/>
           </a:xfrm>
           <a:prstGeom prst="rect">
             <a:avLst/>
@@ -8086,42 +8086,6 @@
           </a:prstGeom>
         </p:spPr>
       </p:pic>
-      <p:pic>
-        <p:nvPicPr>
-          <p:cNvPr id="4" name="Bilde 3" descr="Et bilde som inneholder Font, skjermbilde, Grafikk, logo&#10;&#10;Automatisk generert beskrivelse">
-            <a:extLst>
-              <a:ext uri="{FF2B5EF4-FFF2-40B4-BE49-F238E27FC236}">
-                <a16:creationId xmlns:a16="http://schemas.microsoft.com/office/drawing/2014/main" id="{708FCC79-D822-14E4-4633-1A03C5636EBE}"/>
-              </a:ext>
-            </a:extLst>
-          </p:cNvPr>
-          <p:cNvPicPr>
-            <a:picLocks noChangeAspect="1"/>
-          </p:cNvPicPr>
-          <p:nvPr/>
-        </p:nvPicPr>
-        <p:blipFill>
-          <a:blip r:embed="rId2">
-            <a:extLst>
-              <a:ext uri="{28A0092B-C50C-407E-A947-70E740481C1C}">
-                <a14:useLocalDpi xmlns:a14="http://schemas.microsoft.com/office/drawing/2010/main" val="0"/>
-              </a:ext>
-            </a:extLst>
-          </a:blip>
-          <a:stretch>
-            <a:fillRect/>
-          </a:stretch>
-        </p:blipFill>
-        <p:spPr>
-          <a:xfrm>
-            <a:off x="9696450" y="5233285"/>
-            <a:ext cx="2495550" cy="1991083"/>
-          </a:xfrm>
-          <a:prstGeom prst="rect">
-            <a:avLst/>
-          </a:prstGeom>
-        </p:spPr>
-      </p:pic>
       <p:sp>
         <p:nvSpPr>
           <p:cNvPr id="9" name="TekstSylinder 8">
@@ -8740,6 +8704,42 @@
           </a:fontRef>
         </p:style>
       </p:cxnSp>
+      <p:pic>
+        <p:nvPicPr>
+          <p:cNvPr id="19" name="Bilde 18" descr="Et bilde som inneholder Font, Grafikk, skjermbilde, tekst&#10;&#10;Automatisk generert beskrivelse">
+            <a:extLst>
+              <a:ext uri="{FF2B5EF4-FFF2-40B4-BE49-F238E27FC236}">
+                <a16:creationId xmlns:a16="http://schemas.microsoft.com/office/drawing/2014/main" id="{9CD27C0E-B3F6-DBBD-CC27-BEA4ADD57BC3}"/>
+              </a:ext>
+            </a:extLst>
+          </p:cNvPr>
+          <p:cNvPicPr>
+            <a:picLocks noChangeAspect="1"/>
+          </p:cNvPicPr>
+          <p:nvPr/>
+        </p:nvPicPr>
+        <p:blipFill>
+          <a:blip r:embed="rId9">
+            <a:extLst>
+              <a:ext uri="{28A0092B-C50C-407E-A947-70E740481C1C}">
+                <a14:useLocalDpi xmlns:a14="http://schemas.microsoft.com/office/drawing/2010/main" val="0"/>
+              </a:ext>
+            </a:extLst>
+          </a:blip>
+          <a:stretch>
+            <a:fillRect/>
+          </a:stretch>
+        </p:blipFill>
+        <p:spPr>
+          <a:xfrm>
+            <a:off x="9618917" y="5095462"/>
+            <a:ext cx="2487740" cy="1801175"/>
+          </a:xfrm>
+          <a:prstGeom prst="rect">
+            <a:avLst/>
+          </a:prstGeom>
+        </p:spPr>
+      </p:pic>
     </p:spTree>
     <p:extLst>
       <p:ext uri="{BB962C8B-B14F-4D97-AF65-F5344CB8AC3E}">
@@ -8782,12 +8782,260 @@
           <a:chExt cx="0" cy="0"/>
         </a:xfrm>
       </p:grpSpPr>
+      <p:sp>
+        <p:nvSpPr>
+          <p:cNvPr id="9" name="TekstSylinder 8">
+            <a:extLst>
+              <a:ext uri="{FF2B5EF4-FFF2-40B4-BE49-F238E27FC236}">
+                <a16:creationId xmlns:a16="http://schemas.microsoft.com/office/drawing/2014/main" id="{BEDC57DB-2F8F-47E2-3742-6CCCD51D93B3}"/>
+              </a:ext>
+            </a:extLst>
+          </p:cNvPr>
+          <p:cNvSpPr txBox="1"/>
+          <p:nvPr/>
+        </p:nvSpPr>
+        <p:spPr>
+          <a:xfrm>
+            <a:off x="-2579693" y="2696944"/>
+            <a:ext cx="2311851" cy="1477328"/>
+          </a:xfrm>
+          <a:prstGeom prst="rect">
+            <a:avLst/>
+          </a:prstGeom>
+          <a:noFill/>
+        </p:spPr>
+        <p:txBody>
+          <a:bodyPr wrap="none" rtlCol="0">
+            <a:spAutoFit/>
+          </a:bodyPr>
+          <a:lstStyle/>
+          <a:p>
+            <a:r>
+              <a:rPr lang="nb-NO" sz="7200" dirty="0">
+                <a:latin typeface="Yu Gothic UI Semibold" panose="020B0700000000000000" pitchFamily="34" charset="-128"/>
+                <a:ea typeface="Yu Gothic UI Semibold" panose="020B0700000000000000" pitchFamily="34" charset="-128"/>
+              </a:rPr>
+              <a:t>U</a:t>
+            </a:r>
+            <a:r>
+              <a:rPr lang="nb-NO" sz="4400" dirty="0">
+                <a:latin typeface="Yu Gothic UI Semibold" panose="020B0700000000000000" pitchFamily="34" charset="-128"/>
+                <a:ea typeface="Yu Gothic UI Semibold" panose="020B0700000000000000" pitchFamily="34" charset="-128"/>
+              </a:rPr>
+              <a:t>pdate</a:t>
+            </a:r>
+          </a:p>
+          <a:p>
+            <a:endParaRPr lang="nb-NO" dirty="0"/>
+          </a:p>
+        </p:txBody>
+      </p:sp>
+      <p:sp>
+        <p:nvSpPr>
+          <p:cNvPr id="10" name="TekstSylinder 9">
+            <a:extLst>
+              <a:ext uri="{FF2B5EF4-FFF2-40B4-BE49-F238E27FC236}">
+                <a16:creationId xmlns:a16="http://schemas.microsoft.com/office/drawing/2014/main" id="{1A7DAA38-29E5-ADA5-05BD-B759A504B5C0}"/>
+              </a:ext>
+            </a:extLst>
+          </p:cNvPr>
+          <p:cNvSpPr txBox="1"/>
+          <p:nvPr/>
+        </p:nvSpPr>
+        <p:spPr>
+          <a:xfrm>
+            <a:off x="-2579694" y="3584586"/>
+            <a:ext cx="2097049" cy="1477328"/>
+          </a:xfrm>
+          <a:prstGeom prst="rect">
+            <a:avLst/>
+          </a:prstGeom>
+          <a:noFill/>
+        </p:spPr>
+        <p:txBody>
+          <a:bodyPr wrap="none" rtlCol="0">
+            <a:spAutoFit/>
+          </a:bodyPr>
+          <a:lstStyle/>
+          <a:p>
+            <a:r>
+              <a:rPr lang="nb-NO" sz="7200" dirty="0" err="1">
+                <a:latin typeface="Yu Gothic UI Semibold" panose="020B0700000000000000" pitchFamily="34" charset="-128"/>
+                <a:ea typeface="Yu Gothic UI Semibold" panose="020B0700000000000000" pitchFamily="34" charset="-128"/>
+              </a:rPr>
+              <a:t>D</a:t>
+            </a:r>
+            <a:r>
+              <a:rPr lang="nb-NO" sz="4400" dirty="0" err="1">
+                <a:latin typeface="Yu Gothic UI Semibold" panose="020B0700000000000000" pitchFamily="34" charset="-128"/>
+                <a:ea typeface="Yu Gothic UI Semibold" panose="020B0700000000000000" pitchFamily="34" charset="-128"/>
+              </a:rPr>
+              <a:t>elete</a:t>
+            </a:r>
+            <a:endParaRPr lang="nb-NO" sz="4400" dirty="0">
+              <a:latin typeface="Yu Gothic UI Semibold" panose="020B0700000000000000" pitchFamily="34" charset="-128"/>
+              <a:ea typeface="Yu Gothic UI Semibold" panose="020B0700000000000000" pitchFamily="34" charset="-128"/>
+            </a:endParaRPr>
+          </a:p>
+          <a:p>
+            <a:endParaRPr lang="nb-NO" dirty="0"/>
+          </a:p>
+        </p:txBody>
+      </p:sp>
+      <p:sp>
+        <p:nvSpPr>
+          <p:cNvPr id="2" name="TekstSylinder 1">
+            <a:extLst>
+              <a:ext uri="{FF2B5EF4-FFF2-40B4-BE49-F238E27FC236}">
+                <a16:creationId xmlns:a16="http://schemas.microsoft.com/office/drawing/2014/main" id="{4C90F41D-9157-4146-B4E3-746C0CF71E2F}"/>
+              </a:ext>
+            </a:extLst>
+          </p:cNvPr>
+          <p:cNvSpPr txBox="1"/>
+          <p:nvPr/>
+        </p:nvSpPr>
+        <p:spPr>
+          <a:xfrm>
+            <a:off x="1135057" y="-1445949"/>
+            <a:ext cx="2311851" cy="1477328"/>
+          </a:xfrm>
+          <a:prstGeom prst="rect">
+            <a:avLst/>
+          </a:prstGeom>
+          <a:noFill/>
+        </p:spPr>
+        <p:txBody>
+          <a:bodyPr wrap="square" rtlCol="0">
+            <a:spAutoFit/>
+          </a:bodyPr>
+          <a:lstStyle/>
+          <a:p>
+            <a:r>
+              <a:rPr lang="nb-NO" sz="7200" dirty="0">
+                <a:latin typeface="Yu Gothic UI Semibold" panose="020B0700000000000000" pitchFamily="34" charset="-128"/>
+                <a:ea typeface="Yu Gothic UI Semibold" panose="020B0700000000000000" pitchFamily="34" charset="-128"/>
+              </a:rPr>
+              <a:t>R</a:t>
+            </a:r>
+            <a:r>
+              <a:rPr lang="nb-NO" sz="4400" dirty="0">
+                <a:latin typeface="Yu Gothic UI Semibold" panose="020B0700000000000000" pitchFamily="34" charset="-128"/>
+                <a:ea typeface="Yu Gothic UI Semibold" panose="020B0700000000000000" pitchFamily="34" charset="-128"/>
+              </a:rPr>
+              <a:t>ead</a:t>
+            </a:r>
+          </a:p>
+          <a:p>
+            <a:endParaRPr lang="nb-NO" dirty="0"/>
+          </a:p>
+        </p:txBody>
+      </p:sp>
+      <p:sp>
+        <p:nvSpPr>
+          <p:cNvPr id="3" name="TekstSylinder 2">
+            <a:extLst>
+              <a:ext uri="{FF2B5EF4-FFF2-40B4-BE49-F238E27FC236}">
+                <a16:creationId xmlns:a16="http://schemas.microsoft.com/office/drawing/2014/main" id="{0045C8E8-D241-015D-9A17-0D3D4CAC9BD2}"/>
+              </a:ext>
+            </a:extLst>
+          </p:cNvPr>
+          <p:cNvSpPr txBox="1"/>
+          <p:nvPr/>
+        </p:nvSpPr>
+        <p:spPr>
+          <a:xfrm>
+            <a:off x="1135056" y="31379"/>
+            <a:ext cx="2311851" cy="1477328"/>
+          </a:xfrm>
+          <a:prstGeom prst="rect">
+            <a:avLst/>
+          </a:prstGeom>
+          <a:noFill/>
+        </p:spPr>
+        <p:txBody>
+          <a:bodyPr wrap="none" rtlCol="0">
+            <a:spAutoFit/>
+          </a:bodyPr>
+          <a:lstStyle/>
+          <a:p>
+            <a:r>
+              <a:rPr lang="nb-NO" sz="7200" dirty="0">
+                <a:latin typeface="Yu Gothic UI Semibold" panose="020B0700000000000000" pitchFamily="34" charset="-128"/>
+                <a:ea typeface="Yu Gothic UI Semibold" panose="020B0700000000000000" pitchFamily="34" charset="-128"/>
+              </a:rPr>
+              <a:t>U</a:t>
+            </a:r>
+            <a:r>
+              <a:rPr lang="nb-NO" sz="4400" dirty="0">
+                <a:latin typeface="Yu Gothic UI Semibold" panose="020B0700000000000000" pitchFamily="34" charset="-128"/>
+                <a:ea typeface="Yu Gothic UI Semibold" panose="020B0700000000000000" pitchFamily="34" charset="-128"/>
+              </a:rPr>
+              <a:t>pdate</a:t>
+            </a:r>
+          </a:p>
+          <a:p>
+            <a:endParaRPr lang="nb-NO" dirty="0"/>
+          </a:p>
+        </p:txBody>
+      </p:sp>
+      <p:sp>
+        <p:nvSpPr>
+          <p:cNvPr id="7" name="TekstSylinder 6">
+            <a:extLst>
+              <a:ext uri="{FF2B5EF4-FFF2-40B4-BE49-F238E27FC236}">
+                <a16:creationId xmlns:a16="http://schemas.microsoft.com/office/drawing/2014/main" id="{ED124C08-56CC-3C1D-8BDC-89A30098F006}"/>
+              </a:ext>
+            </a:extLst>
+          </p:cNvPr>
+          <p:cNvSpPr txBox="1"/>
+          <p:nvPr/>
+        </p:nvSpPr>
+        <p:spPr>
+          <a:xfrm>
+            <a:off x="-2364891" y="201810"/>
+            <a:ext cx="2097049" cy="1477328"/>
+          </a:xfrm>
+          <a:prstGeom prst="rect">
+            <a:avLst/>
+          </a:prstGeom>
+          <a:noFill/>
+        </p:spPr>
+        <p:txBody>
+          <a:bodyPr wrap="none" rtlCol="0">
+            <a:spAutoFit/>
+          </a:bodyPr>
+          <a:lstStyle/>
+          <a:p>
+            <a:r>
+              <a:rPr lang="nb-NO" sz="7200" dirty="0" err="1">
+                <a:latin typeface="Yu Gothic UI Semibold" panose="020B0700000000000000" pitchFamily="34" charset="-128"/>
+                <a:ea typeface="Yu Gothic UI Semibold" panose="020B0700000000000000" pitchFamily="34" charset="-128"/>
+              </a:rPr>
+              <a:t>D</a:t>
+            </a:r>
+            <a:r>
+              <a:rPr lang="nb-NO" sz="4400" dirty="0" err="1">
+                <a:latin typeface="Yu Gothic UI Semibold" panose="020B0700000000000000" pitchFamily="34" charset="-128"/>
+                <a:ea typeface="Yu Gothic UI Semibold" panose="020B0700000000000000" pitchFamily="34" charset="-128"/>
+              </a:rPr>
+              <a:t>elete</a:t>
+            </a:r>
+            <a:endParaRPr lang="nb-NO" sz="4400" dirty="0">
+              <a:latin typeface="Yu Gothic UI Semibold" panose="020B0700000000000000" pitchFamily="34" charset="-128"/>
+              <a:ea typeface="Yu Gothic UI Semibold" panose="020B0700000000000000" pitchFamily="34" charset="-128"/>
+            </a:endParaRPr>
+          </a:p>
+          <a:p>
+            <a:endParaRPr lang="nb-NO" dirty="0"/>
+          </a:p>
+        </p:txBody>
+      </p:sp>
       <p:pic>
         <p:nvPicPr>
-          <p:cNvPr id="4" name="Bilde 3" descr="Et bilde som inneholder Font, skjermbilde, Grafikk, logo&#10;&#10;Automatisk generert beskrivelse">
-            <a:extLst>
-              <a:ext uri="{FF2B5EF4-FFF2-40B4-BE49-F238E27FC236}">
-                <a16:creationId xmlns:a16="http://schemas.microsoft.com/office/drawing/2014/main" id="{708FCC79-D822-14E4-4633-1A03C5636EBE}"/>
+          <p:cNvPr id="8" name="Bilde 7">
+            <a:extLst>
+              <a:ext uri="{FF2B5EF4-FFF2-40B4-BE49-F238E27FC236}">
+                <a16:creationId xmlns:a16="http://schemas.microsoft.com/office/drawing/2014/main" id="{2F0CD0CF-7BE9-0392-B5BD-DF4D6D025088}"/>
               </a:ext>
             </a:extLst>
           </p:cNvPr>
@@ -8797,281 +9045,27 @@
           <p:nvPr/>
         </p:nvPicPr>
         <p:blipFill>
-          <a:blip r:embed="rId2">
-            <a:extLst>
-              <a:ext uri="{28A0092B-C50C-407E-A947-70E740481C1C}">
-                <a14:useLocalDpi xmlns:a14="http://schemas.microsoft.com/office/drawing/2010/main" val="0"/>
-              </a:ext>
-            </a:extLst>
-          </a:blip>
+          <a:blip r:embed="rId2"/>
           <a:stretch>
             <a:fillRect/>
           </a:stretch>
         </p:blipFill>
         <p:spPr>
           <a:xfrm>
-            <a:off x="9696450" y="5233285"/>
-            <a:ext cx="2495550" cy="1991083"/>
+            <a:off x="930439" y="7224368"/>
+            <a:ext cx="4548537" cy="2765457"/>
           </a:xfrm>
           <a:prstGeom prst="rect">
             <a:avLst/>
           </a:prstGeom>
         </p:spPr>
       </p:pic>
-      <p:sp>
-        <p:nvSpPr>
-          <p:cNvPr id="9" name="TekstSylinder 8">
-            <a:extLst>
-              <a:ext uri="{FF2B5EF4-FFF2-40B4-BE49-F238E27FC236}">
-                <a16:creationId xmlns:a16="http://schemas.microsoft.com/office/drawing/2014/main" id="{BEDC57DB-2F8F-47E2-3742-6CCCD51D93B3}"/>
-              </a:ext>
-            </a:extLst>
-          </p:cNvPr>
-          <p:cNvSpPr txBox="1"/>
-          <p:nvPr/>
-        </p:nvSpPr>
-        <p:spPr>
-          <a:xfrm>
-            <a:off x="-2579693" y="2696944"/>
-            <a:ext cx="2311851" cy="1477328"/>
-          </a:xfrm>
-          <a:prstGeom prst="rect">
-            <a:avLst/>
-          </a:prstGeom>
-          <a:noFill/>
-        </p:spPr>
-        <p:txBody>
-          <a:bodyPr wrap="none" rtlCol="0">
-            <a:spAutoFit/>
-          </a:bodyPr>
-          <a:lstStyle/>
-          <a:p>
-            <a:r>
-              <a:rPr lang="nb-NO" sz="7200" dirty="0">
-                <a:latin typeface="Yu Gothic UI Semibold" panose="020B0700000000000000" pitchFamily="34" charset="-128"/>
-                <a:ea typeface="Yu Gothic UI Semibold" panose="020B0700000000000000" pitchFamily="34" charset="-128"/>
-              </a:rPr>
-              <a:t>U</a:t>
-            </a:r>
-            <a:r>
-              <a:rPr lang="nb-NO" sz="4400" dirty="0">
-                <a:latin typeface="Yu Gothic UI Semibold" panose="020B0700000000000000" pitchFamily="34" charset="-128"/>
-                <a:ea typeface="Yu Gothic UI Semibold" panose="020B0700000000000000" pitchFamily="34" charset="-128"/>
-              </a:rPr>
-              <a:t>pdate</a:t>
-            </a:r>
-          </a:p>
-          <a:p>
-            <a:endParaRPr lang="nb-NO" dirty="0"/>
-          </a:p>
-        </p:txBody>
-      </p:sp>
-      <p:sp>
-        <p:nvSpPr>
-          <p:cNvPr id="10" name="TekstSylinder 9">
-            <a:extLst>
-              <a:ext uri="{FF2B5EF4-FFF2-40B4-BE49-F238E27FC236}">
-                <a16:creationId xmlns:a16="http://schemas.microsoft.com/office/drawing/2014/main" id="{1A7DAA38-29E5-ADA5-05BD-B759A504B5C0}"/>
-              </a:ext>
-            </a:extLst>
-          </p:cNvPr>
-          <p:cNvSpPr txBox="1"/>
-          <p:nvPr/>
-        </p:nvSpPr>
-        <p:spPr>
-          <a:xfrm>
-            <a:off x="-2579694" y="3584586"/>
-            <a:ext cx="2097049" cy="1477328"/>
-          </a:xfrm>
-          <a:prstGeom prst="rect">
-            <a:avLst/>
-          </a:prstGeom>
-          <a:noFill/>
-        </p:spPr>
-        <p:txBody>
-          <a:bodyPr wrap="none" rtlCol="0">
-            <a:spAutoFit/>
-          </a:bodyPr>
-          <a:lstStyle/>
-          <a:p>
-            <a:r>
-              <a:rPr lang="nb-NO" sz="7200" dirty="0" err="1">
-                <a:latin typeface="Yu Gothic UI Semibold" panose="020B0700000000000000" pitchFamily="34" charset="-128"/>
-                <a:ea typeface="Yu Gothic UI Semibold" panose="020B0700000000000000" pitchFamily="34" charset="-128"/>
-              </a:rPr>
-              <a:t>D</a:t>
-            </a:r>
-            <a:r>
-              <a:rPr lang="nb-NO" sz="4400" dirty="0" err="1">
-                <a:latin typeface="Yu Gothic UI Semibold" panose="020B0700000000000000" pitchFamily="34" charset="-128"/>
-                <a:ea typeface="Yu Gothic UI Semibold" panose="020B0700000000000000" pitchFamily="34" charset="-128"/>
-              </a:rPr>
-              <a:t>elete</a:t>
-            </a:r>
-            <a:endParaRPr lang="nb-NO" sz="4400" dirty="0">
-              <a:latin typeface="Yu Gothic UI Semibold" panose="020B0700000000000000" pitchFamily="34" charset="-128"/>
-              <a:ea typeface="Yu Gothic UI Semibold" panose="020B0700000000000000" pitchFamily="34" charset="-128"/>
-            </a:endParaRPr>
-          </a:p>
-          <a:p>
-            <a:endParaRPr lang="nb-NO" dirty="0"/>
-          </a:p>
-        </p:txBody>
-      </p:sp>
-      <p:sp>
-        <p:nvSpPr>
-          <p:cNvPr id="2" name="TekstSylinder 1">
-            <a:extLst>
-              <a:ext uri="{FF2B5EF4-FFF2-40B4-BE49-F238E27FC236}">
-                <a16:creationId xmlns:a16="http://schemas.microsoft.com/office/drawing/2014/main" id="{4C90F41D-9157-4146-B4E3-746C0CF71E2F}"/>
-              </a:ext>
-            </a:extLst>
-          </p:cNvPr>
-          <p:cNvSpPr txBox="1"/>
-          <p:nvPr/>
-        </p:nvSpPr>
-        <p:spPr>
-          <a:xfrm>
-            <a:off x="1135057" y="-1445949"/>
-            <a:ext cx="2311851" cy="1477328"/>
-          </a:xfrm>
-          <a:prstGeom prst="rect">
-            <a:avLst/>
-          </a:prstGeom>
-          <a:noFill/>
-        </p:spPr>
-        <p:txBody>
-          <a:bodyPr wrap="square" rtlCol="0">
-            <a:spAutoFit/>
-          </a:bodyPr>
-          <a:lstStyle/>
-          <a:p>
-            <a:r>
-              <a:rPr lang="nb-NO" sz="7200" dirty="0">
-                <a:latin typeface="Yu Gothic UI Semibold" panose="020B0700000000000000" pitchFamily="34" charset="-128"/>
-                <a:ea typeface="Yu Gothic UI Semibold" panose="020B0700000000000000" pitchFamily="34" charset="-128"/>
-              </a:rPr>
-              <a:t>R</a:t>
-            </a:r>
-            <a:r>
-              <a:rPr lang="nb-NO" sz="4400" dirty="0">
-                <a:latin typeface="Yu Gothic UI Semibold" panose="020B0700000000000000" pitchFamily="34" charset="-128"/>
-                <a:ea typeface="Yu Gothic UI Semibold" panose="020B0700000000000000" pitchFamily="34" charset="-128"/>
-              </a:rPr>
-              <a:t>ead</a:t>
-            </a:r>
-          </a:p>
-          <a:p>
-            <a:endParaRPr lang="nb-NO" dirty="0"/>
-          </a:p>
-        </p:txBody>
-      </p:sp>
-      <p:sp>
-        <p:nvSpPr>
-          <p:cNvPr id="3" name="TekstSylinder 2">
-            <a:extLst>
-              <a:ext uri="{FF2B5EF4-FFF2-40B4-BE49-F238E27FC236}">
-                <a16:creationId xmlns:a16="http://schemas.microsoft.com/office/drawing/2014/main" id="{0045C8E8-D241-015D-9A17-0D3D4CAC9BD2}"/>
-              </a:ext>
-            </a:extLst>
-          </p:cNvPr>
-          <p:cNvSpPr txBox="1"/>
-          <p:nvPr/>
-        </p:nvSpPr>
-        <p:spPr>
-          <a:xfrm>
-            <a:off x="1135056" y="31379"/>
-            <a:ext cx="2311851" cy="1477328"/>
-          </a:xfrm>
-          <a:prstGeom prst="rect">
-            <a:avLst/>
-          </a:prstGeom>
-          <a:noFill/>
-        </p:spPr>
-        <p:txBody>
-          <a:bodyPr wrap="none" rtlCol="0">
-            <a:spAutoFit/>
-          </a:bodyPr>
-          <a:lstStyle/>
-          <a:p>
-            <a:r>
-              <a:rPr lang="nb-NO" sz="7200" dirty="0">
-                <a:latin typeface="Yu Gothic UI Semibold" panose="020B0700000000000000" pitchFamily="34" charset="-128"/>
-                <a:ea typeface="Yu Gothic UI Semibold" panose="020B0700000000000000" pitchFamily="34" charset="-128"/>
-              </a:rPr>
-              <a:t>U</a:t>
-            </a:r>
-            <a:r>
-              <a:rPr lang="nb-NO" sz="4400" dirty="0">
-                <a:latin typeface="Yu Gothic UI Semibold" panose="020B0700000000000000" pitchFamily="34" charset="-128"/>
-                <a:ea typeface="Yu Gothic UI Semibold" panose="020B0700000000000000" pitchFamily="34" charset="-128"/>
-              </a:rPr>
-              <a:t>pdate</a:t>
-            </a:r>
-          </a:p>
-          <a:p>
-            <a:endParaRPr lang="nb-NO" dirty="0"/>
-          </a:p>
-        </p:txBody>
-      </p:sp>
-      <p:sp>
-        <p:nvSpPr>
-          <p:cNvPr id="7" name="TekstSylinder 6">
-            <a:extLst>
-              <a:ext uri="{FF2B5EF4-FFF2-40B4-BE49-F238E27FC236}">
-                <a16:creationId xmlns:a16="http://schemas.microsoft.com/office/drawing/2014/main" id="{ED124C08-56CC-3C1D-8BDC-89A30098F006}"/>
-              </a:ext>
-            </a:extLst>
-          </p:cNvPr>
-          <p:cNvSpPr txBox="1"/>
-          <p:nvPr/>
-        </p:nvSpPr>
-        <p:spPr>
-          <a:xfrm>
-            <a:off x="-2364891" y="201810"/>
-            <a:ext cx="2097049" cy="1477328"/>
-          </a:xfrm>
-          <a:prstGeom prst="rect">
-            <a:avLst/>
-          </a:prstGeom>
-          <a:noFill/>
-        </p:spPr>
-        <p:txBody>
-          <a:bodyPr wrap="none" rtlCol="0">
-            <a:spAutoFit/>
-          </a:bodyPr>
-          <a:lstStyle/>
-          <a:p>
-            <a:r>
-              <a:rPr lang="nb-NO" sz="7200" dirty="0" err="1">
-                <a:latin typeface="Yu Gothic UI Semibold" panose="020B0700000000000000" pitchFamily="34" charset="-128"/>
-                <a:ea typeface="Yu Gothic UI Semibold" panose="020B0700000000000000" pitchFamily="34" charset="-128"/>
-              </a:rPr>
-              <a:t>D</a:t>
-            </a:r>
-            <a:r>
-              <a:rPr lang="nb-NO" sz="4400" dirty="0" err="1">
-                <a:latin typeface="Yu Gothic UI Semibold" panose="020B0700000000000000" pitchFamily="34" charset="-128"/>
-                <a:ea typeface="Yu Gothic UI Semibold" panose="020B0700000000000000" pitchFamily="34" charset="-128"/>
-              </a:rPr>
-              <a:t>elete</a:t>
-            </a:r>
-            <a:endParaRPr lang="nb-NO" sz="4400" dirty="0">
-              <a:latin typeface="Yu Gothic UI Semibold" panose="020B0700000000000000" pitchFamily="34" charset="-128"/>
-              <a:ea typeface="Yu Gothic UI Semibold" panose="020B0700000000000000" pitchFamily="34" charset="-128"/>
-            </a:endParaRPr>
-          </a:p>
-          <a:p>
-            <a:endParaRPr lang="nb-NO" dirty="0"/>
-          </a:p>
-        </p:txBody>
-      </p:sp>
       <p:pic>
         <p:nvPicPr>
-          <p:cNvPr id="8" name="Bilde 7">
-            <a:extLst>
-              <a:ext uri="{FF2B5EF4-FFF2-40B4-BE49-F238E27FC236}">
-                <a16:creationId xmlns:a16="http://schemas.microsoft.com/office/drawing/2014/main" id="{2F0CD0CF-7BE9-0392-B5BD-DF4D6D025088}"/>
+          <p:cNvPr id="11" name="Bilde 10">
+            <a:extLst>
+              <a:ext uri="{FF2B5EF4-FFF2-40B4-BE49-F238E27FC236}">
+                <a16:creationId xmlns:a16="http://schemas.microsoft.com/office/drawing/2014/main" id="{C84205C0-3F42-5192-0B9E-C58FACC544F5}"/>
               </a:ext>
             </a:extLst>
           </p:cNvPr>
@@ -9088,8 +9082,8 @@
         </p:blipFill>
         <p:spPr>
           <a:xfrm>
-            <a:off x="930439" y="7224368"/>
-            <a:ext cx="4548537" cy="2765457"/>
+            <a:off x="6128826" y="7224367"/>
+            <a:ext cx="4737621" cy="2765457"/>
           </a:xfrm>
           <a:prstGeom prst="rect">
             <a:avLst/>
@@ -9098,10 +9092,10 @@
       </p:pic>
       <p:pic>
         <p:nvPicPr>
-          <p:cNvPr id="11" name="Bilde 10">
-            <a:extLst>
-              <a:ext uri="{FF2B5EF4-FFF2-40B4-BE49-F238E27FC236}">
-                <a16:creationId xmlns:a16="http://schemas.microsoft.com/office/drawing/2014/main" id="{C84205C0-3F42-5192-0B9E-C58FACC544F5}"/>
+          <p:cNvPr id="6" name="Bilde 5">
+            <a:extLst>
+              <a:ext uri="{FF2B5EF4-FFF2-40B4-BE49-F238E27FC236}">
+                <a16:creationId xmlns:a16="http://schemas.microsoft.com/office/drawing/2014/main" id="{E2F647AF-ABF1-C632-BEBA-E43D700425DC}"/>
               </a:ext>
             </a:extLst>
           </p:cNvPr>
@@ -9118,8 +9112,8 @@
         </p:blipFill>
         <p:spPr>
           <a:xfrm>
-            <a:off x="6128826" y="7224367"/>
-            <a:ext cx="4737621" cy="2765457"/>
+            <a:off x="735668" y="2403744"/>
+            <a:ext cx="5338611" cy="2050511"/>
           </a:xfrm>
           <a:prstGeom prst="rect">
             <a:avLst/>
@@ -9128,10 +9122,10 @@
       </p:pic>
       <p:pic>
         <p:nvPicPr>
-          <p:cNvPr id="6" name="Bilde 5">
-            <a:extLst>
-              <a:ext uri="{FF2B5EF4-FFF2-40B4-BE49-F238E27FC236}">
-                <a16:creationId xmlns:a16="http://schemas.microsoft.com/office/drawing/2014/main" id="{E2F647AF-ABF1-C632-BEBA-E43D700425DC}"/>
+          <p:cNvPr id="13" name="Bilde 12">
+            <a:extLst>
+              <a:ext uri="{FF2B5EF4-FFF2-40B4-BE49-F238E27FC236}">
+                <a16:creationId xmlns:a16="http://schemas.microsoft.com/office/drawing/2014/main" id="{4782BE43-BBC5-AC48-9213-3504203ECD41}"/>
               </a:ext>
             </a:extLst>
           </p:cNvPr>
@@ -9142,36 +9136,6 @@
         </p:nvPicPr>
         <p:blipFill>
           <a:blip r:embed="rId5"/>
-          <a:stretch>
-            <a:fillRect/>
-          </a:stretch>
-        </p:blipFill>
-        <p:spPr>
-          <a:xfrm>
-            <a:off x="735668" y="2403744"/>
-            <a:ext cx="5338611" cy="2050511"/>
-          </a:xfrm>
-          <a:prstGeom prst="rect">
-            <a:avLst/>
-          </a:prstGeom>
-        </p:spPr>
-      </p:pic>
-      <p:pic>
-        <p:nvPicPr>
-          <p:cNvPr id="13" name="Bilde 12">
-            <a:extLst>
-              <a:ext uri="{FF2B5EF4-FFF2-40B4-BE49-F238E27FC236}">
-                <a16:creationId xmlns:a16="http://schemas.microsoft.com/office/drawing/2014/main" id="{4782BE43-BBC5-AC48-9213-3504203ECD41}"/>
-              </a:ext>
-            </a:extLst>
-          </p:cNvPr>
-          <p:cNvPicPr>
-            <a:picLocks noChangeAspect="1"/>
-          </p:cNvPicPr>
-          <p:nvPr/>
-        </p:nvPicPr>
-        <p:blipFill>
-          <a:blip r:embed="rId6"/>
           <a:stretch>
             <a:fillRect/>
           </a:stretch>
@@ -9382,6 +9346,42 @@
           </a:fontRef>
         </p:style>
       </p:cxnSp>
+      <p:pic>
+        <p:nvPicPr>
+          <p:cNvPr id="5" name="Bilde 4" descr="Et bilde som inneholder Font, Grafikk, skjermbilde, tekst&#10;&#10;Automatisk generert beskrivelse">
+            <a:extLst>
+              <a:ext uri="{FF2B5EF4-FFF2-40B4-BE49-F238E27FC236}">
+                <a16:creationId xmlns:a16="http://schemas.microsoft.com/office/drawing/2014/main" id="{58DCB5B3-B3BC-30DE-A383-3DF5DBA04530}"/>
+              </a:ext>
+            </a:extLst>
+          </p:cNvPr>
+          <p:cNvPicPr>
+            <a:picLocks noChangeAspect="1"/>
+          </p:cNvPicPr>
+          <p:nvPr/>
+        </p:nvPicPr>
+        <p:blipFill>
+          <a:blip r:embed="rId6">
+            <a:extLst>
+              <a:ext uri="{28A0092B-C50C-407E-A947-70E740481C1C}">
+                <a14:useLocalDpi xmlns:a14="http://schemas.microsoft.com/office/drawing/2010/main" val="0"/>
+              </a:ext>
+            </a:extLst>
+          </a:blip>
+          <a:stretch>
+            <a:fillRect/>
+          </a:stretch>
+        </p:blipFill>
+        <p:spPr>
+          <a:xfrm>
+            <a:off x="9618917" y="5095462"/>
+            <a:ext cx="2487740" cy="1801175"/>
+          </a:xfrm>
+          <a:prstGeom prst="rect">
+            <a:avLst/>
+          </a:prstGeom>
+        </p:spPr>
+      </p:pic>
     </p:spTree>
     <p:extLst>
       <p:ext uri="{BB962C8B-B14F-4D97-AF65-F5344CB8AC3E}">
@@ -9424,12 +9424,112 @@
           <a:chExt cx="0" cy="0"/>
         </a:xfrm>
       </p:grpSpPr>
+      <p:sp>
+        <p:nvSpPr>
+          <p:cNvPr id="10" name="TekstSylinder 9">
+            <a:extLst>
+              <a:ext uri="{FF2B5EF4-FFF2-40B4-BE49-F238E27FC236}">
+                <a16:creationId xmlns:a16="http://schemas.microsoft.com/office/drawing/2014/main" id="{1A7DAA38-29E5-ADA5-05BD-B759A504B5C0}"/>
+              </a:ext>
+            </a:extLst>
+          </p:cNvPr>
+          <p:cNvSpPr txBox="1"/>
+          <p:nvPr/>
+        </p:nvSpPr>
+        <p:spPr>
+          <a:xfrm>
+            <a:off x="-2579694" y="3584586"/>
+            <a:ext cx="2097049" cy="1477328"/>
+          </a:xfrm>
+          <a:prstGeom prst="rect">
+            <a:avLst/>
+          </a:prstGeom>
+          <a:noFill/>
+        </p:spPr>
+        <p:txBody>
+          <a:bodyPr wrap="none" rtlCol="0">
+            <a:spAutoFit/>
+          </a:bodyPr>
+          <a:lstStyle/>
+          <a:p>
+            <a:r>
+              <a:rPr lang="nb-NO" sz="7200" dirty="0" err="1">
+                <a:latin typeface="Yu Gothic UI Semibold" panose="020B0700000000000000" pitchFamily="34" charset="-128"/>
+                <a:ea typeface="Yu Gothic UI Semibold" panose="020B0700000000000000" pitchFamily="34" charset="-128"/>
+              </a:rPr>
+              <a:t>D</a:t>
+            </a:r>
+            <a:r>
+              <a:rPr lang="nb-NO" sz="4400" dirty="0" err="1">
+                <a:latin typeface="Yu Gothic UI Semibold" panose="020B0700000000000000" pitchFamily="34" charset="-128"/>
+                <a:ea typeface="Yu Gothic UI Semibold" panose="020B0700000000000000" pitchFamily="34" charset="-128"/>
+              </a:rPr>
+              <a:t>elete</a:t>
+            </a:r>
+            <a:endParaRPr lang="nb-NO" sz="4400" dirty="0">
+              <a:latin typeface="Yu Gothic UI Semibold" panose="020B0700000000000000" pitchFamily="34" charset="-128"/>
+              <a:ea typeface="Yu Gothic UI Semibold" panose="020B0700000000000000" pitchFamily="34" charset="-128"/>
+            </a:endParaRPr>
+          </a:p>
+          <a:p>
+            <a:endParaRPr lang="nb-NO" dirty="0"/>
+          </a:p>
+        </p:txBody>
+      </p:sp>
+      <p:sp>
+        <p:nvSpPr>
+          <p:cNvPr id="2" name="TekstSylinder 1">
+            <a:extLst>
+              <a:ext uri="{FF2B5EF4-FFF2-40B4-BE49-F238E27FC236}">
+                <a16:creationId xmlns:a16="http://schemas.microsoft.com/office/drawing/2014/main" id="{4C90F41D-9157-4146-B4E3-746C0CF71E2F}"/>
+              </a:ext>
+            </a:extLst>
+          </p:cNvPr>
+          <p:cNvSpPr txBox="1"/>
+          <p:nvPr/>
+        </p:nvSpPr>
+        <p:spPr>
+          <a:xfrm>
+            <a:off x="1135057" y="-1445949"/>
+            <a:ext cx="2311851" cy="1477328"/>
+          </a:xfrm>
+          <a:prstGeom prst="rect">
+            <a:avLst/>
+          </a:prstGeom>
+          <a:noFill/>
+        </p:spPr>
+        <p:txBody>
+          <a:bodyPr wrap="square" rtlCol="0">
+            <a:spAutoFit/>
+          </a:bodyPr>
+          <a:lstStyle/>
+          <a:p>
+            <a:r>
+              <a:rPr lang="nb-NO" sz="7200" dirty="0">
+                <a:latin typeface="Yu Gothic UI Semibold" panose="020B0700000000000000" pitchFamily="34" charset="-128"/>
+                <a:ea typeface="Yu Gothic UI Semibold" panose="020B0700000000000000" pitchFamily="34" charset="-128"/>
+              </a:rPr>
+              <a:t>R</a:t>
+            </a:r>
+            <a:r>
+              <a:rPr lang="nb-NO" sz="4400" dirty="0">
+                <a:latin typeface="Yu Gothic UI Semibold" panose="020B0700000000000000" pitchFamily="34" charset="-128"/>
+                <a:ea typeface="Yu Gothic UI Semibold" panose="020B0700000000000000" pitchFamily="34" charset="-128"/>
+              </a:rPr>
+              <a:t>ead</a:t>
+            </a:r>
+          </a:p>
+          <a:p>
+            <a:endParaRPr lang="nb-NO" dirty="0"/>
+          </a:p>
+        </p:txBody>
+      </p:sp>
       <p:pic>
         <p:nvPicPr>
-          <p:cNvPr id="4" name="Bilde 3" descr="Et bilde som inneholder Font, skjermbilde, Grafikk, logo&#10;&#10;Automatisk generert beskrivelse">
-            <a:extLst>
-              <a:ext uri="{FF2B5EF4-FFF2-40B4-BE49-F238E27FC236}">
-                <a16:creationId xmlns:a16="http://schemas.microsoft.com/office/drawing/2014/main" id="{708FCC79-D822-14E4-4633-1A03C5636EBE}"/>
+          <p:cNvPr id="5" name="Bilde 4">
+            <a:extLst>
+              <a:ext uri="{FF2B5EF4-FFF2-40B4-BE49-F238E27FC236}">
+                <a16:creationId xmlns:a16="http://schemas.microsoft.com/office/drawing/2014/main" id="{E1742CDB-AC92-E6F7-9FA8-BB1B8EC98ECC}"/>
               </a:ext>
             </a:extLst>
           </p:cNvPr>
@@ -9439,21 +9539,15 @@
           <p:nvPr/>
         </p:nvPicPr>
         <p:blipFill>
-          <a:blip r:embed="rId2">
-            <a:extLst>
-              <a:ext uri="{28A0092B-C50C-407E-A947-70E740481C1C}">
-                <a14:useLocalDpi xmlns:a14="http://schemas.microsoft.com/office/drawing/2010/main" val="0"/>
-              </a:ext>
-            </a:extLst>
-          </a:blip>
+          <a:blip r:embed="rId2"/>
           <a:stretch>
             <a:fillRect/>
           </a:stretch>
         </p:blipFill>
         <p:spPr>
           <a:xfrm>
-            <a:off x="9696450" y="5233285"/>
-            <a:ext cx="2495550" cy="1991083"/>
+            <a:off x="3166853" y="7635945"/>
+            <a:ext cx="5858294" cy="3561774"/>
           </a:xfrm>
           <a:prstGeom prst="rect">
             <a:avLst/>
@@ -9462,10 +9556,10 @@
       </p:pic>
       <p:sp>
         <p:nvSpPr>
-          <p:cNvPr id="10" name="TekstSylinder 9">
-            <a:extLst>
-              <a:ext uri="{FF2B5EF4-FFF2-40B4-BE49-F238E27FC236}">
-                <a16:creationId xmlns:a16="http://schemas.microsoft.com/office/drawing/2014/main" id="{1A7DAA38-29E5-ADA5-05BD-B759A504B5C0}"/>
+          <p:cNvPr id="3" name="TekstSylinder 2">
+            <a:extLst>
+              <a:ext uri="{FF2B5EF4-FFF2-40B4-BE49-F238E27FC236}">
+                <a16:creationId xmlns:a16="http://schemas.microsoft.com/office/drawing/2014/main" id="{0045C8E8-D241-015D-9A17-0D3D4CAC9BD2}"/>
               </a:ext>
             </a:extLst>
           </p:cNvPr>
@@ -9474,7 +9568,174 @@
         </p:nvSpPr>
         <p:spPr>
           <a:xfrm>
-            <a:off x="-2579694" y="3584586"/>
+            <a:off x="1135056" y="-1477328"/>
+            <a:ext cx="2311851" cy="1477328"/>
+          </a:xfrm>
+          <a:prstGeom prst="rect">
+            <a:avLst/>
+          </a:prstGeom>
+          <a:noFill/>
+        </p:spPr>
+        <p:txBody>
+          <a:bodyPr wrap="none" rtlCol="0">
+            <a:spAutoFit/>
+          </a:bodyPr>
+          <a:lstStyle/>
+          <a:p>
+            <a:r>
+              <a:rPr lang="nb-NO" sz="7200" dirty="0">
+                <a:latin typeface="Yu Gothic UI Semibold" panose="020B0700000000000000" pitchFamily="34" charset="-128"/>
+                <a:ea typeface="Yu Gothic UI Semibold" panose="020B0700000000000000" pitchFamily="34" charset="-128"/>
+              </a:rPr>
+              <a:t>U</a:t>
+            </a:r>
+            <a:r>
+              <a:rPr lang="nb-NO" sz="4400" dirty="0">
+                <a:latin typeface="Yu Gothic UI Semibold" panose="020B0700000000000000" pitchFamily="34" charset="-128"/>
+                <a:ea typeface="Yu Gothic UI Semibold" panose="020B0700000000000000" pitchFamily="34" charset="-128"/>
+              </a:rPr>
+              <a:t>pdate</a:t>
+            </a:r>
+          </a:p>
+          <a:p>
+            <a:endParaRPr lang="nb-NO" dirty="0"/>
+          </a:p>
+        </p:txBody>
+      </p:sp>
+      <p:sp>
+        <p:nvSpPr>
+          <p:cNvPr id="11" name="TekstSylinder 10">
+            <a:extLst>
+              <a:ext uri="{FF2B5EF4-FFF2-40B4-BE49-F238E27FC236}">
+                <a16:creationId xmlns:a16="http://schemas.microsoft.com/office/drawing/2014/main" id="{62FB0E21-6322-9FD7-1CEC-8650BBE298FE}"/>
+              </a:ext>
+            </a:extLst>
+          </p:cNvPr>
+          <p:cNvSpPr txBox="1"/>
+          <p:nvPr/>
+        </p:nvSpPr>
+        <p:spPr>
+          <a:xfrm>
+            <a:off x="-6521621" y="1720840"/>
+            <a:ext cx="6362700" cy="3416320"/>
+          </a:xfrm>
+          <a:prstGeom prst="rect">
+            <a:avLst/>
+          </a:prstGeom>
+          <a:noFill/>
+        </p:spPr>
+        <p:txBody>
+          <a:bodyPr wrap="square" rtlCol="0">
+            <a:spAutoFit/>
+          </a:bodyPr>
+          <a:lstStyle/>
+          <a:p>
+            <a:pPr marL="285750" indent="-285750">
+              <a:buFont typeface="Arial" panose="020B0604020202020204" pitchFamily="34" charset="0"/>
+              <a:buChar char="•"/>
+            </a:pPr>
+            <a:r>
+              <a:rPr lang="nb-NO" sz="2400" dirty="0"/>
+              <a:t>Vi lagrer informasjon og håndterer den etter lovverket gitt av GDPR</a:t>
+            </a:r>
+          </a:p>
+          <a:p>
+            <a:pPr marL="285750" indent="-285750">
+              <a:buFont typeface="Arial" panose="020B0604020202020204" pitchFamily="34" charset="0"/>
+              <a:buChar char="•"/>
+            </a:pPr>
+            <a:endParaRPr lang="nb-NO" sz="2400" dirty="0"/>
+          </a:p>
+          <a:p>
+            <a:pPr marL="285750" indent="-285750">
+              <a:buFont typeface="Arial" panose="020B0604020202020204" pitchFamily="34" charset="0"/>
+              <a:buChar char="•"/>
+            </a:pPr>
+            <a:r>
+              <a:rPr lang="nb-NO" sz="2400" dirty="0"/>
+              <a:t>Brukere av tjenesten godkjenner Terms </a:t>
+            </a:r>
+            <a:r>
+              <a:rPr lang="nb-NO" sz="2400" dirty="0" err="1"/>
+              <a:t>of</a:t>
+            </a:r>
+            <a:r>
+              <a:rPr lang="nb-NO" sz="2400" dirty="0"/>
+              <a:t> Service og velger å delta frivillig</a:t>
+            </a:r>
+          </a:p>
+          <a:p>
+            <a:pPr marL="285750" indent="-285750">
+              <a:buFont typeface="Arial" panose="020B0604020202020204" pitchFamily="34" charset="0"/>
+              <a:buChar char="•"/>
+            </a:pPr>
+            <a:endParaRPr lang="nb-NO" sz="2400" dirty="0"/>
+          </a:p>
+          <a:p>
+            <a:pPr marL="285750" indent="-285750">
+              <a:buFont typeface="Arial" panose="020B0604020202020204" pitchFamily="34" charset="0"/>
+              <a:buChar char="•"/>
+            </a:pPr>
+            <a:r>
+              <a:rPr lang="nb-NO" sz="2400" dirty="0"/>
+              <a:t>Kun nødvendig informasjon lagres og slettes dersom det ikke lenger en noe hensikt å beholde den</a:t>
+            </a:r>
+          </a:p>
+        </p:txBody>
+      </p:sp>
+      <p:sp>
+        <p:nvSpPr>
+          <p:cNvPr id="12" name="TekstSylinder 11">
+            <a:extLst>
+              <a:ext uri="{FF2B5EF4-FFF2-40B4-BE49-F238E27FC236}">
+                <a16:creationId xmlns:a16="http://schemas.microsoft.com/office/drawing/2014/main" id="{38EE360A-D982-6F84-EA22-AB5ECBB4B1F2}"/>
+              </a:ext>
+            </a:extLst>
+          </p:cNvPr>
+          <p:cNvSpPr txBox="1"/>
+          <p:nvPr/>
+        </p:nvSpPr>
+        <p:spPr>
+          <a:xfrm>
+            <a:off x="12493454" y="2684959"/>
+            <a:ext cx="1662635" cy="769441"/>
+          </a:xfrm>
+          <a:prstGeom prst="rect">
+            <a:avLst/>
+          </a:prstGeom>
+          <a:noFill/>
+        </p:spPr>
+        <p:txBody>
+          <a:bodyPr wrap="none" rtlCol="0">
+            <a:spAutoFit/>
+          </a:bodyPr>
+          <a:lstStyle/>
+          <a:p>
+            <a:r>
+              <a:rPr lang="nb-NO" sz="4400" dirty="0">
+                <a:latin typeface="Yu Gothic UI Semibold" panose="020B0700000000000000" pitchFamily="34" charset="-128"/>
+                <a:ea typeface="Yu Gothic UI Semibold" panose="020B0700000000000000" pitchFamily="34" charset="-128"/>
+              </a:rPr>
+              <a:t>GDPR</a:t>
+            </a:r>
+          </a:p>
+        </p:txBody>
+      </p:sp>
+      <p:sp>
+        <p:nvSpPr>
+          <p:cNvPr id="14" name="TekstSylinder 13">
+            <a:extLst>
+              <a:ext uri="{FF2B5EF4-FFF2-40B4-BE49-F238E27FC236}">
+                <a16:creationId xmlns:a16="http://schemas.microsoft.com/office/drawing/2014/main" id="{0885B8CA-E097-5CDD-F8E4-18F853B7CC5E}"/>
+              </a:ext>
+            </a:extLst>
+          </p:cNvPr>
+          <p:cNvSpPr txBox="1"/>
+          <p:nvPr/>
+        </p:nvSpPr>
+        <p:spPr>
+          <a:xfrm>
+            <a:off x="1069804" y="212735"/>
             <a:ext cx="2097049" cy="1477328"/>
           </a:xfrm>
           <a:prstGeom prst="rect">
@@ -9512,60 +9773,12 @@
           </a:p>
         </p:txBody>
       </p:sp>
-      <p:sp>
-        <p:nvSpPr>
-          <p:cNvPr id="2" name="TekstSylinder 1">
-            <a:extLst>
-              <a:ext uri="{FF2B5EF4-FFF2-40B4-BE49-F238E27FC236}">
-                <a16:creationId xmlns:a16="http://schemas.microsoft.com/office/drawing/2014/main" id="{4C90F41D-9157-4146-B4E3-746C0CF71E2F}"/>
-              </a:ext>
-            </a:extLst>
-          </p:cNvPr>
-          <p:cNvSpPr txBox="1"/>
-          <p:nvPr/>
-        </p:nvSpPr>
-        <p:spPr>
-          <a:xfrm>
-            <a:off x="1135057" y="-1445949"/>
-            <a:ext cx="2311851" cy="1477328"/>
-          </a:xfrm>
-          <a:prstGeom prst="rect">
-            <a:avLst/>
-          </a:prstGeom>
-          <a:noFill/>
-        </p:spPr>
-        <p:txBody>
-          <a:bodyPr wrap="square" rtlCol="0">
-            <a:spAutoFit/>
-          </a:bodyPr>
-          <a:lstStyle/>
-          <a:p>
-            <a:r>
-              <a:rPr lang="nb-NO" sz="7200" dirty="0">
-                <a:latin typeface="Yu Gothic UI Semibold" panose="020B0700000000000000" pitchFamily="34" charset="-128"/>
-                <a:ea typeface="Yu Gothic UI Semibold" panose="020B0700000000000000" pitchFamily="34" charset="-128"/>
-              </a:rPr>
-              <a:t>R</a:t>
-            </a:r>
-            <a:r>
-              <a:rPr lang="nb-NO" sz="4400" dirty="0">
-                <a:latin typeface="Yu Gothic UI Semibold" panose="020B0700000000000000" pitchFamily="34" charset="-128"/>
-                <a:ea typeface="Yu Gothic UI Semibold" panose="020B0700000000000000" pitchFamily="34" charset="-128"/>
-              </a:rPr>
-              <a:t>ead</a:t>
-            </a:r>
-          </a:p>
-          <a:p>
-            <a:endParaRPr lang="nb-NO" dirty="0"/>
-          </a:p>
-        </p:txBody>
-      </p:sp>
       <p:pic>
         <p:nvPicPr>
-          <p:cNvPr id="5" name="Bilde 4">
-            <a:extLst>
-              <a:ext uri="{FF2B5EF4-FFF2-40B4-BE49-F238E27FC236}">
-                <a16:creationId xmlns:a16="http://schemas.microsoft.com/office/drawing/2014/main" id="{E1742CDB-AC92-E6F7-9FA8-BB1B8EC98ECC}"/>
+          <p:cNvPr id="6" name="Bilde 5">
+            <a:extLst>
+              <a:ext uri="{FF2B5EF4-FFF2-40B4-BE49-F238E27FC236}">
+                <a16:creationId xmlns:a16="http://schemas.microsoft.com/office/drawing/2014/main" id="{BB756BAA-4AB3-7B30-3208-BB985F099B6B}"/>
               </a:ext>
             </a:extLst>
           </p:cNvPr>
@@ -9582,239 +9795,20 @@
         </p:blipFill>
         <p:spPr>
           <a:xfrm>
-            <a:off x="3166853" y="7635945"/>
-            <a:ext cx="5858294" cy="3561774"/>
+            <a:off x="735668" y="2403744"/>
+            <a:ext cx="5338611" cy="2050511"/>
           </a:xfrm>
           <a:prstGeom prst="rect">
             <a:avLst/>
           </a:prstGeom>
         </p:spPr>
       </p:pic>
-      <p:sp>
-        <p:nvSpPr>
-          <p:cNvPr id="3" name="TekstSylinder 2">
-            <a:extLst>
-              <a:ext uri="{FF2B5EF4-FFF2-40B4-BE49-F238E27FC236}">
-                <a16:creationId xmlns:a16="http://schemas.microsoft.com/office/drawing/2014/main" id="{0045C8E8-D241-015D-9A17-0D3D4CAC9BD2}"/>
-              </a:ext>
-            </a:extLst>
-          </p:cNvPr>
-          <p:cNvSpPr txBox="1"/>
-          <p:nvPr/>
-        </p:nvSpPr>
-        <p:spPr>
-          <a:xfrm>
-            <a:off x="1135056" y="-1477328"/>
-            <a:ext cx="2311851" cy="1477328"/>
-          </a:xfrm>
-          <a:prstGeom prst="rect">
-            <a:avLst/>
-          </a:prstGeom>
-          <a:noFill/>
-        </p:spPr>
-        <p:txBody>
-          <a:bodyPr wrap="none" rtlCol="0">
-            <a:spAutoFit/>
-          </a:bodyPr>
-          <a:lstStyle/>
-          <a:p>
-            <a:r>
-              <a:rPr lang="nb-NO" sz="7200" dirty="0">
-                <a:latin typeface="Yu Gothic UI Semibold" panose="020B0700000000000000" pitchFamily="34" charset="-128"/>
-                <a:ea typeface="Yu Gothic UI Semibold" panose="020B0700000000000000" pitchFamily="34" charset="-128"/>
-              </a:rPr>
-              <a:t>U</a:t>
-            </a:r>
-            <a:r>
-              <a:rPr lang="nb-NO" sz="4400" dirty="0">
-                <a:latin typeface="Yu Gothic UI Semibold" panose="020B0700000000000000" pitchFamily="34" charset="-128"/>
-                <a:ea typeface="Yu Gothic UI Semibold" panose="020B0700000000000000" pitchFamily="34" charset="-128"/>
-              </a:rPr>
-              <a:t>pdate</a:t>
-            </a:r>
-          </a:p>
-          <a:p>
-            <a:endParaRPr lang="nb-NO" dirty="0"/>
-          </a:p>
-        </p:txBody>
-      </p:sp>
-      <p:sp>
-        <p:nvSpPr>
-          <p:cNvPr id="11" name="TekstSylinder 10">
-            <a:extLst>
-              <a:ext uri="{FF2B5EF4-FFF2-40B4-BE49-F238E27FC236}">
-                <a16:creationId xmlns:a16="http://schemas.microsoft.com/office/drawing/2014/main" id="{62FB0E21-6322-9FD7-1CEC-8650BBE298FE}"/>
-              </a:ext>
-            </a:extLst>
-          </p:cNvPr>
-          <p:cNvSpPr txBox="1"/>
-          <p:nvPr/>
-        </p:nvSpPr>
-        <p:spPr>
-          <a:xfrm>
-            <a:off x="-6521621" y="1720840"/>
-            <a:ext cx="6362700" cy="3416320"/>
-          </a:xfrm>
-          <a:prstGeom prst="rect">
-            <a:avLst/>
-          </a:prstGeom>
-          <a:noFill/>
-        </p:spPr>
-        <p:txBody>
-          <a:bodyPr wrap="square" rtlCol="0">
-            <a:spAutoFit/>
-          </a:bodyPr>
-          <a:lstStyle/>
-          <a:p>
-            <a:pPr marL="285750" indent="-285750">
-              <a:buFont typeface="Arial" panose="020B0604020202020204" pitchFamily="34" charset="0"/>
-              <a:buChar char="•"/>
-            </a:pPr>
-            <a:r>
-              <a:rPr lang="nb-NO" sz="2400" dirty="0"/>
-              <a:t>Vi lagrer informasjon og håndterer den etter lovverket gitt av GDPR</a:t>
-            </a:r>
-          </a:p>
-          <a:p>
-            <a:pPr marL="285750" indent="-285750">
-              <a:buFont typeface="Arial" panose="020B0604020202020204" pitchFamily="34" charset="0"/>
-              <a:buChar char="•"/>
-            </a:pPr>
-            <a:endParaRPr lang="nb-NO" sz="2400" dirty="0"/>
-          </a:p>
-          <a:p>
-            <a:pPr marL="285750" indent="-285750">
-              <a:buFont typeface="Arial" panose="020B0604020202020204" pitchFamily="34" charset="0"/>
-              <a:buChar char="•"/>
-            </a:pPr>
-            <a:r>
-              <a:rPr lang="nb-NO" sz="2400" dirty="0"/>
-              <a:t>Brukere av tjenesten godkjenner Terms </a:t>
-            </a:r>
-            <a:r>
-              <a:rPr lang="nb-NO" sz="2400" dirty="0" err="1"/>
-              <a:t>of</a:t>
-            </a:r>
-            <a:r>
-              <a:rPr lang="nb-NO" sz="2400" dirty="0"/>
-              <a:t> Service og velger å delta frivillig</a:t>
-            </a:r>
-          </a:p>
-          <a:p>
-            <a:pPr marL="285750" indent="-285750">
-              <a:buFont typeface="Arial" panose="020B0604020202020204" pitchFamily="34" charset="0"/>
-              <a:buChar char="•"/>
-            </a:pPr>
-            <a:endParaRPr lang="nb-NO" sz="2400" dirty="0"/>
-          </a:p>
-          <a:p>
-            <a:pPr marL="285750" indent="-285750">
-              <a:buFont typeface="Arial" panose="020B0604020202020204" pitchFamily="34" charset="0"/>
-              <a:buChar char="•"/>
-            </a:pPr>
-            <a:r>
-              <a:rPr lang="nb-NO" sz="2400" dirty="0"/>
-              <a:t>Kun nødvendig informasjon lagres og slettes dersom det ikke lenger en noe hensikt å beholde den</a:t>
-            </a:r>
-          </a:p>
-        </p:txBody>
-      </p:sp>
-      <p:sp>
-        <p:nvSpPr>
-          <p:cNvPr id="12" name="TekstSylinder 11">
-            <a:extLst>
-              <a:ext uri="{FF2B5EF4-FFF2-40B4-BE49-F238E27FC236}">
-                <a16:creationId xmlns:a16="http://schemas.microsoft.com/office/drawing/2014/main" id="{38EE360A-D982-6F84-EA22-AB5ECBB4B1F2}"/>
-              </a:ext>
-            </a:extLst>
-          </p:cNvPr>
-          <p:cNvSpPr txBox="1"/>
-          <p:nvPr/>
-        </p:nvSpPr>
-        <p:spPr>
-          <a:xfrm>
-            <a:off x="12493454" y="2684959"/>
-            <a:ext cx="1662635" cy="769441"/>
-          </a:xfrm>
-          <a:prstGeom prst="rect">
-            <a:avLst/>
-          </a:prstGeom>
-          <a:noFill/>
-        </p:spPr>
-        <p:txBody>
-          <a:bodyPr wrap="none" rtlCol="0">
-            <a:spAutoFit/>
-          </a:bodyPr>
-          <a:lstStyle/>
-          <a:p>
-            <a:r>
-              <a:rPr lang="nb-NO" sz="4400" dirty="0">
-                <a:latin typeface="Yu Gothic UI Semibold" panose="020B0700000000000000" pitchFamily="34" charset="-128"/>
-                <a:ea typeface="Yu Gothic UI Semibold" panose="020B0700000000000000" pitchFamily="34" charset="-128"/>
-              </a:rPr>
-              <a:t>GDPR</a:t>
-            </a:r>
-          </a:p>
-        </p:txBody>
-      </p:sp>
-      <p:sp>
-        <p:nvSpPr>
-          <p:cNvPr id="14" name="TekstSylinder 13">
-            <a:extLst>
-              <a:ext uri="{FF2B5EF4-FFF2-40B4-BE49-F238E27FC236}">
-                <a16:creationId xmlns:a16="http://schemas.microsoft.com/office/drawing/2014/main" id="{0885B8CA-E097-5CDD-F8E4-18F853B7CC5E}"/>
-              </a:ext>
-            </a:extLst>
-          </p:cNvPr>
-          <p:cNvSpPr txBox="1"/>
-          <p:nvPr/>
-        </p:nvSpPr>
-        <p:spPr>
-          <a:xfrm>
-            <a:off x="1069804" y="212735"/>
-            <a:ext cx="2097049" cy="1477328"/>
-          </a:xfrm>
-          <a:prstGeom prst="rect">
-            <a:avLst/>
-          </a:prstGeom>
-          <a:noFill/>
-        </p:spPr>
-        <p:txBody>
-          <a:bodyPr wrap="none" rtlCol="0">
-            <a:spAutoFit/>
-          </a:bodyPr>
-          <a:lstStyle/>
-          <a:p>
-            <a:r>
-              <a:rPr lang="nb-NO" sz="7200" dirty="0" err="1">
-                <a:latin typeface="Yu Gothic UI Semibold" panose="020B0700000000000000" pitchFamily="34" charset="-128"/>
-                <a:ea typeface="Yu Gothic UI Semibold" panose="020B0700000000000000" pitchFamily="34" charset="-128"/>
-              </a:rPr>
-              <a:t>D</a:t>
-            </a:r>
-            <a:r>
-              <a:rPr lang="nb-NO" sz="4400" dirty="0" err="1">
-                <a:latin typeface="Yu Gothic UI Semibold" panose="020B0700000000000000" pitchFamily="34" charset="-128"/>
-                <a:ea typeface="Yu Gothic UI Semibold" panose="020B0700000000000000" pitchFamily="34" charset="-128"/>
-              </a:rPr>
-              <a:t>elete</a:t>
-            </a:r>
-            <a:endParaRPr lang="nb-NO" sz="4400" dirty="0">
-              <a:latin typeface="Yu Gothic UI Semibold" panose="020B0700000000000000" pitchFamily="34" charset="-128"/>
-              <a:ea typeface="Yu Gothic UI Semibold" panose="020B0700000000000000" pitchFamily="34" charset="-128"/>
-            </a:endParaRPr>
-          </a:p>
-          <a:p>
-            <a:endParaRPr lang="nb-NO" dirty="0"/>
-          </a:p>
-        </p:txBody>
-      </p:sp>
       <p:pic>
         <p:nvPicPr>
-          <p:cNvPr id="6" name="Bilde 5">
-            <a:extLst>
-              <a:ext uri="{FF2B5EF4-FFF2-40B4-BE49-F238E27FC236}">
-                <a16:creationId xmlns:a16="http://schemas.microsoft.com/office/drawing/2014/main" id="{BB756BAA-4AB3-7B30-3208-BB985F099B6B}"/>
+          <p:cNvPr id="7" name="Bilde 6">
+            <a:extLst>
+              <a:ext uri="{FF2B5EF4-FFF2-40B4-BE49-F238E27FC236}">
+                <a16:creationId xmlns:a16="http://schemas.microsoft.com/office/drawing/2014/main" id="{78AE2C29-E015-8119-875A-552C96E79802}"/>
               </a:ext>
             </a:extLst>
           </p:cNvPr>
@@ -9825,36 +9819,6 @@
         </p:nvPicPr>
         <p:blipFill>
           <a:blip r:embed="rId4"/>
-          <a:stretch>
-            <a:fillRect/>
-          </a:stretch>
-        </p:blipFill>
-        <p:spPr>
-          <a:xfrm>
-            <a:off x="735668" y="2403744"/>
-            <a:ext cx="5338611" cy="2050511"/>
-          </a:xfrm>
-          <a:prstGeom prst="rect">
-            <a:avLst/>
-          </a:prstGeom>
-        </p:spPr>
-      </p:pic>
-      <p:pic>
-        <p:nvPicPr>
-          <p:cNvPr id="7" name="Bilde 6">
-            <a:extLst>
-              <a:ext uri="{FF2B5EF4-FFF2-40B4-BE49-F238E27FC236}">
-                <a16:creationId xmlns:a16="http://schemas.microsoft.com/office/drawing/2014/main" id="{78AE2C29-E015-8119-875A-552C96E79802}"/>
-              </a:ext>
-            </a:extLst>
-          </p:cNvPr>
-          <p:cNvPicPr>
-            <a:picLocks noChangeAspect="1"/>
-          </p:cNvPicPr>
-          <p:nvPr/>
-        </p:nvPicPr>
-        <p:blipFill>
-          <a:blip r:embed="rId5"/>
           <a:stretch>
             <a:fillRect/>
           </a:stretch>
@@ -10069,6 +10033,42 @@
           </a:fontRef>
         </p:style>
       </p:cxnSp>
+      <p:pic>
+        <p:nvPicPr>
+          <p:cNvPr id="16" name="Bilde 15" descr="Et bilde som inneholder Font, Grafikk, skjermbilde, tekst&#10;&#10;Automatisk generert beskrivelse">
+            <a:extLst>
+              <a:ext uri="{FF2B5EF4-FFF2-40B4-BE49-F238E27FC236}">
+                <a16:creationId xmlns:a16="http://schemas.microsoft.com/office/drawing/2014/main" id="{57E64A46-B8CE-48EE-9A2F-7C280B56D35F}"/>
+              </a:ext>
+            </a:extLst>
+          </p:cNvPr>
+          <p:cNvPicPr>
+            <a:picLocks noChangeAspect="1"/>
+          </p:cNvPicPr>
+          <p:nvPr/>
+        </p:nvPicPr>
+        <p:blipFill>
+          <a:blip r:embed="rId5">
+            <a:extLst>
+              <a:ext uri="{28A0092B-C50C-407E-A947-70E740481C1C}">
+                <a14:useLocalDpi xmlns:a14="http://schemas.microsoft.com/office/drawing/2010/main" val="0"/>
+              </a:ext>
+            </a:extLst>
+          </a:blip>
+          <a:stretch>
+            <a:fillRect/>
+          </a:stretch>
+        </p:blipFill>
+        <p:spPr>
+          <a:xfrm>
+            <a:off x="9618917" y="5095462"/>
+            <a:ext cx="2487740" cy="1801175"/>
+          </a:xfrm>
+          <a:prstGeom prst="rect">
+            <a:avLst/>
+          </a:prstGeom>
+        </p:spPr>
+      </p:pic>
     </p:spTree>
     <p:extLst>
       <p:ext uri="{BB962C8B-B14F-4D97-AF65-F5344CB8AC3E}">
@@ -10113,10 +10113,10 @@
       </p:grpSpPr>
       <p:pic>
         <p:nvPicPr>
-          <p:cNvPr id="4" name="Bilde 3" descr="Et bilde som inneholder Font, skjermbilde, Grafikk, logo&#10;&#10;Automatisk generert beskrivelse">
-            <a:extLst>
-              <a:ext uri="{FF2B5EF4-FFF2-40B4-BE49-F238E27FC236}">
-                <a16:creationId xmlns:a16="http://schemas.microsoft.com/office/drawing/2014/main" id="{708FCC79-D822-14E4-4633-1A03C5636EBE}"/>
+          <p:cNvPr id="5" name="Bilde 4">
+            <a:extLst>
+              <a:ext uri="{FF2B5EF4-FFF2-40B4-BE49-F238E27FC236}">
+                <a16:creationId xmlns:a16="http://schemas.microsoft.com/office/drawing/2014/main" id="{E1742CDB-AC92-E6F7-9FA8-BB1B8EC98ECC}"/>
               </a:ext>
             </a:extLst>
           </p:cNvPr>
@@ -10126,33 +10126,229 @@
           <p:nvPr/>
         </p:nvPicPr>
         <p:blipFill>
-          <a:blip r:embed="rId2">
-            <a:extLst>
-              <a:ext uri="{28A0092B-C50C-407E-A947-70E740481C1C}">
-                <a14:useLocalDpi xmlns:a14="http://schemas.microsoft.com/office/drawing/2010/main" val="0"/>
-              </a:ext>
-            </a:extLst>
-          </a:blip>
+          <a:blip r:embed="rId2"/>
           <a:stretch>
             <a:fillRect/>
           </a:stretch>
         </p:blipFill>
         <p:spPr>
           <a:xfrm>
-            <a:off x="9696450" y="5233285"/>
-            <a:ext cx="2495550" cy="1991083"/>
+            <a:off x="3166853" y="7635945"/>
+            <a:ext cx="5858294" cy="3561774"/>
           </a:xfrm>
           <a:prstGeom prst="rect">
             <a:avLst/>
           </a:prstGeom>
         </p:spPr>
       </p:pic>
+      <p:sp>
+        <p:nvSpPr>
+          <p:cNvPr id="8" name="TekstSylinder 7">
+            <a:extLst>
+              <a:ext uri="{FF2B5EF4-FFF2-40B4-BE49-F238E27FC236}">
+                <a16:creationId xmlns:a16="http://schemas.microsoft.com/office/drawing/2014/main" id="{FE77365E-0A23-CBB0-B1A0-80452C3AC1C7}"/>
+              </a:ext>
+            </a:extLst>
+          </p:cNvPr>
+          <p:cNvSpPr txBox="1"/>
+          <p:nvPr/>
+        </p:nvSpPr>
+        <p:spPr>
+          <a:xfrm>
+            <a:off x="1069804" y="-1326028"/>
+            <a:ext cx="2097049" cy="1477328"/>
+          </a:xfrm>
+          <a:prstGeom prst="rect">
+            <a:avLst/>
+          </a:prstGeom>
+          <a:noFill/>
+        </p:spPr>
+        <p:txBody>
+          <a:bodyPr wrap="none" rtlCol="0">
+            <a:spAutoFit/>
+          </a:bodyPr>
+          <a:lstStyle/>
+          <a:p>
+            <a:r>
+              <a:rPr lang="nb-NO" sz="7200" dirty="0" err="1">
+                <a:latin typeface="Yu Gothic UI Semibold" panose="020B0700000000000000" pitchFamily="34" charset="-128"/>
+                <a:ea typeface="Yu Gothic UI Semibold" panose="020B0700000000000000" pitchFamily="34" charset="-128"/>
+              </a:rPr>
+              <a:t>D</a:t>
+            </a:r>
+            <a:r>
+              <a:rPr lang="nb-NO" sz="4400" dirty="0" err="1">
+                <a:latin typeface="Yu Gothic UI Semibold" panose="020B0700000000000000" pitchFamily="34" charset="-128"/>
+                <a:ea typeface="Yu Gothic UI Semibold" panose="020B0700000000000000" pitchFamily="34" charset="-128"/>
+              </a:rPr>
+              <a:t>elete</a:t>
+            </a:r>
+            <a:endParaRPr lang="nb-NO" sz="4400" dirty="0">
+              <a:latin typeface="Yu Gothic UI Semibold" panose="020B0700000000000000" pitchFamily="34" charset="-128"/>
+              <a:ea typeface="Yu Gothic UI Semibold" panose="020B0700000000000000" pitchFamily="34" charset="-128"/>
+            </a:endParaRPr>
+          </a:p>
+          <a:p>
+            <a:endParaRPr lang="nb-NO" dirty="0"/>
+          </a:p>
+        </p:txBody>
+      </p:sp>
+      <p:sp>
+        <p:nvSpPr>
+          <p:cNvPr id="7" name="TekstSylinder 6">
+            <a:extLst>
+              <a:ext uri="{FF2B5EF4-FFF2-40B4-BE49-F238E27FC236}">
+                <a16:creationId xmlns:a16="http://schemas.microsoft.com/office/drawing/2014/main" id="{59E2C451-096F-6B46-BAE5-FF779C8E983F}"/>
+              </a:ext>
+            </a:extLst>
+          </p:cNvPr>
+          <p:cNvSpPr txBox="1"/>
+          <p:nvPr/>
+        </p:nvSpPr>
+        <p:spPr>
+          <a:xfrm>
+            <a:off x="8575504" y="2743200"/>
+            <a:ext cx="1662635" cy="769441"/>
+          </a:xfrm>
+          <a:prstGeom prst="rect">
+            <a:avLst/>
+          </a:prstGeom>
+          <a:noFill/>
+        </p:spPr>
+        <p:txBody>
+          <a:bodyPr wrap="none" rtlCol="0">
+            <a:spAutoFit/>
+          </a:bodyPr>
+          <a:lstStyle/>
+          <a:p>
+            <a:r>
+              <a:rPr lang="nb-NO" sz="4400" dirty="0">
+                <a:latin typeface="Yu Gothic UI Semibold" panose="020B0700000000000000" pitchFamily="34" charset="-128"/>
+                <a:ea typeface="Yu Gothic UI Semibold" panose="020B0700000000000000" pitchFamily="34" charset="-128"/>
+              </a:rPr>
+              <a:t>GDPR</a:t>
+            </a:r>
+          </a:p>
+        </p:txBody>
+      </p:sp>
+      <p:sp>
+        <p:nvSpPr>
+          <p:cNvPr id="9" name="TekstSylinder 8">
+            <a:extLst>
+              <a:ext uri="{FF2B5EF4-FFF2-40B4-BE49-F238E27FC236}">
+                <a16:creationId xmlns:a16="http://schemas.microsoft.com/office/drawing/2014/main" id="{C18EAA59-7692-32AB-3676-166E638AFB70}"/>
+              </a:ext>
+            </a:extLst>
+          </p:cNvPr>
+          <p:cNvSpPr txBox="1"/>
+          <p:nvPr/>
+        </p:nvSpPr>
+        <p:spPr>
+          <a:xfrm>
+            <a:off x="833228" y="636091"/>
+            <a:ext cx="6362700" cy="4524315"/>
+          </a:xfrm>
+          <a:prstGeom prst="rect">
+            <a:avLst/>
+          </a:prstGeom>
+          <a:noFill/>
+        </p:spPr>
+        <p:txBody>
+          <a:bodyPr wrap="square" rtlCol="0">
+            <a:spAutoFit/>
+          </a:bodyPr>
+          <a:lstStyle/>
+          <a:p>
+            <a:pPr marL="285750" indent="-285750">
+              <a:buFont typeface="Arial" panose="020B0604020202020204" pitchFamily="34" charset="0"/>
+              <a:buChar char="•"/>
+            </a:pPr>
+            <a:r>
+              <a:rPr lang="nb-NO" sz="2400" dirty="0"/>
+              <a:t>Vi lagrer informasjon og håndterer den etter lovverket gitt av GDPR</a:t>
+            </a:r>
+          </a:p>
+          <a:p>
+            <a:pPr marL="285750" indent="-285750">
+              <a:buFont typeface="Arial" panose="020B0604020202020204" pitchFamily="34" charset="0"/>
+              <a:buChar char="•"/>
+            </a:pPr>
+            <a:endParaRPr lang="nb-NO" sz="2400" dirty="0"/>
+          </a:p>
+          <a:p>
+            <a:pPr marL="285750" indent="-285750">
+              <a:buFont typeface="Arial" panose="020B0604020202020204" pitchFamily="34" charset="0"/>
+              <a:buChar char="•"/>
+            </a:pPr>
+            <a:r>
+              <a:rPr lang="nb-NO" sz="2400" dirty="0"/>
+              <a:t>Brukere av tjenesten godkjenner </a:t>
+            </a:r>
+          </a:p>
+          <a:p>
+            <a:r>
+              <a:rPr lang="nb-NO" sz="2400" dirty="0"/>
+              <a:t>    Terms </a:t>
+            </a:r>
+            <a:r>
+              <a:rPr lang="nb-NO" sz="2400" dirty="0" err="1"/>
+              <a:t>of</a:t>
+            </a:r>
+            <a:r>
+              <a:rPr lang="nb-NO" sz="2400" dirty="0"/>
+              <a:t> Service og velger å delta frivillig</a:t>
+            </a:r>
+          </a:p>
+          <a:p>
+            <a:pPr marL="285750" indent="-285750">
+              <a:buFont typeface="Arial" panose="020B0604020202020204" pitchFamily="34" charset="0"/>
+              <a:buChar char="•"/>
+            </a:pPr>
+            <a:endParaRPr lang="nb-NO" sz="2400" dirty="0"/>
+          </a:p>
+          <a:p>
+            <a:pPr marL="285750" indent="-285750">
+              <a:buFont typeface="Arial" panose="020B0604020202020204" pitchFamily="34" charset="0"/>
+              <a:buChar char="•"/>
+            </a:pPr>
+            <a:r>
+              <a:rPr lang="nb-NO" sz="2400" dirty="0"/>
+              <a:t>Kun nødvendig informasjon lagres og slettes dersom det ikke lenger en noe hensikt å beholde den</a:t>
+            </a:r>
+          </a:p>
+          <a:p>
+            <a:pPr marL="285750" indent="-285750">
+              <a:buFont typeface="Arial" panose="020B0604020202020204" pitchFamily="34" charset="0"/>
+              <a:buChar char="•"/>
+            </a:pPr>
+            <a:endParaRPr lang="nb-NO" sz="2400" dirty="0"/>
+          </a:p>
+          <a:p>
+            <a:pPr marL="285750" indent="-285750">
+              <a:buFont typeface="Arial" panose="020B0604020202020204" pitchFamily="34" charset="0"/>
+              <a:buChar char="•"/>
+            </a:pPr>
+            <a:r>
+              <a:rPr lang="nb-NO" sz="2400" dirty="0"/>
+              <a:t>Bruker innlogging gjøres trygt ved bruk av </a:t>
+            </a:r>
+            <a:r>
+              <a:rPr lang="nb-NO" sz="2400" dirty="0" err="1"/>
+              <a:t>hashing</a:t>
+            </a:r>
+            <a:r>
+              <a:rPr lang="nb-NO" sz="2400" dirty="0"/>
+              <a:t> og CSRF-tokens</a:t>
+            </a:r>
+          </a:p>
+        </p:txBody>
+      </p:sp>
       <p:pic>
         <p:nvPicPr>
-          <p:cNvPr id="5" name="Bilde 4">
-            <a:extLst>
-              <a:ext uri="{FF2B5EF4-FFF2-40B4-BE49-F238E27FC236}">
-                <a16:creationId xmlns:a16="http://schemas.microsoft.com/office/drawing/2014/main" id="{E1742CDB-AC92-E6F7-9FA8-BB1B8EC98ECC}"/>
+          <p:cNvPr id="2" name="Bilde 1">
+            <a:extLst>
+              <a:ext uri="{FF2B5EF4-FFF2-40B4-BE49-F238E27FC236}">
+                <a16:creationId xmlns:a16="http://schemas.microsoft.com/office/drawing/2014/main" id="{AE1F0002-1BD4-1921-F464-ACC93CC6A74A}"/>
               </a:ext>
             </a:extLst>
           </p:cNvPr>
@@ -10169,222 +10365,20 @@
         </p:blipFill>
         <p:spPr>
           <a:xfrm>
-            <a:off x="3166853" y="7635945"/>
-            <a:ext cx="5858294" cy="3561774"/>
+            <a:off x="662516" y="7233199"/>
+            <a:ext cx="5338611" cy="2050511"/>
           </a:xfrm>
           <a:prstGeom prst="rect">
             <a:avLst/>
           </a:prstGeom>
         </p:spPr>
       </p:pic>
-      <p:sp>
-        <p:nvSpPr>
-          <p:cNvPr id="8" name="TekstSylinder 7">
-            <a:extLst>
-              <a:ext uri="{FF2B5EF4-FFF2-40B4-BE49-F238E27FC236}">
-                <a16:creationId xmlns:a16="http://schemas.microsoft.com/office/drawing/2014/main" id="{FE77365E-0A23-CBB0-B1A0-80452C3AC1C7}"/>
-              </a:ext>
-            </a:extLst>
-          </p:cNvPr>
-          <p:cNvSpPr txBox="1"/>
-          <p:nvPr/>
-        </p:nvSpPr>
-        <p:spPr>
-          <a:xfrm>
-            <a:off x="1069804" y="-1326028"/>
-            <a:ext cx="2097049" cy="1477328"/>
-          </a:xfrm>
-          <a:prstGeom prst="rect">
-            <a:avLst/>
-          </a:prstGeom>
-          <a:noFill/>
-        </p:spPr>
-        <p:txBody>
-          <a:bodyPr wrap="none" rtlCol="0">
-            <a:spAutoFit/>
-          </a:bodyPr>
-          <a:lstStyle/>
-          <a:p>
-            <a:r>
-              <a:rPr lang="nb-NO" sz="7200" dirty="0" err="1">
-                <a:latin typeface="Yu Gothic UI Semibold" panose="020B0700000000000000" pitchFamily="34" charset="-128"/>
-                <a:ea typeface="Yu Gothic UI Semibold" panose="020B0700000000000000" pitchFamily="34" charset="-128"/>
-              </a:rPr>
-              <a:t>D</a:t>
-            </a:r>
-            <a:r>
-              <a:rPr lang="nb-NO" sz="4400" dirty="0" err="1">
-                <a:latin typeface="Yu Gothic UI Semibold" panose="020B0700000000000000" pitchFamily="34" charset="-128"/>
-                <a:ea typeface="Yu Gothic UI Semibold" panose="020B0700000000000000" pitchFamily="34" charset="-128"/>
-              </a:rPr>
-              <a:t>elete</a:t>
-            </a:r>
-            <a:endParaRPr lang="nb-NO" sz="4400" dirty="0">
-              <a:latin typeface="Yu Gothic UI Semibold" panose="020B0700000000000000" pitchFamily="34" charset="-128"/>
-              <a:ea typeface="Yu Gothic UI Semibold" panose="020B0700000000000000" pitchFamily="34" charset="-128"/>
-            </a:endParaRPr>
-          </a:p>
-          <a:p>
-            <a:endParaRPr lang="nb-NO" dirty="0"/>
-          </a:p>
-        </p:txBody>
-      </p:sp>
-      <p:sp>
-        <p:nvSpPr>
-          <p:cNvPr id="7" name="TekstSylinder 6">
-            <a:extLst>
-              <a:ext uri="{FF2B5EF4-FFF2-40B4-BE49-F238E27FC236}">
-                <a16:creationId xmlns:a16="http://schemas.microsoft.com/office/drawing/2014/main" id="{59E2C451-096F-6B46-BAE5-FF779C8E983F}"/>
-              </a:ext>
-            </a:extLst>
-          </p:cNvPr>
-          <p:cNvSpPr txBox="1"/>
-          <p:nvPr/>
-        </p:nvSpPr>
-        <p:spPr>
-          <a:xfrm>
-            <a:off x="8575504" y="2743200"/>
-            <a:ext cx="1662635" cy="769441"/>
-          </a:xfrm>
-          <a:prstGeom prst="rect">
-            <a:avLst/>
-          </a:prstGeom>
-          <a:noFill/>
-        </p:spPr>
-        <p:txBody>
-          <a:bodyPr wrap="none" rtlCol="0">
-            <a:spAutoFit/>
-          </a:bodyPr>
-          <a:lstStyle/>
-          <a:p>
-            <a:r>
-              <a:rPr lang="nb-NO" sz="4400" dirty="0">
-                <a:latin typeface="Yu Gothic UI Semibold" panose="020B0700000000000000" pitchFamily="34" charset="-128"/>
-                <a:ea typeface="Yu Gothic UI Semibold" panose="020B0700000000000000" pitchFamily="34" charset="-128"/>
-              </a:rPr>
-              <a:t>GDPR</a:t>
-            </a:r>
-          </a:p>
-        </p:txBody>
-      </p:sp>
-      <p:sp>
-        <p:nvSpPr>
-          <p:cNvPr id="9" name="TekstSylinder 8">
-            <a:extLst>
-              <a:ext uri="{FF2B5EF4-FFF2-40B4-BE49-F238E27FC236}">
-                <a16:creationId xmlns:a16="http://schemas.microsoft.com/office/drawing/2014/main" id="{C18EAA59-7692-32AB-3676-166E638AFB70}"/>
-              </a:ext>
-            </a:extLst>
-          </p:cNvPr>
-          <p:cNvSpPr txBox="1"/>
-          <p:nvPr/>
-        </p:nvSpPr>
-        <p:spPr>
-          <a:xfrm>
-            <a:off x="833228" y="636091"/>
-            <a:ext cx="6362700" cy="4524315"/>
-          </a:xfrm>
-          <a:prstGeom prst="rect">
-            <a:avLst/>
-          </a:prstGeom>
-          <a:noFill/>
-        </p:spPr>
-        <p:txBody>
-          <a:bodyPr wrap="square" rtlCol="0">
-            <a:spAutoFit/>
-          </a:bodyPr>
-          <a:lstStyle/>
-          <a:p>
-            <a:pPr marL="285750" indent="-285750">
-              <a:buFont typeface="Arial" panose="020B0604020202020204" pitchFamily="34" charset="0"/>
-              <a:buChar char="•"/>
-            </a:pPr>
-            <a:r>
-              <a:rPr lang="nb-NO" sz="2400" dirty="0"/>
-              <a:t>Vi lagrer informasjon og håndterer den etter lovverket gitt av GDPR</a:t>
-            </a:r>
-          </a:p>
-          <a:p>
-            <a:pPr marL="285750" indent="-285750">
-              <a:buFont typeface="Arial" panose="020B0604020202020204" pitchFamily="34" charset="0"/>
-              <a:buChar char="•"/>
-            </a:pPr>
-            <a:endParaRPr lang="nb-NO" sz="2400" dirty="0"/>
-          </a:p>
-          <a:p>
-            <a:pPr marL="285750" indent="-285750">
-              <a:buFont typeface="Arial" panose="020B0604020202020204" pitchFamily="34" charset="0"/>
-              <a:buChar char="•"/>
-            </a:pPr>
-            <a:r>
-              <a:rPr lang="nb-NO" sz="2400" dirty="0"/>
-              <a:t>Brukere av tjenesten godkjenner </a:t>
-            </a:r>
-          </a:p>
-          <a:p>
-            <a:r>
-              <a:rPr lang="nb-NO" sz="2400" dirty="0"/>
-              <a:t>    Terms </a:t>
-            </a:r>
-            <a:r>
-              <a:rPr lang="nb-NO" sz="2400" dirty="0" err="1"/>
-              <a:t>of</a:t>
-            </a:r>
-            <a:r>
-              <a:rPr lang="nb-NO" sz="2400" dirty="0"/>
-              <a:t> Service og velger å delta frivillig</a:t>
-            </a:r>
-          </a:p>
-          <a:p>
-            <a:pPr marL="285750" indent="-285750">
-              <a:buFont typeface="Arial" panose="020B0604020202020204" pitchFamily="34" charset="0"/>
-              <a:buChar char="•"/>
-            </a:pPr>
-            <a:endParaRPr lang="nb-NO" sz="2400" dirty="0"/>
-          </a:p>
-          <a:p>
-            <a:pPr marL="285750" indent="-285750">
-              <a:buFont typeface="Arial" panose="020B0604020202020204" pitchFamily="34" charset="0"/>
-              <a:buChar char="•"/>
-            </a:pPr>
-            <a:r>
-              <a:rPr lang="nb-NO" sz="2400" dirty="0"/>
-              <a:t>Kun nødvendig informasjon lagres og slettes dersom det ikke lenger en noe hensikt å beholde den</a:t>
-            </a:r>
-          </a:p>
-          <a:p>
-            <a:pPr marL="285750" indent="-285750">
-              <a:buFont typeface="Arial" panose="020B0604020202020204" pitchFamily="34" charset="0"/>
-              <a:buChar char="•"/>
-            </a:pPr>
-            <a:endParaRPr lang="nb-NO" sz="2400" dirty="0"/>
-          </a:p>
-          <a:p>
-            <a:pPr marL="285750" indent="-285750">
-              <a:buFont typeface="Arial" panose="020B0604020202020204" pitchFamily="34" charset="0"/>
-              <a:buChar char="•"/>
-            </a:pPr>
-            <a:r>
-              <a:rPr lang="nb-NO" sz="2400" dirty="0"/>
-              <a:t>Bruker innlogging gjøres trygt ved bruk av </a:t>
-            </a:r>
-            <a:r>
-              <a:rPr lang="nb-NO" sz="2400" dirty="0" err="1"/>
-              <a:t>hashing</a:t>
-            </a:r>
-            <a:r>
-              <a:rPr lang="nb-NO" sz="2400" dirty="0"/>
-              <a:t> og CSRF-tokens</a:t>
-            </a:r>
-          </a:p>
-        </p:txBody>
-      </p:sp>
       <p:pic>
         <p:nvPicPr>
-          <p:cNvPr id="2" name="Bilde 1">
-            <a:extLst>
-              <a:ext uri="{FF2B5EF4-FFF2-40B4-BE49-F238E27FC236}">
-                <a16:creationId xmlns:a16="http://schemas.microsoft.com/office/drawing/2014/main" id="{AE1F0002-1BD4-1921-F464-ACC93CC6A74A}"/>
+          <p:cNvPr id="3" name="Bilde 2">
+            <a:extLst>
+              <a:ext uri="{FF2B5EF4-FFF2-40B4-BE49-F238E27FC236}">
+                <a16:creationId xmlns:a16="http://schemas.microsoft.com/office/drawing/2014/main" id="{EDCB2721-F85D-90DF-348A-E6652BAF266C}"/>
               </a:ext>
             </a:extLst>
           </p:cNvPr>
@@ -10395,36 +10389,6 @@
         </p:nvPicPr>
         <p:blipFill>
           <a:blip r:embed="rId4"/>
-          <a:stretch>
-            <a:fillRect/>
-          </a:stretch>
-        </p:blipFill>
-        <p:spPr>
-          <a:xfrm>
-            <a:off x="662516" y="7233199"/>
-            <a:ext cx="5338611" cy="2050511"/>
-          </a:xfrm>
-          <a:prstGeom prst="rect">
-            <a:avLst/>
-          </a:prstGeom>
-        </p:spPr>
-      </p:pic>
-      <p:pic>
-        <p:nvPicPr>
-          <p:cNvPr id="3" name="Bilde 2">
-            <a:extLst>
-              <a:ext uri="{FF2B5EF4-FFF2-40B4-BE49-F238E27FC236}">
-                <a16:creationId xmlns:a16="http://schemas.microsoft.com/office/drawing/2014/main" id="{EDCB2721-F85D-90DF-348A-E6652BAF266C}"/>
-              </a:ext>
-            </a:extLst>
-          </p:cNvPr>
-          <p:cNvPicPr>
-            <a:picLocks noChangeAspect="1"/>
-          </p:cNvPicPr>
-          <p:nvPr/>
-        </p:nvPicPr>
-        <p:blipFill>
-          <a:blip r:embed="rId5"/>
           <a:stretch>
             <a:fillRect/>
           </a:stretch>
@@ -10639,6 +10603,42 @@
           </a:fontRef>
         </p:style>
       </p:cxnSp>
+      <p:pic>
+        <p:nvPicPr>
+          <p:cNvPr id="13" name="Bilde 12" descr="Et bilde som inneholder Font, Grafikk, skjermbilde, tekst&#10;&#10;Automatisk generert beskrivelse">
+            <a:extLst>
+              <a:ext uri="{FF2B5EF4-FFF2-40B4-BE49-F238E27FC236}">
+                <a16:creationId xmlns:a16="http://schemas.microsoft.com/office/drawing/2014/main" id="{FDEA77EF-CA15-3373-5FB4-9D9CDB7C3318}"/>
+              </a:ext>
+            </a:extLst>
+          </p:cNvPr>
+          <p:cNvPicPr>
+            <a:picLocks noChangeAspect="1"/>
+          </p:cNvPicPr>
+          <p:nvPr/>
+        </p:nvPicPr>
+        <p:blipFill>
+          <a:blip r:embed="rId5">
+            <a:extLst>
+              <a:ext uri="{28A0092B-C50C-407E-A947-70E740481C1C}">
+                <a14:useLocalDpi xmlns:a14="http://schemas.microsoft.com/office/drawing/2010/main" val="0"/>
+              </a:ext>
+            </a:extLst>
+          </a:blip>
+          <a:stretch>
+            <a:fillRect/>
+          </a:stretch>
+        </p:blipFill>
+        <p:spPr>
+          <a:xfrm>
+            <a:off x="9618917" y="5095462"/>
+            <a:ext cx="2487740" cy="1801175"/>
+          </a:xfrm>
+          <a:prstGeom prst="rect">
+            <a:avLst/>
+          </a:prstGeom>
+        </p:spPr>
+      </p:pic>
     </p:spTree>
     <p:extLst>
       <p:ext uri="{BB962C8B-B14F-4D97-AF65-F5344CB8AC3E}">

--- a/Presentasjon.pptx
+++ b/Presentasjon.pptx
@@ -5,7 +5,7 @@
     <p:sldMasterId id="2147483673" r:id="rId1"/>
   </p:sldMasterIdLst>
   <p:notesMasterIdLst>
-    <p:notesMasterId r:id="rId13"/>
+    <p:notesMasterId r:id="rId15"/>
   </p:notesMasterIdLst>
   <p:sldIdLst>
     <p:sldId id="256" r:id="rId2"/>
@@ -18,7 +18,9 @@
     <p:sldId id="262" r:id="rId9"/>
     <p:sldId id="263" r:id="rId10"/>
     <p:sldId id="264" r:id="rId11"/>
-    <p:sldId id="266" r:id="rId12"/>
+    <p:sldId id="267" r:id="rId12"/>
+    <p:sldId id="268" r:id="rId13"/>
+    <p:sldId id="266" r:id="rId14"/>
   </p:sldIdLst>
   <p:sldSz cx="12192000" cy="6858000"/>
   <p:notesSz cx="6858000" cy="9144000"/>
@@ -4875,6 +4877,81 @@
           </a:prstGeom>
         </p:spPr>
       </p:pic>
+      <p:sp>
+        <p:nvSpPr>
+          <p:cNvPr id="4" name="TekstSylinder 3">
+            <a:extLst>
+              <a:ext uri="{FF2B5EF4-FFF2-40B4-BE49-F238E27FC236}">
+                <a16:creationId xmlns:a16="http://schemas.microsoft.com/office/drawing/2014/main" id="{0CF682E9-DC76-828B-F4C7-6AE05C66AD5F}"/>
+              </a:ext>
+            </a:extLst>
+          </p:cNvPr>
+          <p:cNvSpPr txBox="1"/>
+          <p:nvPr/>
+        </p:nvSpPr>
+        <p:spPr>
+          <a:xfrm>
+            <a:off x="3587140" y="-1115402"/>
+            <a:ext cx="5017720" cy="769441"/>
+          </a:xfrm>
+          <a:prstGeom prst="rect">
+            <a:avLst/>
+          </a:prstGeom>
+          <a:noFill/>
+        </p:spPr>
+        <p:txBody>
+          <a:bodyPr wrap="none" rtlCol="0">
+            <a:spAutoFit/>
+          </a:bodyPr>
+          <a:lstStyle/>
+          <a:p>
+            <a:r>
+              <a:rPr lang="nb-NO" sz="4400" dirty="0" err="1">
+                <a:latin typeface="Yu Gothic" panose="020B0400000000000000" pitchFamily="34" charset="-128"/>
+                <a:ea typeface="Yu Gothic" panose="020B0400000000000000" pitchFamily="34" charset="-128"/>
+              </a:rPr>
+              <a:t>Trello</a:t>
+            </a:r>
+            <a:r>
+              <a:rPr lang="nb-NO" sz="4400" dirty="0">
+                <a:latin typeface="Yu Gothic" panose="020B0400000000000000" pitchFamily="34" charset="-128"/>
+                <a:ea typeface="Yu Gothic" panose="020B0400000000000000" pitchFamily="34" charset="-128"/>
+              </a:rPr>
+              <a:t> | To-do liste</a:t>
+            </a:r>
+          </a:p>
+        </p:txBody>
+      </p:sp>
+      <p:pic>
+        <p:nvPicPr>
+          <p:cNvPr id="8" name="Bilde 7">
+            <a:extLst>
+              <a:ext uri="{FF2B5EF4-FFF2-40B4-BE49-F238E27FC236}">
+                <a16:creationId xmlns:a16="http://schemas.microsoft.com/office/drawing/2014/main" id="{937466EE-F873-A2FB-1D49-06081CFB7BAB}"/>
+              </a:ext>
+            </a:extLst>
+          </p:cNvPr>
+          <p:cNvPicPr>
+            <a:picLocks noChangeAspect="1"/>
+          </p:cNvPicPr>
+          <p:nvPr/>
+        </p:nvPicPr>
+        <p:blipFill>
+          <a:blip r:embed="rId4"/>
+          <a:stretch>
+            <a:fillRect/>
+          </a:stretch>
+        </p:blipFill>
+        <p:spPr>
+          <a:xfrm>
+            <a:off x="3329306" y="6966886"/>
+            <a:ext cx="5533388" cy="4899892"/>
+          </a:xfrm>
+          <a:prstGeom prst="rect">
+            <a:avLst/>
+          </a:prstGeom>
+        </p:spPr>
+      </p:pic>
     </p:spTree>
     <p:extLst>
       <p:ext uri="{BB962C8B-B14F-4D97-AF65-F5344CB8AC3E}">
@@ -5130,6 +5207,1398 @@
           <a:chExt cx="0" cy="0"/>
         </a:xfrm>
       </p:grpSpPr>
+      <p:pic>
+        <p:nvPicPr>
+          <p:cNvPr id="5" name="Bilde 4">
+            <a:extLst>
+              <a:ext uri="{FF2B5EF4-FFF2-40B4-BE49-F238E27FC236}">
+                <a16:creationId xmlns:a16="http://schemas.microsoft.com/office/drawing/2014/main" id="{E1742CDB-AC92-E6F7-9FA8-BB1B8EC98ECC}"/>
+              </a:ext>
+            </a:extLst>
+          </p:cNvPr>
+          <p:cNvPicPr>
+            <a:picLocks noChangeAspect="1"/>
+          </p:cNvPicPr>
+          <p:nvPr/>
+        </p:nvPicPr>
+        <p:blipFill>
+          <a:blip r:embed="rId2"/>
+          <a:stretch>
+            <a:fillRect/>
+          </a:stretch>
+        </p:blipFill>
+        <p:spPr>
+          <a:xfrm>
+            <a:off x="3166853" y="7635945"/>
+            <a:ext cx="5858294" cy="3561774"/>
+          </a:xfrm>
+          <a:prstGeom prst="rect">
+            <a:avLst/>
+          </a:prstGeom>
+        </p:spPr>
+      </p:pic>
+      <p:sp>
+        <p:nvSpPr>
+          <p:cNvPr id="7" name="TekstSylinder 6">
+            <a:extLst>
+              <a:ext uri="{FF2B5EF4-FFF2-40B4-BE49-F238E27FC236}">
+                <a16:creationId xmlns:a16="http://schemas.microsoft.com/office/drawing/2014/main" id="{59E2C451-096F-6B46-BAE5-FF779C8E983F}"/>
+              </a:ext>
+            </a:extLst>
+          </p:cNvPr>
+          <p:cNvSpPr txBox="1"/>
+          <p:nvPr/>
+        </p:nvSpPr>
+        <p:spPr>
+          <a:xfrm>
+            <a:off x="13290379" y="2418259"/>
+            <a:ext cx="1662635" cy="769441"/>
+          </a:xfrm>
+          <a:prstGeom prst="rect">
+            <a:avLst/>
+          </a:prstGeom>
+          <a:noFill/>
+        </p:spPr>
+        <p:txBody>
+          <a:bodyPr wrap="none" rtlCol="0">
+            <a:spAutoFit/>
+          </a:bodyPr>
+          <a:lstStyle/>
+          <a:p>
+            <a:r>
+              <a:rPr lang="nb-NO" sz="4400" dirty="0">
+                <a:latin typeface="Yu Gothic UI Semibold" panose="020B0700000000000000" pitchFamily="34" charset="-128"/>
+                <a:ea typeface="Yu Gothic UI Semibold" panose="020B0700000000000000" pitchFamily="34" charset="-128"/>
+              </a:rPr>
+              <a:t>GDPR</a:t>
+            </a:r>
+          </a:p>
+        </p:txBody>
+      </p:sp>
+      <p:sp>
+        <p:nvSpPr>
+          <p:cNvPr id="2" name="TekstSylinder 1">
+            <a:extLst>
+              <a:ext uri="{FF2B5EF4-FFF2-40B4-BE49-F238E27FC236}">
+                <a16:creationId xmlns:a16="http://schemas.microsoft.com/office/drawing/2014/main" id="{9E6866F8-A325-2F0D-6D29-70AB617FE02B}"/>
+              </a:ext>
+            </a:extLst>
+          </p:cNvPr>
+          <p:cNvSpPr txBox="1"/>
+          <p:nvPr/>
+        </p:nvSpPr>
+        <p:spPr>
+          <a:xfrm>
+            <a:off x="-8293553" y="1025528"/>
+            <a:ext cx="8410575" cy="769441"/>
+          </a:xfrm>
+          <a:prstGeom prst="rect">
+            <a:avLst/>
+          </a:prstGeom>
+          <a:noFill/>
+        </p:spPr>
+        <p:txBody>
+          <a:bodyPr wrap="square" rtlCol="0">
+            <a:spAutoFit/>
+          </a:bodyPr>
+          <a:lstStyle/>
+          <a:p>
+            <a:r>
+              <a:rPr lang="nb-NO" sz="4400" dirty="0">
+                <a:latin typeface="Yu Gothic UI Semibold" panose="020B0700000000000000" pitchFamily="34" charset="-128"/>
+                <a:ea typeface="Yu Gothic UI Semibold" panose="020B0700000000000000" pitchFamily="34" charset="-128"/>
+              </a:rPr>
+              <a:t>Utviklerne bak bedriftsportalen</a:t>
+            </a:r>
+          </a:p>
+        </p:txBody>
+      </p:sp>
+      <p:sp>
+        <p:nvSpPr>
+          <p:cNvPr id="6" name="TekstSylinder 5">
+            <a:extLst>
+              <a:ext uri="{FF2B5EF4-FFF2-40B4-BE49-F238E27FC236}">
+                <a16:creationId xmlns:a16="http://schemas.microsoft.com/office/drawing/2014/main" id="{7B3B8AE2-7BFD-AD12-6173-212E642E1454}"/>
+              </a:ext>
+            </a:extLst>
+          </p:cNvPr>
+          <p:cNvSpPr txBox="1"/>
+          <p:nvPr/>
+        </p:nvSpPr>
+        <p:spPr>
+          <a:xfrm>
+            <a:off x="-8293553" y="2176057"/>
+            <a:ext cx="3666388" cy="1631216"/>
+          </a:xfrm>
+          <a:prstGeom prst="rect">
+            <a:avLst/>
+          </a:prstGeom>
+          <a:noFill/>
+        </p:spPr>
+        <p:txBody>
+          <a:bodyPr wrap="none" rtlCol="0">
+            <a:spAutoFit/>
+          </a:bodyPr>
+          <a:lstStyle/>
+          <a:p>
+            <a:pPr marL="342900" indent="-342900">
+              <a:buFont typeface="Arial" panose="020B0604020202020204" pitchFamily="34" charset="0"/>
+              <a:buChar char="•"/>
+            </a:pPr>
+            <a:r>
+              <a:rPr lang="nb-NO" sz="2000" dirty="0">
+                <a:latin typeface="Yu Gothic UI Semibold" panose="020B0700000000000000" pitchFamily="34" charset="-128"/>
+                <a:ea typeface="Yu Gothic UI Semibold" panose="020B0700000000000000" pitchFamily="34" charset="-128"/>
+              </a:rPr>
+              <a:t>Oliver         -Systemutvikler</a:t>
+            </a:r>
+          </a:p>
+          <a:p>
+            <a:pPr marL="342900" indent="-342900">
+              <a:buFont typeface="Arial" panose="020B0604020202020204" pitchFamily="34" charset="0"/>
+              <a:buChar char="•"/>
+            </a:pPr>
+            <a:endParaRPr lang="nb-NO" sz="2000" dirty="0">
+              <a:latin typeface="Yu Gothic UI Semibold" panose="020B0700000000000000" pitchFamily="34" charset="-128"/>
+              <a:ea typeface="Yu Gothic UI Semibold" panose="020B0700000000000000" pitchFamily="34" charset="-128"/>
+            </a:endParaRPr>
+          </a:p>
+          <a:p>
+            <a:pPr marL="342900" indent="-342900">
+              <a:buFont typeface="Arial" panose="020B0604020202020204" pitchFamily="34" charset="0"/>
+              <a:buChar char="•"/>
+            </a:pPr>
+            <a:r>
+              <a:rPr lang="nb-NO" sz="2000" dirty="0">
+                <a:latin typeface="Yu Gothic UI Semibold" panose="020B0700000000000000" pitchFamily="34" charset="-128"/>
+                <a:ea typeface="Yu Gothic UI Semibold" panose="020B0700000000000000" pitchFamily="34" charset="-128"/>
+              </a:rPr>
+              <a:t>Ariel           -Lead-designer</a:t>
+            </a:r>
+          </a:p>
+          <a:p>
+            <a:pPr marL="342900" indent="-342900">
+              <a:buFont typeface="Arial" panose="020B0604020202020204" pitchFamily="34" charset="0"/>
+              <a:buChar char="•"/>
+            </a:pPr>
+            <a:endParaRPr lang="nb-NO" sz="2000" dirty="0">
+              <a:latin typeface="Yu Gothic UI Semibold" panose="020B0700000000000000" pitchFamily="34" charset="-128"/>
+              <a:ea typeface="Yu Gothic UI Semibold" panose="020B0700000000000000" pitchFamily="34" charset="-128"/>
+            </a:endParaRPr>
+          </a:p>
+          <a:p>
+            <a:pPr marL="342900" indent="-342900">
+              <a:buFont typeface="Arial" panose="020B0604020202020204" pitchFamily="34" charset="0"/>
+              <a:buChar char="•"/>
+            </a:pPr>
+            <a:r>
+              <a:rPr lang="nb-NO" sz="2000" dirty="0">
+                <a:latin typeface="Yu Gothic UI Semibold" panose="020B0700000000000000" pitchFamily="34" charset="-128"/>
+                <a:ea typeface="Yu Gothic UI Semibold" panose="020B0700000000000000" pitchFamily="34" charset="-128"/>
+              </a:rPr>
+              <a:t>Jonas         -Arkitekt</a:t>
+            </a:r>
+          </a:p>
+        </p:txBody>
+      </p:sp>
+      <p:sp>
+        <p:nvSpPr>
+          <p:cNvPr id="10" name="TekstSylinder 9">
+            <a:extLst>
+              <a:ext uri="{FF2B5EF4-FFF2-40B4-BE49-F238E27FC236}">
+                <a16:creationId xmlns:a16="http://schemas.microsoft.com/office/drawing/2014/main" id="{3181FEAA-EB4F-6003-8EAE-3E96750F9348}"/>
+              </a:ext>
+            </a:extLst>
+          </p:cNvPr>
+          <p:cNvSpPr txBox="1"/>
+          <p:nvPr/>
+        </p:nvSpPr>
+        <p:spPr>
+          <a:xfrm>
+            <a:off x="2125201" y="-1598335"/>
+            <a:ext cx="7941598" cy="1446550"/>
+          </a:xfrm>
+          <a:prstGeom prst="rect">
+            <a:avLst/>
+          </a:prstGeom>
+          <a:noFill/>
+        </p:spPr>
+        <p:txBody>
+          <a:bodyPr wrap="none" rtlCol="0">
+            <a:spAutoFit/>
+          </a:bodyPr>
+          <a:lstStyle/>
+          <a:p>
+            <a:r>
+              <a:rPr lang="nb-NO" sz="8800" dirty="0">
+                <a:latin typeface="Yu Gothic UI Semibold" panose="020B0700000000000000" pitchFamily="34" charset="-128"/>
+                <a:ea typeface="Yu Gothic UI Semibold" panose="020B0700000000000000" pitchFamily="34" charset="-128"/>
+              </a:rPr>
+              <a:t>Demonstrasjon</a:t>
+            </a:r>
+          </a:p>
+        </p:txBody>
+      </p:sp>
+      <p:pic>
+        <p:nvPicPr>
+          <p:cNvPr id="3" name="Bilde 2" descr="Et bilde som inneholder Font, Grafikk, skjermbilde, tekst&#10;&#10;Automatisk generert beskrivelse">
+            <a:extLst>
+              <a:ext uri="{FF2B5EF4-FFF2-40B4-BE49-F238E27FC236}">
+                <a16:creationId xmlns:a16="http://schemas.microsoft.com/office/drawing/2014/main" id="{68BFA0C6-7773-2DCC-BFD7-0693CBC56FE5}"/>
+              </a:ext>
+            </a:extLst>
+          </p:cNvPr>
+          <p:cNvPicPr>
+            <a:picLocks noChangeAspect="1"/>
+          </p:cNvPicPr>
+          <p:nvPr/>
+        </p:nvPicPr>
+        <p:blipFill>
+          <a:blip r:embed="rId3">
+            <a:extLst>
+              <a:ext uri="{28A0092B-C50C-407E-A947-70E740481C1C}">
+                <a14:useLocalDpi xmlns:a14="http://schemas.microsoft.com/office/drawing/2010/main" val="0"/>
+              </a:ext>
+            </a:extLst>
+          </a:blip>
+          <a:stretch>
+            <a:fillRect/>
+          </a:stretch>
+        </p:blipFill>
+        <p:spPr>
+          <a:xfrm>
+            <a:off x="9618917" y="5095462"/>
+            <a:ext cx="2487740" cy="1801175"/>
+          </a:xfrm>
+          <a:prstGeom prst="rect">
+            <a:avLst/>
+          </a:prstGeom>
+        </p:spPr>
+      </p:pic>
+      <p:pic>
+        <p:nvPicPr>
+          <p:cNvPr id="8" name="Bilde 7">
+            <a:extLst>
+              <a:ext uri="{FF2B5EF4-FFF2-40B4-BE49-F238E27FC236}">
+                <a16:creationId xmlns:a16="http://schemas.microsoft.com/office/drawing/2014/main" id="{D85FFD66-8C9B-D1F1-D166-B9ADB190FC7C}"/>
+              </a:ext>
+            </a:extLst>
+          </p:cNvPr>
+          <p:cNvPicPr>
+            <a:picLocks noChangeAspect="1"/>
+          </p:cNvPicPr>
+          <p:nvPr/>
+        </p:nvPicPr>
+        <p:blipFill>
+          <a:blip r:embed="rId4"/>
+          <a:stretch>
+            <a:fillRect/>
+          </a:stretch>
+        </p:blipFill>
+        <p:spPr>
+          <a:xfrm>
+            <a:off x="3329306" y="1357327"/>
+            <a:ext cx="5533388" cy="4899892"/>
+          </a:xfrm>
+          <a:prstGeom prst="rect">
+            <a:avLst/>
+          </a:prstGeom>
+        </p:spPr>
+      </p:pic>
+      <p:sp>
+        <p:nvSpPr>
+          <p:cNvPr id="9" name="TekstSylinder 8">
+            <a:extLst>
+              <a:ext uri="{FF2B5EF4-FFF2-40B4-BE49-F238E27FC236}">
+                <a16:creationId xmlns:a16="http://schemas.microsoft.com/office/drawing/2014/main" id="{E0DD3DEA-0A79-DCE2-F6B5-5B4E0C35610B}"/>
+              </a:ext>
+            </a:extLst>
+          </p:cNvPr>
+          <p:cNvSpPr txBox="1"/>
+          <p:nvPr/>
+        </p:nvSpPr>
+        <p:spPr>
+          <a:xfrm>
+            <a:off x="3587140" y="457500"/>
+            <a:ext cx="5017720" cy="769441"/>
+          </a:xfrm>
+          <a:prstGeom prst="rect">
+            <a:avLst/>
+          </a:prstGeom>
+          <a:noFill/>
+        </p:spPr>
+        <p:txBody>
+          <a:bodyPr wrap="none" rtlCol="0">
+            <a:spAutoFit/>
+          </a:bodyPr>
+          <a:lstStyle/>
+          <a:p>
+            <a:r>
+              <a:rPr lang="nb-NO" sz="4400" dirty="0" err="1">
+                <a:latin typeface="Yu Gothic" panose="020B0400000000000000" pitchFamily="34" charset="-128"/>
+                <a:ea typeface="Yu Gothic" panose="020B0400000000000000" pitchFamily="34" charset="-128"/>
+              </a:rPr>
+              <a:t>Trello</a:t>
+            </a:r>
+            <a:r>
+              <a:rPr lang="nb-NO" sz="4400" dirty="0">
+                <a:latin typeface="Yu Gothic" panose="020B0400000000000000" pitchFamily="34" charset="-128"/>
+                <a:ea typeface="Yu Gothic" panose="020B0400000000000000" pitchFamily="34" charset="-128"/>
+              </a:rPr>
+              <a:t> | To-do liste</a:t>
+            </a:r>
+          </a:p>
+        </p:txBody>
+      </p:sp>
+      <p:pic>
+        <p:nvPicPr>
+          <p:cNvPr id="11" name="Bilde 10">
+            <a:extLst>
+              <a:ext uri="{FF2B5EF4-FFF2-40B4-BE49-F238E27FC236}">
+                <a16:creationId xmlns:a16="http://schemas.microsoft.com/office/drawing/2014/main" id="{74D3E15A-4D3E-7862-3F03-04A0DB7D6FA4}"/>
+              </a:ext>
+            </a:extLst>
+          </p:cNvPr>
+          <p:cNvPicPr>
+            <a:picLocks noChangeAspect="1"/>
+          </p:cNvPicPr>
+          <p:nvPr/>
+        </p:nvPicPr>
+        <p:blipFill>
+          <a:blip r:embed="rId5"/>
+          <a:stretch>
+            <a:fillRect/>
+          </a:stretch>
+        </p:blipFill>
+        <p:spPr>
+          <a:xfrm>
+            <a:off x="1058293" y="-5281051"/>
+            <a:ext cx="6187471" cy="5129266"/>
+          </a:xfrm>
+          <a:prstGeom prst="rect">
+            <a:avLst/>
+          </a:prstGeom>
+        </p:spPr>
+      </p:pic>
+      <p:sp>
+        <p:nvSpPr>
+          <p:cNvPr id="12" name="TekstSylinder 11">
+            <a:extLst>
+              <a:ext uri="{FF2B5EF4-FFF2-40B4-BE49-F238E27FC236}">
+                <a16:creationId xmlns:a16="http://schemas.microsoft.com/office/drawing/2014/main" id="{18E2AE90-E8EE-087A-6F99-84E0E0C73409}"/>
+              </a:ext>
+            </a:extLst>
+          </p:cNvPr>
+          <p:cNvSpPr txBox="1"/>
+          <p:nvPr/>
+        </p:nvSpPr>
+        <p:spPr>
+          <a:xfrm>
+            <a:off x="7040870" y="-816638"/>
+            <a:ext cx="4940776" cy="584775"/>
+          </a:xfrm>
+          <a:prstGeom prst="rect">
+            <a:avLst/>
+          </a:prstGeom>
+          <a:noFill/>
+        </p:spPr>
+        <p:txBody>
+          <a:bodyPr wrap="none" rtlCol="0">
+            <a:spAutoFit/>
+          </a:bodyPr>
+          <a:lstStyle/>
+          <a:p>
+            <a:r>
+              <a:rPr lang="nb-NO" sz="3200" dirty="0">
+                <a:latin typeface="Yu Gothic" panose="020B0400000000000000" pitchFamily="34" charset="-128"/>
+                <a:ea typeface="Yu Gothic" panose="020B0400000000000000" pitchFamily="34" charset="-128"/>
+              </a:rPr>
+              <a:t>Github - Versjonskontroll</a:t>
+            </a:r>
+          </a:p>
+        </p:txBody>
+      </p:sp>
+      <p:pic>
+        <p:nvPicPr>
+          <p:cNvPr id="13" name="Bilde 12">
+            <a:extLst>
+              <a:ext uri="{FF2B5EF4-FFF2-40B4-BE49-F238E27FC236}">
+                <a16:creationId xmlns:a16="http://schemas.microsoft.com/office/drawing/2014/main" id="{B7658916-E1EB-5853-2D4F-774A76EED228}"/>
+              </a:ext>
+            </a:extLst>
+          </p:cNvPr>
+          <p:cNvPicPr>
+            <a:picLocks noChangeAspect="1"/>
+          </p:cNvPicPr>
+          <p:nvPr/>
+        </p:nvPicPr>
+        <p:blipFill>
+          <a:blip r:embed="rId6"/>
+          <a:stretch>
+            <a:fillRect/>
+          </a:stretch>
+        </p:blipFill>
+        <p:spPr>
+          <a:xfrm>
+            <a:off x="993293" y="-6859519"/>
+            <a:ext cx="6252471" cy="1577502"/>
+          </a:xfrm>
+          <a:prstGeom prst="rect">
+            <a:avLst/>
+          </a:prstGeom>
+        </p:spPr>
+      </p:pic>
+    </p:spTree>
+    <p:extLst>
+      <p:ext uri="{BB962C8B-B14F-4D97-AF65-F5344CB8AC3E}">
+        <p14:creationId xmlns:p14="http://schemas.microsoft.com/office/powerpoint/2010/main" val="1465059324"/>
+      </p:ext>
+    </p:extLst>
+  </p:cSld>
+  <p:clrMapOvr>
+    <a:masterClrMapping/>
+  </p:clrMapOvr>
+  <mc:AlternateContent xmlns:mc="http://schemas.openxmlformats.org/markup-compatibility/2006" xmlns:p159="http://schemas.microsoft.com/office/powerpoint/2015/09/main">
+    <mc:Choice Requires="p159">
+      <p:transition xmlns:p14="http://schemas.microsoft.com/office/powerpoint/2010/main" spd="slow" p14:dur="2000">
+        <p159:morph option="byObject"/>
+      </p:transition>
+    </mc:Choice>
+    <mc:Fallback xmlns="">
+      <p:transition spd="slow">
+        <p:fade/>
+      </p:transition>
+    </mc:Fallback>
+  </mc:AlternateContent>
+  <p:timing>
+    <p:tnLst>
+      <p:par>
+        <p:cTn id="1" dur="indefinite" restart="never" nodeType="tmRoot">
+          <p:childTnLst>
+            <p:seq concurrent="1" nextAc="seek">
+              <p:cTn id="2" dur="indefinite" nodeType="mainSeq">
+                <p:childTnLst>
+                  <p:par>
+                    <p:cTn id="3" fill="hold">
+                      <p:stCondLst>
+                        <p:cond delay="indefinite"/>
+                      </p:stCondLst>
+                      <p:childTnLst>
+                        <p:par>
+                          <p:cTn id="4" fill="hold">
+                            <p:stCondLst>
+                              <p:cond delay="0"/>
+                            </p:stCondLst>
+                            <p:childTnLst>
+                              <p:par>
+                                <p:cTn id="5" presetID="10" presetClass="entr" presetSubtype="0" fill="hold" nodeType="clickEffect">
+                                  <p:stCondLst>
+                                    <p:cond delay="0"/>
+                                  </p:stCondLst>
+                                  <p:childTnLst>
+                                    <p:set>
+                                      <p:cBhvr>
+                                        <p:cTn id="6" dur="1" fill="hold">
+                                          <p:stCondLst>
+                                            <p:cond delay="0"/>
+                                          </p:stCondLst>
+                                        </p:cTn>
+                                        <p:tgtEl>
+                                          <p:spTgt spid="6">
+                                            <p:txEl>
+                                              <p:pRg st="0" end="0"/>
+                                            </p:txEl>
+                                          </p:spTgt>
+                                        </p:tgtEl>
+                                        <p:attrNameLst>
+                                          <p:attrName>style.visibility</p:attrName>
+                                        </p:attrNameLst>
+                                      </p:cBhvr>
+                                      <p:to>
+                                        <p:strVal val="visible"/>
+                                      </p:to>
+                                    </p:set>
+                                    <p:animEffect transition="in" filter="fade">
+                                      <p:cBhvr>
+                                        <p:cTn id="7" dur="500"/>
+                                        <p:tgtEl>
+                                          <p:spTgt spid="6">
+                                            <p:txEl>
+                                              <p:pRg st="0" end="0"/>
+                                            </p:txEl>
+                                          </p:spTgt>
+                                        </p:tgtEl>
+                                      </p:cBhvr>
+                                    </p:animEffect>
+                                  </p:childTnLst>
+                                </p:cTn>
+                              </p:par>
+                            </p:childTnLst>
+                          </p:cTn>
+                        </p:par>
+                      </p:childTnLst>
+                    </p:cTn>
+                  </p:par>
+                  <p:par>
+                    <p:cTn id="8" fill="hold">
+                      <p:stCondLst>
+                        <p:cond delay="indefinite"/>
+                      </p:stCondLst>
+                      <p:childTnLst>
+                        <p:par>
+                          <p:cTn id="9" fill="hold">
+                            <p:stCondLst>
+                              <p:cond delay="0"/>
+                            </p:stCondLst>
+                            <p:childTnLst>
+                              <p:par>
+                                <p:cTn id="10" presetID="10" presetClass="entr" presetSubtype="0" fill="hold" nodeType="clickEffect">
+                                  <p:stCondLst>
+                                    <p:cond delay="0"/>
+                                  </p:stCondLst>
+                                  <p:childTnLst>
+                                    <p:set>
+                                      <p:cBhvr>
+                                        <p:cTn id="11" dur="1" fill="hold">
+                                          <p:stCondLst>
+                                            <p:cond delay="0"/>
+                                          </p:stCondLst>
+                                        </p:cTn>
+                                        <p:tgtEl>
+                                          <p:spTgt spid="6">
+                                            <p:txEl>
+                                              <p:pRg st="2" end="2"/>
+                                            </p:txEl>
+                                          </p:spTgt>
+                                        </p:tgtEl>
+                                        <p:attrNameLst>
+                                          <p:attrName>style.visibility</p:attrName>
+                                        </p:attrNameLst>
+                                      </p:cBhvr>
+                                      <p:to>
+                                        <p:strVal val="visible"/>
+                                      </p:to>
+                                    </p:set>
+                                    <p:animEffect transition="in" filter="fade">
+                                      <p:cBhvr>
+                                        <p:cTn id="12" dur="500"/>
+                                        <p:tgtEl>
+                                          <p:spTgt spid="6">
+                                            <p:txEl>
+                                              <p:pRg st="2" end="2"/>
+                                            </p:txEl>
+                                          </p:spTgt>
+                                        </p:tgtEl>
+                                      </p:cBhvr>
+                                    </p:animEffect>
+                                  </p:childTnLst>
+                                </p:cTn>
+                              </p:par>
+                            </p:childTnLst>
+                          </p:cTn>
+                        </p:par>
+                      </p:childTnLst>
+                    </p:cTn>
+                  </p:par>
+                  <p:par>
+                    <p:cTn id="13" fill="hold">
+                      <p:stCondLst>
+                        <p:cond delay="indefinite"/>
+                      </p:stCondLst>
+                      <p:childTnLst>
+                        <p:par>
+                          <p:cTn id="14" fill="hold">
+                            <p:stCondLst>
+                              <p:cond delay="0"/>
+                            </p:stCondLst>
+                            <p:childTnLst>
+                              <p:par>
+                                <p:cTn id="15" presetID="10" presetClass="entr" presetSubtype="0" fill="hold" nodeType="clickEffect">
+                                  <p:stCondLst>
+                                    <p:cond delay="0"/>
+                                  </p:stCondLst>
+                                  <p:childTnLst>
+                                    <p:set>
+                                      <p:cBhvr>
+                                        <p:cTn id="16" dur="1" fill="hold">
+                                          <p:stCondLst>
+                                            <p:cond delay="0"/>
+                                          </p:stCondLst>
+                                        </p:cTn>
+                                        <p:tgtEl>
+                                          <p:spTgt spid="6">
+                                            <p:txEl>
+                                              <p:pRg st="4" end="4"/>
+                                            </p:txEl>
+                                          </p:spTgt>
+                                        </p:tgtEl>
+                                        <p:attrNameLst>
+                                          <p:attrName>style.visibility</p:attrName>
+                                        </p:attrNameLst>
+                                      </p:cBhvr>
+                                      <p:to>
+                                        <p:strVal val="visible"/>
+                                      </p:to>
+                                    </p:set>
+                                    <p:animEffect transition="in" filter="fade">
+                                      <p:cBhvr>
+                                        <p:cTn id="17" dur="500"/>
+                                        <p:tgtEl>
+                                          <p:spTgt spid="6">
+                                            <p:txEl>
+                                              <p:pRg st="4" end="4"/>
+                                            </p:txEl>
+                                          </p:spTgt>
+                                        </p:tgtEl>
+                                      </p:cBhvr>
+                                    </p:animEffect>
+                                  </p:childTnLst>
+                                </p:cTn>
+                              </p:par>
+                            </p:childTnLst>
+                          </p:cTn>
+                        </p:par>
+                      </p:childTnLst>
+                    </p:cTn>
+                  </p:par>
+                </p:childTnLst>
+              </p:cTn>
+              <p:prevCondLst>
+                <p:cond evt="onPrev" delay="0">
+                  <p:tgtEl>
+                    <p:sldTgt/>
+                  </p:tgtEl>
+                </p:cond>
+              </p:prevCondLst>
+              <p:nextCondLst>
+                <p:cond evt="onNext" delay="0">
+                  <p:tgtEl>
+                    <p:sldTgt/>
+                  </p:tgtEl>
+                </p:cond>
+              </p:nextCondLst>
+            </p:seq>
+          </p:childTnLst>
+        </p:cTn>
+      </p:par>
+    </p:tnLst>
+  </p:timing>
+</p:sld>
+</file>
+
+<file path=ppt/slides/slide12.xml><?xml version="1.0" encoding="utf-8"?>
+<p:sld xmlns:a="http://schemas.openxmlformats.org/drawingml/2006/main" xmlns:r="http://schemas.openxmlformats.org/officeDocument/2006/relationships" xmlns:p="http://schemas.openxmlformats.org/presentationml/2006/main">
+  <p:cSld>
+    <p:spTree>
+      <p:nvGrpSpPr>
+        <p:cNvPr id="1" name=""/>
+        <p:cNvGrpSpPr/>
+        <p:nvPr/>
+      </p:nvGrpSpPr>
+      <p:grpSpPr>
+        <a:xfrm>
+          <a:off x="0" y="0"/>
+          <a:ext cx="0" cy="0"/>
+          <a:chOff x="0" y="0"/>
+          <a:chExt cx="0" cy="0"/>
+        </a:xfrm>
+      </p:grpSpPr>
+      <p:pic>
+        <p:nvPicPr>
+          <p:cNvPr id="5" name="Bilde 4">
+            <a:extLst>
+              <a:ext uri="{FF2B5EF4-FFF2-40B4-BE49-F238E27FC236}">
+                <a16:creationId xmlns:a16="http://schemas.microsoft.com/office/drawing/2014/main" id="{E1742CDB-AC92-E6F7-9FA8-BB1B8EC98ECC}"/>
+              </a:ext>
+            </a:extLst>
+          </p:cNvPr>
+          <p:cNvPicPr>
+            <a:picLocks noChangeAspect="1"/>
+          </p:cNvPicPr>
+          <p:nvPr/>
+        </p:nvPicPr>
+        <p:blipFill>
+          <a:blip r:embed="rId2"/>
+          <a:stretch>
+            <a:fillRect/>
+          </a:stretch>
+        </p:blipFill>
+        <p:spPr>
+          <a:xfrm>
+            <a:off x="3166853" y="7635945"/>
+            <a:ext cx="5858294" cy="3561774"/>
+          </a:xfrm>
+          <a:prstGeom prst="rect">
+            <a:avLst/>
+          </a:prstGeom>
+        </p:spPr>
+      </p:pic>
+      <p:sp>
+        <p:nvSpPr>
+          <p:cNvPr id="7" name="TekstSylinder 6">
+            <a:extLst>
+              <a:ext uri="{FF2B5EF4-FFF2-40B4-BE49-F238E27FC236}">
+                <a16:creationId xmlns:a16="http://schemas.microsoft.com/office/drawing/2014/main" id="{59E2C451-096F-6B46-BAE5-FF779C8E983F}"/>
+              </a:ext>
+            </a:extLst>
+          </p:cNvPr>
+          <p:cNvSpPr txBox="1"/>
+          <p:nvPr/>
+        </p:nvSpPr>
+        <p:spPr>
+          <a:xfrm>
+            <a:off x="13290379" y="2418259"/>
+            <a:ext cx="1662635" cy="769441"/>
+          </a:xfrm>
+          <a:prstGeom prst="rect">
+            <a:avLst/>
+          </a:prstGeom>
+          <a:noFill/>
+        </p:spPr>
+        <p:txBody>
+          <a:bodyPr wrap="none" rtlCol="0">
+            <a:spAutoFit/>
+          </a:bodyPr>
+          <a:lstStyle/>
+          <a:p>
+            <a:r>
+              <a:rPr lang="nb-NO" sz="4400" dirty="0">
+                <a:latin typeface="Yu Gothic UI Semibold" panose="020B0700000000000000" pitchFamily="34" charset="-128"/>
+                <a:ea typeface="Yu Gothic UI Semibold" panose="020B0700000000000000" pitchFamily="34" charset="-128"/>
+              </a:rPr>
+              <a:t>GDPR</a:t>
+            </a:r>
+          </a:p>
+        </p:txBody>
+      </p:sp>
+      <p:sp>
+        <p:nvSpPr>
+          <p:cNvPr id="2" name="TekstSylinder 1">
+            <a:extLst>
+              <a:ext uri="{FF2B5EF4-FFF2-40B4-BE49-F238E27FC236}">
+                <a16:creationId xmlns:a16="http://schemas.microsoft.com/office/drawing/2014/main" id="{9E6866F8-A325-2F0D-6D29-70AB617FE02B}"/>
+              </a:ext>
+            </a:extLst>
+          </p:cNvPr>
+          <p:cNvSpPr txBox="1"/>
+          <p:nvPr/>
+        </p:nvSpPr>
+        <p:spPr>
+          <a:xfrm>
+            <a:off x="-8293553" y="1025528"/>
+            <a:ext cx="8410575" cy="769441"/>
+          </a:xfrm>
+          <a:prstGeom prst="rect">
+            <a:avLst/>
+          </a:prstGeom>
+          <a:noFill/>
+        </p:spPr>
+        <p:txBody>
+          <a:bodyPr wrap="square" rtlCol="0">
+            <a:spAutoFit/>
+          </a:bodyPr>
+          <a:lstStyle/>
+          <a:p>
+            <a:r>
+              <a:rPr lang="nb-NO" sz="4400" dirty="0">
+                <a:latin typeface="Yu Gothic UI Semibold" panose="020B0700000000000000" pitchFamily="34" charset="-128"/>
+                <a:ea typeface="Yu Gothic UI Semibold" panose="020B0700000000000000" pitchFamily="34" charset="-128"/>
+              </a:rPr>
+              <a:t>Utviklerne bak bedriftsportalen</a:t>
+            </a:r>
+          </a:p>
+        </p:txBody>
+      </p:sp>
+      <p:sp>
+        <p:nvSpPr>
+          <p:cNvPr id="6" name="TekstSylinder 5">
+            <a:extLst>
+              <a:ext uri="{FF2B5EF4-FFF2-40B4-BE49-F238E27FC236}">
+                <a16:creationId xmlns:a16="http://schemas.microsoft.com/office/drawing/2014/main" id="{7B3B8AE2-7BFD-AD12-6173-212E642E1454}"/>
+              </a:ext>
+            </a:extLst>
+          </p:cNvPr>
+          <p:cNvSpPr txBox="1"/>
+          <p:nvPr/>
+        </p:nvSpPr>
+        <p:spPr>
+          <a:xfrm>
+            <a:off x="-8293553" y="2176057"/>
+            <a:ext cx="3666388" cy="1631216"/>
+          </a:xfrm>
+          <a:prstGeom prst="rect">
+            <a:avLst/>
+          </a:prstGeom>
+          <a:noFill/>
+        </p:spPr>
+        <p:txBody>
+          <a:bodyPr wrap="none" rtlCol="0">
+            <a:spAutoFit/>
+          </a:bodyPr>
+          <a:lstStyle/>
+          <a:p>
+            <a:pPr marL="342900" indent="-342900">
+              <a:buFont typeface="Arial" panose="020B0604020202020204" pitchFamily="34" charset="0"/>
+              <a:buChar char="•"/>
+            </a:pPr>
+            <a:r>
+              <a:rPr lang="nb-NO" sz="2000" dirty="0">
+                <a:latin typeface="Yu Gothic UI Semibold" panose="020B0700000000000000" pitchFamily="34" charset="-128"/>
+                <a:ea typeface="Yu Gothic UI Semibold" panose="020B0700000000000000" pitchFamily="34" charset="-128"/>
+              </a:rPr>
+              <a:t>Oliver         -Systemutvikler</a:t>
+            </a:r>
+          </a:p>
+          <a:p>
+            <a:pPr marL="342900" indent="-342900">
+              <a:buFont typeface="Arial" panose="020B0604020202020204" pitchFamily="34" charset="0"/>
+              <a:buChar char="•"/>
+            </a:pPr>
+            <a:endParaRPr lang="nb-NO" sz="2000" dirty="0">
+              <a:latin typeface="Yu Gothic UI Semibold" panose="020B0700000000000000" pitchFamily="34" charset="-128"/>
+              <a:ea typeface="Yu Gothic UI Semibold" panose="020B0700000000000000" pitchFamily="34" charset="-128"/>
+            </a:endParaRPr>
+          </a:p>
+          <a:p>
+            <a:pPr marL="342900" indent="-342900">
+              <a:buFont typeface="Arial" panose="020B0604020202020204" pitchFamily="34" charset="0"/>
+              <a:buChar char="•"/>
+            </a:pPr>
+            <a:r>
+              <a:rPr lang="nb-NO" sz="2000" dirty="0">
+                <a:latin typeface="Yu Gothic UI Semibold" panose="020B0700000000000000" pitchFamily="34" charset="-128"/>
+                <a:ea typeface="Yu Gothic UI Semibold" panose="020B0700000000000000" pitchFamily="34" charset="-128"/>
+              </a:rPr>
+              <a:t>Ariel           -Lead-designer</a:t>
+            </a:r>
+          </a:p>
+          <a:p>
+            <a:pPr marL="342900" indent="-342900">
+              <a:buFont typeface="Arial" panose="020B0604020202020204" pitchFamily="34" charset="0"/>
+              <a:buChar char="•"/>
+            </a:pPr>
+            <a:endParaRPr lang="nb-NO" sz="2000" dirty="0">
+              <a:latin typeface="Yu Gothic UI Semibold" panose="020B0700000000000000" pitchFamily="34" charset="-128"/>
+              <a:ea typeface="Yu Gothic UI Semibold" panose="020B0700000000000000" pitchFamily="34" charset="-128"/>
+            </a:endParaRPr>
+          </a:p>
+          <a:p>
+            <a:pPr marL="342900" indent="-342900">
+              <a:buFont typeface="Arial" panose="020B0604020202020204" pitchFamily="34" charset="0"/>
+              <a:buChar char="•"/>
+            </a:pPr>
+            <a:r>
+              <a:rPr lang="nb-NO" sz="2000" dirty="0">
+                <a:latin typeface="Yu Gothic UI Semibold" panose="020B0700000000000000" pitchFamily="34" charset="-128"/>
+                <a:ea typeface="Yu Gothic UI Semibold" panose="020B0700000000000000" pitchFamily="34" charset="-128"/>
+              </a:rPr>
+              <a:t>Jonas         -Arkitekt</a:t>
+            </a:r>
+          </a:p>
+        </p:txBody>
+      </p:sp>
+      <p:sp>
+        <p:nvSpPr>
+          <p:cNvPr id="10" name="TekstSylinder 9">
+            <a:extLst>
+              <a:ext uri="{FF2B5EF4-FFF2-40B4-BE49-F238E27FC236}">
+                <a16:creationId xmlns:a16="http://schemas.microsoft.com/office/drawing/2014/main" id="{3181FEAA-EB4F-6003-8EAE-3E96750F9348}"/>
+              </a:ext>
+            </a:extLst>
+          </p:cNvPr>
+          <p:cNvSpPr txBox="1"/>
+          <p:nvPr/>
+        </p:nvSpPr>
+        <p:spPr>
+          <a:xfrm>
+            <a:off x="2125201" y="-1598335"/>
+            <a:ext cx="7941598" cy="1446550"/>
+          </a:xfrm>
+          <a:prstGeom prst="rect">
+            <a:avLst/>
+          </a:prstGeom>
+          <a:noFill/>
+        </p:spPr>
+        <p:txBody>
+          <a:bodyPr wrap="none" rtlCol="0">
+            <a:spAutoFit/>
+          </a:bodyPr>
+          <a:lstStyle/>
+          <a:p>
+            <a:r>
+              <a:rPr lang="nb-NO" sz="8800" dirty="0">
+                <a:latin typeface="Yu Gothic UI Semibold" panose="020B0700000000000000" pitchFamily="34" charset="-128"/>
+                <a:ea typeface="Yu Gothic UI Semibold" panose="020B0700000000000000" pitchFamily="34" charset="-128"/>
+              </a:rPr>
+              <a:t>Demonstrasjon</a:t>
+            </a:r>
+          </a:p>
+        </p:txBody>
+      </p:sp>
+      <p:pic>
+        <p:nvPicPr>
+          <p:cNvPr id="3" name="Bilde 2" descr="Et bilde som inneholder Font, Grafikk, skjermbilde, tekst&#10;&#10;Automatisk generert beskrivelse">
+            <a:extLst>
+              <a:ext uri="{FF2B5EF4-FFF2-40B4-BE49-F238E27FC236}">
+                <a16:creationId xmlns:a16="http://schemas.microsoft.com/office/drawing/2014/main" id="{68BFA0C6-7773-2DCC-BFD7-0693CBC56FE5}"/>
+              </a:ext>
+            </a:extLst>
+          </p:cNvPr>
+          <p:cNvPicPr>
+            <a:picLocks noChangeAspect="1"/>
+          </p:cNvPicPr>
+          <p:nvPr/>
+        </p:nvPicPr>
+        <p:blipFill>
+          <a:blip r:embed="rId3">
+            <a:extLst>
+              <a:ext uri="{28A0092B-C50C-407E-A947-70E740481C1C}">
+                <a14:useLocalDpi xmlns:a14="http://schemas.microsoft.com/office/drawing/2010/main" val="0"/>
+              </a:ext>
+            </a:extLst>
+          </a:blip>
+          <a:stretch>
+            <a:fillRect/>
+          </a:stretch>
+        </p:blipFill>
+        <p:spPr>
+          <a:xfrm>
+            <a:off x="9618917" y="5095462"/>
+            <a:ext cx="2487740" cy="1801175"/>
+          </a:xfrm>
+          <a:prstGeom prst="rect">
+            <a:avLst/>
+          </a:prstGeom>
+        </p:spPr>
+      </p:pic>
+      <p:pic>
+        <p:nvPicPr>
+          <p:cNvPr id="8" name="Bilde 7">
+            <a:extLst>
+              <a:ext uri="{FF2B5EF4-FFF2-40B4-BE49-F238E27FC236}">
+                <a16:creationId xmlns:a16="http://schemas.microsoft.com/office/drawing/2014/main" id="{D85FFD66-8C9B-D1F1-D166-B9ADB190FC7C}"/>
+              </a:ext>
+            </a:extLst>
+          </p:cNvPr>
+          <p:cNvPicPr>
+            <a:picLocks noChangeAspect="1"/>
+          </p:cNvPicPr>
+          <p:nvPr/>
+        </p:nvPicPr>
+        <p:blipFill>
+          <a:blip r:embed="rId4"/>
+          <a:stretch>
+            <a:fillRect/>
+          </a:stretch>
+        </p:blipFill>
+        <p:spPr>
+          <a:xfrm>
+            <a:off x="-5890894" y="1308400"/>
+            <a:ext cx="5533388" cy="4899892"/>
+          </a:xfrm>
+          <a:prstGeom prst="rect">
+            <a:avLst/>
+          </a:prstGeom>
+        </p:spPr>
+      </p:pic>
+      <p:sp>
+        <p:nvSpPr>
+          <p:cNvPr id="9" name="TekstSylinder 8">
+            <a:extLst>
+              <a:ext uri="{FF2B5EF4-FFF2-40B4-BE49-F238E27FC236}">
+                <a16:creationId xmlns:a16="http://schemas.microsoft.com/office/drawing/2014/main" id="{E0DD3DEA-0A79-DCE2-F6B5-5B4E0C35610B}"/>
+              </a:ext>
+            </a:extLst>
+          </p:cNvPr>
+          <p:cNvSpPr txBox="1"/>
+          <p:nvPr/>
+        </p:nvSpPr>
+        <p:spPr>
+          <a:xfrm>
+            <a:off x="-5633060" y="397523"/>
+            <a:ext cx="5017720" cy="769441"/>
+          </a:xfrm>
+          <a:prstGeom prst="rect">
+            <a:avLst/>
+          </a:prstGeom>
+          <a:noFill/>
+        </p:spPr>
+        <p:txBody>
+          <a:bodyPr wrap="none" rtlCol="0">
+            <a:spAutoFit/>
+          </a:bodyPr>
+          <a:lstStyle/>
+          <a:p>
+            <a:r>
+              <a:rPr lang="nb-NO" sz="4400" dirty="0" err="1">
+                <a:latin typeface="Yu Gothic" panose="020B0400000000000000" pitchFamily="34" charset="-128"/>
+                <a:ea typeface="Yu Gothic" panose="020B0400000000000000" pitchFamily="34" charset="-128"/>
+              </a:rPr>
+              <a:t>Trello</a:t>
+            </a:r>
+            <a:r>
+              <a:rPr lang="nb-NO" sz="4400" dirty="0">
+                <a:latin typeface="Yu Gothic" panose="020B0400000000000000" pitchFamily="34" charset="-128"/>
+                <a:ea typeface="Yu Gothic" panose="020B0400000000000000" pitchFamily="34" charset="-128"/>
+              </a:rPr>
+              <a:t> | To-do liste</a:t>
+            </a:r>
+          </a:p>
+        </p:txBody>
+      </p:sp>
+      <p:pic>
+        <p:nvPicPr>
+          <p:cNvPr id="11" name="Bilde 10">
+            <a:extLst>
+              <a:ext uri="{FF2B5EF4-FFF2-40B4-BE49-F238E27FC236}">
+                <a16:creationId xmlns:a16="http://schemas.microsoft.com/office/drawing/2014/main" id="{C59ADBAD-6EB4-5F13-D3AE-F201E082E4CB}"/>
+              </a:ext>
+            </a:extLst>
+          </p:cNvPr>
+          <p:cNvPicPr>
+            <a:picLocks noChangeAspect="1"/>
+          </p:cNvPicPr>
+          <p:nvPr/>
+        </p:nvPicPr>
+        <p:blipFill>
+          <a:blip r:embed="rId5"/>
+          <a:stretch>
+            <a:fillRect/>
+          </a:stretch>
+        </p:blipFill>
+        <p:spPr>
+          <a:xfrm>
+            <a:off x="1082670" y="1794969"/>
+            <a:ext cx="5858294" cy="4856386"/>
+          </a:xfrm>
+          <a:prstGeom prst="rect">
+            <a:avLst/>
+          </a:prstGeom>
+        </p:spPr>
+      </p:pic>
+      <p:pic>
+        <p:nvPicPr>
+          <p:cNvPr id="13" name="Bilde 12">
+            <a:extLst>
+              <a:ext uri="{FF2B5EF4-FFF2-40B4-BE49-F238E27FC236}">
+                <a16:creationId xmlns:a16="http://schemas.microsoft.com/office/drawing/2014/main" id="{F8B62767-B8C0-36ED-7FD7-606A93EAC23B}"/>
+              </a:ext>
+            </a:extLst>
+          </p:cNvPr>
+          <p:cNvPicPr>
+            <a:picLocks noChangeAspect="1"/>
+          </p:cNvPicPr>
+          <p:nvPr/>
+        </p:nvPicPr>
+        <p:blipFill>
+          <a:blip r:embed="rId6"/>
+          <a:stretch>
+            <a:fillRect/>
+          </a:stretch>
+        </p:blipFill>
+        <p:spPr>
+          <a:xfrm>
+            <a:off x="1082670" y="316918"/>
+            <a:ext cx="5858294" cy="1478051"/>
+          </a:xfrm>
+          <a:prstGeom prst="rect">
+            <a:avLst/>
+          </a:prstGeom>
+        </p:spPr>
+      </p:pic>
+      <p:sp>
+        <p:nvSpPr>
+          <p:cNvPr id="14" name="TekstSylinder 13">
+            <a:extLst>
+              <a:ext uri="{FF2B5EF4-FFF2-40B4-BE49-F238E27FC236}">
+                <a16:creationId xmlns:a16="http://schemas.microsoft.com/office/drawing/2014/main" id="{74E2CAF3-14CC-A118-77CB-AEB9DE52AD07}"/>
+              </a:ext>
+            </a:extLst>
+          </p:cNvPr>
+          <p:cNvSpPr txBox="1"/>
+          <p:nvPr/>
+        </p:nvSpPr>
+        <p:spPr>
+          <a:xfrm>
+            <a:off x="7053570" y="582189"/>
+            <a:ext cx="4940776" cy="584775"/>
+          </a:xfrm>
+          <a:prstGeom prst="rect">
+            <a:avLst/>
+          </a:prstGeom>
+          <a:noFill/>
+        </p:spPr>
+        <p:txBody>
+          <a:bodyPr wrap="none" rtlCol="0">
+            <a:spAutoFit/>
+          </a:bodyPr>
+          <a:lstStyle/>
+          <a:p>
+            <a:r>
+              <a:rPr lang="nb-NO" sz="3200" dirty="0">
+                <a:latin typeface="Yu Gothic" panose="020B0400000000000000" pitchFamily="34" charset="-128"/>
+                <a:ea typeface="Yu Gothic" panose="020B0400000000000000" pitchFamily="34" charset="-128"/>
+              </a:rPr>
+              <a:t>Github - Versjonskontroll</a:t>
+            </a:r>
+          </a:p>
+        </p:txBody>
+      </p:sp>
+    </p:spTree>
+    <p:extLst>
+      <p:ext uri="{BB962C8B-B14F-4D97-AF65-F5344CB8AC3E}">
+        <p14:creationId xmlns:p14="http://schemas.microsoft.com/office/powerpoint/2010/main" val="2603642969"/>
+      </p:ext>
+    </p:extLst>
+  </p:cSld>
+  <p:clrMapOvr>
+    <a:masterClrMapping/>
+  </p:clrMapOvr>
+  <mc:AlternateContent xmlns:mc="http://schemas.openxmlformats.org/markup-compatibility/2006" xmlns:p159="http://schemas.microsoft.com/office/powerpoint/2015/09/main">
+    <mc:Choice Requires="p159">
+      <p:transition xmlns:p14="http://schemas.microsoft.com/office/powerpoint/2010/main" spd="slow" p14:dur="2000">
+        <p159:morph option="byObject"/>
+      </p:transition>
+    </mc:Choice>
+    <mc:Fallback xmlns="">
+      <p:transition spd="slow">
+        <p:fade/>
+      </p:transition>
+    </mc:Fallback>
+  </mc:AlternateContent>
+  <p:timing>
+    <p:tnLst>
+      <p:par>
+        <p:cTn id="1" dur="indefinite" restart="never" nodeType="tmRoot">
+          <p:childTnLst>
+            <p:seq concurrent="1" nextAc="seek">
+              <p:cTn id="2" dur="indefinite" nodeType="mainSeq">
+                <p:childTnLst>
+                  <p:par>
+                    <p:cTn id="3" fill="hold">
+                      <p:stCondLst>
+                        <p:cond delay="indefinite"/>
+                      </p:stCondLst>
+                      <p:childTnLst>
+                        <p:par>
+                          <p:cTn id="4" fill="hold">
+                            <p:stCondLst>
+                              <p:cond delay="0"/>
+                            </p:stCondLst>
+                            <p:childTnLst>
+                              <p:par>
+                                <p:cTn id="5" presetID="10" presetClass="entr" presetSubtype="0" fill="hold" nodeType="clickEffect">
+                                  <p:stCondLst>
+                                    <p:cond delay="0"/>
+                                  </p:stCondLst>
+                                  <p:childTnLst>
+                                    <p:set>
+                                      <p:cBhvr>
+                                        <p:cTn id="6" dur="1" fill="hold">
+                                          <p:stCondLst>
+                                            <p:cond delay="0"/>
+                                          </p:stCondLst>
+                                        </p:cTn>
+                                        <p:tgtEl>
+                                          <p:spTgt spid="6">
+                                            <p:txEl>
+                                              <p:pRg st="0" end="0"/>
+                                            </p:txEl>
+                                          </p:spTgt>
+                                        </p:tgtEl>
+                                        <p:attrNameLst>
+                                          <p:attrName>style.visibility</p:attrName>
+                                        </p:attrNameLst>
+                                      </p:cBhvr>
+                                      <p:to>
+                                        <p:strVal val="visible"/>
+                                      </p:to>
+                                    </p:set>
+                                    <p:animEffect transition="in" filter="fade">
+                                      <p:cBhvr>
+                                        <p:cTn id="7" dur="500"/>
+                                        <p:tgtEl>
+                                          <p:spTgt spid="6">
+                                            <p:txEl>
+                                              <p:pRg st="0" end="0"/>
+                                            </p:txEl>
+                                          </p:spTgt>
+                                        </p:tgtEl>
+                                      </p:cBhvr>
+                                    </p:animEffect>
+                                  </p:childTnLst>
+                                </p:cTn>
+                              </p:par>
+                            </p:childTnLst>
+                          </p:cTn>
+                        </p:par>
+                      </p:childTnLst>
+                    </p:cTn>
+                  </p:par>
+                  <p:par>
+                    <p:cTn id="8" fill="hold">
+                      <p:stCondLst>
+                        <p:cond delay="indefinite"/>
+                      </p:stCondLst>
+                      <p:childTnLst>
+                        <p:par>
+                          <p:cTn id="9" fill="hold">
+                            <p:stCondLst>
+                              <p:cond delay="0"/>
+                            </p:stCondLst>
+                            <p:childTnLst>
+                              <p:par>
+                                <p:cTn id="10" presetID="10" presetClass="entr" presetSubtype="0" fill="hold" nodeType="clickEffect">
+                                  <p:stCondLst>
+                                    <p:cond delay="0"/>
+                                  </p:stCondLst>
+                                  <p:childTnLst>
+                                    <p:set>
+                                      <p:cBhvr>
+                                        <p:cTn id="11" dur="1" fill="hold">
+                                          <p:stCondLst>
+                                            <p:cond delay="0"/>
+                                          </p:stCondLst>
+                                        </p:cTn>
+                                        <p:tgtEl>
+                                          <p:spTgt spid="6">
+                                            <p:txEl>
+                                              <p:pRg st="2" end="2"/>
+                                            </p:txEl>
+                                          </p:spTgt>
+                                        </p:tgtEl>
+                                        <p:attrNameLst>
+                                          <p:attrName>style.visibility</p:attrName>
+                                        </p:attrNameLst>
+                                      </p:cBhvr>
+                                      <p:to>
+                                        <p:strVal val="visible"/>
+                                      </p:to>
+                                    </p:set>
+                                    <p:animEffect transition="in" filter="fade">
+                                      <p:cBhvr>
+                                        <p:cTn id="12" dur="500"/>
+                                        <p:tgtEl>
+                                          <p:spTgt spid="6">
+                                            <p:txEl>
+                                              <p:pRg st="2" end="2"/>
+                                            </p:txEl>
+                                          </p:spTgt>
+                                        </p:tgtEl>
+                                      </p:cBhvr>
+                                    </p:animEffect>
+                                  </p:childTnLst>
+                                </p:cTn>
+                              </p:par>
+                            </p:childTnLst>
+                          </p:cTn>
+                        </p:par>
+                      </p:childTnLst>
+                    </p:cTn>
+                  </p:par>
+                  <p:par>
+                    <p:cTn id="13" fill="hold">
+                      <p:stCondLst>
+                        <p:cond delay="indefinite"/>
+                      </p:stCondLst>
+                      <p:childTnLst>
+                        <p:par>
+                          <p:cTn id="14" fill="hold">
+                            <p:stCondLst>
+                              <p:cond delay="0"/>
+                            </p:stCondLst>
+                            <p:childTnLst>
+                              <p:par>
+                                <p:cTn id="15" presetID="10" presetClass="entr" presetSubtype="0" fill="hold" nodeType="clickEffect">
+                                  <p:stCondLst>
+                                    <p:cond delay="0"/>
+                                  </p:stCondLst>
+                                  <p:childTnLst>
+                                    <p:set>
+                                      <p:cBhvr>
+                                        <p:cTn id="16" dur="1" fill="hold">
+                                          <p:stCondLst>
+                                            <p:cond delay="0"/>
+                                          </p:stCondLst>
+                                        </p:cTn>
+                                        <p:tgtEl>
+                                          <p:spTgt spid="6">
+                                            <p:txEl>
+                                              <p:pRg st="4" end="4"/>
+                                            </p:txEl>
+                                          </p:spTgt>
+                                        </p:tgtEl>
+                                        <p:attrNameLst>
+                                          <p:attrName>style.visibility</p:attrName>
+                                        </p:attrNameLst>
+                                      </p:cBhvr>
+                                      <p:to>
+                                        <p:strVal val="visible"/>
+                                      </p:to>
+                                    </p:set>
+                                    <p:animEffect transition="in" filter="fade">
+                                      <p:cBhvr>
+                                        <p:cTn id="17" dur="500"/>
+                                        <p:tgtEl>
+                                          <p:spTgt spid="6">
+                                            <p:txEl>
+                                              <p:pRg st="4" end="4"/>
+                                            </p:txEl>
+                                          </p:spTgt>
+                                        </p:tgtEl>
+                                      </p:cBhvr>
+                                    </p:animEffect>
+                                  </p:childTnLst>
+                                </p:cTn>
+                              </p:par>
+                            </p:childTnLst>
+                          </p:cTn>
+                        </p:par>
+                      </p:childTnLst>
+                    </p:cTn>
+                  </p:par>
+                </p:childTnLst>
+              </p:cTn>
+              <p:prevCondLst>
+                <p:cond evt="onPrev" delay="0">
+                  <p:tgtEl>
+                    <p:sldTgt/>
+                  </p:tgtEl>
+                </p:cond>
+              </p:prevCondLst>
+              <p:nextCondLst>
+                <p:cond evt="onNext" delay="0">
+                  <p:tgtEl>
+                    <p:sldTgt/>
+                  </p:tgtEl>
+                </p:cond>
+              </p:nextCondLst>
+            </p:seq>
+          </p:childTnLst>
+        </p:cTn>
+      </p:par>
+    </p:tnLst>
+  </p:timing>
+</p:sld>
+</file>
+
+<file path=ppt/slides/slide13.xml><?xml version="1.0" encoding="utf-8"?>
+<p:sld xmlns:a="http://schemas.openxmlformats.org/drawingml/2006/main" xmlns:r="http://schemas.openxmlformats.org/officeDocument/2006/relationships" xmlns:p="http://schemas.openxmlformats.org/presentationml/2006/main">
+  <p:cSld>
+    <p:spTree>
+      <p:nvGrpSpPr>
+        <p:cNvPr id="1" name=""/>
+        <p:cNvGrpSpPr/>
+        <p:nvPr/>
+      </p:nvGrpSpPr>
+      <p:grpSpPr>
+        <a:xfrm>
+          <a:off x="0" y="0"/>
+          <a:ext cx="0" cy="0"/>
+          <a:chOff x="0" y="0"/>
+          <a:chExt cx="0" cy="0"/>
+        </a:xfrm>
+      </p:grpSpPr>
       <p:sp>
         <p:nvSpPr>
           <p:cNvPr id="2" name="TekstSylinder 1">
@@ -5654,8 +7123,8 @@
         </p:nvSpPr>
         <p:spPr>
           <a:xfrm>
-            <a:off x="1123196" y="1885180"/>
-            <a:ext cx="4795004" cy="2862322"/>
+            <a:off x="1114721" y="1556500"/>
+            <a:ext cx="4795004" cy="3477875"/>
           </a:xfrm>
           <a:prstGeom prst="rect">
             <a:avLst/>
@@ -5747,6 +7216,36 @@
                 <a:ea typeface="Yu Gothic UI Semibold" panose="020B0700000000000000" pitchFamily="34" charset="-128"/>
               </a:rPr>
               <a:t>Utviklerne bak Bedriftsportalen</a:t>
+            </a:r>
+          </a:p>
+          <a:p>
+            <a:pPr marL="285750" indent="-285750">
+              <a:buFont typeface="Arial" panose="020B0604020202020204" pitchFamily="34" charset="0"/>
+              <a:buChar char="•"/>
+            </a:pPr>
+            <a:endParaRPr lang="nb-NO" sz="2000" dirty="0">
+              <a:latin typeface="Yu Gothic UI Semibold" panose="020B0700000000000000" pitchFamily="34" charset="-128"/>
+              <a:ea typeface="Yu Gothic UI Semibold" panose="020B0700000000000000" pitchFamily="34" charset="-128"/>
+            </a:endParaRPr>
+          </a:p>
+          <a:p>
+            <a:pPr marL="285750" indent="-285750">
+              <a:buFont typeface="Arial" panose="020B0604020202020204" pitchFamily="34" charset="0"/>
+              <a:buChar char="•"/>
+            </a:pPr>
+            <a:r>
+              <a:rPr lang="nb-NO" sz="2000" dirty="0" err="1">
+                <a:latin typeface="Yu Gothic UI Semibold" panose="020B0700000000000000" pitchFamily="34" charset="-128"/>
+                <a:ea typeface="Yu Gothic UI Semibold" panose="020B0700000000000000" pitchFamily="34" charset="-128"/>
+              </a:rPr>
+              <a:t>Trello</a:t>
+            </a:r>
+            <a:r>
+              <a:rPr lang="nb-NO" sz="2000" dirty="0">
+                <a:latin typeface="Yu Gothic UI Semibold" panose="020B0700000000000000" pitchFamily="34" charset="-128"/>
+                <a:ea typeface="Yu Gothic UI Semibold" panose="020B0700000000000000" pitchFamily="34" charset="-128"/>
+              </a:rPr>
+              <a:t> og Github</a:t>
             </a:r>
           </a:p>
           <a:p>
@@ -6209,6 +7708,67 @@
                                           </p:stCondLst>
                                         </p:cTn>
                                         <p:tgtEl>
+                                          <p:spTgt spid="7">
+                                            <p:txEl>
+                                              <p:pRg st="10" end="10"/>
+                                            </p:txEl>
+                                          </p:spTgt>
+                                        </p:tgtEl>
+                                        <p:attrNameLst>
+                                          <p:attrName>style.visibility</p:attrName>
+                                        </p:attrNameLst>
+                                      </p:cBhvr>
+                                      <p:to>
+                                        <p:strVal val="visible"/>
+                                      </p:to>
+                                    </p:set>
+                                    <p:animEffect transition="in" filter="fade">
+                                      <p:cBhvr>
+                                        <p:cTn id="32" dur="500"/>
+                                        <p:tgtEl>
+                                          <p:spTgt spid="7">
+                                            <p:txEl>
+                                              <p:pRg st="10" end="10"/>
+                                            </p:txEl>
+                                          </p:spTgt>
+                                        </p:tgtEl>
+                                      </p:cBhvr>
+                                    </p:animEffect>
+                                  </p:childTnLst>
+                                </p:cTn>
+                              </p:par>
+                            </p:childTnLst>
+                          </p:cTn>
+                        </p:par>
+                      </p:childTnLst>
+                    </p:cTn>
+                  </p:par>
+                  <p:par>
+                    <p:cTn id="33" fill="hold">
+                      <p:stCondLst>
+                        <p:cond delay="indefinite"/>
+                      </p:stCondLst>
+                      <p:childTnLst>
+                        <p:par>
+                          <p:cTn id="34" fill="hold">
+                            <p:stCondLst>
+                              <p:cond delay="0"/>
+                            </p:stCondLst>
+                            <p:childTnLst>
+                              <p:par>
+                                <p:cTn id="35" presetID="10" presetClass="entr" presetSubtype="0" fill="hold" nodeType="clickEffect">
+                                  <p:stCondLst>
+                                    <p:cond delay="0"/>
+                                  </p:stCondLst>
+                                  <p:childTnLst>
+                                    <p:set>
+                                      <p:cBhvr>
+                                        <p:cTn id="36" dur="1" fill="hold">
+                                          <p:stCondLst>
+                                            <p:cond delay="0"/>
+                                          </p:stCondLst>
+                                        </p:cTn>
+                                        <p:tgtEl>
                                           <p:spTgt spid="9">
                                             <p:txEl>
                                               <p:pRg st="0" end="0"/>
@@ -6225,7 +7785,7 @@
                                     </p:set>
                                     <p:animEffect transition="in" filter="fade">
                                       <p:cBhvr>
-                                        <p:cTn id="32" dur="500"/>
+                                        <p:cTn id="37" dur="500"/>
                                         <p:tgtEl>
                                           <p:spTgt spid="9">
                                             <p:txEl>
@@ -10264,7 +11824,10 @@
               <a:buChar char="•"/>
             </a:pPr>
             <a:r>
-              <a:rPr lang="nb-NO" sz="2400" dirty="0"/>
+              <a:rPr lang="nb-NO" sz="2400" dirty="0">
+                <a:latin typeface="Yu Gothic" panose="020B0400000000000000" pitchFamily="34" charset="-128"/>
+                <a:ea typeface="Yu Gothic" panose="020B0400000000000000" pitchFamily="34" charset="-128"/>
+              </a:rPr>
               <a:t>Vi lagrer informasjon og håndterer den etter lovverket gitt av GDPR</a:t>
             </a:r>
           </a:p>
@@ -10273,7 +11836,10 @@
               <a:buFont typeface="Arial" panose="020B0604020202020204" pitchFamily="34" charset="0"/>
               <a:buChar char="•"/>
             </a:pPr>
-            <a:endParaRPr lang="nb-NO" sz="2400" dirty="0"/>
+            <a:endParaRPr lang="nb-NO" sz="2400" dirty="0">
+              <a:latin typeface="Yu Gothic" panose="020B0400000000000000" pitchFamily="34" charset="-128"/>
+              <a:ea typeface="Yu Gothic" panose="020B0400000000000000" pitchFamily="34" charset="-128"/>
+            </a:endParaRPr>
           </a:p>
           <a:p>
             <a:pPr marL="285750" indent="-285750">
@@ -10281,21 +11847,33 @@
               <a:buChar char="•"/>
             </a:pPr>
             <a:r>
-              <a:rPr lang="nb-NO" sz="2400" dirty="0"/>
+              <a:rPr lang="nb-NO" sz="2400" dirty="0">
+                <a:latin typeface="Yu Gothic" panose="020B0400000000000000" pitchFamily="34" charset="-128"/>
+                <a:ea typeface="Yu Gothic" panose="020B0400000000000000" pitchFamily="34" charset="-128"/>
+              </a:rPr>
               <a:t>Brukere av tjenesten godkjenner </a:t>
             </a:r>
           </a:p>
           <a:p>
             <a:r>
-              <a:rPr lang="nb-NO" sz="2400" dirty="0"/>
+              <a:rPr lang="nb-NO" sz="2400" dirty="0">
+                <a:latin typeface="Yu Gothic" panose="020B0400000000000000" pitchFamily="34" charset="-128"/>
+                <a:ea typeface="Yu Gothic" panose="020B0400000000000000" pitchFamily="34" charset="-128"/>
+              </a:rPr>
               <a:t>    Terms </a:t>
             </a:r>
             <a:r>
-              <a:rPr lang="nb-NO" sz="2400" dirty="0" err="1"/>
+              <a:rPr lang="nb-NO" sz="2400" dirty="0" err="1">
+                <a:latin typeface="Yu Gothic" panose="020B0400000000000000" pitchFamily="34" charset="-128"/>
+                <a:ea typeface="Yu Gothic" panose="020B0400000000000000" pitchFamily="34" charset="-128"/>
+              </a:rPr>
               <a:t>of</a:t>
             </a:r>
             <a:r>
-              <a:rPr lang="nb-NO" sz="2400" dirty="0"/>
+              <a:rPr lang="nb-NO" sz="2400" dirty="0">
+                <a:latin typeface="Yu Gothic" panose="020B0400000000000000" pitchFamily="34" charset="-128"/>
+                <a:ea typeface="Yu Gothic" panose="020B0400000000000000" pitchFamily="34" charset="-128"/>
+              </a:rPr>
               <a:t> Service og velger å delta frivillig</a:t>
             </a:r>
           </a:p>
@@ -10304,7 +11882,10 @@
               <a:buFont typeface="Arial" panose="020B0604020202020204" pitchFamily="34" charset="0"/>
               <a:buChar char="•"/>
             </a:pPr>
-            <a:endParaRPr lang="nb-NO" sz="2400" dirty="0"/>
+            <a:endParaRPr lang="nb-NO" sz="2400" dirty="0">
+              <a:latin typeface="Yu Gothic" panose="020B0400000000000000" pitchFamily="34" charset="-128"/>
+              <a:ea typeface="Yu Gothic" panose="020B0400000000000000" pitchFamily="34" charset="-128"/>
+            </a:endParaRPr>
           </a:p>
           <a:p>
             <a:pPr marL="285750" indent="-285750">
@@ -10312,7 +11893,10 @@
               <a:buChar char="•"/>
             </a:pPr>
             <a:r>
-              <a:rPr lang="nb-NO" sz="2400" dirty="0"/>
+              <a:rPr lang="nb-NO" sz="2400" dirty="0">
+                <a:latin typeface="Yu Gothic" panose="020B0400000000000000" pitchFamily="34" charset="-128"/>
+                <a:ea typeface="Yu Gothic" panose="020B0400000000000000" pitchFamily="34" charset="-128"/>
+              </a:rPr>
               <a:t>Kun nødvendig informasjon lagres og slettes dersom det ikke lenger en noe hensikt å beholde den</a:t>
             </a:r>
           </a:p>
@@ -10321,7 +11905,10 @@
               <a:buFont typeface="Arial" panose="020B0604020202020204" pitchFamily="34" charset="0"/>
               <a:buChar char="•"/>
             </a:pPr>
-            <a:endParaRPr lang="nb-NO" sz="2400" dirty="0"/>
+            <a:endParaRPr lang="nb-NO" sz="2400" dirty="0">
+              <a:latin typeface="Yu Gothic" panose="020B0400000000000000" pitchFamily="34" charset="-128"/>
+              <a:ea typeface="Yu Gothic" panose="020B0400000000000000" pitchFamily="34" charset="-128"/>
+            </a:endParaRPr>
           </a:p>
           <a:p>
             <a:pPr marL="285750" indent="-285750">
@@ -10329,15 +11916,24 @@
               <a:buChar char="•"/>
             </a:pPr>
             <a:r>
-              <a:rPr lang="nb-NO" sz="2400" dirty="0"/>
+              <a:rPr lang="nb-NO" sz="2400" dirty="0">
+                <a:latin typeface="Yu Gothic" panose="020B0400000000000000" pitchFamily="34" charset="-128"/>
+                <a:ea typeface="Yu Gothic" panose="020B0400000000000000" pitchFamily="34" charset="-128"/>
+              </a:rPr>
               <a:t>Bruker innlogging gjøres trygt ved bruk av </a:t>
             </a:r>
             <a:r>
-              <a:rPr lang="nb-NO" sz="2400" dirty="0" err="1"/>
+              <a:rPr lang="nb-NO" sz="2400" dirty="0" err="1">
+                <a:latin typeface="Yu Gothic" panose="020B0400000000000000" pitchFamily="34" charset="-128"/>
+                <a:ea typeface="Yu Gothic" panose="020B0400000000000000" pitchFamily="34" charset="-128"/>
+              </a:rPr>
               <a:t>hashing</a:t>
             </a:r>
             <a:r>
-              <a:rPr lang="nb-NO" sz="2400" dirty="0"/>
+              <a:rPr lang="nb-NO" sz="2400" dirty="0">
+                <a:latin typeface="Yu Gothic" panose="020B0400000000000000" pitchFamily="34" charset="-128"/>
+                <a:ea typeface="Yu Gothic" panose="020B0400000000000000" pitchFamily="34" charset="-128"/>
+              </a:rPr>
               <a:t> og CSRF-tokens</a:t>
             </a:r>
           </a:p>

--- a/Presentasjon.pptx
+++ b/Presentasjon.pptx
@@ -5,7 +5,7 @@
     <p:sldMasterId id="2147483673" r:id="rId1"/>
   </p:sldMasterIdLst>
   <p:notesMasterIdLst>
-    <p:notesMasterId r:id="rId15"/>
+    <p:notesMasterId r:id="rId18"/>
   </p:notesMasterIdLst>
   <p:sldIdLst>
     <p:sldId id="256" r:id="rId2"/>
@@ -16,11 +16,14 @@
     <p:sldId id="260" r:id="rId7"/>
     <p:sldId id="261" r:id="rId8"/>
     <p:sldId id="262" r:id="rId9"/>
-    <p:sldId id="263" r:id="rId10"/>
-    <p:sldId id="264" r:id="rId11"/>
-    <p:sldId id="267" r:id="rId12"/>
-    <p:sldId id="268" r:id="rId13"/>
-    <p:sldId id="266" r:id="rId14"/>
+    <p:sldId id="269" r:id="rId10"/>
+    <p:sldId id="271" r:id="rId11"/>
+    <p:sldId id="263" r:id="rId12"/>
+    <p:sldId id="270" r:id="rId13"/>
+    <p:sldId id="264" r:id="rId14"/>
+    <p:sldId id="267" r:id="rId15"/>
+    <p:sldId id="268" r:id="rId16"/>
+    <p:sldId id="266" r:id="rId17"/>
   </p:sldIdLst>
   <p:sldSz cx="12192000" cy="6858000"/>
   <p:notesSz cx="6858000" cy="9144000"/>
@@ -127,6 +130,14 @@
 </p:presentation>
 </file>
 
+<file path=ppt/revisionInfo.xml><?xml version="1.0" encoding="utf-8"?>
+<p1510:revInfo xmlns:a="http://schemas.openxmlformats.org/drawingml/2006/main" xmlns:r="http://schemas.openxmlformats.org/officeDocument/2006/relationships" xmlns:p1510="http://schemas.microsoft.com/office/powerpoint/2015/10/main">
+  <p1510:revLst>
+    <p1510:client id="{7A3D2171-F6EE-3DE1-E3C8-F31428E3CD4B}" v="556" dt="2024-04-08T08:14:13.205"/>
+  </p1510:revLst>
+</p1510:revInfo>
+</file>
+
 <file path=ppt/notesMasters/notesMaster1.xml><?xml version="1.0" encoding="utf-8"?>
 <p:notesMaster xmlns:a="http://schemas.openxmlformats.org/drawingml/2006/main" xmlns:r="http://schemas.openxmlformats.org/officeDocument/2006/relationships" xmlns:p="http://schemas.openxmlformats.org/presentationml/2006/main">
   <p:cSld>
@@ -209,7 +220,7 @@
           <a:p>
             <a:fld id="{2327A38E-9F09-445C-BA1E-5368DD676257}" type="datetimeFigureOut">
               <a:rPr lang="nb-NO" smtClean="0"/>
-              <a:t>04.04.2024</a:t>
+              <a:t>08.04.2024</a:t>
             </a:fld>
             <a:endParaRPr lang="nb-NO"/>
           </a:p>
@@ -908,7 +919,7 @@
           <a:p>
             <a:fld id="{3CADBD16-5BFB-4D9F-9646-C75D1B53BBB6}" type="datetimeFigureOut">
               <a:rPr lang="en-US" smtClean="0"/>
-              <a:t>4/4/2024</a:t>
+              <a:t>4/8/2024</a:t>
             </a:fld>
             <a:endParaRPr lang="en-US"/>
           </a:p>
@@ -1149,7 +1160,7 @@
           <a:p>
             <a:fld id="{3CADBD16-5BFB-4D9F-9646-C75D1B53BBB6}" type="datetimeFigureOut">
               <a:rPr lang="en-US" smtClean="0"/>
-              <a:t>4/4/2024</a:t>
+              <a:t>4/8/2024</a:t>
             </a:fld>
             <a:endParaRPr lang="en-US"/>
           </a:p>
@@ -1357,7 +1368,7 @@
           <a:p>
             <a:fld id="{3CADBD16-5BFB-4D9F-9646-C75D1B53BBB6}" type="datetimeFigureOut">
               <a:rPr lang="en-US" smtClean="0"/>
-              <a:t>4/4/2024</a:t>
+              <a:t>4/8/2024</a:t>
             </a:fld>
             <a:endParaRPr lang="en-US"/>
           </a:p>
@@ -1555,7 +1566,7 @@
           <a:p>
             <a:fld id="{3CADBD16-5BFB-4D9F-9646-C75D1B53BBB6}" type="datetimeFigureOut">
               <a:rPr lang="en-US" smtClean="0"/>
-              <a:t>4/4/2024</a:t>
+              <a:t>4/8/2024</a:t>
             </a:fld>
             <a:endParaRPr lang="en-US"/>
           </a:p>
@@ -1832,7 +1843,7 @@
           <a:p>
             <a:fld id="{3CADBD16-5BFB-4D9F-9646-C75D1B53BBB6}" type="datetimeFigureOut">
               <a:rPr lang="en-US" smtClean="0"/>
-              <a:t>4/4/2024</a:t>
+              <a:t>4/8/2024</a:t>
             </a:fld>
             <a:endParaRPr lang="en-US"/>
           </a:p>
@@ -2097,7 +2108,7 @@
           <a:p>
             <a:fld id="{3CADBD16-5BFB-4D9F-9646-C75D1B53BBB6}" type="datetimeFigureOut">
               <a:rPr lang="en-US" smtClean="0"/>
-              <a:t>4/4/2024</a:t>
+              <a:t>4/8/2024</a:t>
             </a:fld>
             <a:endParaRPr lang="en-US"/>
           </a:p>
@@ -2513,7 +2524,7 @@
           <a:p>
             <a:fld id="{3CADBD16-5BFB-4D9F-9646-C75D1B53BBB6}" type="datetimeFigureOut">
               <a:rPr lang="en-US" smtClean="0"/>
-              <a:t>4/4/2024</a:t>
+              <a:t>4/8/2024</a:t>
             </a:fld>
             <a:endParaRPr lang="en-US"/>
           </a:p>
@@ -2663,7 +2674,7 @@
           <a:p>
             <a:fld id="{3CADBD16-5BFB-4D9F-9646-C75D1B53BBB6}" type="datetimeFigureOut">
               <a:rPr lang="en-US" smtClean="0"/>
-              <a:t>4/4/2024</a:t>
+              <a:t>4/8/2024</a:t>
             </a:fld>
             <a:endParaRPr lang="en-US"/>
           </a:p>
@@ -2776,7 +2787,7 @@
           <a:p>
             <a:fld id="{3CADBD16-5BFB-4D9F-9646-C75D1B53BBB6}" type="datetimeFigureOut">
               <a:rPr lang="en-US" smtClean="0"/>
-              <a:t>4/4/2024</a:t>
+              <a:t>4/8/2024</a:t>
             </a:fld>
             <a:endParaRPr lang="en-US"/>
           </a:p>
@@ -3092,7 +3103,7 @@
           <a:p>
             <a:fld id="{3CADBD16-5BFB-4D9F-9646-C75D1B53BBB6}" type="datetimeFigureOut">
               <a:rPr lang="en-US" smtClean="0"/>
-              <a:t>4/4/2024</a:t>
+              <a:t>4/8/2024</a:t>
             </a:fld>
             <a:endParaRPr lang="en-US"/>
           </a:p>
@@ -3343,7 +3354,7 @@
           <a:p>
             <a:fld id="{3CADBD16-5BFB-4D9F-9646-C75D1B53BBB6}" type="datetimeFigureOut">
               <a:rPr lang="en-US" smtClean="0"/>
-              <a:t>4/4/2024</a:t>
+              <a:t>4/8/2024</a:t>
             </a:fld>
             <a:endParaRPr lang="en-US"/>
           </a:p>
@@ -3852,7 +3863,7 @@
             <a:fld id="{3CADBD16-5BFB-4D9F-9646-C75D1B53BBB6}" type="datetimeFigureOut">
               <a:rPr lang="en-US" smtClean="0"/>
               <a:pPr/>
-              <a:t>4/4/2024</a:t>
+              <a:t>4/8/2024</a:t>
             </a:fld>
             <a:endParaRPr lang="en-US" dirty="0"/>
           </a:p>
@@ -4609,6 +4620,54 @@
           <a:chExt cx="0" cy="0"/>
         </a:xfrm>
       </p:grpSpPr>
+      <p:sp>
+        <p:nvSpPr>
+          <p:cNvPr id="2" name="TekstSylinder 1">
+            <a:extLst>
+              <a:ext uri="{FF2B5EF4-FFF2-40B4-BE49-F238E27FC236}">
+                <a16:creationId xmlns:a16="http://schemas.microsoft.com/office/drawing/2014/main" id="{4C90F41D-9157-4146-B4E3-746C0CF71E2F}"/>
+              </a:ext>
+            </a:extLst>
+          </p:cNvPr>
+          <p:cNvSpPr txBox="1"/>
+          <p:nvPr/>
+        </p:nvSpPr>
+        <p:spPr>
+          <a:xfrm>
+            <a:off x="1135057" y="-1445949"/>
+            <a:ext cx="2311851" cy="1477328"/>
+          </a:xfrm>
+          <a:prstGeom prst="rect">
+            <a:avLst/>
+          </a:prstGeom>
+          <a:noFill/>
+        </p:spPr>
+        <p:txBody>
+          <a:bodyPr wrap="square" rtlCol="0">
+            <a:spAutoFit/>
+          </a:bodyPr>
+          <a:lstStyle/>
+          <a:p>
+            <a:r>
+              <a:rPr lang="nb-NO" sz="7200" dirty="0">
+                <a:latin typeface="Yu Gothic UI Semibold" panose="020B0700000000000000" pitchFamily="34" charset="-128"/>
+                <a:ea typeface="Yu Gothic UI Semibold" panose="020B0700000000000000" pitchFamily="34" charset="-128"/>
+              </a:rPr>
+              <a:t>R</a:t>
+            </a:r>
+            <a:r>
+              <a:rPr lang="nb-NO" sz="4400" dirty="0">
+                <a:latin typeface="Yu Gothic UI Semibold" panose="020B0700000000000000" pitchFamily="34" charset="-128"/>
+                <a:ea typeface="Yu Gothic UI Semibold" panose="020B0700000000000000" pitchFamily="34" charset="-128"/>
+              </a:rPr>
+              <a:t>ead</a:t>
+            </a:r>
+          </a:p>
+          <a:p>
+            <a:endParaRPr lang="nb-NO" dirty="0"/>
+          </a:p>
+        </p:txBody>
+      </p:sp>
       <p:pic>
         <p:nvPicPr>
           <p:cNvPr id="5" name="Bilde 4">
@@ -4641,10 +4700,10 @@
       </p:pic>
       <p:sp>
         <p:nvSpPr>
-          <p:cNvPr id="7" name="TekstSylinder 6">
-            <a:extLst>
-              <a:ext uri="{FF2B5EF4-FFF2-40B4-BE49-F238E27FC236}">
-                <a16:creationId xmlns:a16="http://schemas.microsoft.com/office/drawing/2014/main" id="{59E2C451-096F-6B46-BAE5-FF779C8E983F}"/>
+          <p:cNvPr id="3" name="TekstSylinder 2">
+            <a:extLst>
+              <a:ext uri="{FF2B5EF4-FFF2-40B4-BE49-F238E27FC236}">
+                <a16:creationId xmlns:a16="http://schemas.microsoft.com/office/drawing/2014/main" id="{0045C8E8-D241-015D-9A17-0D3D4CAC9BD2}"/>
               </a:ext>
             </a:extLst>
           </p:cNvPr>
@@ -4653,7 +4712,55 @@
         </p:nvSpPr>
         <p:spPr>
           <a:xfrm>
-            <a:off x="13290379" y="2418259"/>
+            <a:off x="1135056" y="-1477328"/>
+            <a:ext cx="2311851" cy="1477328"/>
+          </a:xfrm>
+          <a:prstGeom prst="rect">
+            <a:avLst/>
+          </a:prstGeom>
+          <a:noFill/>
+        </p:spPr>
+        <p:txBody>
+          <a:bodyPr wrap="none" rtlCol="0">
+            <a:spAutoFit/>
+          </a:bodyPr>
+          <a:lstStyle/>
+          <a:p>
+            <a:r>
+              <a:rPr lang="nb-NO" sz="7200" dirty="0">
+                <a:latin typeface="Yu Gothic UI Semibold" panose="020B0700000000000000" pitchFamily="34" charset="-128"/>
+                <a:ea typeface="Yu Gothic UI Semibold" panose="020B0700000000000000" pitchFamily="34" charset="-128"/>
+              </a:rPr>
+              <a:t>U</a:t>
+            </a:r>
+            <a:r>
+              <a:rPr lang="nb-NO" sz="4400" dirty="0">
+                <a:latin typeface="Yu Gothic UI Semibold" panose="020B0700000000000000" pitchFamily="34" charset="-128"/>
+                <a:ea typeface="Yu Gothic UI Semibold" panose="020B0700000000000000" pitchFamily="34" charset="-128"/>
+              </a:rPr>
+              <a:t>pdate</a:t>
+            </a:r>
+          </a:p>
+          <a:p>
+            <a:endParaRPr lang="nb-NO" dirty="0"/>
+          </a:p>
+        </p:txBody>
+      </p:sp>
+      <p:sp>
+        <p:nvSpPr>
+          <p:cNvPr id="12" name="TekstSylinder 11">
+            <a:extLst>
+              <a:ext uri="{FF2B5EF4-FFF2-40B4-BE49-F238E27FC236}">
+                <a16:creationId xmlns:a16="http://schemas.microsoft.com/office/drawing/2014/main" id="{38EE360A-D982-6F84-EA22-AB5ECBB4B1F2}"/>
+              </a:ext>
+            </a:extLst>
+          </p:cNvPr>
+          <p:cNvSpPr txBox="1"/>
+          <p:nvPr/>
+        </p:nvSpPr>
+        <p:spPr>
+          <a:xfrm>
+            <a:off x="12493454" y="2684959"/>
             <a:ext cx="1662635" cy="769441"/>
           </a:xfrm>
           <a:prstGeom prst="rect">
@@ -4677,6 +4784,5724 @@
           </a:p>
         </p:txBody>
       </p:sp>
+      <p:pic>
+        <p:nvPicPr>
+          <p:cNvPr id="6" name="Bilde 5">
+            <a:extLst>
+              <a:ext uri="{FF2B5EF4-FFF2-40B4-BE49-F238E27FC236}">
+                <a16:creationId xmlns:a16="http://schemas.microsoft.com/office/drawing/2014/main" id="{BB756BAA-4AB3-7B30-3208-BB985F099B6B}"/>
+              </a:ext>
+            </a:extLst>
+          </p:cNvPr>
+          <p:cNvPicPr>
+            <a:picLocks noChangeAspect="1"/>
+          </p:cNvPicPr>
+          <p:nvPr/>
+        </p:nvPicPr>
+        <p:blipFill>
+          <a:blip r:embed="rId3"/>
+          <a:stretch>
+            <a:fillRect/>
+          </a:stretch>
+        </p:blipFill>
+        <p:spPr>
+          <a:xfrm>
+            <a:off x="638132" y="7768224"/>
+            <a:ext cx="5338611" cy="2050511"/>
+          </a:xfrm>
+          <a:prstGeom prst="rect">
+            <a:avLst/>
+          </a:prstGeom>
+        </p:spPr>
+      </p:pic>
+      <p:pic>
+        <p:nvPicPr>
+          <p:cNvPr id="7" name="Bilde 6">
+            <a:extLst>
+              <a:ext uri="{FF2B5EF4-FFF2-40B4-BE49-F238E27FC236}">
+                <a16:creationId xmlns:a16="http://schemas.microsoft.com/office/drawing/2014/main" id="{78AE2C29-E015-8119-875A-552C96E79802}"/>
+              </a:ext>
+            </a:extLst>
+          </p:cNvPr>
+          <p:cNvPicPr>
+            <a:picLocks noChangeAspect="1"/>
+          </p:cNvPicPr>
+          <p:nvPr/>
+        </p:nvPicPr>
+        <p:blipFill>
+          <a:blip r:embed="rId4"/>
+          <a:stretch>
+            <a:fillRect/>
+          </a:stretch>
+        </p:blipFill>
+        <p:spPr>
+          <a:xfrm>
+            <a:off x="6096000" y="7621349"/>
+            <a:ext cx="5253326" cy="2344259"/>
+          </a:xfrm>
+          <a:prstGeom prst="rect">
+            <a:avLst/>
+          </a:prstGeom>
+        </p:spPr>
+      </p:pic>
+      <p:sp>
+        <p:nvSpPr>
+          <p:cNvPr id="8" name="Sirkel: hul 7">
+            <a:extLst>
+              <a:ext uri="{FF2B5EF4-FFF2-40B4-BE49-F238E27FC236}">
+                <a16:creationId xmlns:a16="http://schemas.microsoft.com/office/drawing/2014/main" id="{795920CC-C2E2-CB4F-D6E7-C3473CAFE7CA}"/>
+              </a:ext>
+            </a:extLst>
+          </p:cNvPr>
+          <p:cNvSpPr/>
+          <p:nvPr/>
+        </p:nvSpPr>
+        <p:spPr>
+          <a:xfrm>
+            <a:off x="4831656" y="9108259"/>
+            <a:ext cx="697583" cy="656223"/>
+          </a:xfrm>
+          <a:prstGeom prst="donut">
+            <a:avLst>
+              <a:gd name="adj" fmla="val 5428"/>
+            </a:avLst>
+          </a:prstGeom>
+          <a:solidFill>
+            <a:srgbClr val="FF0000"/>
+          </a:solidFill>
+          <a:ln w="3175"/>
+        </p:spPr>
+        <p:style>
+          <a:lnRef idx="2">
+            <a:schemeClr val="accent1">
+              <a:shade val="15000"/>
+            </a:schemeClr>
+          </a:lnRef>
+          <a:fillRef idx="1">
+            <a:schemeClr val="accent1"/>
+          </a:fillRef>
+          <a:effectRef idx="0">
+            <a:schemeClr val="accent1"/>
+          </a:effectRef>
+          <a:fontRef idx="minor">
+            <a:schemeClr val="lt1"/>
+          </a:fontRef>
+        </p:style>
+        <p:txBody>
+          <a:bodyPr rtlCol="0" anchor="ctr"/>
+          <a:lstStyle/>
+          <a:p>
+            <a:pPr algn="ctr"/>
+            <a:endParaRPr lang="nb-NO">
+              <a:solidFill>
+                <a:schemeClr val="tx1"/>
+              </a:solidFill>
+            </a:endParaRPr>
+          </a:p>
+        </p:txBody>
+      </p:sp>
+      <p:cxnSp>
+        <p:nvCxnSpPr>
+          <p:cNvPr id="9" name="Rett pilkobling 8">
+            <a:extLst>
+              <a:ext uri="{FF2B5EF4-FFF2-40B4-BE49-F238E27FC236}">
+                <a16:creationId xmlns:a16="http://schemas.microsoft.com/office/drawing/2014/main" id="{D7F11093-39DB-5181-810B-E3EA509D2DBD}"/>
+              </a:ext>
+            </a:extLst>
+          </p:cNvPr>
+          <p:cNvCxnSpPr>
+            <a:cxnSpLocks/>
+          </p:cNvCxnSpPr>
+          <p:nvPr/>
+        </p:nvCxnSpPr>
+        <p:spPr>
+          <a:xfrm>
+            <a:off x="4702929" y="8839485"/>
+            <a:ext cx="358060" cy="268774"/>
+          </a:xfrm>
+          <a:prstGeom prst="straightConnector1">
+            <a:avLst/>
+          </a:prstGeom>
+          <a:ln w="57150">
+            <a:solidFill>
+              <a:srgbClr val="FF0000"/>
+            </a:solidFill>
+            <a:tailEnd type="triangle"/>
+          </a:ln>
+        </p:spPr>
+        <p:style>
+          <a:lnRef idx="1">
+            <a:schemeClr val="accent1"/>
+          </a:lnRef>
+          <a:fillRef idx="0">
+            <a:schemeClr val="accent1"/>
+          </a:fillRef>
+          <a:effectRef idx="0">
+            <a:schemeClr val="accent1"/>
+          </a:effectRef>
+          <a:fontRef idx="minor">
+            <a:schemeClr val="tx1"/>
+          </a:fontRef>
+        </p:style>
+      </p:cxnSp>
+      <p:sp>
+        <p:nvSpPr>
+          <p:cNvPr id="13" name="Sirkel: hul 12">
+            <a:extLst>
+              <a:ext uri="{FF2B5EF4-FFF2-40B4-BE49-F238E27FC236}">
+                <a16:creationId xmlns:a16="http://schemas.microsoft.com/office/drawing/2014/main" id="{03DB1FB4-C6CB-B307-9827-E0CDE8B9C142}"/>
+              </a:ext>
+            </a:extLst>
+          </p:cNvPr>
+          <p:cNvSpPr/>
+          <p:nvPr/>
+        </p:nvSpPr>
+        <p:spPr>
+          <a:xfrm>
+            <a:off x="10353161" y="8989101"/>
+            <a:ext cx="673578" cy="656223"/>
+          </a:xfrm>
+          <a:prstGeom prst="donut">
+            <a:avLst>
+              <a:gd name="adj" fmla="val 5428"/>
+            </a:avLst>
+          </a:prstGeom>
+          <a:solidFill>
+            <a:srgbClr val="FF0000"/>
+          </a:solidFill>
+          <a:ln w="3175"/>
+        </p:spPr>
+        <p:style>
+          <a:lnRef idx="2">
+            <a:schemeClr val="accent1">
+              <a:shade val="15000"/>
+            </a:schemeClr>
+          </a:lnRef>
+          <a:fillRef idx="1">
+            <a:schemeClr val="accent1"/>
+          </a:fillRef>
+          <a:effectRef idx="0">
+            <a:schemeClr val="accent1"/>
+          </a:effectRef>
+          <a:fontRef idx="minor">
+            <a:schemeClr val="lt1"/>
+          </a:fontRef>
+        </p:style>
+        <p:txBody>
+          <a:bodyPr rtlCol="0" anchor="ctr"/>
+          <a:lstStyle/>
+          <a:p>
+            <a:pPr algn="ctr"/>
+            <a:endParaRPr lang="nb-NO">
+              <a:solidFill>
+                <a:schemeClr val="tx1"/>
+              </a:solidFill>
+            </a:endParaRPr>
+          </a:p>
+        </p:txBody>
+      </p:sp>
+      <p:cxnSp>
+        <p:nvCxnSpPr>
+          <p:cNvPr id="15" name="Rett pilkobling 14">
+            <a:extLst>
+              <a:ext uri="{FF2B5EF4-FFF2-40B4-BE49-F238E27FC236}">
+                <a16:creationId xmlns:a16="http://schemas.microsoft.com/office/drawing/2014/main" id="{CF4D6DF2-05DB-C570-7938-8A23646EF21F}"/>
+              </a:ext>
+            </a:extLst>
+          </p:cNvPr>
+          <p:cNvCxnSpPr>
+            <a:cxnSpLocks/>
+          </p:cNvCxnSpPr>
+          <p:nvPr/>
+        </p:nvCxnSpPr>
+        <p:spPr>
+          <a:xfrm>
+            <a:off x="10041325" y="8748128"/>
+            <a:ext cx="367536" cy="278255"/>
+          </a:xfrm>
+          <a:prstGeom prst="straightConnector1">
+            <a:avLst/>
+          </a:prstGeom>
+          <a:ln w="57150">
+            <a:solidFill>
+              <a:srgbClr val="FF0000"/>
+            </a:solidFill>
+            <a:tailEnd type="triangle"/>
+          </a:ln>
+        </p:spPr>
+        <p:style>
+          <a:lnRef idx="1">
+            <a:schemeClr val="accent1"/>
+          </a:lnRef>
+          <a:fillRef idx="0">
+            <a:schemeClr val="accent1"/>
+          </a:fillRef>
+          <a:effectRef idx="0">
+            <a:schemeClr val="accent1"/>
+          </a:effectRef>
+          <a:fontRef idx="minor">
+            <a:schemeClr val="tx1"/>
+          </a:fontRef>
+        </p:style>
+      </p:cxnSp>
+      <p:pic>
+        <p:nvPicPr>
+          <p:cNvPr id="16" name="Bilde 15" descr="Et bilde som inneholder Font, Grafikk, skjermbilde, tekst&#10;&#10;Automatisk generert beskrivelse">
+            <a:extLst>
+              <a:ext uri="{FF2B5EF4-FFF2-40B4-BE49-F238E27FC236}">
+                <a16:creationId xmlns:a16="http://schemas.microsoft.com/office/drawing/2014/main" id="{57E64A46-B8CE-48EE-9A2F-7C280B56D35F}"/>
+              </a:ext>
+            </a:extLst>
+          </p:cNvPr>
+          <p:cNvPicPr>
+            <a:picLocks noChangeAspect="1"/>
+          </p:cNvPicPr>
+          <p:nvPr/>
+        </p:nvPicPr>
+        <p:blipFill>
+          <a:blip r:embed="rId5">
+            <a:extLst>
+              <a:ext uri="{28A0092B-C50C-407E-A947-70E740481C1C}">
+                <a14:useLocalDpi xmlns:a14="http://schemas.microsoft.com/office/drawing/2010/main" val="0"/>
+              </a:ext>
+            </a:extLst>
+          </a:blip>
+          <a:stretch>
+            <a:fillRect/>
+          </a:stretch>
+        </p:blipFill>
+        <p:spPr>
+          <a:xfrm>
+            <a:off x="9618917" y="5095462"/>
+            <a:ext cx="2487740" cy="1801175"/>
+          </a:xfrm>
+          <a:prstGeom prst="rect">
+            <a:avLst/>
+          </a:prstGeom>
+        </p:spPr>
+      </p:pic>
+      <p:sp>
+        <p:nvSpPr>
+          <p:cNvPr id="4" name="TekstSylinder 3">
+            <a:extLst>
+              <a:ext uri="{FF2B5EF4-FFF2-40B4-BE49-F238E27FC236}">
+                <a16:creationId xmlns:a16="http://schemas.microsoft.com/office/drawing/2014/main" id="{46F2E95D-554F-185A-BF7A-B06ED62793CF}"/>
+              </a:ext>
+            </a:extLst>
+          </p:cNvPr>
+          <p:cNvSpPr txBox="1"/>
+          <p:nvPr/>
+        </p:nvSpPr>
+        <p:spPr>
+          <a:xfrm>
+            <a:off x="12493454" y="348439"/>
+            <a:ext cx="5291833" cy="769441"/>
+          </a:xfrm>
+          <a:prstGeom prst="rect">
+            <a:avLst/>
+          </a:prstGeom>
+          <a:noFill/>
+        </p:spPr>
+        <p:txBody>
+          <a:bodyPr wrap="none" rtlCol="0">
+            <a:spAutoFit/>
+          </a:bodyPr>
+          <a:lstStyle/>
+          <a:p>
+            <a:r>
+              <a:rPr lang="nb-NO" sz="4400" b="1" dirty="0">
+                <a:latin typeface="Yu Gothic" panose="020B0400000000000000" pitchFamily="34" charset="-128"/>
+                <a:ea typeface="Yu Gothic" panose="020B0400000000000000" pitchFamily="34" charset="-128"/>
+              </a:rPr>
+              <a:t>Nøkkelegenskaper</a:t>
+            </a:r>
+          </a:p>
+        </p:txBody>
+      </p:sp>
+      <p:sp>
+        <p:nvSpPr>
+          <p:cNvPr id="17" name="TekstSylinder 16">
+            <a:extLst>
+              <a:ext uri="{FF2B5EF4-FFF2-40B4-BE49-F238E27FC236}">
+                <a16:creationId xmlns:a16="http://schemas.microsoft.com/office/drawing/2014/main" id="{CBC92115-F06D-2AB8-A5A4-E4F44DE598D0}"/>
+              </a:ext>
+            </a:extLst>
+          </p:cNvPr>
+          <p:cNvSpPr txBox="1"/>
+          <p:nvPr/>
+        </p:nvSpPr>
+        <p:spPr>
+          <a:xfrm>
+            <a:off x="12493454" y="1170982"/>
+            <a:ext cx="5508471" cy="4708981"/>
+          </a:xfrm>
+          <a:prstGeom prst="rect">
+            <a:avLst/>
+          </a:prstGeom>
+          <a:noFill/>
+        </p:spPr>
+        <p:txBody>
+          <a:bodyPr wrap="square" rtlCol="0">
+            <a:spAutoFit/>
+          </a:bodyPr>
+          <a:lstStyle/>
+          <a:p>
+            <a:pPr marL="342900" indent="-342900">
+              <a:buFont typeface="Arial" panose="020B0604020202020204" pitchFamily="34" charset="0"/>
+              <a:buChar char="•"/>
+            </a:pPr>
+            <a:r>
+              <a:rPr lang="nb-NO" sz="2000" b="1" dirty="0">
+                <a:latin typeface="Yu Gothic" panose="020B0400000000000000" pitchFamily="34" charset="-128"/>
+                <a:ea typeface="Yu Gothic" panose="020B0400000000000000" pitchFamily="34" charset="-128"/>
+              </a:rPr>
+              <a:t>Innlogging med to faktor autentisering</a:t>
+            </a:r>
+          </a:p>
+          <a:p>
+            <a:pPr marL="342900" indent="-342900">
+              <a:buFont typeface="Arial" panose="020B0604020202020204" pitchFamily="34" charset="0"/>
+              <a:buChar char="•"/>
+            </a:pPr>
+            <a:endParaRPr lang="nb-NO" sz="2000" b="1" dirty="0">
+              <a:latin typeface="Yu Gothic" panose="020B0400000000000000" pitchFamily="34" charset="-128"/>
+              <a:ea typeface="Yu Gothic" panose="020B0400000000000000" pitchFamily="34" charset="-128"/>
+            </a:endParaRPr>
+          </a:p>
+          <a:p>
+            <a:pPr marL="342900" indent="-342900">
+              <a:buFont typeface="Arial" panose="020B0604020202020204" pitchFamily="34" charset="0"/>
+              <a:buChar char="•"/>
+            </a:pPr>
+            <a:r>
+              <a:rPr lang="nb-NO" sz="2000" b="1" dirty="0">
+                <a:latin typeface="Yu Gothic" panose="020B0400000000000000" pitchFamily="34" charset="-128"/>
+                <a:ea typeface="Yu Gothic" panose="020B0400000000000000" pitchFamily="34" charset="-128"/>
+              </a:rPr>
+              <a:t>Kunder kan redigere egen profil</a:t>
+            </a:r>
+          </a:p>
+          <a:p>
+            <a:pPr marL="342900" indent="-342900">
+              <a:buFont typeface="Arial" panose="020B0604020202020204" pitchFamily="34" charset="0"/>
+              <a:buChar char="•"/>
+            </a:pPr>
+            <a:endParaRPr lang="nb-NO" sz="2000" b="1" dirty="0">
+              <a:latin typeface="Yu Gothic" panose="020B0400000000000000" pitchFamily="34" charset="-128"/>
+              <a:ea typeface="Yu Gothic" panose="020B0400000000000000" pitchFamily="34" charset="-128"/>
+            </a:endParaRPr>
+          </a:p>
+          <a:p>
+            <a:pPr marL="342900" indent="-342900">
+              <a:buFont typeface="Arial" panose="020B0604020202020204" pitchFamily="34" charset="0"/>
+              <a:buChar char="•"/>
+            </a:pPr>
+            <a:r>
+              <a:rPr lang="nb-NO" sz="2000" b="1" dirty="0">
+                <a:latin typeface="Yu Gothic" panose="020B0400000000000000" pitchFamily="34" charset="-128"/>
+                <a:ea typeface="Yu Gothic" panose="020B0400000000000000" pitchFamily="34" charset="-128"/>
+              </a:rPr>
+              <a:t>Profilbilder for kunder</a:t>
+            </a:r>
+          </a:p>
+          <a:p>
+            <a:pPr marL="342900" indent="-342900">
+              <a:buFont typeface="Arial" panose="020B0604020202020204" pitchFamily="34" charset="0"/>
+              <a:buChar char="•"/>
+            </a:pPr>
+            <a:endParaRPr lang="nb-NO" sz="2000" b="1" dirty="0">
+              <a:latin typeface="Yu Gothic" panose="020B0400000000000000" pitchFamily="34" charset="-128"/>
+              <a:ea typeface="Yu Gothic" panose="020B0400000000000000" pitchFamily="34" charset="-128"/>
+            </a:endParaRPr>
+          </a:p>
+          <a:p>
+            <a:pPr marL="342900" indent="-342900">
+              <a:buFont typeface="Arial" panose="020B0604020202020204" pitchFamily="34" charset="0"/>
+              <a:buChar char="•"/>
+            </a:pPr>
+            <a:r>
+              <a:rPr lang="nb-NO" sz="2000" b="1" dirty="0">
+                <a:latin typeface="Yu Gothic" panose="020B0400000000000000" pitchFamily="34" charset="-128"/>
+                <a:ea typeface="Yu Gothic" panose="020B0400000000000000" pitchFamily="34" charset="-128"/>
+              </a:rPr>
+              <a:t>Terms </a:t>
+            </a:r>
+            <a:r>
+              <a:rPr lang="nb-NO" sz="2000" b="1" dirty="0" err="1">
+                <a:latin typeface="Yu Gothic" panose="020B0400000000000000" pitchFamily="34" charset="-128"/>
+                <a:ea typeface="Yu Gothic" panose="020B0400000000000000" pitchFamily="34" charset="-128"/>
+              </a:rPr>
+              <a:t>of</a:t>
+            </a:r>
+            <a:r>
+              <a:rPr lang="nb-NO" sz="2000" b="1" dirty="0">
+                <a:latin typeface="Yu Gothic" panose="020B0400000000000000" pitchFamily="34" charset="-128"/>
+                <a:ea typeface="Yu Gothic" panose="020B0400000000000000" pitchFamily="34" charset="-128"/>
+              </a:rPr>
+              <a:t> Service</a:t>
+            </a:r>
+          </a:p>
+          <a:p>
+            <a:pPr marL="342900" indent="-342900">
+              <a:buFont typeface="Arial" panose="020B0604020202020204" pitchFamily="34" charset="0"/>
+              <a:buChar char="•"/>
+            </a:pPr>
+            <a:endParaRPr lang="nb-NO" sz="2000" b="1" dirty="0">
+              <a:latin typeface="Yu Gothic" panose="020B0400000000000000" pitchFamily="34" charset="-128"/>
+              <a:ea typeface="Yu Gothic" panose="020B0400000000000000" pitchFamily="34" charset="-128"/>
+            </a:endParaRPr>
+          </a:p>
+          <a:p>
+            <a:pPr marL="342900" indent="-342900">
+              <a:buFont typeface="Arial" panose="020B0604020202020204" pitchFamily="34" charset="0"/>
+              <a:buChar char="•"/>
+            </a:pPr>
+            <a:r>
+              <a:rPr lang="nb-NO" sz="2000" b="1" dirty="0">
+                <a:latin typeface="Yu Gothic" panose="020B0400000000000000" pitchFamily="34" charset="-128"/>
+                <a:ea typeface="Yu Gothic" panose="020B0400000000000000" pitchFamily="34" charset="-128"/>
+              </a:rPr>
+              <a:t>Avanserte Søke algoritmer og import av postnummer</a:t>
+            </a:r>
+          </a:p>
+          <a:p>
+            <a:pPr marL="342900" indent="-342900">
+              <a:buFont typeface="Arial" panose="020B0604020202020204" pitchFamily="34" charset="0"/>
+              <a:buChar char="•"/>
+            </a:pPr>
+            <a:endParaRPr lang="nb-NO" sz="2000" b="1" dirty="0">
+              <a:latin typeface="Yu Gothic" panose="020B0400000000000000" pitchFamily="34" charset="-128"/>
+              <a:ea typeface="Yu Gothic" panose="020B0400000000000000" pitchFamily="34" charset="-128"/>
+            </a:endParaRPr>
+          </a:p>
+          <a:p>
+            <a:pPr marL="342900" indent="-342900">
+              <a:buFont typeface="Arial" panose="020B0604020202020204" pitchFamily="34" charset="0"/>
+              <a:buChar char="•"/>
+            </a:pPr>
+            <a:r>
+              <a:rPr lang="nb-NO" sz="2000" b="1" dirty="0">
+                <a:latin typeface="Yu Gothic" panose="020B0400000000000000" pitchFamily="34" charset="-128"/>
+                <a:ea typeface="Yu Gothic" panose="020B0400000000000000" pitchFamily="34" charset="-128"/>
+              </a:rPr>
+              <a:t>Over 5000 linjer med kode</a:t>
+            </a:r>
+          </a:p>
+          <a:p>
+            <a:pPr marL="342900" indent="-342900">
+              <a:buFont typeface="Arial" panose="020B0604020202020204" pitchFamily="34" charset="0"/>
+              <a:buChar char="•"/>
+            </a:pPr>
+            <a:endParaRPr lang="nb-NO" sz="2000" b="1" dirty="0">
+              <a:latin typeface="Yu Gothic" panose="020B0400000000000000" pitchFamily="34" charset="-128"/>
+              <a:ea typeface="Yu Gothic" panose="020B0400000000000000" pitchFamily="34" charset="-128"/>
+            </a:endParaRPr>
+          </a:p>
+          <a:p>
+            <a:endParaRPr lang="nb-NO" sz="2000" b="1" dirty="0">
+              <a:latin typeface="Yu Gothic" panose="020B0400000000000000" pitchFamily="34" charset="-128"/>
+              <a:ea typeface="Yu Gothic" panose="020B0400000000000000" pitchFamily="34" charset="-128"/>
+            </a:endParaRPr>
+          </a:p>
+          <a:p>
+            <a:endParaRPr lang="nb-NO" sz="2000" b="1" dirty="0">
+              <a:latin typeface="Yu Gothic" panose="020B0400000000000000" pitchFamily="34" charset="-128"/>
+              <a:ea typeface="Yu Gothic" panose="020B0400000000000000" pitchFamily="34" charset="-128"/>
+            </a:endParaRPr>
+          </a:p>
+        </p:txBody>
+      </p:sp>
+      <p:sp>
+        <p:nvSpPr>
+          <p:cNvPr id="18" name="TekstSylinder 17">
+            <a:extLst>
+              <a:ext uri="{FF2B5EF4-FFF2-40B4-BE49-F238E27FC236}">
+                <a16:creationId xmlns:a16="http://schemas.microsoft.com/office/drawing/2014/main" id="{0D1B5719-527D-E601-8311-CF51EEF0AA90}"/>
+              </a:ext>
+            </a:extLst>
+          </p:cNvPr>
+          <p:cNvSpPr txBox="1"/>
+          <p:nvPr/>
+        </p:nvSpPr>
+        <p:spPr>
+          <a:xfrm>
+            <a:off x="18001925" y="1170982"/>
+            <a:ext cx="4658648" cy="3477875"/>
+          </a:xfrm>
+          <a:prstGeom prst="rect">
+            <a:avLst/>
+          </a:prstGeom>
+          <a:noFill/>
+        </p:spPr>
+        <p:txBody>
+          <a:bodyPr wrap="none" rtlCol="0">
+            <a:spAutoFit/>
+          </a:bodyPr>
+          <a:lstStyle/>
+          <a:p>
+            <a:pPr marL="342900" indent="-342900">
+              <a:buFont typeface="Arial" panose="020B0604020202020204" pitchFamily="34" charset="0"/>
+              <a:buChar char="•"/>
+            </a:pPr>
+            <a:r>
+              <a:rPr lang="nb-NO" sz="2000" b="1" dirty="0">
+                <a:latin typeface="Yu Gothic" panose="020B0400000000000000" pitchFamily="34" charset="-128"/>
+                <a:ea typeface="Yu Gothic" panose="020B0400000000000000" pitchFamily="34" charset="-128"/>
+              </a:rPr>
+              <a:t>Brukervennlig grensesnitt</a:t>
+            </a:r>
+          </a:p>
+          <a:p>
+            <a:pPr marL="342900" indent="-342900">
+              <a:buFont typeface="Arial" panose="020B0604020202020204" pitchFamily="34" charset="0"/>
+              <a:buChar char="•"/>
+            </a:pPr>
+            <a:endParaRPr lang="nb-NO" sz="2000" b="1" dirty="0">
+              <a:latin typeface="Yu Gothic" panose="020B0400000000000000" pitchFamily="34" charset="-128"/>
+              <a:ea typeface="Yu Gothic" panose="020B0400000000000000" pitchFamily="34" charset="-128"/>
+            </a:endParaRPr>
+          </a:p>
+          <a:p>
+            <a:pPr marL="342900" indent="-342900">
+              <a:buFont typeface="Arial" panose="020B0604020202020204" pitchFamily="34" charset="0"/>
+              <a:buChar char="•"/>
+            </a:pPr>
+            <a:r>
+              <a:rPr lang="nb-NO" sz="2000" b="1" dirty="0">
+                <a:latin typeface="Yu Gothic" panose="020B0400000000000000" pitchFamily="34" charset="-128"/>
+                <a:ea typeface="Yu Gothic" panose="020B0400000000000000" pitchFamily="34" charset="-128"/>
+              </a:rPr>
+              <a:t>Dark mode</a:t>
+            </a:r>
+          </a:p>
+          <a:p>
+            <a:endParaRPr lang="nb-NO" sz="2000" b="1" dirty="0">
+              <a:latin typeface="Yu Gothic" panose="020B0400000000000000" pitchFamily="34" charset="-128"/>
+              <a:ea typeface="Yu Gothic" panose="020B0400000000000000" pitchFamily="34" charset="-128"/>
+            </a:endParaRPr>
+          </a:p>
+          <a:p>
+            <a:pPr marL="342900" indent="-342900">
+              <a:buFont typeface="Arial" panose="020B0604020202020204" pitchFamily="34" charset="0"/>
+              <a:buChar char="•"/>
+            </a:pPr>
+            <a:r>
+              <a:rPr lang="nb-NO" sz="2000" b="1" dirty="0">
+                <a:latin typeface="Yu Gothic" panose="020B0400000000000000" pitchFamily="34" charset="-128"/>
+                <a:ea typeface="Yu Gothic" panose="020B0400000000000000" pitchFamily="34" charset="-128"/>
+              </a:rPr>
+              <a:t>Kan opprette fler kunder sømløst</a:t>
+            </a:r>
+          </a:p>
+          <a:p>
+            <a:pPr marL="342900" indent="-342900">
+              <a:buFont typeface="Arial" panose="020B0604020202020204" pitchFamily="34" charset="0"/>
+              <a:buChar char="•"/>
+            </a:pPr>
+            <a:endParaRPr lang="nb-NO" sz="2000" b="1" dirty="0">
+              <a:latin typeface="Yu Gothic" panose="020B0400000000000000" pitchFamily="34" charset="-128"/>
+              <a:ea typeface="Yu Gothic" panose="020B0400000000000000" pitchFamily="34" charset="-128"/>
+            </a:endParaRPr>
+          </a:p>
+          <a:p>
+            <a:pPr marL="342900" indent="-342900">
+              <a:buFont typeface="Arial" panose="020B0604020202020204" pitchFamily="34" charset="0"/>
+              <a:buChar char="•"/>
+            </a:pPr>
+            <a:r>
+              <a:rPr lang="nb-NO" sz="2000" b="1" dirty="0" err="1">
+                <a:latin typeface="Yu Gothic" panose="020B0400000000000000" pitchFamily="34" charset="-128"/>
+                <a:ea typeface="Yu Gothic" panose="020B0400000000000000" pitchFamily="34" charset="-128"/>
+              </a:rPr>
+              <a:t>Admin</a:t>
+            </a:r>
+            <a:r>
+              <a:rPr lang="nb-NO" sz="2000" b="1" dirty="0">
+                <a:latin typeface="Yu Gothic" panose="020B0400000000000000" pitchFamily="34" charset="-128"/>
+                <a:ea typeface="Yu Gothic" panose="020B0400000000000000" pitchFamily="34" charset="-128"/>
+              </a:rPr>
+              <a:t> panel</a:t>
+            </a:r>
+          </a:p>
+          <a:p>
+            <a:pPr marL="342900" indent="-342900">
+              <a:buFont typeface="Arial" panose="020B0604020202020204" pitchFamily="34" charset="0"/>
+              <a:buChar char="•"/>
+            </a:pPr>
+            <a:endParaRPr lang="nb-NO" sz="2000" b="1" dirty="0">
+              <a:latin typeface="Yu Gothic" panose="020B0400000000000000" pitchFamily="34" charset="-128"/>
+              <a:ea typeface="Yu Gothic" panose="020B0400000000000000" pitchFamily="34" charset="-128"/>
+            </a:endParaRPr>
+          </a:p>
+          <a:p>
+            <a:pPr marL="342900" indent="-342900">
+              <a:buFont typeface="Arial" panose="020B0604020202020204" pitchFamily="34" charset="0"/>
+              <a:buChar char="•"/>
+            </a:pPr>
+            <a:r>
+              <a:rPr lang="nb-NO" sz="2000" b="1" dirty="0">
+                <a:latin typeface="Yu Gothic" panose="020B0400000000000000" pitchFamily="34" charset="-128"/>
+                <a:ea typeface="Yu Gothic" panose="020B0400000000000000" pitchFamily="34" charset="-128"/>
+              </a:rPr>
+              <a:t>Visuell profil</a:t>
+            </a:r>
+          </a:p>
+          <a:p>
+            <a:pPr marL="342900" indent="-342900">
+              <a:buFont typeface="Arial" panose="020B0604020202020204" pitchFamily="34" charset="0"/>
+              <a:buChar char="•"/>
+            </a:pPr>
+            <a:endParaRPr lang="nb-NO" sz="2000" b="1" dirty="0">
+              <a:latin typeface="Yu Gothic" panose="020B0400000000000000" pitchFamily="34" charset="-128"/>
+              <a:ea typeface="Yu Gothic" panose="020B0400000000000000" pitchFamily="34" charset="-128"/>
+            </a:endParaRPr>
+          </a:p>
+          <a:p>
+            <a:pPr marL="342900" indent="-342900">
+              <a:buFont typeface="Arial" panose="020B0604020202020204" pitchFamily="34" charset="0"/>
+              <a:buChar char="•"/>
+            </a:pPr>
+            <a:r>
+              <a:rPr lang="nb-NO" sz="2000" b="1" dirty="0">
+                <a:latin typeface="Yu Gothic" panose="020B0400000000000000" pitchFamily="34" charset="-128"/>
+                <a:ea typeface="Yu Gothic" panose="020B0400000000000000" pitchFamily="34" charset="-128"/>
+              </a:rPr>
+              <a:t>Trygghet og bruk av GDPR</a:t>
+            </a:r>
+          </a:p>
+        </p:txBody>
+      </p:sp>
+      <p:sp>
+        <p:nvSpPr>
+          <p:cNvPr id="19" name="TekstSylinder 18">
+            <a:extLst>
+              <a:ext uri="{FF2B5EF4-FFF2-40B4-BE49-F238E27FC236}">
+                <a16:creationId xmlns:a16="http://schemas.microsoft.com/office/drawing/2014/main" id="{8C865205-BBA7-BA8B-6655-D82B4E2DBAB2}"/>
+              </a:ext>
+            </a:extLst>
+          </p:cNvPr>
+          <p:cNvSpPr txBox="1"/>
+          <p:nvPr/>
+        </p:nvSpPr>
+        <p:spPr>
+          <a:xfrm>
+            <a:off x="4594519" y="148384"/>
+            <a:ext cx="2533066" cy="584775"/>
+          </a:xfrm>
+          <a:prstGeom prst="rect">
+            <a:avLst/>
+          </a:prstGeom>
+          <a:noFill/>
+        </p:spPr>
+        <p:txBody>
+          <a:bodyPr wrap="none" rtlCol="0">
+            <a:spAutoFit/>
+          </a:bodyPr>
+          <a:lstStyle/>
+          <a:p>
+            <a:pPr algn="ctr"/>
+            <a:r>
+              <a:rPr lang="nb-NO" sz="3200" b="1" dirty="0">
+                <a:latin typeface="Yu Gothic" panose="020B0400000000000000" pitchFamily="34" charset="-128"/>
+                <a:ea typeface="Yu Gothic" panose="020B0400000000000000" pitchFamily="34" charset="-128"/>
+              </a:rPr>
+              <a:t>ER-diagram</a:t>
+            </a:r>
+          </a:p>
+        </p:txBody>
+      </p:sp>
+      <p:sp>
+        <p:nvSpPr>
+          <p:cNvPr id="20" name="Rektangel 19">
+            <a:extLst>
+              <a:ext uri="{FF2B5EF4-FFF2-40B4-BE49-F238E27FC236}">
+                <a16:creationId xmlns:a16="http://schemas.microsoft.com/office/drawing/2014/main" id="{68DCD074-DCBE-6205-6A7F-85656349D9FD}"/>
+              </a:ext>
+            </a:extLst>
+          </p:cNvPr>
+          <p:cNvSpPr/>
+          <p:nvPr/>
+        </p:nvSpPr>
+        <p:spPr>
+          <a:xfrm>
+            <a:off x="2686130" y="337387"/>
+            <a:ext cx="1510747" cy="1282148"/>
+          </a:xfrm>
+          <a:prstGeom prst="rect">
+            <a:avLst/>
+          </a:prstGeom>
+        </p:spPr>
+        <p:style>
+          <a:lnRef idx="2">
+            <a:schemeClr val="accent1">
+              <a:shade val="15000"/>
+            </a:schemeClr>
+          </a:lnRef>
+          <a:fillRef idx="1">
+            <a:schemeClr val="accent1"/>
+          </a:fillRef>
+          <a:effectRef idx="0">
+            <a:schemeClr val="accent1"/>
+          </a:effectRef>
+          <a:fontRef idx="minor">
+            <a:schemeClr val="lt1"/>
+          </a:fontRef>
+        </p:style>
+        <p:txBody>
+          <a:bodyPr lIns="91440" tIns="45720" rIns="91440" bIns="45720" rtlCol="0" anchor="ctr"/>
+          <a:lstStyle/>
+          <a:p>
+            <a:pPr algn="ctr"/>
+            <a:r>
+              <a:rPr lang="nb-NO" dirty="0" err="1"/>
+              <a:t>postinformasjon_tb</a:t>
+            </a:r>
+          </a:p>
+        </p:txBody>
+      </p:sp>
+      <p:sp>
+        <p:nvSpPr>
+          <p:cNvPr id="21" name="TekstSylinder 20">
+            <a:extLst>
+              <a:ext uri="{FF2B5EF4-FFF2-40B4-BE49-F238E27FC236}">
+                <a16:creationId xmlns:a16="http://schemas.microsoft.com/office/drawing/2014/main" id="{24F3452E-2E5B-9A78-B3C2-06EBE26A037B}"/>
+              </a:ext>
+            </a:extLst>
+          </p:cNvPr>
+          <p:cNvSpPr txBox="1"/>
+          <p:nvPr/>
+        </p:nvSpPr>
+        <p:spPr>
+          <a:xfrm>
+            <a:off x="529515" y="425489"/>
+            <a:ext cx="1804582" cy="369332"/>
+          </a:xfrm>
+          <a:prstGeom prst="rect">
+            <a:avLst/>
+          </a:prstGeom>
+          <a:noFill/>
+        </p:spPr>
+        <p:txBody>
+          <a:bodyPr wrap="square" lIns="91440" tIns="45720" rIns="91440" bIns="45720" rtlCol="0" anchor="t">
+            <a:spAutoFit/>
+          </a:bodyPr>
+          <a:lstStyle/>
+          <a:p>
+            <a:r>
+              <a:rPr lang="nb-NO" dirty="0"/>
+              <a:t>Postnummer</a:t>
+            </a:r>
+            <a:r>
+              <a:rPr lang="nb-NO" dirty="0">
+                <a:ea typeface="+mn-lt"/>
+                <a:cs typeface="+mn-lt"/>
+              </a:rPr>
+              <a:t>🗝️</a:t>
+            </a:r>
+            <a:endParaRPr lang="en-US" dirty="0">
+              <a:ea typeface="+mn-lt"/>
+              <a:cs typeface="+mn-lt"/>
+            </a:endParaRPr>
+          </a:p>
+        </p:txBody>
+      </p:sp>
+      <p:sp>
+        <p:nvSpPr>
+          <p:cNvPr id="22" name="TekstSylinder 21">
+            <a:extLst>
+              <a:ext uri="{FF2B5EF4-FFF2-40B4-BE49-F238E27FC236}">
+                <a16:creationId xmlns:a16="http://schemas.microsoft.com/office/drawing/2014/main" id="{B989A8E3-BDE8-CF0B-A1EE-93E970B7B783}"/>
+              </a:ext>
+            </a:extLst>
+          </p:cNvPr>
+          <p:cNvSpPr txBox="1"/>
+          <p:nvPr/>
+        </p:nvSpPr>
+        <p:spPr>
+          <a:xfrm>
+            <a:off x="559538" y="1130263"/>
+            <a:ext cx="1064682" cy="369332"/>
+          </a:xfrm>
+          <a:prstGeom prst="rect">
+            <a:avLst/>
+          </a:prstGeom>
+          <a:noFill/>
+        </p:spPr>
+        <p:txBody>
+          <a:bodyPr wrap="square" rtlCol="0">
+            <a:spAutoFit/>
+          </a:bodyPr>
+          <a:lstStyle/>
+          <a:p>
+            <a:r>
+              <a:rPr lang="nb-NO" dirty="0"/>
+              <a:t>poststed</a:t>
+            </a:r>
+          </a:p>
+        </p:txBody>
+      </p:sp>
+      <p:cxnSp>
+        <p:nvCxnSpPr>
+          <p:cNvPr id="24" name="Kobling: vinkel 23">
+            <a:extLst>
+              <a:ext uri="{FF2B5EF4-FFF2-40B4-BE49-F238E27FC236}">
+                <a16:creationId xmlns:a16="http://schemas.microsoft.com/office/drawing/2014/main" id="{94C9E9BB-FEE8-C35B-1757-6D842DEF7727}"/>
+              </a:ext>
+            </a:extLst>
+          </p:cNvPr>
+          <p:cNvCxnSpPr>
+            <a:cxnSpLocks/>
+          </p:cNvCxnSpPr>
+          <p:nvPr/>
+        </p:nvCxnSpPr>
+        <p:spPr>
+          <a:xfrm flipV="1">
+            <a:off x="1568519" y="1020794"/>
+            <a:ext cx="1051327" cy="283552"/>
+          </a:xfrm>
+          <a:prstGeom prst="bentConnector3">
+            <a:avLst/>
+          </a:prstGeom>
+          <a:ln>
+            <a:tailEnd type="triangle"/>
+          </a:ln>
+        </p:spPr>
+        <p:style>
+          <a:lnRef idx="1">
+            <a:schemeClr val="accent1"/>
+          </a:lnRef>
+          <a:fillRef idx="0">
+            <a:schemeClr val="accent1"/>
+          </a:fillRef>
+          <a:effectRef idx="0">
+            <a:schemeClr val="accent1"/>
+          </a:effectRef>
+          <a:fontRef idx="minor">
+            <a:schemeClr val="tx1"/>
+          </a:fontRef>
+        </p:style>
+      </p:cxnSp>
+      <p:cxnSp>
+        <p:nvCxnSpPr>
+          <p:cNvPr id="26" name="Kobling: vinkel 25">
+            <a:extLst>
+              <a:ext uri="{FF2B5EF4-FFF2-40B4-BE49-F238E27FC236}">
+                <a16:creationId xmlns:a16="http://schemas.microsoft.com/office/drawing/2014/main" id="{39DD21AB-7BB2-AE78-6161-CA297D8C6FF1}"/>
+              </a:ext>
+            </a:extLst>
+          </p:cNvPr>
+          <p:cNvCxnSpPr>
+            <a:cxnSpLocks/>
+          </p:cNvCxnSpPr>
+          <p:nvPr/>
+        </p:nvCxnSpPr>
+        <p:spPr>
+          <a:xfrm>
+            <a:off x="2260014" y="631321"/>
+            <a:ext cx="426116" cy="357723"/>
+          </a:xfrm>
+          <a:prstGeom prst="bentConnector3">
+            <a:avLst/>
+          </a:prstGeom>
+          <a:ln>
+            <a:tailEnd type="triangle"/>
+          </a:ln>
+        </p:spPr>
+        <p:style>
+          <a:lnRef idx="1">
+            <a:schemeClr val="accent1"/>
+          </a:lnRef>
+          <a:fillRef idx="0">
+            <a:schemeClr val="accent1"/>
+          </a:fillRef>
+          <a:effectRef idx="0">
+            <a:schemeClr val="accent1"/>
+          </a:effectRef>
+          <a:fontRef idx="minor">
+            <a:schemeClr val="tx1"/>
+          </a:fontRef>
+        </p:style>
+      </p:cxnSp>
+      <p:sp>
+        <p:nvSpPr>
+          <p:cNvPr id="28" name="Rektangel 27">
+            <a:extLst>
+              <a:ext uri="{FF2B5EF4-FFF2-40B4-BE49-F238E27FC236}">
+                <a16:creationId xmlns:a16="http://schemas.microsoft.com/office/drawing/2014/main" id="{FF784229-EB7F-E199-5B04-4C687DA4B111}"/>
+              </a:ext>
+            </a:extLst>
+          </p:cNvPr>
+          <p:cNvSpPr/>
+          <p:nvPr/>
+        </p:nvSpPr>
+        <p:spPr>
+          <a:xfrm>
+            <a:off x="2686131" y="2633879"/>
+            <a:ext cx="1510747" cy="1282148"/>
+          </a:xfrm>
+          <a:prstGeom prst="rect">
+            <a:avLst/>
+          </a:prstGeom>
+        </p:spPr>
+        <p:style>
+          <a:lnRef idx="2">
+            <a:schemeClr val="accent1">
+              <a:shade val="15000"/>
+            </a:schemeClr>
+          </a:lnRef>
+          <a:fillRef idx="1">
+            <a:schemeClr val="accent1"/>
+          </a:fillRef>
+          <a:effectRef idx="0">
+            <a:schemeClr val="accent1"/>
+          </a:effectRef>
+          <a:fontRef idx="minor">
+            <a:schemeClr val="lt1"/>
+          </a:fontRef>
+        </p:style>
+        <p:txBody>
+          <a:bodyPr lIns="91440" tIns="45720" rIns="91440" bIns="45720" rtlCol="0" anchor="ctr"/>
+          <a:lstStyle/>
+          <a:p>
+            <a:pPr algn="ctr"/>
+            <a:r>
+              <a:rPr lang="nb-NO" dirty="0" err="1"/>
+              <a:t>bedrifter_tb</a:t>
+            </a:r>
+          </a:p>
+        </p:txBody>
+      </p:sp>
+      <p:cxnSp>
+        <p:nvCxnSpPr>
+          <p:cNvPr id="30" name="Kobling: vinkel 29">
+            <a:extLst>
+              <a:ext uri="{FF2B5EF4-FFF2-40B4-BE49-F238E27FC236}">
+                <a16:creationId xmlns:a16="http://schemas.microsoft.com/office/drawing/2014/main" id="{41EF11C9-0A71-AA61-ACF4-9CD69D9E4590}"/>
+              </a:ext>
+            </a:extLst>
+          </p:cNvPr>
+          <p:cNvCxnSpPr>
+            <a:cxnSpLocks/>
+          </p:cNvCxnSpPr>
+          <p:nvPr/>
+        </p:nvCxnSpPr>
+        <p:spPr>
+          <a:xfrm rot="16200000" flipH="1">
+            <a:off x="2934332" y="2126706"/>
+            <a:ext cx="1014344" cy="1"/>
+          </a:xfrm>
+          <a:prstGeom prst="bentConnector3">
+            <a:avLst/>
+          </a:prstGeom>
+          <a:ln>
+            <a:tailEnd type="triangle"/>
+          </a:ln>
+        </p:spPr>
+        <p:style>
+          <a:lnRef idx="1">
+            <a:schemeClr val="accent1"/>
+          </a:lnRef>
+          <a:fillRef idx="0">
+            <a:schemeClr val="accent1"/>
+          </a:fillRef>
+          <a:effectRef idx="0">
+            <a:schemeClr val="accent1"/>
+          </a:effectRef>
+          <a:fontRef idx="minor">
+            <a:schemeClr val="tx1"/>
+          </a:fontRef>
+        </p:style>
+      </p:cxnSp>
+      <p:sp>
+        <p:nvSpPr>
+          <p:cNvPr id="31" name="TekstSylinder 30">
+            <a:extLst>
+              <a:ext uri="{FF2B5EF4-FFF2-40B4-BE49-F238E27FC236}">
+                <a16:creationId xmlns:a16="http://schemas.microsoft.com/office/drawing/2014/main" id="{7023AFC6-68AA-F557-6156-D5168AF33947}"/>
+              </a:ext>
+            </a:extLst>
+          </p:cNvPr>
+          <p:cNvSpPr txBox="1"/>
+          <p:nvPr/>
+        </p:nvSpPr>
+        <p:spPr>
+          <a:xfrm>
+            <a:off x="144329" y="1751034"/>
+            <a:ext cx="1511301" cy="369332"/>
+          </a:xfrm>
+          <a:prstGeom prst="rect">
+            <a:avLst/>
+          </a:prstGeom>
+          <a:noFill/>
+        </p:spPr>
+        <p:txBody>
+          <a:bodyPr wrap="square" lIns="91440" tIns="45720" rIns="91440" bIns="45720" rtlCol="0" anchor="t">
+            <a:spAutoFit/>
+          </a:bodyPr>
+          <a:lstStyle/>
+          <a:p>
+            <a:r>
+              <a:rPr lang="nb-NO" dirty="0" err="1"/>
+              <a:t>bedrift_id</a:t>
+            </a:r>
+            <a:r>
+              <a:rPr lang="nb-NO" dirty="0">
+                <a:ea typeface="+mn-lt"/>
+                <a:cs typeface="+mn-lt"/>
+              </a:rPr>
+              <a:t>🗝️</a:t>
+            </a:r>
+            <a:endParaRPr lang="nb-NO" dirty="0"/>
+          </a:p>
+        </p:txBody>
+      </p:sp>
+      <p:sp>
+        <p:nvSpPr>
+          <p:cNvPr id="33" name="TekstSylinder 32">
+            <a:extLst>
+              <a:ext uri="{FF2B5EF4-FFF2-40B4-BE49-F238E27FC236}">
+                <a16:creationId xmlns:a16="http://schemas.microsoft.com/office/drawing/2014/main" id="{25682378-AC3F-8A91-B761-3475451CA86D}"/>
+              </a:ext>
+            </a:extLst>
+          </p:cNvPr>
+          <p:cNvSpPr txBox="1"/>
+          <p:nvPr/>
+        </p:nvSpPr>
+        <p:spPr>
+          <a:xfrm>
+            <a:off x="130884" y="2027570"/>
+            <a:ext cx="1510747" cy="369332"/>
+          </a:xfrm>
+          <a:prstGeom prst="rect">
+            <a:avLst/>
+          </a:prstGeom>
+          <a:noFill/>
+        </p:spPr>
+        <p:txBody>
+          <a:bodyPr wrap="square" rtlCol="0">
+            <a:spAutoFit/>
+          </a:bodyPr>
+          <a:lstStyle/>
+          <a:p>
+            <a:r>
+              <a:rPr lang="en-US" dirty="0"/>
+              <a:t>b</a:t>
+            </a:r>
+            <a:r>
+              <a:rPr lang="nb-NO" dirty="0" err="1"/>
+              <a:t>edrift_navn</a:t>
+            </a:r>
+            <a:endParaRPr lang="nb-NO" dirty="0"/>
+          </a:p>
+        </p:txBody>
+      </p:sp>
+      <p:sp>
+        <p:nvSpPr>
+          <p:cNvPr id="35" name="TekstSylinder 34">
+            <a:extLst>
+              <a:ext uri="{FF2B5EF4-FFF2-40B4-BE49-F238E27FC236}">
+                <a16:creationId xmlns:a16="http://schemas.microsoft.com/office/drawing/2014/main" id="{869B0610-CF71-DBDB-3E91-A63B602756CB}"/>
+              </a:ext>
+            </a:extLst>
+          </p:cNvPr>
+          <p:cNvSpPr txBox="1"/>
+          <p:nvPr/>
+        </p:nvSpPr>
+        <p:spPr>
+          <a:xfrm>
+            <a:off x="141169" y="2300462"/>
+            <a:ext cx="1752322" cy="369332"/>
+          </a:xfrm>
+          <a:prstGeom prst="rect">
+            <a:avLst/>
+          </a:prstGeom>
+          <a:noFill/>
+        </p:spPr>
+        <p:txBody>
+          <a:bodyPr wrap="square" rtlCol="0">
+            <a:spAutoFit/>
+          </a:bodyPr>
+          <a:lstStyle/>
+          <a:p>
+            <a:r>
+              <a:rPr lang="en-US" dirty="0"/>
+              <a:t>b</a:t>
+            </a:r>
+            <a:r>
+              <a:rPr lang="nb-NO" dirty="0" err="1"/>
+              <a:t>edrift_adresse</a:t>
+            </a:r>
+            <a:endParaRPr lang="nb-NO" dirty="0"/>
+          </a:p>
+        </p:txBody>
+      </p:sp>
+      <p:cxnSp>
+        <p:nvCxnSpPr>
+          <p:cNvPr id="41" name="Kobling: vinkel 40">
+            <a:extLst>
+              <a:ext uri="{FF2B5EF4-FFF2-40B4-BE49-F238E27FC236}">
+                <a16:creationId xmlns:a16="http://schemas.microsoft.com/office/drawing/2014/main" id="{A3055A47-4898-0869-BA5A-E289B7FA3A9A}"/>
+              </a:ext>
+            </a:extLst>
+          </p:cNvPr>
+          <p:cNvCxnSpPr>
+            <a:cxnSpLocks/>
+          </p:cNvCxnSpPr>
+          <p:nvPr/>
+        </p:nvCxnSpPr>
+        <p:spPr>
+          <a:xfrm>
+            <a:off x="1570963" y="1988616"/>
+            <a:ext cx="1115168" cy="1286337"/>
+          </a:xfrm>
+          <a:prstGeom prst="bentConnector3">
+            <a:avLst/>
+          </a:prstGeom>
+          <a:ln>
+            <a:tailEnd type="triangle"/>
+          </a:ln>
+        </p:spPr>
+        <p:style>
+          <a:lnRef idx="1">
+            <a:schemeClr val="accent1"/>
+          </a:lnRef>
+          <a:fillRef idx="0">
+            <a:schemeClr val="accent1"/>
+          </a:fillRef>
+          <a:effectRef idx="0">
+            <a:schemeClr val="accent1"/>
+          </a:effectRef>
+          <a:fontRef idx="minor">
+            <a:schemeClr val="tx1"/>
+          </a:fontRef>
+        </p:style>
+      </p:cxnSp>
+      <p:cxnSp>
+        <p:nvCxnSpPr>
+          <p:cNvPr id="43" name="Kobling: vinkel 42">
+            <a:extLst>
+              <a:ext uri="{FF2B5EF4-FFF2-40B4-BE49-F238E27FC236}">
+                <a16:creationId xmlns:a16="http://schemas.microsoft.com/office/drawing/2014/main" id="{504E66C2-5A5D-0DC1-27FE-890486C2FAC6}"/>
+              </a:ext>
+            </a:extLst>
+          </p:cNvPr>
+          <p:cNvCxnSpPr>
+            <a:cxnSpLocks/>
+          </p:cNvCxnSpPr>
+          <p:nvPr/>
+        </p:nvCxnSpPr>
+        <p:spPr>
+          <a:xfrm>
+            <a:off x="1641631" y="2212236"/>
+            <a:ext cx="1044500" cy="1062717"/>
+          </a:xfrm>
+          <a:prstGeom prst="bentConnector3">
+            <a:avLst/>
+          </a:prstGeom>
+          <a:ln>
+            <a:tailEnd type="triangle"/>
+          </a:ln>
+        </p:spPr>
+        <p:style>
+          <a:lnRef idx="1">
+            <a:schemeClr val="accent1"/>
+          </a:lnRef>
+          <a:fillRef idx="0">
+            <a:schemeClr val="accent1"/>
+          </a:fillRef>
+          <a:effectRef idx="0">
+            <a:schemeClr val="accent1"/>
+          </a:effectRef>
+          <a:fontRef idx="minor">
+            <a:schemeClr val="tx1"/>
+          </a:fontRef>
+        </p:style>
+      </p:cxnSp>
+      <p:cxnSp>
+        <p:nvCxnSpPr>
+          <p:cNvPr id="45" name="Kobling: vinkel 44">
+            <a:extLst>
+              <a:ext uri="{FF2B5EF4-FFF2-40B4-BE49-F238E27FC236}">
+                <a16:creationId xmlns:a16="http://schemas.microsoft.com/office/drawing/2014/main" id="{4DAEF840-7FDD-462F-A1DB-3E70D0B3CC0C}"/>
+              </a:ext>
+            </a:extLst>
+          </p:cNvPr>
+          <p:cNvCxnSpPr>
+            <a:cxnSpLocks/>
+          </p:cNvCxnSpPr>
+          <p:nvPr/>
+        </p:nvCxnSpPr>
+        <p:spPr>
+          <a:xfrm>
+            <a:off x="1893491" y="2485128"/>
+            <a:ext cx="792640" cy="789825"/>
+          </a:xfrm>
+          <a:prstGeom prst="bentConnector3">
+            <a:avLst/>
+          </a:prstGeom>
+          <a:ln>
+            <a:tailEnd type="triangle"/>
+          </a:ln>
+        </p:spPr>
+        <p:style>
+          <a:lnRef idx="1">
+            <a:schemeClr val="accent1"/>
+          </a:lnRef>
+          <a:fillRef idx="0">
+            <a:schemeClr val="accent1"/>
+          </a:fillRef>
+          <a:effectRef idx="0">
+            <a:schemeClr val="accent1"/>
+          </a:effectRef>
+          <a:fontRef idx="minor">
+            <a:schemeClr val="tx1"/>
+          </a:fontRef>
+        </p:style>
+      </p:cxnSp>
+      <p:sp>
+        <p:nvSpPr>
+          <p:cNvPr id="46" name="TekstSylinder 45">
+            <a:extLst>
+              <a:ext uri="{FF2B5EF4-FFF2-40B4-BE49-F238E27FC236}">
+                <a16:creationId xmlns:a16="http://schemas.microsoft.com/office/drawing/2014/main" id="{74C6BCFD-3BB0-457E-BBA1-5F988A1AAFCE}"/>
+              </a:ext>
+            </a:extLst>
+          </p:cNvPr>
+          <p:cNvSpPr txBox="1"/>
+          <p:nvPr/>
+        </p:nvSpPr>
+        <p:spPr>
+          <a:xfrm>
+            <a:off x="138649" y="2614801"/>
+            <a:ext cx="1982210" cy="369332"/>
+          </a:xfrm>
+          <a:prstGeom prst="rect">
+            <a:avLst/>
+          </a:prstGeom>
+          <a:noFill/>
+        </p:spPr>
+        <p:txBody>
+          <a:bodyPr wrap="square" rtlCol="0">
+            <a:spAutoFit/>
+          </a:bodyPr>
+          <a:lstStyle/>
+          <a:p>
+            <a:r>
+              <a:rPr lang="nb-NO" dirty="0" err="1"/>
+              <a:t>bedrift_org_form</a:t>
+            </a:r>
+            <a:endParaRPr lang="nb-NO" dirty="0"/>
+          </a:p>
+        </p:txBody>
+      </p:sp>
+      <p:cxnSp>
+        <p:nvCxnSpPr>
+          <p:cNvPr id="48" name="Kobling: vinkel 47">
+            <a:extLst>
+              <a:ext uri="{FF2B5EF4-FFF2-40B4-BE49-F238E27FC236}">
+                <a16:creationId xmlns:a16="http://schemas.microsoft.com/office/drawing/2014/main" id="{0E24898F-D0EA-A274-450E-86829E9C658B}"/>
+              </a:ext>
+            </a:extLst>
+          </p:cNvPr>
+          <p:cNvCxnSpPr>
+            <a:cxnSpLocks/>
+          </p:cNvCxnSpPr>
+          <p:nvPr/>
+        </p:nvCxnSpPr>
+        <p:spPr>
+          <a:xfrm>
+            <a:off x="2078526" y="2799467"/>
+            <a:ext cx="607605" cy="475486"/>
+          </a:xfrm>
+          <a:prstGeom prst="bentConnector3">
+            <a:avLst/>
+          </a:prstGeom>
+          <a:ln>
+            <a:tailEnd type="triangle"/>
+          </a:ln>
+        </p:spPr>
+        <p:style>
+          <a:lnRef idx="1">
+            <a:schemeClr val="accent1"/>
+          </a:lnRef>
+          <a:fillRef idx="0">
+            <a:schemeClr val="accent1"/>
+          </a:fillRef>
+          <a:effectRef idx="0">
+            <a:schemeClr val="accent1"/>
+          </a:effectRef>
+          <a:fontRef idx="minor">
+            <a:schemeClr val="tx1"/>
+          </a:fontRef>
+        </p:style>
+      </p:cxnSp>
+      <p:sp>
+        <p:nvSpPr>
+          <p:cNvPr id="56" name="TekstSylinder 55">
+            <a:extLst>
+              <a:ext uri="{FF2B5EF4-FFF2-40B4-BE49-F238E27FC236}">
+                <a16:creationId xmlns:a16="http://schemas.microsoft.com/office/drawing/2014/main" id="{CD4F2138-6910-C09B-7055-0F8138C980A9}"/>
+              </a:ext>
+            </a:extLst>
+          </p:cNvPr>
+          <p:cNvSpPr txBox="1"/>
+          <p:nvPr/>
+        </p:nvSpPr>
+        <p:spPr>
+          <a:xfrm>
+            <a:off x="159816" y="2935190"/>
+            <a:ext cx="1897543" cy="369332"/>
+          </a:xfrm>
+          <a:prstGeom prst="rect">
+            <a:avLst/>
+          </a:prstGeom>
+          <a:noFill/>
+        </p:spPr>
+        <p:txBody>
+          <a:bodyPr wrap="square" rtlCol="0">
+            <a:spAutoFit/>
+          </a:bodyPr>
+          <a:lstStyle/>
+          <a:p>
+            <a:r>
+              <a:rPr lang="nb-NO" dirty="0" err="1"/>
+              <a:t>bedrift_reg_dato</a:t>
+            </a:r>
+            <a:endParaRPr lang="nb-NO" dirty="0"/>
+          </a:p>
+        </p:txBody>
+      </p:sp>
+      <p:cxnSp>
+        <p:nvCxnSpPr>
+          <p:cNvPr id="58" name="Kobling: vinkel 57">
+            <a:extLst>
+              <a:ext uri="{FF2B5EF4-FFF2-40B4-BE49-F238E27FC236}">
+                <a16:creationId xmlns:a16="http://schemas.microsoft.com/office/drawing/2014/main" id="{123325AA-7B0E-A916-995A-5B2482B2FA1F}"/>
+              </a:ext>
+            </a:extLst>
+          </p:cNvPr>
+          <p:cNvCxnSpPr>
+            <a:cxnSpLocks/>
+          </p:cNvCxnSpPr>
+          <p:nvPr/>
+        </p:nvCxnSpPr>
+        <p:spPr>
+          <a:xfrm>
+            <a:off x="1993859" y="3119856"/>
+            <a:ext cx="692272" cy="155097"/>
+          </a:xfrm>
+          <a:prstGeom prst="bentConnector3">
+            <a:avLst/>
+          </a:prstGeom>
+          <a:ln>
+            <a:tailEnd type="triangle"/>
+          </a:ln>
+        </p:spPr>
+        <p:style>
+          <a:lnRef idx="1">
+            <a:schemeClr val="accent1"/>
+          </a:lnRef>
+          <a:fillRef idx="0">
+            <a:schemeClr val="accent1"/>
+          </a:fillRef>
+          <a:effectRef idx="0">
+            <a:schemeClr val="accent1"/>
+          </a:effectRef>
+          <a:fontRef idx="minor">
+            <a:schemeClr val="tx1"/>
+          </a:fontRef>
+        </p:style>
+      </p:cxnSp>
+      <p:sp>
+        <p:nvSpPr>
+          <p:cNvPr id="60" name="TekstSylinder 59">
+            <a:extLst>
+              <a:ext uri="{FF2B5EF4-FFF2-40B4-BE49-F238E27FC236}">
+                <a16:creationId xmlns:a16="http://schemas.microsoft.com/office/drawing/2014/main" id="{E134C5A4-6BA9-6B78-D68F-F68BC2AD02DB}"/>
+              </a:ext>
+            </a:extLst>
+          </p:cNvPr>
+          <p:cNvSpPr txBox="1"/>
+          <p:nvPr/>
+        </p:nvSpPr>
+        <p:spPr>
+          <a:xfrm>
+            <a:off x="157032" y="3234596"/>
+            <a:ext cx="1652932" cy="369332"/>
+          </a:xfrm>
+          <a:prstGeom prst="rect">
+            <a:avLst/>
+          </a:prstGeom>
+          <a:noFill/>
+        </p:spPr>
+        <p:txBody>
+          <a:bodyPr wrap="square" rtlCol="0">
+            <a:spAutoFit/>
+          </a:bodyPr>
+          <a:lstStyle/>
+          <a:p>
+            <a:r>
+              <a:rPr lang="nb-NO" dirty="0" err="1"/>
+              <a:t>bedrift_org_nr</a:t>
+            </a:r>
+            <a:endParaRPr lang="nb-NO" dirty="0"/>
+          </a:p>
+        </p:txBody>
+      </p:sp>
+      <p:sp>
+        <p:nvSpPr>
+          <p:cNvPr id="63" name="TekstSylinder 62">
+            <a:extLst>
+              <a:ext uri="{FF2B5EF4-FFF2-40B4-BE49-F238E27FC236}">
+                <a16:creationId xmlns:a16="http://schemas.microsoft.com/office/drawing/2014/main" id="{F1EF97BB-61A7-6107-BDEC-FE7FBFA0EBAD}"/>
+              </a:ext>
+            </a:extLst>
+          </p:cNvPr>
+          <p:cNvSpPr txBox="1"/>
+          <p:nvPr/>
+        </p:nvSpPr>
+        <p:spPr>
+          <a:xfrm>
+            <a:off x="157030" y="3527146"/>
+            <a:ext cx="2110133" cy="369332"/>
+          </a:xfrm>
+          <a:prstGeom prst="rect">
+            <a:avLst/>
+          </a:prstGeom>
+          <a:noFill/>
+        </p:spPr>
+        <p:txBody>
+          <a:bodyPr wrap="square" rtlCol="0">
+            <a:spAutoFit/>
+          </a:bodyPr>
+          <a:lstStyle/>
+          <a:p>
+            <a:r>
+              <a:rPr lang="nb-NO" dirty="0" err="1"/>
+              <a:t>bedrift_beskrivelse</a:t>
+            </a:r>
+            <a:endParaRPr lang="nb-NO" dirty="0"/>
+          </a:p>
+        </p:txBody>
+      </p:sp>
+      <p:cxnSp>
+        <p:nvCxnSpPr>
+          <p:cNvPr id="65" name="Kobling: vinkel 64">
+            <a:extLst>
+              <a:ext uri="{FF2B5EF4-FFF2-40B4-BE49-F238E27FC236}">
+                <a16:creationId xmlns:a16="http://schemas.microsoft.com/office/drawing/2014/main" id="{E059587E-73A0-B738-31C1-F2B92D9F5E9F}"/>
+              </a:ext>
+            </a:extLst>
+          </p:cNvPr>
+          <p:cNvCxnSpPr>
+            <a:cxnSpLocks/>
+          </p:cNvCxnSpPr>
+          <p:nvPr/>
+        </p:nvCxnSpPr>
+        <p:spPr>
+          <a:xfrm flipV="1">
+            <a:off x="2267163" y="3274953"/>
+            <a:ext cx="418968" cy="436859"/>
+          </a:xfrm>
+          <a:prstGeom prst="bentConnector3">
+            <a:avLst/>
+          </a:prstGeom>
+          <a:ln>
+            <a:tailEnd type="triangle"/>
+          </a:ln>
+        </p:spPr>
+        <p:style>
+          <a:lnRef idx="1">
+            <a:schemeClr val="accent1"/>
+          </a:lnRef>
+          <a:fillRef idx="0">
+            <a:schemeClr val="accent1"/>
+          </a:fillRef>
+          <a:effectRef idx="0">
+            <a:schemeClr val="accent1"/>
+          </a:effectRef>
+          <a:fontRef idx="minor">
+            <a:schemeClr val="tx1"/>
+          </a:fontRef>
+        </p:style>
+      </p:cxnSp>
+      <p:cxnSp>
+        <p:nvCxnSpPr>
+          <p:cNvPr id="80" name="Kobling: vinkel 79">
+            <a:extLst>
+              <a:ext uri="{FF2B5EF4-FFF2-40B4-BE49-F238E27FC236}">
+                <a16:creationId xmlns:a16="http://schemas.microsoft.com/office/drawing/2014/main" id="{B31ED6DB-0260-A5B3-7E38-8E031438BFB9}"/>
+              </a:ext>
+            </a:extLst>
+          </p:cNvPr>
+          <p:cNvCxnSpPr>
+            <a:cxnSpLocks/>
+          </p:cNvCxnSpPr>
+          <p:nvPr/>
+        </p:nvCxnSpPr>
+        <p:spPr>
+          <a:xfrm flipV="1">
+            <a:off x="1809964" y="3274953"/>
+            <a:ext cx="876167" cy="144309"/>
+          </a:xfrm>
+          <a:prstGeom prst="bentConnector3">
+            <a:avLst/>
+          </a:prstGeom>
+          <a:ln>
+            <a:tailEnd type="triangle"/>
+          </a:ln>
+        </p:spPr>
+        <p:style>
+          <a:lnRef idx="1">
+            <a:schemeClr val="accent1"/>
+          </a:lnRef>
+          <a:fillRef idx="0">
+            <a:schemeClr val="accent1"/>
+          </a:fillRef>
+          <a:effectRef idx="0">
+            <a:schemeClr val="accent1"/>
+          </a:effectRef>
+          <a:fontRef idx="minor">
+            <a:schemeClr val="tx1"/>
+          </a:fontRef>
+        </p:style>
+      </p:cxnSp>
+      <p:sp>
+        <p:nvSpPr>
+          <p:cNvPr id="81" name="TekstSylinder 80">
+            <a:extLst>
+              <a:ext uri="{FF2B5EF4-FFF2-40B4-BE49-F238E27FC236}">
+                <a16:creationId xmlns:a16="http://schemas.microsoft.com/office/drawing/2014/main" id="{EE820269-5EE6-E6E9-3096-3CF17EA0B774}"/>
+              </a:ext>
+            </a:extLst>
+          </p:cNvPr>
+          <p:cNvSpPr txBox="1"/>
+          <p:nvPr/>
+        </p:nvSpPr>
+        <p:spPr>
+          <a:xfrm>
+            <a:off x="157030" y="3832934"/>
+            <a:ext cx="1736461" cy="369332"/>
+          </a:xfrm>
+          <a:prstGeom prst="rect">
+            <a:avLst/>
+          </a:prstGeom>
+          <a:noFill/>
+        </p:spPr>
+        <p:txBody>
+          <a:bodyPr wrap="square" rtlCol="0">
+            <a:spAutoFit/>
+          </a:bodyPr>
+          <a:lstStyle/>
+          <a:p>
+            <a:r>
+              <a:rPr lang="nb-NO" dirty="0" err="1"/>
+              <a:t>bedrift_post_nr</a:t>
+            </a:r>
+            <a:endParaRPr lang="nb-NO" dirty="0"/>
+          </a:p>
+        </p:txBody>
+      </p:sp>
+      <p:cxnSp>
+        <p:nvCxnSpPr>
+          <p:cNvPr id="83" name="Kobling: vinkel 82">
+            <a:extLst>
+              <a:ext uri="{FF2B5EF4-FFF2-40B4-BE49-F238E27FC236}">
+                <a16:creationId xmlns:a16="http://schemas.microsoft.com/office/drawing/2014/main" id="{13023D3A-6A5A-A210-3A9B-0D2B0F8FBA99}"/>
+              </a:ext>
+            </a:extLst>
+          </p:cNvPr>
+          <p:cNvCxnSpPr>
+            <a:cxnSpLocks/>
+          </p:cNvCxnSpPr>
+          <p:nvPr/>
+        </p:nvCxnSpPr>
+        <p:spPr>
+          <a:xfrm flipV="1">
+            <a:off x="1893491" y="3274953"/>
+            <a:ext cx="792640" cy="742647"/>
+          </a:xfrm>
+          <a:prstGeom prst="bentConnector3">
+            <a:avLst/>
+          </a:prstGeom>
+          <a:ln>
+            <a:tailEnd type="triangle"/>
+          </a:ln>
+        </p:spPr>
+        <p:style>
+          <a:lnRef idx="1">
+            <a:schemeClr val="accent1"/>
+          </a:lnRef>
+          <a:fillRef idx="0">
+            <a:schemeClr val="accent1"/>
+          </a:fillRef>
+          <a:effectRef idx="0">
+            <a:schemeClr val="accent1"/>
+          </a:effectRef>
+          <a:fontRef idx="minor">
+            <a:schemeClr val="tx1"/>
+          </a:fontRef>
+        </p:style>
+      </p:cxnSp>
+      <p:sp>
+        <p:nvSpPr>
+          <p:cNvPr id="84" name="TekstSylinder 83">
+            <a:extLst>
+              <a:ext uri="{FF2B5EF4-FFF2-40B4-BE49-F238E27FC236}">
+                <a16:creationId xmlns:a16="http://schemas.microsoft.com/office/drawing/2014/main" id="{00B32D24-1B7A-0120-F4F3-A5AB9A3D2794}"/>
+              </a:ext>
+            </a:extLst>
+          </p:cNvPr>
+          <p:cNvSpPr txBox="1"/>
+          <p:nvPr/>
+        </p:nvSpPr>
+        <p:spPr>
+          <a:xfrm>
+            <a:off x="172894" y="4115244"/>
+            <a:ext cx="1960250" cy="369332"/>
+          </a:xfrm>
+          <a:prstGeom prst="rect">
+            <a:avLst/>
+          </a:prstGeom>
+          <a:noFill/>
+        </p:spPr>
+        <p:txBody>
+          <a:bodyPr wrap="square" rtlCol="0">
+            <a:spAutoFit/>
+          </a:bodyPr>
+          <a:lstStyle/>
+          <a:p>
+            <a:r>
+              <a:rPr lang="nb-NO" dirty="0" err="1"/>
+              <a:t>bedrift_post_sted</a:t>
+            </a:r>
+            <a:endParaRPr lang="nb-NO" dirty="0"/>
+          </a:p>
+        </p:txBody>
+      </p:sp>
+      <p:cxnSp>
+        <p:nvCxnSpPr>
+          <p:cNvPr id="86" name="Kobling: vinkel 85">
+            <a:extLst>
+              <a:ext uri="{FF2B5EF4-FFF2-40B4-BE49-F238E27FC236}">
+                <a16:creationId xmlns:a16="http://schemas.microsoft.com/office/drawing/2014/main" id="{28CAEA01-9130-30F0-7339-DB05BC694352}"/>
+              </a:ext>
+            </a:extLst>
+          </p:cNvPr>
+          <p:cNvCxnSpPr>
+            <a:cxnSpLocks/>
+          </p:cNvCxnSpPr>
+          <p:nvPr/>
+        </p:nvCxnSpPr>
+        <p:spPr>
+          <a:xfrm flipV="1">
+            <a:off x="2133144" y="3274953"/>
+            <a:ext cx="552987" cy="1024957"/>
+          </a:xfrm>
+          <a:prstGeom prst="bentConnector3">
+            <a:avLst/>
+          </a:prstGeom>
+          <a:ln>
+            <a:tailEnd type="triangle"/>
+          </a:ln>
+        </p:spPr>
+        <p:style>
+          <a:lnRef idx="1">
+            <a:schemeClr val="accent1"/>
+          </a:lnRef>
+          <a:fillRef idx="0">
+            <a:schemeClr val="accent1"/>
+          </a:fillRef>
+          <a:effectRef idx="0">
+            <a:schemeClr val="accent1"/>
+          </a:effectRef>
+          <a:fontRef idx="minor">
+            <a:schemeClr val="tx1"/>
+          </a:fontRef>
+        </p:style>
+      </p:cxnSp>
+      <p:sp>
+        <p:nvSpPr>
+          <p:cNvPr id="87" name="TekstSylinder 86">
+            <a:extLst>
+              <a:ext uri="{FF2B5EF4-FFF2-40B4-BE49-F238E27FC236}">
+                <a16:creationId xmlns:a16="http://schemas.microsoft.com/office/drawing/2014/main" id="{8E14A552-5A27-30CD-A6E0-817B0A255386}"/>
+              </a:ext>
+            </a:extLst>
+          </p:cNvPr>
+          <p:cNvSpPr txBox="1"/>
+          <p:nvPr/>
+        </p:nvSpPr>
+        <p:spPr>
+          <a:xfrm>
+            <a:off x="183546" y="4364840"/>
+            <a:ext cx="2270371" cy="369332"/>
+          </a:xfrm>
+          <a:prstGeom prst="rect">
+            <a:avLst/>
+          </a:prstGeom>
+          <a:noFill/>
+        </p:spPr>
+        <p:txBody>
+          <a:bodyPr wrap="square" rtlCol="0">
+            <a:spAutoFit/>
+          </a:bodyPr>
+          <a:lstStyle/>
+          <a:p>
+            <a:r>
+              <a:rPr lang="nb-NO" dirty="0" err="1"/>
+              <a:t>bedrift_logo_filepath</a:t>
+            </a:r>
+            <a:endParaRPr lang="nb-NO" dirty="0"/>
+          </a:p>
+        </p:txBody>
+      </p:sp>
+      <p:cxnSp>
+        <p:nvCxnSpPr>
+          <p:cNvPr id="11" name="Kobling: vinkel 10">
+            <a:extLst>
+              <a:ext uri="{FF2B5EF4-FFF2-40B4-BE49-F238E27FC236}">
+                <a16:creationId xmlns:a16="http://schemas.microsoft.com/office/drawing/2014/main" id="{A5642088-F862-4FE1-CD69-F9D2F17C7956}"/>
+              </a:ext>
+            </a:extLst>
+          </p:cNvPr>
+          <p:cNvCxnSpPr>
+            <a:cxnSpLocks/>
+          </p:cNvCxnSpPr>
+          <p:nvPr/>
+        </p:nvCxnSpPr>
+        <p:spPr>
+          <a:xfrm flipV="1">
+            <a:off x="2453917" y="3274953"/>
+            <a:ext cx="232214" cy="1274553"/>
+          </a:xfrm>
+          <a:prstGeom prst="bentConnector3">
+            <a:avLst>
+              <a:gd name="adj1" fmla="val 50000"/>
+            </a:avLst>
+          </a:prstGeom>
+          <a:ln>
+            <a:tailEnd type="triangle"/>
+          </a:ln>
+        </p:spPr>
+        <p:style>
+          <a:lnRef idx="1">
+            <a:schemeClr val="accent1"/>
+          </a:lnRef>
+          <a:fillRef idx="0">
+            <a:schemeClr val="accent1"/>
+          </a:fillRef>
+          <a:effectRef idx="0">
+            <a:schemeClr val="accent1"/>
+          </a:effectRef>
+          <a:fontRef idx="minor">
+            <a:schemeClr val="tx1"/>
+          </a:fontRef>
+        </p:style>
+      </p:cxnSp>
+      <p:sp>
+        <p:nvSpPr>
+          <p:cNvPr id="55" name="TekstSylinder 54">
+            <a:extLst>
+              <a:ext uri="{FF2B5EF4-FFF2-40B4-BE49-F238E27FC236}">
+                <a16:creationId xmlns:a16="http://schemas.microsoft.com/office/drawing/2014/main" id="{C9E598C6-C2BC-2B26-A910-3720BEE85488}"/>
+              </a:ext>
+            </a:extLst>
+          </p:cNvPr>
+          <p:cNvSpPr txBox="1"/>
+          <p:nvPr/>
+        </p:nvSpPr>
+        <p:spPr>
+          <a:xfrm>
+            <a:off x="194198" y="4638831"/>
+            <a:ext cx="2270371" cy="369332"/>
+          </a:xfrm>
+          <a:prstGeom prst="rect">
+            <a:avLst/>
+          </a:prstGeom>
+          <a:noFill/>
+        </p:spPr>
+        <p:txBody>
+          <a:bodyPr wrap="square" rtlCol="0">
+            <a:spAutoFit/>
+          </a:bodyPr>
+          <a:lstStyle/>
+          <a:p>
+            <a:r>
+              <a:rPr lang="nb-NO" dirty="0" err="1"/>
+              <a:t>bedrift_er_kunde</a:t>
+            </a:r>
+            <a:endParaRPr lang="nb-NO" dirty="0"/>
+          </a:p>
+        </p:txBody>
+      </p:sp>
+      <p:cxnSp>
+        <p:nvCxnSpPr>
+          <p:cNvPr id="59" name="Kobling: vinkel 58">
+            <a:extLst>
+              <a:ext uri="{FF2B5EF4-FFF2-40B4-BE49-F238E27FC236}">
+                <a16:creationId xmlns:a16="http://schemas.microsoft.com/office/drawing/2014/main" id="{D84978E8-A3D9-1B9F-3E2D-6107BDE3300D}"/>
+              </a:ext>
+            </a:extLst>
+          </p:cNvPr>
+          <p:cNvCxnSpPr>
+            <a:cxnSpLocks/>
+          </p:cNvCxnSpPr>
+          <p:nvPr/>
+        </p:nvCxnSpPr>
+        <p:spPr>
+          <a:xfrm flipV="1">
+            <a:off x="2464569" y="3274953"/>
+            <a:ext cx="221562" cy="1548544"/>
+          </a:xfrm>
+          <a:prstGeom prst="bentConnector3">
+            <a:avLst>
+              <a:gd name="adj1" fmla="val 50000"/>
+            </a:avLst>
+          </a:prstGeom>
+          <a:ln>
+            <a:tailEnd type="triangle"/>
+          </a:ln>
+        </p:spPr>
+        <p:style>
+          <a:lnRef idx="1">
+            <a:schemeClr val="accent1"/>
+          </a:lnRef>
+          <a:fillRef idx="0">
+            <a:schemeClr val="accent1"/>
+          </a:fillRef>
+          <a:effectRef idx="0">
+            <a:schemeClr val="accent1"/>
+          </a:effectRef>
+          <a:fontRef idx="minor">
+            <a:schemeClr val="tx1"/>
+          </a:fontRef>
+        </p:style>
+      </p:cxnSp>
+      <p:sp>
+        <p:nvSpPr>
+          <p:cNvPr id="61" name="TekstSylinder 60">
+            <a:extLst>
+              <a:ext uri="{FF2B5EF4-FFF2-40B4-BE49-F238E27FC236}">
+                <a16:creationId xmlns:a16="http://schemas.microsoft.com/office/drawing/2014/main" id="{BEC9FD42-2BD6-77A4-B78B-A4D7237D5E58}"/>
+              </a:ext>
+            </a:extLst>
+          </p:cNvPr>
+          <p:cNvSpPr txBox="1"/>
+          <p:nvPr/>
+        </p:nvSpPr>
+        <p:spPr>
+          <a:xfrm>
+            <a:off x="2835985" y="1761617"/>
+            <a:ext cx="396476" cy="261610"/>
+          </a:xfrm>
+          <a:prstGeom prst="rect">
+            <a:avLst/>
+          </a:prstGeom>
+          <a:noFill/>
+        </p:spPr>
+        <p:txBody>
+          <a:bodyPr wrap="square" rtlCol="0">
+            <a:spAutoFit/>
+          </a:bodyPr>
+          <a:lstStyle/>
+          <a:p>
+            <a:r>
+              <a:rPr lang="nb-NO" sz="1100" dirty="0"/>
+              <a:t>1…1</a:t>
+            </a:r>
+          </a:p>
+        </p:txBody>
+      </p:sp>
+      <p:sp>
+        <p:nvSpPr>
+          <p:cNvPr id="10" name="TekstSylinder 60">
+            <a:extLst>
+              <a:ext uri="{FF2B5EF4-FFF2-40B4-BE49-F238E27FC236}">
+                <a16:creationId xmlns:a16="http://schemas.microsoft.com/office/drawing/2014/main" id="{29D7A065-7FEC-B099-BC46-B82088E4E966}"/>
+              </a:ext>
+            </a:extLst>
+          </p:cNvPr>
+          <p:cNvSpPr txBox="1"/>
+          <p:nvPr/>
+        </p:nvSpPr>
+        <p:spPr>
+          <a:xfrm>
+            <a:off x="2616520" y="2304152"/>
+            <a:ext cx="788059" cy="261610"/>
+          </a:xfrm>
+          <a:prstGeom prst="rect">
+            <a:avLst/>
+          </a:prstGeom>
+          <a:noFill/>
+        </p:spPr>
+        <p:txBody>
+          <a:bodyPr wrap="square" lIns="91440" tIns="45720" rIns="91440" bIns="45720" rtlCol="0" anchor="t">
+            <a:spAutoFit/>
+          </a:bodyPr>
+          <a:lstStyle/>
+          <a:p>
+            <a:r>
+              <a:rPr lang="nb-NO" sz="1100" dirty="0"/>
+              <a:t>0..mange</a:t>
+            </a:r>
+          </a:p>
+        </p:txBody>
+      </p:sp>
+      <p:sp>
+        <p:nvSpPr>
+          <p:cNvPr id="14" name="Rektangel 27">
+            <a:extLst>
+              <a:ext uri="{FF2B5EF4-FFF2-40B4-BE49-F238E27FC236}">
+                <a16:creationId xmlns:a16="http://schemas.microsoft.com/office/drawing/2014/main" id="{AC31F85F-E178-3FEC-7FF5-DE17994A9B1E}"/>
+              </a:ext>
+            </a:extLst>
+          </p:cNvPr>
+          <p:cNvSpPr/>
+          <p:nvPr/>
+        </p:nvSpPr>
+        <p:spPr>
+          <a:xfrm>
+            <a:off x="7292666" y="304988"/>
+            <a:ext cx="1510747" cy="1282148"/>
+          </a:xfrm>
+          <a:prstGeom prst="rect">
+            <a:avLst/>
+          </a:prstGeom>
+        </p:spPr>
+        <p:style>
+          <a:lnRef idx="2">
+            <a:schemeClr val="accent1">
+              <a:shade val="15000"/>
+            </a:schemeClr>
+          </a:lnRef>
+          <a:fillRef idx="1">
+            <a:schemeClr val="accent1"/>
+          </a:fillRef>
+          <a:effectRef idx="0">
+            <a:schemeClr val="accent1"/>
+          </a:effectRef>
+          <a:fontRef idx="minor">
+            <a:schemeClr val="lt1"/>
+          </a:fontRef>
+        </p:style>
+        <p:txBody>
+          <a:bodyPr lIns="91440" tIns="45720" rIns="91440" bIns="45720" rtlCol="0" anchor="ctr"/>
+          <a:lstStyle/>
+          <a:p>
+            <a:pPr algn="ctr"/>
+            <a:r>
+              <a:rPr lang="nb-NO" dirty="0" err="1"/>
+              <a:t>bedrifter_innlogging_tb</a:t>
+            </a:r>
+          </a:p>
+        </p:txBody>
+      </p:sp>
+      <p:cxnSp>
+        <p:nvCxnSpPr>
+          <p:cNvPr id="23" name="Connector: Elbow 22">
+            <a:extLst>
+              <a:ext uri="{FF2B5EF4-FFF2-40B4-BE49-F238E27FC236}">
+                <a16:creationId xmlns:a16="http://schemas.microsoft.com/office/drawing/2014/main" id="{75D97E35-418B-1FE6-3EBD-295E1E7BF274}"/>
+              </a:ext>
+            </a:extLst>
+          </p:cNvPr>
+          <p:cNvCxnSpPr/>
+          <p:nvPr/>
+        </p:nvCxnSpPr>
+        <p:spPr>
+          <a:xfrm flipV="1">
+            <a:off x="4199466" y="922867"/>
+            <a:ext cx="3105150" cy="2377016"/>
+          </a:xfrm>
+          <a:prstGeom prst="bentConnector3">
+            <a:avLst/>
+          </a:prstGeom>
+          <a:ln>
+            <a:tailEnd type="triangle"/>
+          </a:ln>
+        </p:spPr>
+        <p:style>
+          <a:lnRef idx="1">
+            <a:schemeClr val="accent1"/>
+          </a:lnRef>
+          <a:fillRef idx="0">
+            <a:schemeClr val="accent1"/>
+          </a:fillRef>
+          <a:effectRef idx="0">
+            <a:schemeClr val="accent1"/>
+          </a:effectRef>
+          <a:fontRef idx="minor">
+            <a:schemeClr val="tx1"/>
+          </a:fontRef>
+        </p:style>
+      </p:cxnSp>
+      <p:sp>
+        <p:nvSpPr>
+          <p:cNvPr id="25" name="TekstSylinder 60">
+            <a:extLst>
+              <a:ext uri="{FF2B5EF4-FFF2-40B4-BE49-F238E27FC236}">
+                <a16:creationId xmlns:a16="http://schemas.microsoft.com/office/drawing/2014/main" id="{CDD9275B-58AC-CB3B-A5A5-B7524854B11E}"/>
+              </a:ext>
+            </a:extLst>
+          </p:cNvPr>
+          <p:cNvSpPr txBox="1"/>
+          <p:nvPr/>
+        </p:nvSpPr>
+        <p:spPr>
+          <a:xfrm>
+            <a:off x="4247568" y="2968424"/>
+            <a:ext cx="396476" cy="261610"/>
+          </a:xfrm>
+          <a:prstGeom prst="rect">
+            <a:avLst/>
+          </a:prstGeom>
+          <a:noFill/>
+        </p:spPr>
+        <p:txBody>
+          <a:bodyPr wrap="square" rtlCol="0">
+            <a:spAutoFit/>
+          </a:bodyPr>
+          <a:lstStyle/>
+          <a:p>
+            <a:r>
+              <a:rPr lang="nb-NO" sz="1100" dirty="0"/>
+              <a:t>1…1</a:t>
+            </a:r>
+          </a:p>
+        </p:txBody>
+      </p:sp>
+      <p:sp>
+        <p:nvSpPr>
+          <p:cNvPr id="27" name="TekstSylinder 60">
+            <a:extLst>
+              <a:ext uri="{FF2B5EF4-FFF2-40B4-BE49-F238E27FC236}">
+                <a16:creationId xmlns:a16="http://schemas.microsoft.com/office/drawing/2014/main" id="{2BB51426-49CC-1777-49D0-912AE65B9227}"/>
+              </a:ext>
+            </a:extLst>
+          </p:cNvPr>
+          <p:cNvSpPr txBox="1"/>
+          <p:nvPr/>
+        </p:nvSpPr>
+        <p:spPr>
+          <a:xfrm>
+            <a:off x="6794151" y="608033"/>
+            <a:ext cx="396476" cy="261610"/>
+          </a:xfrm>
+          <a:prstGeom prst="rect">
+            <a:avLst/>
+          </a:prstGeom>
+          <a:noFill/>
+        </p:spPr>
+        <p:txBody>
+          <a:bodyPr wrap="square" rtlCol="0">
+            <a:spAutoFit/>
+          </a:bodyPr>
+          <a:lstStyle/>
+          <a:p>
+            <a:r>
+              <a:rPr lang="nb-NO" sz="1100" dirty="0"/>
+              <a:t>1…1</a:t>
+            </a:r>
+          </a:p>
+        </p:txBody>
+      </p:sp>
+      <p:sp>
+        <p:nvSpPr>
+          <p:cNvPr id="29" name="TekstSylinder 30">
+            <a:extLst>
+              <a:ext uri="{FF2B5EF4-FFF2-40B4-BE49-F238E27FC236}">
+                <a16:creationId xmlns:a16="http://schemas.microsoft.com/office/drawing/2014/main" id="{FA3ABE2C-27DC-E7D9-0DCA-6AA9DB72283C}"/>
+              </a:ext>
+            </a:extLst>
+          </p:cNvPr>
+          <p:cNvSpPr txBox="1"/>
+          <p:nvPr/>
+        </p:nvSpPr>
+        <p:spPr>
+          <a:xfrm>
+            <a:off x="9499995" y="332867"/>
+            <a:ext cx="1701801" cy="369332"/>
+          </a:xfrm>
+          <a:prstGeom prst="rect">
+            <a:avLst/>
+          </a:prstGeom>
+          <a:noFill/>
+        </p:spPr>
+        <p:txBody>
+          <a:bodyPr wrap="square" lIns="91440" tIns="45720" rIns="91440" bIns="45720" rtlCol="0" anchor="t">
+            <a:spAutoFit/>
+          </a:bodyPr>
+          <a:lstStyle/>
+          <a:p>
+            <a:r>
+              <a:rPr lang="nb-NO" dirty="0" err="1"/>
+              <a:t>bedrifter_id</a:t>
+            </a:r>
+            <a:r>
+              <a:rPr lang="nb-NO" dirty="0">
+                <a:ea typeface="+mn-lt"/>
+                <a:cs typeface="+mn-lt"/>
+              </a:rPr>
+              <a:t>🗝️</a:t>
+            </a:r>
+            <a:endParaRPr lang="nb-NO" dirty="0"/>
+          </a:p>
+        </p:txBody>
+      </p:sp>
+      <p:cxnSp>
+        <p:nvCxnSpPr>
+          <p:cNvPr id="32" name="Connector: Elbow 31">
+            <a:extLst>
+              <a:ext uri="{FF2B5EF4-FFF2-40B4-BE49-F238E27FC236}">
+                <a16:creationId xmlns:a16="http://schemas.microsoft.com/office/drawing/2014/main" id="{D7EAAF0F-15B1-D9C1-72D3-2BD440E2CAD1}"/>
+              </a:ext>
+            </a:extLst>
+          </p:cNvPr>
+          <p:cNvCxnSpPr/>
+          <p:nvPr/>
+        </p:nvCxnSpPr>
+        <p:spPr>
+          <a:xfrm flipH="1">
+            <a:off x="8791574" y="521757"/>
+            <a:ext cx="715434" cy="448734"/>
+          </a:xfrm>
+          <a:prstGeom prst="bentConnector3">
+            <a:avLst/>
+          </a:prstGeom>
+          <a:ln>
+            <a:tailEnd type="triangle"/>
+          </a:ln>
+        </p:spPr>
+        <p:style>
+          <a:lnRef idx="1">
+            <a:schemeClr val="accent1"/>
+          </a:lnRef>
+          <a:fillRef idx="0">
+            <a:schemeClr val="accent1"/>
+          </a:fillRef>
+          <a:effectRef idx="0">
+            <a:schemeClr val="accent1"/>
+          </a:effectRef>
+          <a:fontRef idx="minor">
+            <a:schemeClr val="tx1"/>
+          </a:fontRef>
+        </p:style>
+      </p:cxnSp>
+      <p:sp>
+        <p:nvSpPr>
+          <p:cNvPr id="34" name="TekstSylinder 30">
+            <a:extLst>
+              <a:ext uri="{FF2B5EF4-FFF2-40B4-BE49-F238E27FC236}">
+                <a16:creationId xmlns:a16="http://schemas.microsoft.com/office/drawing/2014/main" id="{0C4E88D0-5F95-2C17-D813-972FE94C340A}"/>
+              </a:ext>
+            </a:extLst>
+          </p:cNvPr>
+          <p:cNvSpPr txBox="1"/>
+          <p:nvPr/>
+        </p:nvSpPr>
+        <p:spPr>
+          <a:xfrm>
+            <a:off x="9499994" y="735033"/>
+            <a:ext cx="2368551" cy="369332"/>
+          </a:xfrm>
+          <a:prstGeom prst="rect">
+            <a:avLst/>
+          </a:prstGeom>
+          <a:noFill/>
+        </p:spPr>
+        <p:txBody>
+          <a:bodyPr wrap="square" lIns="91440" tIns="45720" rIns="91440" bIns="45720" rtlCol="0" anchor="t">
+            <a:spAutoFit/>
+          </a:bodyPr>
+          <a:lstStyle/>
+          <a:p>
+            <a:r>
+              <a:rPr lang="nb-NO" dirty="0" err="1"/>
+              <a:t>bedrifter_brukernavn</a:t>
+            </a:r>
+          </a:p>
+        </p:txBody>
+      </p:sp>
+      <p:cxnSp>
+        <p:nvCxnSpPr>
+          <p:cNvPr id="36" name="Connector: Elbow 35">
+            <a:extLst>
+              <a:ext uri="{FF2B5EF4-FFF2-40B4-BE49-F238E27FC236}">
+                <a16:creationId xmlns:a16="http://schemas.microsoft.com/office/drawing/2014/main" id="{972DF26F-CE92-4E6F-BFB8-B09998A8D134}"/>
+              </a:ext>
+            </a:extLst>
+          </p:cNvPr>
+          <p:cNvCxnSpPr/>
+          <p:nvPr/>
+        </p:nvCxnSpPr>
+        <p:spPr>
+          <a:xfrm flipH="1" flipV="1">
+            <a:off x="8818035" y="996951"/>
+            <a:ext cx="747181" cy="662517"/>
+          </a:xfrm>
+          <a:prstGeom prst="bentConnector3">
+            <a:avLst/>
+          </a:prstGeom>
+          <a:ln>
+            <a:tailEnd type="triangle"/>
+          </a:ln>
+        </p:spPr>
+        <p:style>
+          <a:lnRef idx="1">
+            <a:schemeClr val="accent1"/>
+          </a:lnRef>
+          <a:fillRef idx="0">
+            <a:schemeClr val="accent1"/>
+          </a:fillRef>
+          <a:effectRef idx="0">
+            <a:schemeClr val="accent1"/>
+          </a:effectRef>
+          <a:fontRef idx="minor">
+            <a:schemeClr val="tx1"/>
+          </a:fontRef>
+        </p:style>
+      </p:cxnSp>
+      <p:cxnSp>
+        <p:nvCxnSpPr>
+          <p:cNvPr id="37" name="Connector: Elbow 36">
+            <a:extLst>
+              <a:ext uri="{FF2B5EF4-FFF2-40B4-BE49-F238E27FC236}">
+                <a16:creationId xmlns:a16="http://schemas.microsoft.com/office/drawing/2014/main" id="{CC4C8038-4E6F-A118-C633-3826BBE2573F}"/>
+              </a:ext>
+            </a:extLst>
+          </p:cNvPr>
+          <p:cNvCxnSpPr/>
+          <p:nvPr/>
+        </p:nvCxnSpPr>
+        <p:spPr>
+          <a:xfrm flipH="1">
+            <a:off x="8865659" y="923923"/>
+            <a:ext cx="577852" cy="88903"/>
+          </a:xfrm>
+          <a:prstGeom prst="bentConnector3">
+            <a:avLst/>
+          </a:prstGeom>
+          <a:ln>
+            <a:tailEnd type="triangle"/>
+          </a:ln>
+        </p:spPr>
+        <p:style>
+          <a:lnRef idx="1">
+            <a:schemeClr val="accent1"/>
+          </a:lnRef>
+          <a:fillRef idx="0">
+            <a:schemeClr val="accent1"/>
+          </a:fillRef>
+          <a:effectRef idx="0">
+            <a:schemeClr val="accent1"/>
+          </a:effectRef>
+          <a:fontRef idx="minor">
+            <a:schemeClr val="tx1"/>
+          </a:fontRef>
+        </p:style>
+      </p:cxnSp>
+      <p:sp>
+        <p:nvSpPr>
+          <p:cNvPr id="38" name="TekstSylinder 30">
+            <a:extLst>
+              <a:ext uri="{FF2B5EF4-FFF2-40B4-BE49-F238E27FC236}">
+                <a16:creationId xmlns:a16="http://schemas.microsoft.com/office/drawing/2014/main" id="{AC7983CB-33A2-6A4D-38DF-B349F82FA9BF}"/>
+              </a:ext>
+            </a:extLst>
+          </p:cNvPr>
+          <p:cNvSpPr txBox="1"/>
+          <p:nvPr/>
+        </p:nvSpPr>
+        <p:spPr>
+          <a:xfrm>
+            <a:off x="9499995" y="1126617"/>
+            <a:ext cx="1955800" cy="369332"/>
+          </a:xfrm>
+          <a:prstGeom prst="rect">
+            <a:avLst/>
+          </a:prstGeom>
+          <a:noFill/>
+        </p:spPr>
+        <p:txBody>
+          <a:bodyPr wrap="square" lIns="91440" tIns="45720" rIns="91440" bIns="45720" rtlCol="0" anchor="t">
+            <a:spAutoFit/>
+          </a:bodyPr>
+          <a:lstStyle/>
+          <a:p>
+            <a:r>
+              <a:rPr lang="nb-NO" dirty="0" err="1"/>
+              <a:t>bedrifter_️passord</a:t>
+            </a:r>
+          </a:p>
+        </p:txBody>
+      </p:sp>
+      <p:cxnSp>
+        <p:nvCxnSpPr>
+          <p:cNvPr id="39" name="Connector: Elbow 38">
+            <a:extLst>
+              <a:ext uri="{FF2B5EF4-FFF2-40B4-BE49-F238E27FC236}">
+                <a16:creationId xmlns:a16="http://schemas.microsoft.com/office/drawing/2014/main" id="{584693E8-63C1-5D00-5BDB-A3118B510D4F}"/>
+              </a:ext>
+            </a:extLst>
+          </p:cNvPr>
+          <p:cNvCxnSpPr/>
+          <p:nvPr/>
+        </p:nvCxnSpPr>
+        <p:spPr>
+          <a:xfrm flipH="1" flipV="1">
+            <a:off x="8818034" y="965200"/>
+            <a:ext cx="747183" cy="345015"/>
+          </a:xfrm>
+          <a:prstGeom prst="bentConnector3">
+            <a:avLst/>
+          </a:prstGeom>
+          <a:ln>
+            <a:tailEnd type="triangle"/>
+          </a:ln>
+        </p:spPr>
+        <p:style>
+          <a:lnRef idx="1">
+            <a:schemeClr val="accent1"/>
+          </a:lnRef>
+          <a:fillRef idx="0">
+            <a:schemeClr val="accent1"/>
+          </a:fillRef>
+          <a:effectRef idx="0">
+            <a:schemeClr val="accent1"/>
+          </a:effectRef>
+          <a:fontRef idx="minor">
+            <a:schemeClr val="tx1"/>
+          </a:fontRef>
+        </p:style>
+      </p:cxnSp>
+      <p:sp>
+        <p:nvSpPr>
+          <p:cNvPr id="40" name="TekstSylinder 30">
+            <a:extLst>
+              <a:ext uri="{FF2B5EF4-FFF2-40B4-BE49-F238E27FC236}">
+                <a16:creationId xmlns:a16="http://schemas.microsoft.com/office/drawing/2014/main" id="{8F54D7AB-4385-F769-29B4-C7B870ABCAC5}"/>
+              </a:ext>
+            </a:extLst>
+          </p:cNvPr>
+          <p:cNvSpPr txBox="1"/>
+          <p:nvPr/>
+        </p:nvSpPr>
+        <p:spPr>
+          <a:xfrm>
+            <a:off x="9499994" y="1497033"/>
+            <a:ext cx="2114550" cy="369332"/>
+          </a:xfrm>
+          <a:prstGeom prst="rect">
+            <a:avLst/>
+          </a:prstGeom>
+          <a:noFill/>
+        </p:spPr>
+        <p:txBody>
+          <a:bodyPr wrap="square" lIns="91440" tIns="45720" rIns="91440" bIns="45720" rtlCol="0" anchor="t">
+            <a:spAutoFit/>
+          </a:bodyPr>
+          <a:lstStyle/>
+          <a:p>
+            <a:r>
+              <a:rPr lang="nb-NO" dirty="0"/>
+              <a:t>bedrifter_️</a:t>
+            </a:r>
+            <a:r>
+              <a:rPr lang="nb-NO" dirty="0" err="1"/>
+              <a:t>is_admin</a:t>
+            </a:r>
+          </a:p>
+        </p:txBody>
+      </p:sp>
+      <p:sp>
+        <p:nvSpPr>
+          <p:cNvPr id="42" name="Rektangel 27">
+            <a:extLst>
+              <a:ext uri="{FF2B5EF4-FFF2-40B4-BE49-F238E27FC236}">
+                <a16:creationId xmlns:a16="http://schemas.microsoft.com/office/drawing/2014/main" id="{4E97096F-2D03-BFB8-3558-9A7C22F6F200}"/>
+              </a:ext>
+            </a:extLst>
+          </p:cNvPr>
+          <p:cNvSpPr/>
+          <p:nvPr/>
+        </p:nvSpPr>
+        <p:spPr>
+          <a:xfrm>
+            <a:off x="7300464" y="2559795"/>
+            <a:ext cx="1510747" cy="1282148"/>
+          </a:xfrm>
+          <a:prstGeom prst="rect">
+            <a:avLst/>
+          </a:prstGeom>
+        </p:spPr>
+        <p:style>
+          <a:lnRef idx="2">
+            <a:schemeClr val="accent1">
+              <a:shade val="15000"/>
+            </a:schemeClr>
+          </a:lnRef>
+          <a:fillRef idx="1">
+            <a:schemeClr val="accent1"/>
+          </a:fillRef>
+          <a:effectRef idx="0">
+            <a:schemeClr val="accent1"/>
+          </a:effectRef>
+          <a:fontRef idx="minor">
+            <a:schemeClr val="lt1"/>
+          </a:fontRef>
+        </p:style>
+        <p:txBody>
+          <a:bodyPr lIns="91440" tIns="45720" rIns="91440" bIns="45720" rtlCol="0" anchor="ctr"/>
+          <a:lstStyle/>
+          <a:p>
+            <a:pPr algn="ctr"/>
+            <a:r>
+              <a:rPr lang="nb-NO" dirty="0" err="1"/>
+              <a:t>ansatte_tb</a:t>
+            </a:r>
+          </a:p>
+        </p:txBody>
+      </p:sp>
+      <p:sp>
+        <p:nvSpPr>
+          <p:cNvPr id="44" name="TekstSylinder 30">
+            <a:extLst>
+              <a:ext uri="{FF2B5EF4-FFF2-40B4-BE49-F238E27FC236}">
+                <a16:creationId xmlns:a16="http://schemas.microsoft.com/office/drawing/2014/main" id="{F3B04C46-0705-3D6A-6642-6F9BAD4A1FB7}"/>
+              </a:ext>
+            </a:extLst>
+          </p:cNvPr>
+          <p:cNvSpPr txBox="1"/>
+          <p:nvPr/>
+        </p:nvSpPr>
+        <p:spPr>
+          <a:xfrm>
+            <a:off x="9563495" y="2163784"/>
+            <a:ext cx="1585384" cy="369332"/>
+          </a:xfrm>
+          <a:prstGeom prst="rect">
+            <a:avLst/>
+          </a:prstGeom>
+          <a:noFill/>
+        </p:spPr>
+        <p:txBody>
+          <a:bodyPr wrap="square" lIns="91440" tIns="45720" rIns="91440" bIns="45720" rtlCol="0" anchor="t">
+            <a:spAutoFit/>
+          </a:bodyPr>
+          <a:lstStyle/>
+          <a:p>
+            <a:r>
+              <a:rPr lang="nb-NO" dirty="0" err="1">
+                <a:ea typeface="+mn-lt"/>
+                <a:cs typeface="+mn-lt"/>
+              </a:rPr>
+              <a:t>ansatte_id</a:t>
+            </a:r>
+            <a:r>
+              <a:rPr lang="nb-NO" dirty="0">
+                <a:ea typeface="+mn-lt"/>
+                <a:cs typeface="+mn-lt"/>
+              </a:rPr>
+              <a:t>🗝️</a:t>
+            </a:r>
+            <a:endParaRPr lang="nb-NO" dirty="0"/>
+          </a:p>
+        </p:txBody>
+      </p:sp>
+      <p:sp>
+        <p:nvSpPr>
+          <p:cNvPr id="47" name="TekstSylinder 32">
+            <a:extLst>
+              <a:ext uri="{FF2B5EF4-FFF2-40B4-BE49-F238E27FC236}">
+                <a16:creationId xmlns:a16="http://schemas.microsoft.com/office/drawing/2014/main" id="{9BD15FCC-AF3B-769E-FB99-EEE515509B2B}"/>
+              </a:ext>
+            </a:extLst>
+          </p:cNvPr>
+          <p:cNvSpPr txBox="1"/>
+          <p:nvPr/>
+        </p:nvSpPr>
+        <p:spPr>
+          <a:xfrm>
+            <a:off x="9560633" y="2429737"/>
+            <a:ext cx="1976414" cy="369332"/>
+          </a:xfrm>
+          <a:prstGeom prst="rect">
+            <a:avLst/>
+          </a:prstGeom>
+          <a:noFill/>
+        </p:spPr>
+        <p:txBody>
+          <a:bodyPr wrap="square" lIns="91440" tIns="45720" rIns="91440" bIns="45720" rtlCol="0" anchor="t">
+            <a:spAutoFit/>
+          </a:bodyPr>
+          <a:lstStyle/>
+          <a:p>
+            <a:r>
+              <a:rPr lang="nb-NO" dirty="0" err="1"/>
+              <a:t>ansatte_etternavn</a:t>
+            </a:r>
+          </a:p>
+        </p:txBody>
+      </p:sp>
+      <p:sp>
+        <p:nvSpPr>
+          <p:cNvPr id="49" name="TekstSylinder 34">
+            <a:extLst>
+              <a:ext uri="{FF2B5EF4-FFF2-40B4-BE49-F238E27FC236}">
+                <a16:creationId xmlns:a16="http://schemas.microsoft.com/office/drawing/2014/main" id="{7D3DBB4C-39D7-FD4E-94BA-823B0CE5E64A}"/>
+              </a:ext>
+            </a:extLst>
+          </p:cNvPr>
+          <p:cNvSpPr txBox="1"/>
+          <p:nvPr/>
+        </p:nvSpPr>
+        <p:spPr>
+          <a:xfrm>
+            <a:off x="9560335" y="2744961"/>
+            <a:ext cx="1784072" cy="369332"/>
+          </a:xfrm>
+          <a:prstGeom prst="rect">
+            <a:avLst/>
+          </a:prstGeom>
+          <a:noFill/>
+        </p:spPr>
+        <p:txBody>
+          <a:bodyPr wrap="square" lIns="91440" tIns="45720" rIns="91440" bIns="45720" rtlCol="0" anchor="t">
+            <a:spAutoFit/>
+          </a:bodyPr>
+          <a:lstStyle/>
+          <a:p>
+            <a:r>
+              <a:rPr lang="nb-NO" dirty="0" err="1"/>
+              <a:t>ansatte_fornavn</a:t>
+            </a:r>
+          </a:p>
+        </p:txBody>
+      </p:sp>
+      <p:sp>
+        <p:nvSpPr>
+          <p:cNvPr id="53" name="TekstSylinder 45">
+            <a:extLst>
+              <a:ext uri="{FF2B5EF4-FFF2-40B4-BE49-F238E27FC236}">
+                <a16:creationId xmlns:a16="http://schemas.microsoft.com/office/drawing/2014/main" id="{B29E59E5-1744-9269-B5F6-B2BD334B4C7A}"/>
+              </a:ext>
+            </a:extLst>
+          </p:cNvPr>
+          <p:cNvSpPr txBox="1"/>
+          <p:nvPr/>
+        </p:nvSpPr>
+        <p:spPr>
+          <a:xfrm>
+            <a:off x="9557815" y="3038134"/>
+            <a:ext cx="1982210" cy="369332"/>
+          </a:xfrm>
+          <a:prstGeom prst="rect">
+            <a:avLst/>
+          </a:prstGeom>
+          <a:noFill/>
+        </p:spPr>
+        <p:txBody>
+          <a:bodyPr wrap="square" lIns="91440" tIns="45720" rIns="91440" bIns="45720" rtlCol="0" anchor="t">
+            <a:spAutoFit/>
+          </a:bodyPr>
+          <a:lstStyle/>
+          <a:p>
+            <a:r>
+              <a:rPr lang="nb-NO" dirty="0" err="1"/>
+              <a:t>ansatte_stilling</a:t>
+            </a:r>
+          </a:p>
+        </p:txBody>
+      </p:sp>
+      <p:sp>
+        <p:nvSpPr>
+          <p:cNvPr id="54" name="TekstSylinder 55">
+            <a:extLst>
+              <a:ext uri="{FF2B5EF4-FFF2-40B4-BE49-F238E27FC236}">
+                <a16:creationId xmlns:a16="http://schemas.microsoft.com/office/drawing/2014/main" id="{F29D9641-8C90-7B99-0BD7-19ADF0991E37}"/>
+              </a:ext>
+            </a:extLst>
+          </p:cNvPr>
+          <p:cNvSpPr txBox="1"/>
+          <p:nvPr/>
+        </p:nvSpPr>
+        <p:spPr>
+          <a:xfrm>
+            <a:off x="9578982" y="3347940"/>
+            <a:ext cx="2617209" cy="369332"/>
+          </a:xfrm>
+          <a:prstGeom prst="rect">
+            <a:avLst/>
+          </a:prstGeom>
+          <a:noFill/>
+        </p:spPr>
+        <p:txBody>
+          <a:bodyPr wrap="square" lIns="91440" tIns="45720" rIns="91440" bIns="45720" rtlCol="0" anchor="t">
+            <a:spAutoFit/>
+          </a:bodyPr>
+          <a:lstStyle/>
+          <a:p>
+            <a:r>
+              <a:rPr lang="nb-NO" dirty="0" err="1"/>
+              <a:t>ansatte_kontakt_person</a:t>
+            </a:r>
+          </a:p>
+        </p:txBody>
+      </p:sp>
+      <p:sp>
+        <p:nvSpPr>
+          <p:cNvPr id="62" name="TekstSylinder 59">
+            <a:extLst>
+              <a:ext uri="{FF2B5EF4-FFF2-40B4-BE49-F238E27FC236}">
+                <a16:creationId xmlns:a16="http://schemas.microsoft.com/office/drawing/2014/main" id="{AEF59DE6-AAE2-E7AA-79D8-069941000785}"/>
+              </a:ext>
+            </a:extLst>
+          </p:cNvPr>
+          <p:cNvSpPr txBox="1"/>
+          <p:nvPr/>
+        </p:nvSpPr>
+        <p:spPr>
+          <a:xfrm>
+            <a:off x="9576198" y="3657929"/>
+            <a:ext cx="1652932" cy="369332"/>
+          </a:xfrm>
+          <a:prstGeom prst="rect">
+            <a:avLst/>
+          </a:prstGeom>
+          <a:noFill/>
+        </p:spPr>
+        <p:txBody>
+          <a:bodyPr wrap="square" lIns="91440" tIns="45720" rIns="91440" bIns="45720" rtlCol="0" anchor="t">
+            <a:spAutoFit/>
+          </a:bodyPr>
+          <a:lstStyle/>
+          <a:p>
+            <a:r>
+              <a:rPr lang="nb-NO" dirty="0" err="1"/>
+              <a:t>ansatte_tlf_nr</a:t>
+            </a:r>
+          </a:p>
+        </p:txBody>
+      </p:sp>
+      <p:sp>
+        <p:nvSpPr>
+          <p:cNvPr id="64" name="TekstSylinder 62">
+            <a:extLst>
+              <a:ext uri="{FF2B5EF4-FFF2-40B4-BE49-F238E27FC236}">
+                <a16:creationId xmlns:a16="http://schemas.microsoft.com/office/drawing/2014/main" id="{7D92CD29-0831-E609-9108-30B80A7D79B9}"/>
+              </a:ext>
+            </a:extLst>
+          </p:cNvPr>
+          <p:cNvSpPr txBox="1"/>
+          <p:nvPr/>
+        </p:nvSpPr>
+        <p:spPr>
+          <a:xfrm>
+            <a:off x="9576196" y="3950479"/>
+            <a:ext cx="2110133" cy="369332"/>
+          </a:xfrm>
+          <a:prstGeom prst="rect">
+            <a:avLst/>
+          </a:prstGeom>
+          <a:noFill/>
+        </p:spPr>
+        <p:txBody>
+          <a:bodyPr wrap="square" lIns="91440" tIns="45720" rIns="91440" bIns="45720" rtlCol="0" anchor="t">
+            <a:spAutoFit/>
+          </a:bodyPr>
+          <a:lstStyle/>
+          <a:p>
+            <a:r>
+              <a:rPr lang="nb-NO" dirty="0" err="1"/>
+              <a:t>ansatte_epost</a:t>
+            </a:r>
+          </a:p>
+        </p:txBody>
+      </p:sp>
+      <p:sp>
+        <p:nvSpPr>
+          <p:cNvPr id="67" name="TekstSylinder 80">
+            <a:extLst>
+              <a:ext uri="{FF2B5EF4-FFF2-40B4-BE49-F238E27FC236}">
+                <a16:creationId xmlns:a16="http://schemas.microsoft.com/office/drawing/2014/main" id="{ED1A9EB7-06F8-7E50-C75D-551B860FCC19}"/>
+              </a:ext>
+            </a:extLst>
+          </p:cNvPr>
+          <p:cNvSpPr txBox="1"/>
+          <p:nvPr/>
+        </p:nvSpPr>
+        <p:spPr>
+          <a:xfrm>
+            <a:off x="9576196" y="4298600"/>
+            <a:ext cx="2180961" cy="369332"/>
+          </a:xfrm>
+          <a:prstGeom prst="rect">
+            <a:avLst/>
+          </a:prstGeom>
+          <a:noFill/>
+        </p:spPr>
+        <p:txBody>
+          <a:bodyPr wrap="square" lIns="91440" tIns="45720" rIns="91440" bIns="45720" rtlCol="0" anchor="t">
+            <a:spAutoFit/>
+          </a:bodyPr>
+          <a:lstStyle/>
+          <a:p>
+            <a:r>
+              <a:rPr lang="nb-NO" dirty="0" err="1"/>
+              <a:t>ansatte_bedrifts_id</a:t>
+            </a:r>
+          </a:p>
+        </p:txBody>
+      </p:sp>
+      <p:cxnSp>
+        <p:nvCxnSpPr>
+          <p:cNvPr id="69" name="Connector: Elbow 68">
+            <a:extLst>
+              <a:ext uri="{FF2B5EF4-FFF2-40B4-BE49-F238E27FC236}">
+                <a16:creationId xmlns:a16="http://schemas.microsoft.com/office/drawing/2014/main" id="{B9C7AAC3-5EB4-5449-2547-8C0BE1013D84}"/>
+              </a:ext>
+            </a:extLst>
+          </p:cNvPr>
+          <p:cNvCxnSpPr/>
+          <p:nvPr/>
+        </p:nvCxnSpPr>
+        <p:spPr>
+          <a:xfrm flipH="1">
+            <a:off x="8844490" y="2384425"/>
+            <a:ext cx="747185" cy="840317"/>
+          </a:xfrm>
+          <a:prstGeom prst="bentConnector3">
+            <a:avLst/>
+          </a:prstGeom>
+          <a:ln>
+            <a:tailEnd type="triangle"/>
+          </a:ln>
+        </p:spPr>
+        <p:style>
+          <a:lnRef idx="1">
+            <a:schemeClr val="accent1"/>
+          </a:lnRef>
+          <a:fillRef idx="0">
+            <a:schemeClr val="accent1"/>
+          </a:fillRef>
+          <a:effectRef idx="0">
+            <a:schemeClr val="accent1"/>
+          </a:effectRef>
+          <a:fontRef idx="minor">
+            <a:schemeClr val="tx1"/>
+          </a:fontRef>
+        </p:style>
+      </p:cxnSp>
+      <p:cxnSp>
+        <p:nvCxnSpPr>
+          <p:cNvPr id="70" name="Connector: Elbow 69">
+            <a:extLst>
+              <a:ext uri="{FF2B5EF4-FFF2-40B4-BE49-F238E27FC236}">
+                <a16:creationId xmlns:a16="http://schemas.microsoft.com/office/drawing/2014/main" id="{A8C52019-256D-0F3D-CE09-0F47132D0B1B}"/>
+              </a:ext>
+            </a:extLst>
+          </p:cNvPr>
+          <p:cNvCxnSpPr/>
+          <p:nvPr/>
+        </p:nvCxnSpPr>
+        <p:spPr>
+          <a:xfrm flipH="1">
+            <a:off x="8892116" y="2633133"/>
+            <a:ext cx="662517" cy="596901"/>
+          </a:xfrm>
+          <a:prstGeom prst="bentConnector3">
+            <a:avLst/>
+          </a:prstGeom>
+          <a:ln>
+            <a:tailEnd type="triangle"/>
+          </a:ln>
+        </p:spPr>
+        <p:style>
+          <a:lnRef idx="1">
+            <a:schemeClr val="accent1"/>
+          </a:lnRef>
+          <a:fillRef idx="0">
+            <a:schemeClr val="accent1"/>
+          </a:fillRef>
+          <a:effectRef idx="0">
+            <a:schemeClr val="accent1"/>
+          </a:effectRef>
+          <a:fontRef idx="minor">
+            <a:schemeClr val="tx1"/>
+          </a:fontRef>
+        </p:style>
+      </p:cxnSp>
+      <p:cxnSp>
+        <p:nvCxnSpPr>
+          <p:cNvPr id="71" name="Connector: Elbow 70">
+            <a:extLst>
+              <a:ext uri="{FF2B5EF4-FFF2-40B4-BE49-F238E27FC236}">
+                <a16:creationId xmlns:a16="http://schemas.microsoft.com/office/drawing/2014/main" id="{B6FE5A6F-C604-FFB2-F75F-006F133BA68C}"/>
+              </a:ext>
+            </a:extLst>
+          </p:cNvPr>
+          <p:cNvCxnSpPr/>
+          <p:nvPr/>
+        </p:nvCxnSpPr>
+        <p:spPr>
+          <a:xfrm flipH="1">
+            <a:off x="8865658" y="2987674"/>
+            <a:ext cx="747184" cy="237068"/>
+          </a:xfrm>
+          <a:prstGeom prst="bentConnector3">
+            <a:avLst/>
+          </a:prstGeom>
+          <a:ln>
+            <a:tailEnd type="triangle"/>
+          </a:ln>
+        </p:spPr>
+        <p:style>
+          <a:lnRef idx="1">
+            <a:schemeClr val="accent1"/>
+          </a:lnRef>
+          <a:fillRef idx="0">
+            <a:schemeClr val="accent1"/>
+          </a:fillRef>
+          <a:effectRef idx="0">
+            <a:schemeClr val="accent1"/>
+          </a:effectRef>
+          <a:fontRef idx="minor">
+            <a:schemeClr val="tx1"/>
+          </a:fontRef>
+        </p:style>
+      </p:cxnSp>
+      <p:cxnSp>
+        <p:nvCxnSpPr>
+          <p:cNvPr id="72" name="Connector: Elbow 71">
+            <a:extLst>
+              <a:ext uri="{FF2B5EF4-FFF2-40B4-BE49-F238E27FC236}">
+                <a16:creationId xmlns:a16="http://schemas.microsoft.com/office/drawing/2014/main" id="{6B422A66-E1ED-A494-64C0-C1B0BF930E5D}"/>
+              </a:ext>
+            </a:extLst>
+          </p:cNvPr>
+          <p:cNvCxnSpPr/>
+          <p:nvPr/>
+        </p:nvCxnSpPr>
+        <p:spPr>
+          <a:xfrm flipH="1" flipV="1">
+            <a:off x="8849783" y="3251201"/>
+            <a:ext cx="704851" cy="6349"/>
+          </a:xfrm>
+          <a:prstGeom prst="bentConnector3">
+            <a:avLst/>
+          </a:prstGeom>
+          <a:ln>
+            <a:tailEnd type="triangle"/>
+          </a:ln>
+        </p:spPr>
+        <p:style>
+          <a:lnRef idx="1">
+            <a:schemeClr val="accent1"/>
+          </a:lnRef>
+          <a:fillRef idx="0">
+            <a:schemeClr val="accent1"/>
+          </a:fillRef>
+          <a:effectRef idx="0">
+            <a:schemeClr val="accent1"/>
+          </a:effectRef>
+          <a:fontRef idx="minor">
+            <a:schemeClr val="tx1"/>
+          </a:fontRef>
+        </p:style>
+      </p:cxnSp>
+      <p:cxnSp>
+        <p:nvCxnSpPr>
+          <p:cNvPr id="73" name="Connector: Elbow 72">
+            <a:extLst>
+              <a:ext uri="{FF2B5EF4-FFF2-40B4-BE49-F238E27FC236}">
+                <a16:creationId xmlns:a16="http://schemas.microsoft.com/office/drawing/2014/main" id="{B069F215-41F6-569F-8A5E-0B684B420993}"/>
+              </a:ext>
+            </a:extLst>
+          </p:cNvPr>
+          <p:cNvCxnSpPr/>
+          <p:nvPr/>
+        </p:nvCxnSpPr>
+        <p:spPr>
+          <a:xfrm flipH="1" flipV="1">
+            <a:off x="8833908" y="3224742"/>
+            <a:ext cx="800099" cy="355600"/>
+          </a:xfrm>
+          <a:prstGeom prst="bentConnector3">
+            <a:avLst/>
+          </a:prstGeom>
+          <a:ln>
+            <a:tailEnd type="triangle"/>
+          </a:ln>
+        </p:spPr>
+        <p:style>
+          <a:lnRef idx="1">
+            <a:schemeClr val="accent1"/>
+          </a:lnRef>
+          <a:fillRef idx="0">
+            <a:schemeClr val="accent1"/>
+          </a:fillRef>
+          <a:effectRef idx="0">
+            <a:schemeClr val="accent1"/>
+          </a:effectRef>
+          <a:fontRef idx="minor">
+            <a:schemeClr val="tx1"/>
+          </a:fontRef>
+        </p:style>
+      </p:cxnSp>
+      <p:cxnSp>
+        <p:nvCxnSpPr>
+          <p:cNvPr id="74" name="Connector: Elbow 73">
+            <a:extLst>
+              <a:ext uri="{FF2B5EF4-FFF2-40B4-BE49-F238E27FC236}">
+                <a16:creationId xmlns:a16="http://schemas.microsoft.com/office/drawing/2014/main" id="{FCA8091F-0AB0-8798-F766-90A1711E1799}"/>
+              </a:ext>
+            </a:extLst>
+          </p:cNvPr>
+          <p:cNvCxnSpPr/>
+          <p:nvPr/>
+        </p:nvCxnSpPr>
+        <p:spPr>
+          <a:xfrm flipH="1" flipV="1">
+            <a:off x="8902700" y="3251201"/>
+            <a:ext cx="704851" cy="641350"/>
+          </a:xfrm>
+          <a:prstGeom prst="bentConnector3">
+            <a:avLst/>
+          </a:prstGeom>
+          <a:ln>
+            <a:tailEnd type="triangle"/>
+          </a:ln>
+        </p:spPr>
+        <p:style>
+          <a:lnRef idx="1">
+            <a:schemeClr val="accent1"/>
+          </a:lnRef>
+          <a:fillRef idx="0">
+            <a:schemeClr val="accent1"/>
+          </a:fillRef>
+          <a:effectRef idx="0">
+            <a:schemeClr val="accent1"/>
+          </a:effectRef>
+          <a:fontRef idx="minor">
+            <a:schemeClr val="tx1"/>
+          </a:fontRef>
+        </p:style>
+      </p:cxnSp>
+      <p:cxnSp>
+        <p:nvCxnSpPr>
+          <p:cNvPr id="75" name="Connector: Elbow 74">
+            <a:extLst>
+              <a:ext uri="{FF2B5EF4-FFF2-40B4-BE49-F238E27FC236}">
+                <a16:creationId xmlns:a16="http://schemas.microsoft.com/office/drawing/2014/main" id="{E2B2F825-03F8-73AD-55CE-1F2E91722162}"/>
+              </a:ext>
+            </a:extLst>
+          </p:cNvPr>
+          <p:cNvCxnSpPr/>
+          <p:nvPr/>
+        </p:nvCxnSpPr>
+        <p:spPr>
+          <a:xfrm flipH="1" flipV="1">
+            <a:off x="8939741" y="3267075"/>
+            <a:ext cx="694266" cy="895350"/>
+          </a:xfrm>
+          <a:prstGeom prst="bentConnector3">
+            <a:avLst/>
+          </a:prstGeom>
+          <a:ln>
+            <a:tailEnd type="triangle"/>
+          </a:ln>
+        </p:spPr>
+        <p:style>
+          <a:lnRef idx="1">
+            <a:schemeClr val="accent1"/>
+          </a:lnRef>
+          <a:fillRef idx="0">
+            <a:schemeClr val="accent1"/>
+          </a:fillRef>
+          <a:effectRef idx="0">
+            <a:schemeClr val="accent1"/>
+          </a:effectRef>
+          <a:fontRef idx="minor">
+            <a:schemeClr val="tx1"/>
+          </a:fontRef>
+        </p:style>
+      </p:cxnSp>
+      <p:cxnSp>
+        <p:nvCxnSpPr>
+          <p:cNvPr id="76" name="Connector: Elbow 75">
+            <a:extLst>
+              <a:ext uri="{FF2B5EF4-FFF2-40B4-BE49-F238E27FC236}">
+                <a16:creationId xmlns:a16="http://schemas.microsoft.com/office/drawing/2014/main" id="{ABA16472-D6E2-5596-1490-EDA70F1BE9AD}"/>
+              </a:ext>
+            </a:extLst>
+          </p:cNvPr>
+          <p:cNvCxnSpPr/>
+          <p:nvPr/>
+        </p:nvCxnSpPr>
+        <p:spPr>
+          <a:xfrm flipH="1" flipV="1">
+            <a:off x="8870950" y="3293534"/>
+            <a:ext cx="694266" cy="1255183"/>
+          </a:xfrm>
+          <a:prstGeom prst="bentConnector3">
+            <a:avLst/>
+          </a:prstGeom>
+          <a:ln>
+            <a:tailEnd type="triangle"/>
+          </a:ln>
+        </p:spPr>
+        <p:style>
+          <a:lnRef idx="1">
+            <a:schemeClr val="accent1"/>
+          </a:lnRef>
+          <a:fillRef idx="0">
+            <a:schemeClr val="accent1"/>
+          </a:fillRef>
+          <a:effectRef idx="0">
+            <a:schemeClr val="accent1"/>
+          </a:effectRef>
+          <a:fontRef idx="minor">
+            <a:schemeClr val="tx1"/>
+          </a:fontRef>
+        </p:style>
+      </p:cxnSp>
+      <p:cxnSp>
+        <p:nvCxnSpPr>
+          <p:cNvPr id="51" name="Kobling: vinkel 50">
+            <a:extLst>
+              <a:ext uri="{FF2B5EF4-FFF2-40B4-BE49-F238E27FC236}">
+                <a16:creationId xmlns:a16="http://schemas.microsoft.com/office/drawing/2014/main" id="{8DC9B5FF-146A-F023-F3E0-CF3EFF95AD8A}"/>
+              </a:ext>
+            </a:extLst>
+          </p:cNvPr>
+          <p:cNvCxnSpPr>
+            <a:stCxn id="28" idx="3"/>
+            <a:endCxn id="42" idx="1"/>
+          </p:cNvCxnSpPr>
+          <p:nvPr/>
+        </p:nvCxnSpPr>
+        <p:spPr>
+          <a:xfrm flipV="1">
+            <a:off x="4196878" y="3200869"/>
+            <a:ext cx="3103586" cy="74084"/>
+          </a:xfrm>
+          <a:prstGeom prst="bentConnector3">
+            <a:avLst/>
+          </a:prstGeom>
+          <a:ln>
+            <a:tailEnd type="triangle"/>
+          </a:ln>
+        </p:spPr>
+        <p:style>
+          <a:lnRef idx="1">
+            <a:schemeClr val="accent1"/>
+          </a:lnRef>
+          <a:fillRef idx="0">
+            <a:schemeClr val="accent1"/>
+          </a:fillRef>
+          <a:effectRef idx="0">
+            <a:schemeClr val="accent1"/>
+          </a:effectRef>
+          <a:fontRef idx="minor">
+            <a:schemeClr val="tx1"/>
+          </a:fontRef>
+        </p:style>
+      </p:cxnSp>
+      <p:sp>
+        <p:nvSpPr>
+          <p:cNvPr id="52" name="TekstSylinder 60">
+            <a:extLst>
+              <a:ext uri="{FF2B5EF4-FFF2-40B4-BE49-F238E27FC236}">
+                <a16:creationId xmlns:a16="http://schemas.microsoft.com/office/drawing/2014/main" id="{0E1C9F74-0B71-536A-EF76-998A0832119B}"/>
+              </a:ext>
+            </a:extLst>
+          </p:cNvPr>
+          <p:cNvSpPr txBox="1"/>
+          <p:nvPr/>
+        </p:nvSpPr>
+        <p:spPr>
+          <a:xfrm>
+            <a:off x="4244052" y="3362313"/>
+            <a:ext cx="396476" cy="261610"/>
+          </a:xfrm>
+          <a:prstGeom prst="rect">
+            <a:avLst/>
+          </a:prstGeom>
+          <a:noFill/>
+        </p:spPr>
+        <p:txBody>
+          <a:bodyPr wrap="square" rtlCol="0">
+            <a:spAutoFit/>
+          </a:bodyPr>
+          <a:lstStyle/>
+          <a:p>
+            <a:r>
+              <a:rPr lang="nb-NO" sz="1100" dirty="0"/>
+              <a:t>1…1</a:t>
+            </a:r>
+          </a:p>
+        </p:txBody>
+      </p:sp>
+      <p:sp>
+        <p:nvSpPr>
+          <p:cNvPr id="57" name="TekstSylinder 60">
+            <a:extLst>
+              <a:ext uri="{FF2B5EF4-FFF2-40B4-BE49-F238E27FC236}">
+                <a16:creationId xmlns:a16="http://schemas.microsoft.com/office/drawing/2014/main" id="{975F8482-4B9F-6C6E-09EC-3355EEA8D747}"/>
+              </a:ext>
+            </a:extLst>
+          </p:cNvPr>
+          <p:cNvSpPr txBox="1"/>
+          <p:nvPr/>
+        </p:nvSpPr>
+        <p:spPr>
+          <a:xfrm>
+            <a:off x="6522047" y="3296508"/>
+            <a:ext cx="788059" cy="261610"/>
+          </a:xfrm>
+          <a:prstGeom prst="rect">
+            <a:avLst/>
+          </a:prstGeom>
+          <a:noFill/>
+        </p:spPr>
+        <p:txBody>
+          <a:bodyPr wrap="square" lIns="91440" tIns="45720" rIns="91440" bIns="45720" rtlCol="0" anchor="t">
+            <a:spAutoFit/>
+          </a:bodyPr>
+          <a:lstStyle/>
+          <a:p>
+            <a:r>
+              <a:rPr lang="nb-NO" sz="1100" dirty="0"/>
+              <a:t>1..mange</a:t>
+            </a:r>
+          </a:p>
+        </p:txBody>
+      </p:sp>
+    </p:spTree>
+    <p:extLst>
+      <p:ext uri="{BB962C8B-B14F-4D97-AF65-F5344CB8AC3E}">
+        <p14:creationId xmlns:p14="http://schemas.microsoft.com/office/powerpoint/2010/main" val="2632993759"/>
+      </p:ext>
+    </p:extLst>
+  </p:cSld>
+  <p:clrMapOvr>
+    <a:masterClrMapping/>
+  </p:clrMapOvr>
+  <mc:AlternateContent xmlns:mc="http://schemas.openxmlformats.org/markup-compatibility/2006" xmlns:p159="http://schemas.microsoft.com/office/powerpoint/2015/09/main">
+    <mc:Choice Requires="p159">
+      <p:transition xmlns:p14="http://schemas.microsoft.com/office/powerpoint/2010/main" spd="slow" p14:dur="2000">
+        <p159:morph option="byObject"/>
+      </p:transition>
+    </mc:Choice>
+    <mc:Fallback xmlns="">
+      <p:transition spd="slow">
+        <p:fade/>
+      </p:transition>
+    </mc:Fallback>
+  </mc:AlternateContent>
+  <p:timing>
+    <p:tnLst>
+      <p:par>
+        <p:cTn id="1" dur="indefinite" restart="never" nodeType="tmRoot">
+          <p:childTnLst>
+            <p:seq concurrent="1" nextAc="seek">
+              <p:cTn id="2" dur="indefinite" nodeType="mainSeq">
+                <p:childTnLst>
+                  <p:par>
+                    <p:cTn id="3" fill="hold">
+                      <p:stCondLst>
+                        <p:cond delay="indefinite"/>
+                      </p:stCondLst>
+                      <p:childTnLst>
+                        <p:par>
+                          <p:cTn id="4" fill="hold">
+                            <p:stCondLst>
+                              <p:cond delay="0"/>
+                            </p:stCondLst>
+                            <p:childTnLst>
+                              <p:par>
+                                <p:cTn id="5" presetID="1" presetClass="entr" presetSubtype="0" fill="hold" nodeType="clickEffect">
+                                  <p:stCondLst>
+                                    <p:cond delay="0"/>
+                                  </p:stCondLst>
+                                  <p:childTnLst>
+                                    <p:set>
+                                      <p:cBhvr>
+                                        <p:cTn id="6" dur="1" fill="hold">
+                                          <p:stCondLst>
+                                            <p:cond delay="0"/>
+                                          </p:stCondLst>
+                                        </p:cTn>
+                                        <p:tgtEl>
+                                          <p:spTgt spid="17">
+                                            <p:txEl>
+                                              <p:pRg st="0" end="0"/>
+                                            </p:txEl>
+                                          </p:spTgt>
+                                        </p:tgtEl>
+                                        <p:attrNameLst>
+                                          <p:attrName>style.visibility</p:attrName>
+                                        </p:attrNameLst>
+                                      </p:cBhvr>
+                                      <p:to>
+                                        <p:strVal val="visible"/>
+                                      </p:to>
+                                    </p:set>
+                                  </p:childTnLst>
+                                </p:cTn>
+                              </p:par>
+                            </p:childTnLst>
+                          </p:cTn>
+                        </p:par>
+                      </p:childTnLst>
+                    </p:cTn>
+                  </p:par>
+                  <p:par>
+                    <p:cTn id="7" fill="hold">
+                      <p:stCondLst>
+                        <p:cond delay="indefinite"/>
+                      </p:stCondLst>
+                      <p:childTnLst>
+                        <p:par>
+                          <p:cTn id="8" fill="hold">
+                            <p:stCondLst>
+                              <p:cond delay="0"/>
+                            </p:stCondLst>
+                            <p:childTnLst>
+                              <p:par>
+                                <p:cTn id="9" presetID="1" presetClass="entr" presetSubtype="0" fill="hold" nodeType="clickEffect">
+                                  <p:stCondLst>
+                                    <p:cond delay="0"/>
+                                  </p:stCondLst>
+                                  <p:childTnLst>
+                                    <p:set>
+                                      <p:cBhvr>
+                                        <p:cTn id="10" dur="1" fill="hold">
+                                          <p:stCondLst>
+                                            <p:cond delay="0"/>
+                                          </p:stCondLst>
+                                        </p:cTn>
+                                        <p:tgtEl>
+                                          <p:spTgt spid="17">
+                                            <p:txEl>
+                                              <p:pRg st="2" end="2"/>
+                                            </p:txEl>
+                                          </p:spTgt>
+                                        </p:tgtEl>
+                                        <p:attrNameLst>
+                                          <p:attrName>style.visibility</p:attrName>
+                                        </p:attrNameLst>
+                                      </p:cBhvr>
+                                      <p:to>
+                                        <p:strVal val="visible"/>
+                                      </p:to>
+                                    </p:set>
+                                  </p:childTnLst>
+                                </p:cTn>
+                              </p:par>
+                            </p:childTnLst>
+                          </p:cTn>
+                        </p:par>
+                      </p:childTnLst>
+                    </p:cTn>
+                  </p:par>
+                  <p:par>
+                    <p:cTn id="11" fill="hold">
+                      <p:stCondLst>
+                        <p:cond delay="indefinite"/>
+                      </p:stCondLst>
+                      <p:childTnLst>
+                        <p:par>
+                          <p:cTn id="12" fill="hold">
+                            <p:stCondLst>
+                              <p:cond delay="0"/>
+                            </p:stCondLst>
+                            <p:childTnLst>
+                              <p:par>
+                                <p:cTn id="13" presetID="1" presetClass="entr" presetSubtype="0" fill="hold" nodeType="clickEffect">
+                                  <p:stCondLst>
+                                    <p:cond delay="0"/>
+                                  </p:stCondLst>
+                                  <p:childTnLst>
+                                    <p:set>
+                                      <p:cBhvr>
+                                        <p:cTn id="14" dur="1" fill="hold">
+                                          <p:stCondLst>
+                                            <p:cond delay="0"/>
+                                          </p:stCondLst>
+                                        </p:cTn>
+                                        <p:tgtEl>
+                                          <p:spTgt spid="17">
+                                            <p:txEl>
+                                              <p:pRg st="4" end="4"/>
+                                            </p:txEl>
+                                          </p:spTgt>
+                                        </p:tgtEl>
+                                        <p:attrNameLst>
+                                          <p:attrName>style.visibility</p:attrName>
+                                        </p:attrNameLst>
+                                      </p:cBhvr>
+                                      <p:to>
+                                        <p:strVal val="visible"/>
+                                      </p:to>
+                                    </p:set>
+                                  </p:childTnLst>
+                                </p:cTn>
+                              </p:par>
+                            </p:childTnLst>
+                          </p:cTn>
+                        </p:par>
+                      </p:childTnLst>
+                    </p:cTn>
+                  </p:par>
+                  <p:par>
+                    <p:cTn id="15" fill="hold">
+                      <p:stCondLst>
+                        <p:cond delay="indefinite"/>
+                      </p:stCondLst>
+                      <p:childTnLst>
+                        <p:par>
+                          <p:cTn id="16" fill="hold">
+                            <p:stCondLst>
+                              <p:cond delay="0"/>
+                            </p:stCondLst>
+                            <p:childTnLst>
+                              <p:par>
+                                <p:cTn id="17" presetID="1" presetClass="entr" presetSubtype="0" fill="hold" nodeType="clickEffect">
+                                  <p:stCondLst>
+                                    <p:cond delay="0"/>
+                                  </p:stCondLst>
+                                  <p:childTnLst>
+                                    <p:set>
+                                      <p:cBhvr>
+                                        <p:cTn id="18" dur="1" fill="hold">
+                                          <p:stCondLst>
+                                            <p:cond delay="0"/>
+                                          </p:stCondLst>
+                                        </p:cTn>
+                                        <p:tgtEl>
+                                          <p:spTgt spid="17">
+                                            <p:txEl>
+                                              <p:pRg st="6" end="6"/>
+                                            </p:txEl>
+                                          </p:spTgt>
+                                        </p:tgtEl>
+                                        <p:attrNameLst>
+                                          <p:attrName>style.visibility</p:attrName>
+                                        </p:attrNameLst>
+                                      </p:cBhvr>
+                                      <p:to>
+                                        <p:strVal val="visible"/>
+                                      </p:to>
+                                    </p:set>
+                                  </p:childTnLst>
+                                </p:cTn>
+                              </p:par>
+                            </p:childTnLst>
+                          </p:cTn>
+                        </p:par>
+                      </p:childTnLst>
+                    </p:cTn>
+                  </p:par>
+                  <p:par>
+                    <p:cTn id="19" fill="hold">
+                      <p:stCondLst>
+                        <p:cond delay="indefinite"/>
+                      </p:stCondLst>
+                      <p:childTnLst>
+                        <p:par>
+                          <p:cTn id="20" fill="hold">
+                            <p:stCondLst>
+                              <p:cond delay="0"/>
+                            </p:stCondLst>
+                            <p:childTnLst>
+                              <p:par>
+                                <p:cTn id="21" presetID="1" presetClass="entr" presetSubtype="0" fill="hold" nodeType="clickEffect">
+                                  <p:stCondLst>
+                                    <p:cond delay="0"/>
+                                  </p:stCondLst>
+                                  <p:childTnLst>
+                                    <p:set>
+                                      <p:cBhvr>
+                                        <p:cTn id="22" dur="1" fill="hold">
+                                          <p:stCondLst>
+                                            <p:cond delay="0"/>
+                                          </p:stCondLst>
+                                        </p:cTn>
+                                        <p:tgtEl>
+                                          <p:spTgt spid="17">
+                                            <p:txEl>
+                                              <p:pRg st="8" end="8"/>
+                                            </p:txEl>
+                                          </p:spTgt>
+                                        </p:tgtEl>
+                                        <p:attrNameLst>
+                                          <p:attrName>style.visibility</p:attrName>
+                                        </p:attrNameLst>
+                                      </p:cBhvr>
+                                      <p:to>
+                                        <p:strVal val="visible"/>
+                                      </p:to>
+                                    </p:set>
+                                  </p:childTnLst>
+                                </p:cTn>
+                              </p:par>
+                            </p:childTnLst>
+                          </p:cTn>
+                        </p:par>
+                      </p:childTnLst>
+                    </p:cTn>
+                  </p:par>
+                  <p:par>
+                    <p:cTn id="23" fill="hold">
+                      <p:stCondLst>
+                        <p:cond delay="indefinite"/>
+                      </p:stCondLst>
+                      <p:childTnLst>
+                        <p:par>
+                          <p:cTn id="24" fill="hold">
+                            <p:stCondLst>
+                              <p:cond delay="0"/>
+                            </p:stCondLst>
+                            <p:childTnLst>
+                              <p:par>
+                                <p:cTn id="25" presetID="1" presetClass="entr" presetSubtype="0" fill="hold" nodeType="clickEffect">
+                                  <p:stCondLst>
+                                    <p:cond delay="0"/>
+                                  </p:stCondLst>
+                                  <p:childTnLst>
+                                    <p:set>
+                                      <p:cBhvr>
+                                        <p:cTn id="26" dur="1" fill="hold">
+                                          <p:stCondLst>
+                                            <p:cond delay="0"/>
+                                          </p:stCondLst>
+                                        </p:cTn>
+                                        <p:tgtEl>
+                                          <p:spTgt spid="17">
+                                            <p:txEl>
+                                              <p:pRg st="10" end="10"/>
+                                            </p:txEl>
+                                          </p:spTgt>
+                                        </p:tgtEl>
+                                        <p:attrNameLst>
+                                          <p:attrName>style.visibility</p:attrName>
+                                        </p:attrNameLst>
+                                      </p:cBhvr>
+                                      <p:to>
+                                        <p:strVal val="visible"/>
+                                      </p:to>
+                                    </p:set>
+                                  </p:childTnLst>
+                                </p:cTn>
+                              </p:par>
+                            </p:childTnLst>
+                          </p:cTn>
+                        </p:par>
+                      </p:childTnLst>
+                    </p:cTn>
+                  </p:par>
+                  <p:par>
+                    <p:cTn id="27" fill="hold">
+                      <p:stCondLst>
+                        <p:cond delay="indefinite"/>
+                      </p:stCondLst>
+                      <p:childTnLst>
+                        <p:par>
+                          <p:cTn id="28" fill="hold">
+                            <p:stCondLst>
+                              <p:cond delay="0"/>
+                            </p:stCondLst>
+                            <p:childTnLst>
+                              <p:par>
+                                <p:cTn id="29" presetID="1" presetClass="entr" presetSubtype="0" fill="hold" nodeType="clickEffect">
+                                  <p:stCondLst>
+                                    <p:cond delay="0"/>
+                                  </p:stCondLst>
+                                  <p:childTnLst>
+                                    <p:set>
+                                      <p:cBhvr>
+                                        <p:cTn id="30" dur="1" fill="hold">
+                                          <p:stCondLst>
+                                            <p:cond delay="0"/>
+                                          </p:stCondLst>
+                                        </p:cTn>
+                                        <p:tgtEl>
+                                          <p:spTgt spid="18">
+                                            <p:txEl>
+                                              <p:pRg st="0" end="0"/>
+                                            </p:txEl>
+                                          </p:spTgt>
+                                        </p:tgtEl>
+                                        <p:attrNameLst>
+                                          <p:attrName>style.visibility</p:attrName>
+                                        </p:attrNameLst>
+                                      </p:cBhvr>
+                                      <p:to>
+                                        <p:strVal val="visible"/>
+                                      </p:to>
+                                    </p:set>
+                                  </p:childTnLst>
+                                </p:cTn>
+                              </p:par>
+                            </p:childTnLst>
+                          </p:cTn>
+                        </p:par>
+                      </p:childTnLst>
+                    </p:cTn>
+                  </p:par>
+                  <p:par>
+                    <p:cTn id="31" fill="hold">
+                      <p:stCondLst>
+                        <p:cond delay="indefinite"/>
+                      </p:stCondLst>
+                      <p:childTnLst>
+                        <p:par>
+                          <p:cTn id="32" fill="hold">
+                            <p:stCondLst>
+                              <p:cond delay="0"/>
+                            </p:stCondLst>
+                            <p:childTnLst>
+                              <p:par>
+                                <p:cTn id="33" presetID="1" presetClass="entr" presetSubtype="0" fill="hold" nodeType="clickEffect">
+                                  <p:stCondLst>
+                                    <p:cond delay="0"/>
+                                  </p:stCondLst>
+                                  <p:childTnLst>
+                                    <p:set>
+                                      <p:cBhvr>
+                                        <p:cTn id="34" dur="1" fill="hold">
+                                          <p:stCondLst>
+                                            <p:cond delay="0"/>
+                                          </p:stCondLst>
+                                        </p:cTn>
+                                        <p:tgtEl>
+                                          <p:spTgt spid="18">
+                                            <p:txEl>
+                                              <p:pRg st="2" end="2"/>
+                                            </p:txEl>
+                                          </p:spTgt>
+                                        </p:tgtEl>
+                                        <p:attrNameLst>
+                                          <p:attrName>style.visibility</p:attrName>
+                                        </p:attrNameLst>
+                                      </p:cBhvr>
+                                      <p:to>
+                                        <p:strVal val="visible"/>
+                                      </p:to>
+                                    </p:set>
+                                  </p:childTnLst>
+                                </p:cTn>
+                              </p:par>
+                            </p:childTnLst>
+                          </p:cTn>
+                        </p:par>
+                      </p:childTnLst>
+                    </p:cTn>
+                  </p:par>
+                  <p:par>
+                    <p:cTn id="35" fill="hold">
+                      <p:stCondLst>
+                        <p:cond delay="indefinite"/>
+                      </p:stCondLst>
+                      <p:childTnLst>
+                        <p:par>
+                          <p:cTn id="36" fill="hold">
+                            <p:stCondLst>
+                              <p:cond delay="0"/>
+                            </p:stCondLst>
+                            <p:childTnLst>
+                              <p:par>
+                                <p:cTn id="37" presetID="1" presetClass="entr" presetSubtype="0" fill="hold" nodeType="clickEffect">
+                                  <p:stCondLst>
+                                    <p:cond delay="0"/>
+                                  </p:stCondLst>
+                                  <p:childTnLst>
+                                    <p:set>
+                                      <p:cBhvr>
+                                        <p:cTn id="38" dur="1" fill="hold">
+                                          <p:stCondLst>
+                                            <p:cond delay="0"/>
+                                          </p:stCondLst>
+                                        </p:cTn>
+                                        <p:tgtEl>
+                                          <p:spTgt spid="18">
+                                            <p:txEl>
+                                              <p:pRg st="4" end="4"/>
+                                            </p:txEl>
+                                          </p:spTgt>
+                                        </p:tgtEl>
+                                        <p:attrNameLst>
+                                          <p:attrName>style.visibility</p:attrName>
+                                        </p:attrNameLst>
+                                      </p:cBhvr>
+                                      <p:to>
+                                        <p:strVal val="visible"/>
+                                      </p:to>
+                                    </p:set>
+                                  </p:childTnLst>
+                                </p:cTn>
+                              </p:par>
+                            </p:childTnLst>
+                          </p:cTn>
+                        </p:par>
+                      </p:childTnLst>
+                    </p:cTn>
+                  </p:par>
+                  <p:par>
+                    <p:cTn id="39" fill="hold">
+                      <p:stCondLst>
+                        <p:cond delay="indefinite"/>
+                      </p:stCondLst>
+                      <p:childTnLst>
+                        <p:par>
+                          <p:cTn id="40" fill="hold">
+                            <p:stCondLst>
+                              <p:cond delay="0"/>
+                            </p:stCondLst>
+                            <p:childTnLst>
+                              <p:par>
+                                <p:cTn id="41" presetID="1" presetClass="entr" presetSubtype="0" fill="hold" nodeType="clickEffect">
+                                  <p:stCondLst>
+                                    <p:cond delay="0"/>
+                                  </p:stCondLst>
+                                  <p:childTnLst>
+                                    <p:set>
+                                      <p:cBhvr>
+                                        <p:cTn id="42" dur="1" fill="hold">
+                                          <p:stCondLst>
+                                            <p:cond delay="0"/>
+                                          </p:stCondLst>
+                                        </p:cTn>
+                                        <p:tgtEl>
+                                          <p:spTgt spid="18">
+                                            <p:txEl>
+                                              <p:pRg st="6" end="6"/>
+                                            </p:txEl>
+                                          </p:spTgt>
+                                        </p:tgtEl>
+                                        <p:attrNameLst>
+                                          <p:attrName>style.visibility</p:attrName>
+                                        </p:attrNameLst>
+                                      </p:cBhvr>
+                                      <p:to>
+                                        <p:strVal val="visible"/>
+                                      </p:to>
+                                    </p:set>
+                                  </p:childTnLst>
+                                </p:cTn>
+                              </p:par>
+                            </p:childTnLst>
+                          </p:cTn>
+                        </p:par>
+                      </p:childTnLst>
+                    </p:cTn>
+                  </p:par>
+                  <p:par>
+                    <p:cTn id="43" fill="hold">
+                      <p:stCondLst>
+                        <p:cond delay="indefinite"/>
+                      </p:stCondLst>
+                      <p:childTnLst>
+                        <p:par>
+                          <p:cTn id="44" fill="hold">
+                            <p:stCondLst>
+                              <p:cond delay="0"/>
+                            </p:stCondLst>
+                            <p:childTnLst>
+                              <p:par>
+                                <p:cTn id="45" presetID="1" presetClass="entr" presetSubtype="0" fill="hold" nodeType="clickEffect">
+                                  <p:stCondLst>
+                                    <p:cond delay="0"/>
+                                  </p:stCondLst>
+                                  <p:childTnLst>
+                                    <p:set>
+                                      <p:cBhvr>
+                                        <p:cTn id="46" dur="1" fill="hold">
+                                          <p:stCondLst>
+                                            <p:cond delay="0"/>
+                                          </p:stCondLst>
+                                        </p:cTn>
+                                        <p:tgtEl>
+                                          <p:spTgt spid="18">
+                                            <p:txEl>
+                                              <p:pRg st="8" end="8"/>
+                                            </p:txEl>
+                                          </p:spTgt>
+                                        </p:tgtEl>
+                                        <p:attrNameLst>
+                                          <p:attrName>style.visibility</p:attrName>
+                                        </p:attrNameLst>
+                                      </p:cBhvr>
+                                      <p:to>
+                                        <p:strVal val="visible"/>
+                                      </p:to>
+                                    </p:set>
+                                  </p:childTnLst>
+                                </p:cTn>
+                              </p:par>
+                            </p:childTnLst>
+                          </p:cTn>
+                        </p:par>
+                      </p:childTnLst>
+                    </p:cTn>
+                  </p:par>
+                  <p:par>
+                    <p:cTn id="47" fill="hold">
+                      <p:stCondLst>
+                        <p:cond delay="indefinite"/>
+                      </p:stCondLst>
+                      <p:childTnLst>
+                        <p:par>
+                          <p:cTn id="48" fill="hold">
+                            <p:stCondLst>
+                              <p:cond delay="0"/>
+                            </p:stCondLst>
+                            <p:childTnLst>
+                              <p:par>
+                                <p:cTn id="49" presetID="1" presetClass="entr" presetSubtype="0" fill="hold" nodeType="clickEffect">
+                                  <p:stCondLst>
+                                    <p:cond delay="0"/>
+                                  </p:stCondLst>
+                                  <p:childTnLst>
+                                    <p:set>
+                                      <p:cBhvr>
+                                        <p:cTn id="50" dur="1" fill="hold">
+                                          <p:stCondLst>
+                                            <p:cond delay="0"/>
+                                          </p:stCondLst>
+                                        </p:cTn>
+                                        <p:tgtEl>
+                                          <p:spTgt spid="18">
+                                            <p:txEl>
+                                              <p:pRg st="10" end="10"/>
+                                            </p:txEl>
+                                          </p:spTgt>
+                                        </p:tgtEl>
+                                        <p:attrNameLst>
+                                          <p:attrName>style.visibility</p:attrName>
+                                        </p:attrNameLst>
+                                      </p:cBhvr>
+                                      <p:to>
+                                        <p:strVal val="visible"/>
+                                      </p:to>
+                                    </p:set>
+                                  </p:childTnLst>
+                                </p:cTn>
+                              </p:par>
+                            </p:childTnLst>
+                          </p:cTn>
+                        </p:par>
+                      </p:childTnLst>
+                    </p:cTn>
+                  </p:par>
+                </p:childTnLst>
+              </p:cTn>
+              <p:prevCondLst>
+                <p:cond evt="onPrev" delay="0">
+                  <p:tgtEl>
+                    <p:sldTgt/>
+                  </p:tgtEl>
+                </p:cond>
+              </p:prevCondLst>
+              <p:nextCondLst>
+                <p:cond evt="onNext" delay="0">
+                  <p:tgtEl>
+                    <p:sldTgt/>
+                  </p:tgtEl>
+                </p:cond>
+              </p:nextCondLst>
+            </p:seq>
+          </p:childTnLst>
+        </p:cTn>
+      </p:par>
+    </p:tnLst>
+  </p:timing>
+</p:sld>
+</file>
+
+<file path=ppt/slides/slide11.xml><?xml version="1.0" encoding="utf-8"?>
+<p:sld xmlns:a="http://schemas.openxmlformats.org/drawingml/2006/main" xmlns:r="http://schemas.openxmlformats.org/officeDocument/2006/relationships" xmlns:p="http://schemas.openxmlformats.org/presentationml/2006/main">
+  <p:cSld>
+    <p:spTree>
+      <p:nvGrpSpPr>
+        <p:cNvPr id="1" name=""/>
+        <p:cNvGrpSpPr/>
+        <p:nvPr/>
+      </p:nvGrpSpPr>
+      <p:grpSpPr>
+        <a:xfrm>
+          <a:off x="0" y="0"/>
+          <a:ext cx="0" cy="0"/>
+          <a:chOff x="0" y="0"/>
+          <a:chExt cx="0" cy="0"/>
+        </a:xfrm>
+      </p:grpSpPr>
+      <p:pic>
+        <p:nvPicPr>
+          <p:cNvPr id="5" name="Bilde 4">
+            <a:extLst>
+              <a:ext uri="{FF2B5EF4-FFF2-40B4-BE49-F238E27FC236}">
+                <a16:creationId xmlns:a16="http://schemas.microsoft.com/office/drawing/2014/main" id="{E1742CDB-AC92-E6F7-9FA8-BB1B8EC98ECC}"/>
+              </a:ext>
+            </a:extLst>
+          </p:cNvPr>
+          <p:cNvPicPr>
+            <a:picLocks noChangeAspect="1"/>
+          </p:cNvPicPr>
+          <p:nvPr/>
+        </p:nvPicPr>
+        <p:blipFill>
+          <a:blip r:embed="rId2"/>
+          <a:stretch>
+            <a:fillRect/>
+          </a:stretch>
+        </p:blipFill>
+        <p:spPr>
+          <a:xfrm>
+            <a:off x="3166853" y="7635945"/>
+            <a:ext cx="5858294" cy="3561774"/>
+          </a:xfrm>
+          <a:prstGeom prst="rect">
+            <a:avLst/>
+          </a:prstGeom>
+        </p:spPr>
+      </p:pic>
+      <p:sp>
+        <p:nvSpPr>
+          <p:cNvPr id="8" name="TekstSylinder 7">
+            <a:extLst>
+              <a:ext uri="{FF2B5EF4-FFF2-40B4-BE49-F238E27FC236}">
+                <a16:creationId xmlns:a16="http://schemas.microsoft.com/office/drawing/2014/main" id="{FE77365E-0A23-CBB0-B1A0-80452C3AC1C7}"/>
+              </a:ext>
+            </a:extLst>
+          </p:cNvPr>
+          <p:cNvSpPr txBox="1"/>
+          <p:nvPr/>
+        </p:nvSpPr>
+        <p:spPr>
+          <a:xfrm>
+            <a:off x="1069804" y="-1326028"/>
+            <a:ext cx="2097049" cy="1477328"/>
+          </a:xfrm>
+          <a:prstGeom prst="rect">
+            <a:avLst/>
+          </a:prstGeom>
+          <a:noFill/>
+        </p:spPr>
+        <p:txBody>
+          <a:bodyPr wrap="none" rtlCol="0">
+            <a:spAutoFit/>
+          </a:bodyPr>
+          <a:lstStyle/>
+          <a:p>
+            <a:r>
+              <a:rPr lang="nb-NO" sz="7200" dirty="0" err="1">
+                <a:latin typeface="Yu Gothic UI Semibold" panose="020B0700000000000000" pitchFamily="34" charset="-128"/>
+                <a:ea typeface="Yu Gothic UI Semibold" panose="020B0700000000000000" pitchFamily="34" charset="-128"/>
+              </a:rPr>
+              <a:t>D</a:t>
+            </a:r>
+            <a:r>
+              <a:rPr lang="nb-NO" sz="4400" dirty="0" err="1">
+                <a:latin typeface="Yu Gothic UI Semibold" panose="020B0700000000000000" pitchFamily="34" charset="-128"/>
+                <a:ea typeface="Yu Gothic UI Semibold" panose="020B0700000000000000" pitchFamily="34" charset="-128"/>
+              </a:rPr>
+              <a:t>elete</a:t>
+            </a:r>
+            <a:endParaRPr lang="nb-NO" sz="4400" dirty="0">
+              <a:latin typeface="Yu Gothic UI Semibold" panose="020B0700000000000000" pitchFamily="34" charset="-128"/>
+              <a:ea typeface="Yu Gothic UI Semibold" panose="020B0700000000000000" pitchFamily="34" charset="-128"/>
+            </a:endParaRPr>
+          </a:p>
+          <a:p>
+            <a:endParaRPr lang="nb-NO" dirty="0"/>
+          </a:p>
+        </p:txBody>
+      </p:sp>
+      <p:sp>
+        <p:nvSpPr>
+          <p:cNvPr id="7" name="TekstSylinder 6">
+            <a:extLst>
+              <a:ext uri="{FF2B5EF4-FFF2-40B4-BE49-F238E27FC236}">
+                <a16:creationId xmlns:a16="http://schemas.microsoft.com/office/drawing/2014/main" id="{59E2C451-096F-6B46-BAE5-FF779C8E983F}"/>
+              </a:ext>
+            </a:extLst>
+          </p:cNvPr>
+          <p:cNvSpPr txBox="1"/>
+          <p:nvPr/>
+        </p:nvSpPr>
+        <p:spPr>
+          <a:xfrm>
+            <a:off x="8575504" y="2743200"/>
+            <a:ext cx="1662635" cy="769441"/>
+          </a:xfrm>
+          <a:prstGeom prst="rect">
+            <a:avLst/>
+          </a:prstGeom>
+          <a:noFill/>
+        </p:spPr>
+        <p:txBody>
+          <a:bodyPr wrap="none" rtlCol="0">
+            <a:spAutoFit/>
+          </a:bodyPr>
+          <a:lstStyle/>
+          <a:p>
+            <a:r>
+              <a:rPr lang="nb-NO" sz="4400" dirty="0">
+                <a:latin typeface="Yu Gothic UI Semibold" panose="020B0700000000000000" pitchFamily="34" charset="-128"/>
+                <a:ea typeface="Yu Gothic UI Semibold" panose="020B0700000000000000" pitchFamily="34" charset="-128"/>
+              </a:rPr>
+              <a:t>GDPR</a:t>
+            </a:r>
+          </a:p>
+        </p:txBody>
+      </p:sp>
+      <p:sp>
+        <p:nvSpPr>
+          <p:cNvPr id="9" name="TekstSylinder 8">
+            <a:extLst>
+              <a:ext uri="{FF2B5EF4-FFF2-40B4-BE49-F238E27FC236}">
+                <a16:creationId xmlns:a16="http://schemas.microsoft.com/office/drawing/2014/main" id="{C18EAA59-7692-32AB-3676-166E638AFB70}"/>
+              </a:ext>
+            </a:extLst>
+          </p:cNvPr>
+          <p:cNvSpPr txBox="1"/>
+          <p:nvPr/>
+        </p:nvSpPr>
+        <p:spPr>
+          <a:xfrm>
+            <a:off x="833228" y="636091"/>
+            <a:ext cx="6933076" cy="4524315"/>
+          </a:xfrm>
+          <a:prstGeom prst="rect">
+            <a:avLst/>
+          </a:prstGeom>
+          <a:noFill/>
+        </p:spPr>
+        <p:txBody>
+          <a:bodyPr wrap="square" rtlCol="0">
+            <a:spAutoFit/>
+          </a:bodyPr>
+          <a:lstStyle/>
+          <a:p>
+            <a:pPr marL="285750" indent="-285750">
+              <a:buFont typeface="Arial" panose="020B0604020202020204" pitchFamily="34" charset="0"/>
+              <a:buChar char="•"/>
+            </a:pPr>
+            <a:r>
+              <a:rPr lang="nb-NO" sz="2400" b="1" dirty="0">
+                <a:latin typeface="Yu Gothic" panose="020B0400000000000000" pitchFamily="34" charset="-128"/>
+                <a:ea typeface="Yu Gothic" panose="020B0400000000000000" pitchFamily="34" charset="-128"/>
+              </a:rPr>
+              <a:t>Vi lagrer informasjon og håndterer den etter lovverket gitt av GDPR</a:t>
+            </a:r>
+          </a:p>
+          <a:p>
+            <a:pPr marL="285750" indent="-285750">
+              <a:buFont typeface="Arial" panose="020B0604020202020204" pitchFamily="34" charset="0"/>
+              <a:buChar char="•"/>
+            </a:pPr>
+            <a:endParaRPr lang="nb-NO" sz="2400" b="1" dirty="0">
+              <a:latin typeface="Yu Gothic" panose="020B0400000000000000" pitchFamily="34" charset="-128"/>
+              <a:ea typeface="Yu Gothic" panose="020B0400000000000000" pitchFamily="34" charset="-128"/>
+            </a:endParaRPr>
+          </a:p>
+          <a:p>
+            <a:pPr marL="285750" indent="-285750">
+              <a:buFont typeface="Arial" panose="020B0604020202020204" pitchFamily="34" charset="0"/>
+              <a:buChar char="•"/>
+            </a:pPr>
+            <a:r>
+              <a:rPr lang="nb-NO" sz="2400" b="1" dirty="0">
+                <a:latin typeface="Yu Gothic" panose="020B0400000000000000" pitchFamily="34" charset="-128"/>
+                <a:ea typeface="Yu Gothic" panose="020B0400000000000000" pitchFamily="34" charset="-128"/>
+              </a:rPr>
+              <a:t>Brukere av tjenesten godkjenner </a:t>
+            </a:r>
+          </a:p>
+          <a:p>
+            <a:r>
+              <a:rPr lang="nb-NO" sz="2400" b="1" dirty="0">
+                <a:latin typeface="Yu Gothic" panose="020B0400000000000000" pitchFamily="34" charset="-128"/>
+                <a:ea typeface="Yu Gothic" panose="020B0400000000000000" pitchFamily="34" charset="-128"/>
+              </a:rPr>
+              <a:t>    Terms </a:t>
+            </a:r>
+            <a:r>
+              <a:rPr lang="nb-NO" sz="2400" b="1" dirty="0" err="1">
+                <a:latin typeface="Yu Gothic" panose="020B0400000000000000" pitchFamily="34" charset="-128"/>
+                <a:ea typeface="Yu Gothic" panose="020B0400000000000000" pitchFamily="34" charset="-128"/>
+              </a:rPr>
+              <a:t>of</a:t>
+            </a:r>
+            <a:r>
+              <a:rPr lang="nb-NO" sz="2400" b="1" dirty="0">
+                <a:latin typeface="Yu Gothic" panose="020B0400000000000000" pitchFamily="34" charset="-128"/>
+                <a:ea typeface="Yu Gothic" panose="020B0400000000000000" pitchFamily="34" charset="-128"/>
+              </a:rPr>
+              <a:t> Service og velger å delta frivillig</a:t>
+            </a:r>
+          </a:p>
+          <a:p>
+            <a:pPr marL="285750" indent="-285750">
+              <a:buFont typeface="Arial" panose="020B0604020202020204" pitchFamily="34" charset="0"/>
+              <a:buChar char="•"/>
+            </a:pPr>
+            <a:endParaRPr lang="nb-NO" sz="2400" b="1" dirty="0">
+              <a:latin typeface="Yu Gothic" panose="020B0400000000000000" pitchFamily="34" charset="-128"/>
+              <a:ea typeface="Yu Gothic" panose="020B0400000000000000" pitchFamily="34" charset="-128"/>
+            </a:endParaRPr>
+          </a:p>
+          <a:p>
+            <a:pPr marL="285750" indent="-285750">
+              <a:buFont typeface="Arial" panose="020B0604020202020204" pitchFamily="34" charset="0"/>
+              <a:buChar char="•"/>
+            </a:pPr>
+            <a:r>
+              <a:rPr lang="nb-NO" sz="2400" b="1" dirty="0">
+                <a:latin typeface="Yu Gothic" panose="020B0400000000000000" pitchFamily="34" charset="-128"/>
+                <a:ea typeface="Yu Gothic" panose="020B0400000000000000" pitchFamily="34" charset="-128"/>
+              </a:rPr>
+              <a:t>Kun nødvendig informasjon lagres og slettes dersom det ikke lenger en noe hensikt å beholde den</a:t>
+            </a:r>
+          </a:p>
+          <a:p>
+            <a:pPr marL="285750" indent="-285750">
+              <a:buFont typeface="Arial" panose="020B0604020202020204" pitchFamily="34" charset="0"/>
+              <a:buChar char="•"/>
+            </a:pPr>
+            <a:endParaRPr lang="nb-NO" sz="2400" b="1" dirty="0">
+              <a:latin typeface="Yu Gothic" panose="020B0400000000000000" pitchFamily="34" charset="-128"/>
+              <a:ea typeface="Yu Gothic" panose="020B0400000000000000" pitchFamily="34" charset="-128"/>
+            </a:endParaRPr>
+          </a:p>
+          <a:p>
+            <a:pPr marL="285750" indent="-285750">
+              <a:buFont typeface="Arial" panose="020B0604020202020204" pitchFamily="34" charset="0"/>
+              <a:buChar char="•"/>
+            </a:pPr>
+            <a:r>
+              <a:rPr lang="nb-NO" sz="2400" b="1" dirty="0">
+                <a:latin typeface="Yu Gothic" panose="020B0400000000000000" pitchFamily="34" charset="-128"/>
+                <a:ea typeface="Yu Gothic" panose="020B0400000000000000" pitchFamily="34" charset="-128"/>
+              </a:rPr>
+              <a:t>Bruker innlogging gjøres trygt ved bruk av </a:t>
+            </a:r>
+            <a:r>
+              <a:rPr lang="nb-NO" sz="2400" b="1" dirty="0" err="1">
+                <a:latin typeface="Yu Gothic" panose="020B0400000000000000" pitchFamily="34" charset="-128"/>
+                <a:ea typeface="Yu Gothic" panose="020B0400000000000000" pitchFamily="34" charset="-128"/>
+              </a:rPr>
+              <a:t>hashing</a:t>
+            </a:r>
+            <a:r>
+              <a:rPr lang="nb-NO" sz="2400" b="1" dirty="0">
+                <a:latin typeface="Yu Gothic" panose="020B0400000000000000" pitchFamily="34" charset="-128"/>
+                <a:ea typeface="Yu Gothic" panose="020B0400000000000000" pitchFamily="34" charset="-128"/>
+              </a:rPr>
+              <a:t> og CSRF-tokens</a:t>
+            </a:r>
+          </a:p>
+        </p:txBody>
+      </p:sp>
+      <p:pic>
+        <p:nvPicPr>
+          <p:cNvPr id="2" name="Bilde 1">
+            <a:extLst>
+              <a:ext uri="{FF2B5EF4-FFF2-40B4-BE49-F238E27FC236}">
+                <a16:creationId xmlns:a16="http://schemas.microsoft.com/office/drawing/2014/main" id="{AE1F0002-1BD4-1921-F464-ACC93CC6A74A}"/>
+              </a:ext>
+            </a:extLst>
+          </p:cNvPr>
+          <p:cNvPicPr>
+            <a:picLocks noChangeAspect="1"/>
+          </p:cNvPicPr>
+          <p:nvPr/>
+        </p:nvPicPr>
+        <p:blipFill>
+          <a:blip r:embed="rId3"/>
+          <a:stretch>
+            <a:fillRect/>
+          </a:stretch>
+        </p:blipFill>
+        <p:spPr>
+          <a:xfrm>
+            <a:off x="662516" y="7233199"/>
+            <a:ext cx="5338611" cy="2050511"/>
+          </a:xfrm>
+          <a:prstGeom prst="rect">
+            <a:avLst/>
+          </a:prstGeom>
+        </p:spPr>
+      </p:pic>
+      <p:pic>
+        <p:nvPicPr>
+          <p:cNvPr id="3" name="Bilde 2">
+            <a:extLst>
+              <a:ext uri="{FF2B5EF4-FFF2-40B4-BE49-F238E27FC236}">
+                <a16:creationId xmlns:a16="http://schemas.microsoft.com/office/drawing/2014/main" id="{EDCB2721-F85D-90DF-348A-E6652BAF266C}"/>
+              </a:ext>
+            </a:extLst>
+          </p:cNvPr>
+          <p:cNvPicPr>
+            <a:picLocks noChangeAspect="1"/>
+          </p:cNvPicPr>
+          <p:nvPr/>
+        </p:nvPicPr>
+        <p:blipFill>
+          <a:blip r:embed="rId4"/>
+          <a:stretch>
+            <a:fillRect/>
+          </a:stretch>
+        </p:blipFill>
+        <p:spPr>
+          <a:xfrm>
+            <a:off x="6129854" y="7241911"/>
+            <a:ext cx="5253326" cy="2344259"/>
+          </a:xfrm>
+          <a:prstGeom prst="rect">
+            <a:avLst/>
+          </a:prstGeom>
+        </p:spPr>
+      </p:pic>
+      <p:sp>
+        <p:nvSpPr>
+          <p:cNvPr id="6" name="Sirkel: hul 5">
+            <a:extLst>
+              <a:ext uri="{FF2B5EF4-FFF2-40B4-BE49-F238E27FC236}">
+                <a16:creationId xmlns:a16="http://schemas.microsoft.com/office/drawing/2014/main" id="{DA930D1F-0C07-0687-4BCC-22F2EFA348F6}"/>
+              </a:ext>
+            </a:extLst>
+          </p:cNvPr>
+          <p:cNvSpPr/>
+          <p:nvPr/>
+        </p:nvSpPr>
+        <p:spPr>
+          <a:xfrm>
+            <a:off x="4856040" y="8527228"/>
+            <a:ext cx="697583" cy="656223"/>
+          </a:xfrm>
+          <a:prstGeom prst="donut">
+            <a:avLst>
+              <a:gd name="adj" fmla="val 5428"/>
+            </a:avLst>
+          </a:prstGeom>
+          <a:solidFill>
+            <a:srgbClr val="FF0000"/>
+          </a:solidFill>
+          <a:ln w="3175"/>
+        </p:spPr>
+        <p:style>
+          <a:lnRef idx="2">
+            <a:schemeClr val="accent1">
+              <a:shade val="15000"/>
+            </a:schemeClr>
+          </a:lnRef>
+          <a:fillRef idx="1">
+            <a:schemeClr val="accent1"/>
+          </a:fillRef>
+          <a:effectRef idx="0">
+            <a:schemeClr val="accent1"/>
+          </a:effectRef>
+          <a:fontRef idx="minor">
+            <a:schemeClr val="lt1"/>
+          </a:fontRef>
+        </p:style>
+        <p:txBody>
+          <a:bodyPr rtlCol="0" anchor="ctr"/>
+          <a:lstStyle/>
+          <a:p>
+            <a:pPr algn="ctr"/>
+            <a:endParaRPr lang="nb-NO">
+              <a:solidFill>
+                <a:schemeClr val="tx1"/>
+              </a:solidFill>
+            </a:endParaRPr>
+          </a:p>
+        </p:txBody>
+      </p:sp>
+      <p:cxnSp>
+        <p:nvCxnSpPr>
+          <p:cNvPr id="10" name="Rett pilkobling 9">
+            <a:extLst>
+              <a:ext uri="{FF2B5EF4-FFF2-40B4-BE49-F238E27FC236}">
+                <a16:creationId xmlns:a16="http://schemas.microsoft.com/office/drawing/2014/main" id="{67D0C621-EE45-AD56-E746-AAD7E708189F}"/>
+              </a:ext>
+            </a:extLst>
+          </p:cNvPr>
+          <p:cNvCxnSpPr>
+            <a:cxnSpLocks/>
+          </p:cNvCxnSpPr>
+          <p:nvPr/>
+        </p:nvCxnSpPr>
+        <p:spPr>
+          <a:xfrm>
+            <a:off x="4727313" y="8258454"/>
+            <a:ext cx="358060" cy="268774"/>
+          </a:xfrm>
+          <a:prstGeom prst="straightConnector1">
+            <a:avLst/>
+          </a:prstGeom>
+          <a:ln w="57150">
+            <a:solidFill>
+              <a:srgbClr val="FF0000"/>
+            </a:solidFill>
+            <a:tailEnd type="triangle"/>
+          </a:ln>
+        </p:spPr>
+        <p:style>
+          <a:lnRef idx="1">
+            <a:schemeClr val="accent1"/>
+          </a:lnRef>
+          <a:fillRef idx="0">
+            <a:schemeClr val="accent1"/>
+          </a:fillRef>
+          <a:effectRef idx="0">
+            <a:schemeClr val="accent1"/>
+          </a:effectRef>
+          <a:fontRef idx="minor">
+            <a:schemeClr val="tx1"/>
+          </a:fontRef>
+        </p:style>
+      </p:cxnSp>
+      <p:sp>
+        <p:nvSpPr>
+          <p:cNvPr id="11" name="Sirkel: hul 10">
+            <a:extLst>
+              <a:ext uri="{FF2B5EF4-FFF2-40B4-BE49-F238E27FC236}">
+                <a16:creationId xmlns:a16="http://schemas.microsoft.com/office/drawing/2014/main" id="{9B5720E2-1E2A-AB71-F4C9-DAF04120DE0C}"/>
+              </a:ext>
+            </a:extLst>
+          </p:cNvPr>
+          <p:cNvSpPr/>
+          <p:nvPr/>
+        </p:nvSpPr>
+        <p:spPr>
+          <a:xfrm>
+            <a:off x="10340268" y="8527228"/>
+            <a:ext cx="697583" cy="656223"/>
+          </a:xfrm>
+          <a:prstGeom prst="donut">
+            <a:avLst>
+              <a:gd name="adj" fmla="val 5428"/>
+            </a:avLst>
+          </a:prstGeom>
+          <a:solidFill>
+            <a:srgbClr val="FF0000"/>
+          </a:solidFill>
+          <a:ln w="3175"/>
+        </p:spPr>
+        <p:style>
+          <a:lnRef idx="2">
+            <a:schemeClr val="accent1">
+              <a:shade val="15000"/>
+            </a:schemeClr>
+          </a:lnRef>
+          <a:fillRef idx="1">
+            <a:schemeClr val="accent1"/>
+          </a:fillRef>
+          <a:effectRef idx="0">
+            <a:schemeClr val="accent1"/>
+          </a:effectRef>
+          <a:fontRef idx="minor">
+            <a:schemeClr val="lt1"/>
+          </a:fontRef>
+        </p:style>
+        <p:txBody>
+          <a:bodyPr rtlCol="0" anchor="ctr"/>
+          <a:lstStyle/>
+          <a:p>
+            <a:pPr algn="ctr"/>
+            <a:endParaRPr lang="nb-NO">
+              <a:solidFill>
+                <a:schemeClr val="tx1"/>
+              </a:solidFill>
+            </a:endParaRPr>
+          </a:p>
+        </p:txBody>
+      </p:sp>
+      <p:cxnSp>
+        <p:nvCxnSpPr>
+          <p:cNvPr id="12" name="Rett pilkobling 11">
+            <a:extLst>
+              <a:ext uri="{FF2B5EF4-FFF2-40B4-BE49-F238E27FC236}">
+                <a16:creationId xmlns:a16="http://schemas.microsoft.com/office/drawing/2014/main" id="{E1957962-390C-C2A6-62E8-A026642780A0}"/>
+              </a:ext>
+            </a:extLst>
+          </p:cNvPr>
+          <p:cNvCxnSpPr>
+            <a:cxnSpLocks/>
+          </p:cNvCxnSpPr>
+          <p:nvPr/>
+        </p:nvCxnSpPr>
+        <p:spPr>
+          <a:xfrm>
+            <a:off x="10065924" y="8283855"/>
+            <a:ext cx="367536" cy="278255"/>
+          </a:xfrm>
+          <a:prstGeom prst="straightConnector1">
+            <a:avLst/>
+          </a:prstGeom>
+          <a:ln w="57150">
+            <a:solidFill>
+              <a:srgbClr val="FF0000"/>
+            </a:solidFill>
+            <a:tailEnd type="triangle"/>
+          </a:ln>
+        </p:spPr>
+        <p:style>
+          <a:lnRef idx="1">
+            <a:schemeClr val="accent1"/>
+          </a:lnRef>
+          <a:fillRef idx="0">
+            <a:schemeClr val="accent1"/>
+          </a:fillRef>
+          <a:effectRef idx="0">
+            <a:schemeClr val="accent1"/>
+          </a:effectRef>
+          <a:fontRef idx="minor">
+            <a:schemeClr val="tx1"/>
+          </a:fontRef>
+        </p:style>
+      </p:cxnSp>
+      <p:pic>
+        <p:nvPicPr>
+          <p:cNvPr id="13" name="Bilde 12" descr="Et bilde som inneholder Font, Grafikk, skjermbilde, tekst&#10;&#10;Automatisk generert beskrivelse">
+            <a:extLst>
+              <a:ext uri="{FF2B5EF4-FFF2-40B4-BE49-F238E27FC236}">
+                <a16:creationId xmlns:a16="http://schemas.microsoft.com/office/drawing/2014/main" id="{FDEA77EF-CA15-3373-5FB4-9D9CDB7C3318}"/>
+              </a:ext>
+            </a:extLst>
+          </p:cNvPr>
+          <p:cNvPicPr>
+            <a:picLocks noChangeAspect="1"/>
+          </p:cNvPicPr>
+          <p:nvPr/>
+        </p:nvPicPr>
+        <p:blipFill>
+          <a:blip r:embed="rId5">
+            <a:extLst>
+              <a:ext uri="{28A0092B-C50C-407E-A947-70E740481C1C}">
+                <a14:useLocalDpi xmlns:a14="http://schemas.microsoft.com/office/drawing/2010/main" val="0"/>
+              </a:ext>
+            </a:extLst>
+          </a:blip>
+          <a:stretch>
+            <a:fillRect/>
+          </a:stretch>
+        </p:blipFill>
+        <p:spPr>
+          <a:xfrm>
+            <a:off x="9618917" y="5095462"/>
+            <a:ext cx="2487740" cy="1801175"/>
+          </a:xfrm>
+          <a:prstGeom prst="rect">
+            <a:avLst/>
+          </a:prstGeom>
+        </p:spPr>
+      </p:pic>
+    </p:spTree>
+    <p:extLst>
+      <p:ext uri="{BB962C8B-B14F-4D97-AF65-F5344CB8AC3E}">
+        <p14:creationId xmlns:p14="http://schemas.microsoft.com/office/powerpoint/2010/main" val="2824055414"/>
+      </p:ext>
+    </p:extLst>
+  </p:cSld>
+  <p:clrMapOvr>
+    <a:masterClrMapping/>
+  </p:clrMapOvr>
+  <mc:AlternateContent xmlns:mc="http://schemas.openxmlformats.org/markup-compatibility/2006" xmlns:p159="http://schemas.microsoft.com/office/powerpoint/2015/09/main">
+    <mc:Choice Requires="p159">
+      <p:transition xmlns:p14="http://schemas.microsoft.com/office/powerpoint/2010/main" spd="slow" p14:dur="2000">
+        <p159:morph option="byObject"/>
+      </p:transition>
+    </mc:Choice>
+    <mc:Fallback xmlns="">
+      <p:transition spd="slow">
+        <p:fade/>
+      </p:transition>
+    </mc:Fallback>
+  </mc:AlternateContent>
+  <p:timing>
+    <p:tnLst>
+      <p:par>
+        <p:cTn id="1" dur="indefinite" restart="never" nodeType="tmRoot">
+          <p:childTnLst>
+            <p:seq concurrent="1" nextAc="seek">
+              <p:cTn id="2" dur="indefinite" nodeType="mainSeq">
+                <p:childTnLst>
+                  <p:par>
+                    <p:cTn id="3" fill="hold">
+                      <p:stCondLst>
+                        <p:cond delay="indefinite"/>
+                      </p:stCondLst>
+                      <p:childTnLst>
+                        <p:par>
+                          <p:cTn id="4" fill="hold">
+                            <p:stCondLst>
+                              <p:cond delay="0"/>
+                            </p:stCondLst>
+                            <p:childTnLst>
+                              <p:par>
+                                <p:cTn id="5" presetID="10" presetClass="entr" presetSubtype="0" fill="hold" nodeType="clickEffect">
+                                  <p:stCondLst>
+                                    <p:cond delay="0"/>
+                                  </p:stCondLst>
+                                  <p:childTnLst>
+                                    <p:set>
+                                      <p:cBhvr>
+                                        <p:cTn id="6" dur="1" fill="hold">
+                                          <p:stCondLst>
+                                            <p:cond delay="0"/>
+                                          </p:stCondLst>
+                                        </p:cTn>
+                                        <p:tgtEl>
+                                          <p:spTgt spid="9">
+                                            <p:txEl>
+                                              <p:pRg st="0" end="0"/>
+                                            </p:txEl>
+                                          </p:spTgt>
+                                        </p:tgtEl>
+                                        <p:attrNameLst>
+                                          <p:attrName>style.visibility</p:attrName>
+                                        </p:attrNameLst>
+                                      </p:cBhvr>
+                                      <p:to>
+                                        <p:strVal val="visible"/>
+                                      </p:to>
+                                    </p:set>
+                                    <p:animEffect transition="in" filter="fade">
+                                      <p:cBhvr>
+                                        <p:cTn id="7" dur="500"/>
+                                        <p:tgtEl>
+                                          <p:spTgt spid="9">
+                                            <p:txEl>
+                                              <p:pRg st="0" end="0"/>
+                                            </p:txEl>
+                                          </p:spTgt>
+                                        </p:tgtEl>
+                                      </p:cBhvr>
+                                    </p:animEffect>
+                                  </p:childTnLst>
+                                </p:cTn>
+                              </p:par>
+                            </p:childTnLst>
+                          </p:cTn>
+                        </p:par>
+                      </p:childTnLst>
+                    </p:cTn>
+                  </p:par>
+                  <p:par>
+                    <p:cTn id="8" fill="hold">
+                      <p:stCondLst>
+                        <p:cond delay="indefinite"/>
+                      </p:stCondLst>
+                      <p:childTnLst>
+                        <p:par>
+                          <p:cTn id="9" fill="hold">
+                            <p:stCondLst>
+                              <p:cond delay="0"/>
+                            </p:stCondLst>
+                            <p:childTnLst>
+                              <p:par>
+                                <p:cTn id="10" presetID="10" presetClass="entr" presetSubtype="0" fill="hold" nodeType="clickEffect">
+                                  <p:stCondLst>
+                                    <p:cond delay="0"/>
+                                  </p:stCondLst>
+                                  <p:childTnLst>
+                                    <p:set>
+                                      <p:cBhvr>
+                                        <p:cTn id="11" dur="1" fill="hold">
+                                          <p:stCondLst>
+                                            <p:cond delay="0"/>
+                                          </p:stCondLst>
+                                        </p:cTn>
+                                        <p:tgtEl>
+                                          <p:spTgt spid="9">
+                                            <p:txEl>
+                                              <p:pRg st="2" end="2"/>
+                                            </p:txEl>
+                                          </p:spTgt>
+                                        </p:tgtEl>
+                                        <p:attrNameLst>
+                                          <p:attrName>style.visibility</p:attrName>
+                                        </p:attrNameLst>
+                                      </p:cBhvr>
+                                      <p:to>
+                                        <p:strVal val="visible"/>
+                                      </p:to>
+                                    </p:set>
+                                    <p:animEffect transition="in" filter="fade">
+                                      <p:cBhvr>
+                                        <p:cTn id="12" dur="500"/>
+                                        <p:tgtEl>
+                                          <p:spTgt spid="9">
+                                            <p:txEl>
+                                              <p:pRg st="2" end="2"/>
+                                            </p:txEl>
+                                          </p:spTgt>
+                                        </p:tgtEl>
+                                      </p:cBhvr>
+                                    </p:animEffect>
+                                  </p:childTnLst>
+                                </p:cTn>
+                              </p:par>
+                            </p:childTnLst>
+                          </p:cTn>
+                        </p:par>
+                      </p:childTnLst>
+                    </p:cTn>
+                  </p:par>
+                  <p:par>
+                    <p:cTn id="13" fill="hold">
+                      <p:stCondLst>
+                        <p:cond delay="indefinite"/>
+                      </p:stCondLst>
+                      <p:childTnLst>
+                        <p:par>
+                          <p:cTn id="14" fill="hold">
+                            <p:stCondLst>
+                              <p:cond delay="0"/>
+                            </p:stCondLst>
+                            <p:childTnLst>
+                              <p:par>
+                                <p:cTn id="15" presetID="10" presetClass="entr" presetSubtype="0" fill="hold" nodeType="clickEffect">
+                                  <p:stCondLst>
+                                    <p:cond delay="0"/>
+                                  </p:stCondLst>
+                                  <p:childTnLst>
+                                    <p:set>
+                                      <p:cBhvr>
+                                        <p:cTn id="16" dur="1" fill="hold">
+                                          <p:stCondLst>
+                                            <p:cond delay="0"/>
+                                          </p:stCondLst>
+                                        </p:cTn>
+                                        <p:tgtEl>
+                                          <p:spTgt spid="9">
+                                            <p:txEl>
+                                              <p:pRg st="3" end="3"/>
+                                            </p:txEl>
+                                          </p:spTgt>
+                                        </p:tgtEl>
+                                        <p:attrNameLst>
+                                          <p:attrName>style.visibility</p:attrName>
+                                        </p:attrNameLst>
+                                      </p:cBhvr>
+                                      <p:to>
+                                        <p:strVal val="visible"/>
+                                      </p:to>
+                                    </p:set>
+                                    <p:animEffect transition="in" filter="fade">
+                                      <p:cBhvr>
+                                        <p:cTn id="17" dur="500"/>
+                                        <p:tgtEl>
+                                          <p:spTgt spid="9">
+                                            <p:txEl>
+                                              <p:pRg st="3" end="3"/>
+                                            </p:txEl>
+                                          </p:spTgt>
+                                        </p:tgtEl>
+                                      </p:cBhvr>
+                                    </p:animEffect>
+                                  </p:childTnLst>
+                                </p:cTn>
+                              </p:par>
+                            </p:childTnLst>
+                          </p:cTn>
+                        </p:par>
+                      </p:childTnLst>
+                    </p:cTn>
+                  </p:par>
+                  <p:par>
+                    <p:cTn id="18" fill="hold">
+                      <p:stCondLst>
+                        <p:cond delay="indefinite"/>
+                      </p:stCondLst>
+                      <p:childTnLst>
+                        <p:par>
+                          <p:cTn id="19" fill="hold">
+                            <p:stCondLst>
+                              <p:cond delay="0"/>
+                            </p:stCondLst>
+                            <p:childTnLst>
+                              <p:par>
+                                <p:cTn id="20" presetID="10" presetClass="entr" presetSubtype="0" fill="hold" nodeType="clickEffect">
+                                  <p:stCondLst>
+                                    <p:cond delay="0"/>
+                                  </p:stCondLst>
+                                  <p:childTnLst>
+                                    <p:set>
+                                      <p:cBhvr>
+                                        <p:cTn id="21" dur="1" fill="hold">
+                                          <p:stCondLst>
+                                            <p:cond delay="0"/>
+                                          </p:stCondLst>
+                                        </p:cTn>
+                                        <p:tgtEl>
+                                          <p:spTgt spid="9">
+                                            <p:txEl>
+                                              <p:pRg st="5" end="5"/>
+                                            </p:txEl>
+                                          </p:spTgt>
+                                        </p:tgtEl>
+                                        <p:attrNameLst>
+                                          <p:attrName>style.visibility</p:attrName>
+                                        </p:attrNameLst>
+                                      </p:cBhvr>
+                                      <p:to>
+                                        <p:strVal val="visible"/>
+                                      </p:to>
+                                    </p:set>
+                                    <p:animEffect transition="in" filter="fade">
+                                      <p:cBhvr>
+                                        <p:cTn id="22" dur="500"/>
+                                        <p:tgtEl>
+                                          <p:spTgt spid="9">
+                                            <p:txEl>
+                                              <p:pRg st="5" end="5"/>
+                                            </p:txEl>
+                                          </p:spTgt>
+                                        </p:tgtEl>
+                                      </p:cBhvr>
+                                    </p:animEffect>
+                                  </p:childTnLst>
+                                </p:cTn>
+                              </p:par>
+                            </p:childTnLst>
+                          </p:cTn>
+                        </p:par>
+                      </p:childTnLst>
+                    </p:cTn>
+                  </p:par>
+                  <p:par>
+                    <p:cTn id="23" fill="hold">
+                      <p:stCondLst>
+                        <p:cond delay="indefinite"/>
+                      </p:stCondLst>
+                      <p:childTnLst>
+                        <p:par>
+                          <p:cTn id="24" fill="hold">
+                            <p:stCondLst>
+                              <p:cond delay="0"/>
+                            </p:stCondLst>
+                            <p:childTnLst>
+                              <p:par>
+                                <p:cTn id="25" presetID="10" presetClass="entr" presetSubtype="0" fill="hold" nodeType="clickEffect">
+                                  <p:stCondLst>
+                                    <p:cond delay="0"/>
+                                  </p:stCondLst>
+                                  <p:childTnLst>
+                                    <p:set>
+                                      <p:cBhvr>
+                                        <p:cTn id="26" dur="1" fill="hold">
+                                          <p:stCondLst>
+                                            <p:cond delay="0"/>
+                                          </p:stCondLst>
+                                        </p:cTn>
+                                        <p:tgtEl>
+                                          <p:spTgt spid="9">
+                                            <p:txEl>
+                                              <p:pRg st="7" end="7"/>
+                                            </p:txEl>
+                                          </p:spTgt>
+                                        </p:tgtEl>
+                                        <p:attrNameLst>
+                                          <p:attrName>style.visibility</p:attrName>
+                                        </p:attrNameLst>
+                                      </p:cBhvr>
+                                      <p:to>
+                                        <p:strVal val="visible"/>
+                                      </p:to>
+                                    </p:set>
+                                    <p:animEffect transition="in" filter="fade">
+                                      <p:cBhvr>
+                                        <p:cTn id="27" dur="500"/>
+                                        <p:tgtEl>
+                                          <p:spTgt spid="9">
+                                            <p:txEl>
+                                              <p:pRg st="7" end="7"/>
+                                            </p:txEl>
+                                          </p:spTgt>
+                                        </p:tgtEl>
+                                      </p:cBhvr>
+                                    </p:animEffect>
+                                  </p:childTnLst>
+                                </p:cTn>
+                              </p:par>
+                            </p:childTnLst>
+                          </p:cTn>
+                        </p:par>
+                      </p:childTnLst>
+                    </p:cTn>
+                  </p:par>
+                </p:childTnLst>
+              </p:cTn>
+              <p:prevCondLst>
+                <p:cond evt="onPrev" delay="0">
+                  <p:tgtEl>
+                    <p:sldTgt/>
+                  </p:tgtEl>
+                </p:cond>
+              </p:prevCondLst>
+              <p:nextCondLst>
+                <p:cond evt="onNext" delay="0">
+                  <p:tgtEl>
+                    <p:sldTgt/>
+                  </p:tgtEl>
+                </p:cond>
+              </p:nextCondLst>
+            </p:seq>
+          </p:childTnLst>
+        </p:cTn>
+      </p:par>
+    </p:tnLst>
+  </p:timing>
+</p:sld>
+</file>
+
+<file path=ppt/slides/slide12.xml><?xml version="1.0" encoding="utf-8"?>
+<p:sld xmlns:a="http://schemas.openxmlformats.org/drawingml/2006/main" xmlns:r="http://schemas.openxmlformats.org/officeDocument/2006/relationships" xmlns:p="http://schemas.openxmlformats.org/presentationml/2006/main">
+  <p:cSld>
+    <p:spTree>
+      <p:nvGrpSpPr>
+        <p:cNvPr id="1" name=""/>
+        <p:cNvGrpSpPr/>
+        <p:nvPr/>
+      </p:nvGrpSpPr>
+      <p:grpSpPr>
+        <a:xfrm>
+          <a:off x="0" y="0"/>
+          <a:ext cx="0" cy="0"/>
+          <a:chOff x="0" y="0"/>
+          <a:chExt cx="0" cy="0"/>
+        </a:xfrm>
+      </p:grpSpPr>
+      <p:sp>
+        <p:nvSpPr>
+          <p:cNvPr id="8" name="TekstSylinder 7">
+            <a:extLst>
+              <a:ext uri="{FF2B5EF4-FFF2-40B4-BE49-F238E27FC236}">
+                <a16:creationId xmlns:a16="http://schemas.microsoft.com/office/drawing/2014/main" id="{FE77365E-0A23-CBB0-B1A0-80452C3AC1C7}"/>
+              </a:ext>
+            </a:extLst>
+          </p:cNvPr>
+          <p:cNvSpPr txBox="1"/>
+          <p:nvPr/>
+        </p:nvSpPr>
+        <p:spPr>
+          <a:xfrm>
+            <a:off x="1069804" y="-1326028"/>
+            <a:ext cx="2097049" cy="1477328"/>
+          </a:xfrm>
+          <a:prstGeom prst="rect">
+            <a:avLst/>
+          </a:prstGeom>
+          <a:noFill/>
+        </p:spPr>
+        <p:txBody>
+          <a:bodyPr wrap="none" rtlCol="0">
+            <a:spAutoFit/>
+          </a:bodyPr>
+          <a:lstStyle/>
+          <a:p>
+            <a:r>
+              <a:rPr lang="nb-NO" sz="7200" dirty="0" err="1">
+                <a:latin typeface="Yu Gothic UI Semibold" panose="020B0700000000000000" pitchFamily="34" charset="-128"/>
+                <a:ea typeface="Yu Gothic UI Semibold" panose="020B0700000000000000" pitchFamily="34" charset="-128"/>
+              </a:rPr>
+              <a:t>D</a:t>
+            </a:r>
+            <a:r>
+              <a:rPr lang="nb-NO" sz="4400" dirty="0" err="1">
+                <a:latin typeface="Yu Gothic UI Semibold" panose="020B0700000000000000" pitchFamily="34" charset="-128"/>
+                <a:ea typeface="Yu Gothic UI Semibold" panose="020B0700000000000000" pitchFamily="34" charset="-128"/>
+              </a:rPr>
+              <a:t>elete</a:t>
+            </a:r>
+            <a:endParaRPr lang="nb-NO" sz="4400" dirty="0">
+              <a:latin typeface="Yu Gothic UI Semibold" panose="020B0700000000000000" pitchFamily="34" charset="-128"/>
+              <a:ea typeface="Yu Gothic UI Semibold" panose="020B0700000000000000" pitchFamily="34" charset="-128"/>
+            </a:endParaRPr>
+          </a:p>
+          <a:p>
+            <a:endParaRPr lang="nb-NO" dirty="0"/>
+          </a:p>
+        </p:txBody>
+      </p:sp>
+      <p:sp>
+        <p:nvSpPr>
+          <p:cNvPr id="7" name="TekstSylinder 6">
+            <a:extLst>
+              <a:ext uri="{FF2B5EF4-FFF2-40B4-BE49-F238E27FC236}">
+                <a16:creationId xmlns:a16="http://schemas.microsoft.com/office/drawing/2014/main" id="{59E2C451-096F-6B46-BAE5-FF779C8E983F}"/>
+              </a:ext>
+            </a:extLst>
+          </p:cNvPr>
+          <p:cNvSpPr txBox="1"/>
+          <p:nvPr/>
+        </p:nvSpPr>
+        <p:spPr>
+          <a:xfrm>
+            <a:off x="12591450" y="2659559"/>
+            <a:ext cx="1662635" cy="769441"/>
+          </a:xfrm>
+          <a:prstGeom prst="rect">
+            <a:avLst/>
+          </a:prstGeom>
+          <a:noFill/>
+        </p:spPr>
+        <p:txBody>
+          <a:bodyPr wrap="none" rtlCol="0">
+            <a:spAutoFit/>
+          </a:bodyPr>
+          <a:lstStyle/>
+          <a:p>
+            <a:r>
+              <a:rPr lang="nb-NO" sz="4400" dirty="0">
+                <a:latin typeface="Yu Gothic UI Semibold" panose="020B0700000000000000" pitchFamily="34" charset="-128"/>
+                <a:ea typeface="Yu Gothic UI Semibold" panose="020B0700000000000000" pitchFamily="34" charset="-128"/>
+              </a:rPr>
+              <a:t>GDPR</a:t>
+            </a:r>
+          </a:p>
+        </p:txBody>
+      </p:sp>
+      <p:sp>
+        <p:nvSpPr>
+          <p:cNvPr id="9" name="TekstSylinder 8">
+            <a:extLst>
+              <a:ext uri="{FF2B5EF4-FFF2-40B4-BE49-F238E27FC236}">
+                <a16:creationId xmlns:a16="http://schemas.microsoft.com/office/drawing/2014/main" id="{C18EAA59-7692-32AB-3676-166E638AFB70}"/>
+              </a:ext>
+            </a:extLst>
+          </p:cNvPr>
+          <p:cNvSpPr txBox="1"/>
+          <p:nvPr/>
+        </p:nvSpPr>
+        <p:spPr>
+          <a:xfrm>
+            <a:off x="810902" y="7324012"/>
+            <a:ext cx="6933076" cy="4524315"/>
+          </a:xfrm>
+          <a:prstGeom prst="rect">
+            <a:avLst/>
+          </a:prstGeom>
+          <a:noFill/>
+        </p:spPr>
+        <p:txBody>
+          <a:bodyPr wrap="square" rtlCol="0">
+            <a:spAutoFit/>
+          </a:bodyPr>
+          <a:lstStyle/>
+          <a:p>
+            <a:pPr marL="285750" indent="-285750">
+              <a:buFont typeface="Arial" panose="020B0604020202020204" pitchFamily="34" charset="0"/>
+              <a:buChar char="•"/>
+            </a:pPr>
+            <a:r>
+              <a:rPr lang="nb-NO" sz="2400" b="1" dirty="0">
+                <a:latin typeface="Yu Gothic" panose="020B0400000000000000" pitchFamily="34" charset="-128"/>
+                <a:ea typeface="Yu Gothic" panose="020B0400000000000000" pitchFamily="34" charset="-128"/>
+              </a:rPr>
+              <a:t>Vi lagrer informasjon og håndterer den etter lovverket gitt av GDPR</a:t>
+            </a:r>
+          </a:p>
+          <a:p>
+            <a:pPr marL="285750" indent="-285750">
+              <a:buFont typeface="Arial" panose="020B0604020202020204" pitchFamily="34" charset="0"/>
+              <a:buChar char="•"/>
+            </a:pPr>
+            <a:endParaRPr lang="nb-NO" sz="2400" b="1" dirty="0">
+              <a:latin typeface="Yu Gothic" panose="020B0400000000000000" pitchFamily="34" charset="-128"/>
+              <a:ea typeface="Yu Gothic" panose="020B0400000000000000" pitchFamily="34" charset="-128"/>
+            </a:endParaRPr>
+          </a:p>
+          <a:p>
+            <a:pPr marL="285750" indent="-285750">
+              <a:buFont typeface="Arial" panose="020B0604020202020204" pitchFamily="34" charset="0"/>
+              <a:buChar char="•"/>
+            </a:pPr>
+            <a:r>
+              <a:rPr lang="nb-NO" sz="2400" b="1" dirty="0">
+                <a:latin typeface="Yu Gothic" panose="020B0400000000000000" pitchFamily="34" charset="-128"/>
+                <a:ea typeface="Yu Gothic" panose="020B0400000000000000" pitchFamily="34" charset="-128"/>
+              </a:rPr>
+              <a:t>Brukere av tjenesten godkjenne</a:t>
+            </a:r>
+          </a:p>
+          <a:p>
+            <a:r>
+              <a:rPr lang="nb-NO" sz="2400" b="1" dirty="0">
+                <a:latin typeface="Yu Gothic" panose="020B0400000000000000" pitchFamily="34" charset="-128"/>
+                <a:ea typeface="Yu Gothic" panose="020B0400000000000000" pitchFamily="34" charset="-128"/>
+              </a:rPr>
+              <a:t>    Terms </a:t>
+            </a:r>
+            <a:r>
+              <a:rPr lang="nb-NO" sz="2400" b="1" dirty="0" err="1">
+                <a:latin typeface="Yu Gothic" panose="020B0400000000000000" pitchFamily="34" charset="-128"/>
+                <a:ea typeface="Yu Gothic" panose="020B0400000000000000" pitchFamily="34" charset="-128"/>
+              </a:rPr>
+              <a:t>of</a:t>
+            </a:r>
+            <a:r>
+              <a:rPr lang="nb-NO" sz="2400" b="1" dirty="0">
+                <a:latin typeface="Yu Gothic" panose="020B0400000000000000" pitchFamily="34" charset="-128"/>
+                <a:ea typeface="Yu Gothic" panose="020B0400000000000000" pitchFamily="34" charset="-128"/>
+              </a:rPr>
+              <a:t> Service og velger å delta frivillig</a:t>
+            </a:r>
+          </a:p>
+          <a:p>
+            <a:pPr marL="285750" indent="-285750">
+              <a:buFont typeface="Arial" panose="020B0604020202020204" pitchFamily="34" charset="0"/>
+              <a:buChar char="•"/>
+            </a:pPr>
+            <a:endParaRPr lang="nb-NO" sz="2400" b="1" dirty="0">
+              <a:latin typeface="Yu Gothic" panose="020B0400000000000000" pitchFamily="34" charset="-128"/>
+              <a:ea typeface="Yu Gothic" panose="020B0400000000000000" pitchFamily="34" charset="-128"/>
+            </a:endParaRPr>
+          </a:p>
+          <a:p>
+            <a:pPr marL="285750" indent="-285750">
+              <a:buFont typeface="Arial" panose="020B0604020202020204" pitchFamily="34" charset="0"/>
+              <a:buChar char="•"/>
+            </a:pPr>
+            <a:r>
+              <a:rPr lang="nb-NO" sz="2400" b="1" dirty="0">
+                <a:latin typeface="Yu Gothic" panose="020B0400000000000000" pitchFamily="34" charset="-128"/>
+                <a:ea typeface="Yu Gothic" panose="020B0400000000000000" pitchFamily="34" charset="-128"/>
+              </a:rPr>
+              <a:t>Kun nødvendig informasjon lagres og slettes dersom det ikke lenger en noe hensikt å beholde den</a:t>
+            </a:r>
+          </a:p>
+          <a:p>
+            <a:pPr marL="285750" indent="-285750">
+              <a:buFont typeface="Arial" panose="020B0604020202020204" pitchFamily="34" charset="0"/>
+              <a:buChar char="•"/>
+            </a:pPr>
+            <a:endParaRPr lang="nb-NO" sz="2400" b="1" dirty="0">
+              <a:latin typeface="Yu Gothic" panose="020B0400000000000000" pitchFamily="34" charset="-128"/>
+              <a:ea typeface="Yu Gothic" panose="020B0400000000000000" pitchFamily="34" charset="-128"/>
+            </a:endParaRPr>
+          </a:p>
+          <a:p>
+            <a:pPr marL="285750" indent="-285750">
+              <a:buFont typeface="Arial" panose="020B0604020202020204" pitchFamily="34" charset="0"/>
+              <a:buChar char="•"/>
+            </a:pPr>
+            <a:r>
+              <a:rPr lang="nb-NO" sz="2400" b="1" dirty="0">
+                <a:latin typeface="Yu Gothic" panose="020B0400000000000000" pitchFamily="34" charset="-128"/>
+                <a:ea typeface="Yu Gothic" panose="020B0400000000000000" pitchFamily="34" charset="-128"/>
+              </a:rPr>
+              <a:t>Bruker innlogging gjøres trygt ved bruk av </a:t>
+            </a:r>
+            <a:r>
+              <a:rPr lang="nb-NO" sz="2400" b="1" dirty="0" err="1">
+                <a:latin typeface="Yu Gothic" panose="020B0400000000000000" pitchFamily="34" charset="-128"/>
+                <a:ea typeface="Yu Gothic" panose="020B0400000000000000" pitchFamily="34" charset="-128"/>
+              </a:rPr>
+              <a:t>hashing</a:t>
+            </a:r>
+            <a:r>
+              <a:rPr lang="nb-NO" sz="2400" b="1" dirty="0">
+                <a:latin typeface="Yu Gothic" panose="020B0400000000000000" pitchFamily="34" charset="-128"/>
+                <a:ea typeface="Yu Gothic" panose="020B0400000000000000" pitchFamily="34" charset="-128"/>
+              </a:rPr>
+              <a:t> og CSRF-tokens</a:t>
+            </a:r>
+          </a:p>
+        </p:txBody>
+      </p:sp>
+      <p:cxnSp>
+        <p:nvCxnSpPr>
+          <p:cNvPr id="10" name="Rett pilkobling 9">
+            <a:extLst>
+              <a:ext uri="{FF2B5EF4-FFF2-40B4-BE49-F238E27FC236}">
+                <a16:creationId xmlns:a16="http://schemas.microsoft.com/office/drawing/2014/main" id="{67D0C621-EE45-AD56-E746-AAD7E708189F}"/>
+              </a:ext>
+            </a:extLst>
+          </p:cNvPr>
+          <p:cNvCxnSpPr>
+            <a:cxnSpLocks/>
+          </p:cNvCxnSpPr>
+          <p:nvPr/>
+        </p:nvCxnSpPr>
+        <p:spPr>
+          <a:xfrm>
+            <a:off x="4727313" y="8258454"/>
+            <a:ext cx="358060" cy="268774"/>
+          </a:xfrm>
+          <a:prstGeom prst="straightConnector1">
+            <a:avLst/>
+          </a:prstGeom>
+          <a:ln w="57150">
+            <a:solidFill>
+              <a:srgbClr val="FF0000"/>
+            </a:solidFill>
+            <a:tailEnd type="triangle"/>
+          </a:ln>
+        </p:spPr>
+        <p:style>
+          <a:lnRef idx="1">
+            <a:schemeClr val="accent1"/>
+          </a:lnRef>
+          <a:fillRef idx="0">
+            <a:schemeClr val="accent1"/>
+          </a:fillRef>
+          <a:effectRef idx="0">
+            <a:schemeClr val="accent1"/>
+          </a:effectRef>
+          <a:fontRef idx="minor">
+            <a:schemeClr val="tx1"/>
+          </a:fontRef>
+        </p:style>
+      </p:cxnSp>
+      <p:sp>
+        <p:nvSpPr>
+          <p:cNvPr id="11" name="Sirkel: hul 10">
+            <a:extLst>
+              <a:ext uri="{FF2B5EF4-FFF2-40B4-BE49-F238E27FC236}">
+                <a16:creationId xmlns:a16="http://schemas.microsoft.com/office/drawing/2014/main" id="{9B5720E2-1E2A-AB71-F4C9-DAF04120DE0C}"/>
+              </a:ext>
+            </a:extLst>
+          </p:cNvPr>
+          <p:cNvSpPr/>
+          <p:nvPr/>
+        </p:nvSpPr>
+        <p:spPr>
+          <a:xfrm>
+            <a:off x="10340268" y="8527228"/>
+            <a:ext cx="697583" cy="656223"/>
+          </a:xfrm>
+          <a:prstGeom prst="donut">
+            <a:avLst>
+              <a:gd name="adj" fmla="val 5428"/>
+            </a:avLst>
+          </a:prstGeom>
+          <a:solidFill>
+            <a:srgbClr val="FF0000"/>
+          </a:solidFill>
+          <a:ln w="3175"/>
+        </p:spPr>
+        <p:style>
+          <a:lnRef idx="2">
+            <a:schemeClr val="accent1">
+              <a:shade val="15000"/>
+            </a:schemeClr>
+          </a:lnRef>
+          <a:fillRef idx="1">
+            <a:schemeClr val="accent1"/>
+          </a:fillRef>
+          <a:effectRef idx="0">
+            <a:schemeClr val="accent1"/>
+          </a:effectRef>
+          <a:fontRef idx="minor">
+            <a:schemeClr val="lt1"/>
+          </a:fontRef>
+        </p:style>
+        <p:txBody>
+          <a:bodyPr rtlCol="0" anchor="ctr"/>
+          <a:lstStyle/>
+          <a:p>
+            <a:pPr algn="ctr"/>
+            <a:endParaRPr lang="nb-NO">
+              <a:solidFill>
+                <a:schemeClr val="tx1"/>
+              </a:solidFill>
+            </a:endParaRPr>
+          </a:p>
+        </p:txBody>
+      </p:sp>
+      <p:cxnSp>
+        <p:nvCxnSpPr>
+          <p:cNvPr id="12" name="Rett pilkobling 11">
+            <a:extLst>
+              <a:ext uri="{FF2B5EF4-FFF2-40B4-BE49-F238E27FC236}">
+                <a16:creationId xmlns:a16="http://schemas.microsoft.com/office/drawing/2014/main" id="{E1957962-390C-C2A6-62E8-A026642780A0}"/>
+              </a:ext>
+            </a:extLst>
+          </p:cNvPr>
+          <p:cNvCxnSpPr>
+            <a:cxnSpLocks/>
+          </p:cNvCxnSpPr>
+          <p:nvPr/>
+        </p:nvCxnSpPr>
+        <p:spPr>
+          <a:xfrm>
+            <a:off x="10065924" y="8283855"/>
+            <a:ext cx="367536" cy="278255"/>
+          </a:xfrm>
+          <a:prstGeom prst="straightConnector1">
+            <a:avLst/>
+          </a:prstGeom>
+          <a:ln w="57150">
+            <a:solidFill>
+              <a:srgbClr val="FF0000"/>
+            </a:solidFill>
+            <a:tailEnd type="triangle"/>
+          </a:ln>
+        </p:spPr>
+        <p:style>
+          <a:lnRef idx="1">
+            <a:schemeClr val="accent1"/>
+          </a:lnRef>
+          <a:fillRef idx="0">
+            <a:schemeClr val="accent1"/>
+          </a:fillRef>
+          <a:effectRef idx="0">
+            <a:schemeClr val="accent1"/>
+          </a:effectRef>
+          <a:fontRef idx="minor">
+            <a:schemeClr val="tx1"/>
+          </a:fontRef>
+        </p:style>
+      </p:cxnSp>
+      <p:pic>
+        <p:nvPicPr>
+          <p:cNvPr id="13" name="Bilde 12" descr="Et bilde som inneholder Font, Grafikk, skjermbilde, tekst&#10;&#10;Automatisk generert beskrivelse">
+            <a:extLst>
+              <a:ext uri="{FF2B5EF4-FFF2-40B4-BE49-F238E27FC236}">
+                <a16:creationId xmlns:a16="http://schemas.microsoft.com/office/drawing/2014/main" id="{FDEA77EF-CA15-3373-5FB4-9D9CDB7C3318}"/>
+              </a:ext>
+            </a:extLst>
+          </p:cNvPr>
+          <p:cNvPicPr>
+            <a:picLocks noChangeAspect="1"/>
+          </p:cNvPicPr>
+          <p:nvPr/>
+        </p:nvPicPr>
+        <p:blipFill>
+          <a:blip r:embed="rId2">
+            <a:extLst>
+              <a:ext uri="{28A0092B-C50C-407E-A947-70E740481C1C}">
+                <a14:useLocalDpi xmlns:a14="http://schemas.microsoft.com/office/drawing/2010/main" val="0"/>
+              </a:ext>
+            </a:extLst>
+          </a:blip>
+          <a:stretch>
+            <a:fillRect/>
+          </a:stretch>
+        </p:blipFill>
+        <p:spPr>
+          <a:xfrm>
+            <a:off x="9618917" y="5095462"/>
+            <a:ext cx="2487740" cy="1801175"/>
+          </a:xfrm>
+          <a:prstGeom prst="rect">
+            <a:avLst/>
+          </a:prstGeom>
+        </p:spPr>
+      </p:pic>
+      <p:sp>
+        <p:nvSpPr>
+          <p:cNvPr id="4" name="TekstSylinder 3">
+            <a:extLst>
+              <a:ext uri="{FF2B5EF4-FFF2-40B4-BE49-F238E27FC236}">
+                <a16:creationId xmlns:a16="http://schemas.microsoft.com/office/drawing/2014/main" id="{AEE989B5-6684-6610-D0F5-311FE40EEC1D}"/>
+              </a:ext>
+            </a:extLst>
+          </p:cNvPr>
+          <p:cNvSpPr txBox="1"/>
+          <p:nvPr/>
+        </p:nvSpPr>
+        <p:spPr>
+          <a:xfrm>
+            <a:off x="3467420" y="247134"/>
+            <a:ext cx="5067413" cy="769441"/>
+          </a:xfrm>
+          <a:prstGeom prst="rect">
+            <a:avLst/>
+          </a:prstGeom>
+          <a:noFill/>
+        </p:spPr>
+        <p:txBody>
+          <a:bodyPr wrap="none" rtlCol="0">
+            <a:spAutoFit/>
+          </a:bodyPr>
+          <a:lstStyle/>
+          <a:p>
+            <a:r>
+              <a:rPr lang="nb-NO" sz="4400" b="1" dirty="0">
+                <a:latin typeface="Yu Gothic" panose="020B0400000000000000" pitchFamily="34" charset="-128"/>
+                <a:ea typeface="Yu Gothic" panose="020B0400000000000000" pitchFamily="34" charset="-128"/>
+              </a:rPr>
+              <a:t>Kravspesifikasjon</a:t>
+            </a:r>
+          </a:p>
+        </p:txBody>
+      </p:sp>
+      <p:sp>
+        <p:nvSpPr>
+          <p:cNvPr id="14" name="TekstSylinder 13">
+            <a:extLst>
+              <a:ext uri="{FF2B5EF4-FFF2-40B4-BE49-F238E27FC236}">
+                <a16:creationId xmlns:a16="http://schemas.microsoft.com/office/drawing/2014/main" id="{2E190240-2731-1138-F949-F6728F758846}"/>
+              </a:ext>
+            </a:extLst>
+          </p:cNvPr>
+          <p:cNvSpPr txBox="1"/>
+          <p:nvPr/>
+        </p:nvSpPr>
+        <p:spPr>
+          <a:xfrm>
+            <a:off x="1853514" y="1631092"/>
+            <a:ext cx="6512010" cy="3139321"/>
+          </a:xfrm>
+          <a:prstGeom prst="rect">
+            <a:avLst/>
+          </a:prstGeom>
+          <a:noFill/>
+        </p:spPr>
+        <p:txBody>
+          <a:bodyPr wrap="square" rtlCol="0">
+            <a:spAutoFit/>
+          </a:bodyPr>
+          <a:lstStyle/>
+          <a:p>
+            <a:pPr marL="285750" indent="-285750">
+              <a:buFont typeface="Arial" panose="020B0604020202020204" pitchFamily="34" charset="0"/>
+              <a:buChar char="•"/>
+            </a:pPr>
+            <a:r>
+              <a:rPr lang="nb-NO" b="1" dirty="0">
+                <a:latin typeface="Yu Gothic" panose="020B0400000000000000" pitchFamily="34" charset="-128"/>
+                <a:ea typeface="Yu Gothic" panose="020B0400000000000000" pitchFamily="34" charset="-128"/>
+              </a:rPr>
+              <a:t>Oppretting, sletting og oppdatering av kunder og deres informasjon</a:t>
+            </a:r>
+          </a:p>
+          <a:p>
+            <a:pPr marL="285750" indent="-285750">
+              <a:buFont typeface="Arial" panose="020B0604020202020204" pitchFamily="34" charset="0"/>
+              <a:buChar char="•"/>
+            </a:pPr>
+            <a:endParaRPr lang="nb-NO" b="1" dirty="0">
+              <a:latin typeface="Yu Gothic" panose="020B0400000000000000" pitchFamily="34" charset="-128"/>
+              <a:ea typeface="Yu Gothic" panose="020B0400000000000000" pitchFamily="34" charset="-128"/>
+            </a:endParaRPr>
+          </a:p>
+          <a:p>
+            <a:pPr marL="285750" indent="-285750">
+              <a:buFont typeface="Arial" panose="020B0604020202020204" pitchFamily="34" charset="0"/>
+              <a:buChar char="•"/>
+            </a:pPr>
+            <a:r>
+              <a:rPr lang="nb-NO" b="1" dirty="0">
+                <a:latin typeface="Yu Gothic" panose="020B0400000000000000" pitchFamily="34" charset="-128"/>
+                <a:ea typeface="Yu Gothic" panose="020B0400000000000000" pitchFamily="34" charset="-128"/>
+              </a:rPr>
+              <a:t>CRM-system for håndteringen av en bedrifts potensielle og eksisterende kunder</a:t>
+            </a:r>
+          </a:p>
+          <a:p>
+            <a:pPr marL="285750" indent="-285750">
+              <a:buFont typeface="Arial" panose="020B0604020202020204" pitchFamily="34" charset="0"/>
+              <a:buChar char="•"/>
+            </a:pPr>
+            <a:endParaRPr lang="nb-NO" b="1" dirty="0">
+              <a:latin typeface="Yu Gothic" panose="020B0400000000000000" pitchFamily="34" charset="-128"/>
+              <a:ea typeface="Yu Gothic" panose="020B0400000000000000" pitchFamily="34" charset="-128"/>
+            </a:endParaRPr>
+          </a:p>
+          <a:p>
+            <a:pPr marL="285750" indent="-285750">
+              <a:buFont typeface="Arial" panose="020B0604020202020204" pitchFamily="34" charset="0"/>
+              <a:buChar char="•"/>
+            </a:pPr>
+            <a:r>
+              <a:rPr lang="nb-NO" b="1" dirty="0">
+                <a:latin typeface="Yu Gothic" panose="020B0400000000000000" pitchFamily="34" charset="-128"/>
+                <a:ea typeface="Yu Gothic" panose="020B0400000000000000" pitchFamily="34" charset="-128"/>
+              </a:rPr>
+              <a:t>Presentert i en nettside løsning</a:t>
+            </a:r>
+          </a:p>
+          <a:p>
+            <a:pPr marL="285750" indent="-285750">
+              <a:buFont typeface="Arial" panose="020B0604020202020204" pitchFamily="34" charset="0"/>
+              <a:buChar char="•"/>
+            </a:pPr>
+            <a:endParaRPr lang="nb-NO" b="1" dirty="0">
+              <a:latin typeface="Yu Gothic" panose="020B0400000000000000" pitchFamily="34" charset="-128"/>
+              <a:ea typeface="Yu Gothic" panose="020B0400000000000000" pitchFamily="34" charset="-128"/>
+            </a:endParaRPr>
+          </a:p>
+          <a:p>
+            <a:pPr marL="285750" indent="-285750">
+              <a:buFont typeface="Arial" panose="020B0604020202020204" pitchFamily="34" charset="0"/>
+              <a:buChar char="•"/>
+            </a:pPr>
+            <a:r>
+              <a:rPr lang="nb-NO" b="1" dirty="0">
+                <a:latin typeface="Yu Gothic" panose="020B0400000000000000" pitchFamily="34" charset="-128"/>
+                <a:ea typeface="Yu Gothic" panose="020B0400000000000000" pitchFamily="34" charset="-128"/>
+              </a:rPr>
+              <a:t>Funksjonell database</a:t>
+            </a:r>
+          </a:p>
+          <a:p>
+            <a:pPr marL="285750" indent="-285750">
+              <a:buFont typeface="Arial" panose="020B0604020202020204" pitchFamily="34" charset="0"/>
+              <a:buChar char="•"/>
+            </a:pPr>
+            <a:endParaRPr lang="nb-NO" b="1" dirty="0">
+              <a:latin typeface="Yu Gothic" panose="020B0400000000000000" pitchFamily="34" charset="-128"/>
+              <a:ea typeface="Yu Gothic" panose="020B0400000000000000" pitchFamily="34" charset="-128"/>
+            </a:endParaRPr>
+          </a:p>
+          <a:p>
+            <a:pPr marL="285750" indent="-285750">
+              <a:buFont typeface="Arial" panose="020B0604020202020204" pitchFamily="34" charset="0"/>
+              <a:buChar char="•"/>
+            </a:pPr>
+            <a:endParaRPr lang="nb-NO" b="1" dirty="0">
+              <a:latin typeface="Yu Gothic" panose="020B0400000000000000" pitchFamily="34" charset="-128"/>
+              <a:ea typeface="Yu Gothic" panose="020B0400000000000000" pitchFamily="34" charset="-128"/>
+            </a:endParaRPr>
+          </a:p>
+        </p:txBody>
+      </p:sp>
+    </p:spTree>
+    <p:extLst>
+      <p:ext uri="{BB962C8B-B14F-4D97-AF65-F5344CB8AC3E}">
+        <p14:creationId xmlns:p14="http://schemas.microsoft.com/office/powerpoint/2010/main" val="2020576208"/>
+      </p:ext>
+    </p:extLst>
+  </p:cSld>
+  <p:clrMapOvr>
+    <a:masterClrMapping/>
+  </p:clrMapOvr>
+  <mc:AlternateContent xmlns:mc="http://schemas.openxmlformats.org/markup-compatibility/2006" xmlns:p159="http://schemas.microsoft.com/office/powerpoint/2015/09/main">
+    <mc:Choice Requires="p159">
+      <p:transition xmlns:p14="http://schemas.microsoft.com/office/powerpoint/2010/main" spd="slow" p14:dur="2000">
+        <p159:morph option="byObject"/>
+      </p:transition>
+    </mc:Choice>
+    <mc:Fallback xmlns="">
+      <p:transition spd="slow">
+        <p:fade/>
+      </p:transition>
+    </mc:Fallback>
+  </mc:AlternateContent>
+  <p:timing>
+    <p:tnLst>
+      <p:par>
+        <p:cTn id="1" dur="indefinite" restart="never" nodeType="tmRoot">
+          <p:childTnLst>
+            <p:seq concurrent="1" nextAc="seek">
+              <p:cTn id="2" dur="indefinite" nodeType="mainSeq">
+                <p:childTnLst>
+                  <p:par>
+                    <p:cTn id="3" fill="hold">
+                      <p:stCondLst>
+                        <p:cond delay="indefinite"/>
+                      </p:stCondLst>
+                      <p:childTnLst>
+                        <p:par>
+                          <p:cTn id="4" fill="hold">
+                            <p:stCondLst>
+                              <p:cond delay="0"/>
+                            </p:stCondLst>
+                            <p:childTnLst>
+                              <p:par>
+                                <p:cTn id="5" presetID="1" presetClass="entr" presetSubtype="0" fill="hold" nodeType="clickEffect">
+                                  <p:stCondLst>
+                                    <p:cond delay="0"/>
+                                  </p:stCondLst>
+                                  <p:childTnLst>
+                                    <p:set>
+                                      <p:cBhvr>
+                                        <p:cTn id="6" dur="1" fill="hold">
+                                          <p:stCondLst>
+                                            <p:cond delay="0"/>
+                                          </p:stCondLst>
+                                        </p:cTn>
+                                        <p:tgtEl>
+                                          <p:spTgt spid="14">
+                                            <p:txEl>
+                                              <p:pRg st="0" end="0"/>
+                                            </p:txEl>
+                                          </p:spTgt>
+                                        </p:tgtEl>
+                                        <p:attrNameLst>
+                                          <p:attrName>style.visibility</p:attrName>
+                                        </p:attrNameLst>
+                                      </p:cBhvr>
+                                      <p:to>
+                                        <p:strVal val="visible"/>
+                                      </p:to>
+                                    </p:set>
+                                  </p:childTnLst>
+                                </p:cTn>
+                              </p:par>
+                            </p:childTnLst>
+                          </p:cTn>
+                        </p:par>
+                      </p:childTnLst>
+                    </p:cTn>
+                  </p:par>
+                  <p:par>
+                    <p:cTn id="7" fill="hold">
+                      <p:stCondLst>
+                        <p:cond delay="indefinite"/>
+                      </p:stCondLst>
+                      <p:childTnLst>
+                        <p:par>
+                          <p:cTn id="8" fill="hold">
+                            <p:stCondLst>
+                              <p:cond delay="0"/>
+                            </p:stCondLst>
+                            <p:childTnLst>
+                              <p:par>
+                                <p:cTn id="9" presetID="1" presetClass="entr" presetSubtype="0" fill="hold" nodeType="clickEffect">
+                                  <p:stCondLst>
+                                    <p:cond delay="0"/>
+                                  </p:stCondLst>
+                                  <p:childTnLst>
+                                    <p:set>
+                                      <p:cBhvr>
+                                        <p:cTn id="10" dur="1" fill="hold">
+                                          <p:stCondLst>
+                                            <p:cond delay="0"/>
+                                          </p:stCondLst>
+                                        </p:cTn>
+                                        <p:tgtEl>
+                                          <p:spTgt spid="14">
+                                            <p:txEl>
+                                              <p:pRg st="2" end="2"/>
+                                            </p:txEl>
+                                          </p:spTgt>
+                                        </p:tgtEl>
+                                        <p:attrNameLst>
+                                          <p:attrName>style.visibility</p:attrName>
+                                        </p:attrNameLst>
+                                      </p:cBhvr>
+                                      <p:to>
+                                        <p:strVal val="visible"/>
+                                      </p:to>
+                                    </p:set>
+                                  </p:childTnLst>
+                                </p:cTn>
+                              </p:par>
+                            </p:childTnLst>
+                          </p:cTn>
+                        </p:par>
+                      </p:childTnLst>
+                    </p:cTn>
+                  </p:par>
+                  <p:par>
+                    <p:cTn id="11" fill="hold">
+                      <p:stCondLst>
+                        <p:cond delay="indefinite"/>
+                      </p:stCondLst>
+                      <p:childTnLst>
+                        <p:par>
+                          <p:cTn id="12" fill="hold">
+                            <p:stCondLst>
+                              <p:cond delay="0"/>
+                            </p:stCondLst>
+                            <p:childTnLst>
+                              <p:par>
+                                <p:cTn id="13" presetID="1" presetClass="entr" presetSubtype="0" fill="hold" nodeType="clickEffect">
+                                  <p:stCondLst>
+                                    <p:cond delay="0"/>
+                                  </p:stCondLst>
+                                  <p:childTnLst>
+                                    <p:set>
+                                      <p:cBhvr>
+                                        <p:cTn id="14" dur="1" fill="hold">
+                                          <p:stCondLst>
+                                            <p:cond delay="0"/>
+                                          </p:stCondLst>
+                                        </p:cTn>
+                                        <p:tgtEl>
+                                          <p:spTgt spid="14">
+                                            <p:txEl>
+                                              <p:pRg st="4" end="4"/>
+                                            </p:txEl>
+                                          </p:spTgt>
+                                        </p:tgtEl>
+                                        <p:attrNameLst>
+                                          <p:attrName>style.visibility</p:attrName>
+                                        </p:attrNameLst>
+                                      </p:cBhvr>
+                                      <p:to>
+                                        <p:strVal val="visible"/>
+                                      </p:to>
+                                    </p:set>
+                                  </p:childTnLst>
+                                </p:cTn>
+                              </p:par>
+                            </p:childTnLst>
+                          </p:cTn>
+                        </p:par>
+                      </p:childTnLst>
+                    </p:cTn>
+                  </p:par>
+                  <p:par>
+                    <p:cTn id="15" fill="hold">
+                      <p:stCondLst>
+                        <p:cond delay="indefinite"/>
+                      </p:stCondLst>
+                      <p:childTnLst>
+                        <p:par>
+                          <p:cTn id="16" fill="hold">
+                            <p:stCondLst>
+                              <p:cond delay="0"/>
+                            </p:stCondLst>
+                            <p:childTnLst>
+                              <p:par>
+                                <p:cTn id="17" presetID="1" presetClass="entr" presetSubtype="0" fill="hold" nodeType="clickEffect">
+                                  <p:stCondLst>
+                                    <p:cond delay="0"/>
+                                  </p:stCondLst>
+                                  <p:childTnLst>
+                                    <p:set>
+                                      <p:cBhvr>
+                                        <p:cTn id="18" dur="1" fill="hold">
+                                          <p:stCondLst>
+                                            <p:cond delay="0"/>
+                                          </p:stCondLst>
+                                        </p:cTn>
+                                        <p:tgtEl>
+                                          <p:spTgt spid="14">
+                                            <p:txEl>
+                                              <p:pRg st="6" end="6"/>
+                                            </p:txEl>
+                                          </p:spTgt>
+                                        </p:tgtEl>
+                                        <p:attrNameLst>
+                                          <p:attrName>style.visibility</p:attrName>
+                                        </p:attrNameLst>
+                                      </p:cBhvr>
+                                      <p:to>
+                                        <p:strVal val="visible"/>
+                                      </p:to>
+                                    </p:set>
+                                  </p:childTnLst>
+                                </p:cTn>
+                              </p:par>
+                            </p:childTnLst>
+                          </p:cTn>
+                        </p:par>
+                      </p:childTnLst>
+                    </p:cTn>
+                  </p:par>
+                </p:childTnLst>
+              </p:cTn>
+              <p:prevCondLst>
+                <p:cond evt="onPrev" delay="0">
+                  <p:tgtEl>
+                    <p:sldTgt/>
+                  </p:tgtEl>
+                </p:cond>
+              </p:prevCondLst>
+              <p:nextCondLst>
+                <p:cond evt="onNext" delay="0">
+                  <p:tgtEl>
+                    <p:sldTgt/>
+                  </p:tgtEl>
+                </p:cond>
+              </p:nextCondLst>
+            </p:seq>
+          </p:childTnLst>
+        </p:cTn>
+      </p:par>
+    </p:tnLst>
+  </p:timing>
+</p:sld>
+</file>
+
+<file path=ppt/slides/slide13.xml><?xml version="1.0" encoding="utf-8"?>
+<p:sld xmlns:a="http://schemas.openxmlformats.org/drawingml/2006/main" xmlns:r="http://schemas.openxmlformats.org/officeDocument/2006/relationships" xmlns:p="http://schemas.openxmlformats.org/presentationml/2006/main">
+  <p:cSld>
+    <p:spTree>
+      <p:nvGrpSpPr>
+        <p:cNvPr id="1" name=""/>
+        <p:cNvGrpSpPr/>
+        <p:nvPr/>
+      </p:nvGrpSpPr>
+      <p:grpSpPr>
+        <a:xfrm>
+          <a:off x="0" y="0"/>
+          <a:ext cx="0" cy="0"/>
+          <a:chOff x="0" y="0"/>
+          <a:chExt cx="0" cy="0"/>
+        </a:xfrm>
+      </p:grpSpPr>
+      <p:pic>
+        <p:nvPicPr>
+          <p:cNvPr id="5" name="Bilde 4">
+            <a:extLst>
+              <a:ext uri="{FF2B5EF4-FFF2-40B4-BE49-F238E27FC236}">
+                <a16:creationId xmlns:a16="http://schemas.microsoft.com/office/drawing/2014/main" id="{E1742CDB-AC92-E6F7-9FA8-BB1B8EC98ECC}"/>
+              </a:ext>
+            </a:extLst>
+          </p:cNvPr>
+          <p:cNvPicPr>
+            <a:picLocks noChangeAspect="1"/>
+          </p:cNvPicPr>
+          <p:nvPr/>
+        </p:nvPicPr>
+        <p:blipFill>
+          <a:blip r:embed="rId2"/>
+          <a:stretch>
+            <a:fillRect/>
+          </a:stretch>
+        </p:blipFill>
+        <p:spPr>
+          <a:xfrm>
+            <a:off x="3166853" y="7635945"/>
+            <a:ext cx="5858294" cy="3561774"/>
+          </a:xfrm>
+          <a:prstGeom prst="rect">
+            <a:avLst/>
+          </a:prstGeom>
+        </p:spPr>
+      </p:pic>
+      <p:sp>
+        <p:nvSpPr>
+          <p:cNvPr id="7" name="TekstSylinder 6">
+            <a:extLst>
+              <a:ext uri="{FF2B5EF4-FFF2-40B4-BE49-F238E27FC236}">
+                <a16:creationId xmlns:a16="http://schemas.microsoft.com/office/drawing/2014/main" id="{59E2C451-096F-6B46-BAE5-FF779C8E983F}"/>
+              </a:ext>
+            </a:extLst>
+          </p:cNvPr>
+          <p:cNvSpPr txBox="1"/>
+          <p:nvPr/>
+        </p:nvSpPr>
+        <p:spPr>
+          <a:xfrm>
+            <a:off x="13290379" y="2418259"/>
+            <a:ext cx="1662635" cy="769441"/>
+          </a:xfrm>
+          <a:prstGeom prst="rect">
+            <a:avLst/>
+          </a:prstGeom>
+          <a:noFill/>
+        </p:spPr>
+        <p:txBody>
+          <a:bodyPr wrap="none" rtlCol="0">
+            <a:spAutoFit/>
+          </a:bodyPr>
+          <a:lstStyle/>
+          <a:p>
+            <a:r>
+              <a:rPr lang="nb-NO" sz="4400" dirty="0">
+                <a:latin typeface="Yu Gothic UI Semibold" panose="020B0700000000000000" pitchFamily="34" charset="-128"/>
+                <a:ea typeface="Yu Gothic UI Semibold" panose="020B0700000000000000" pitchFamily="34" charset="-128"/>
+              </a:rPr>
+              <a:t>GDPR</a:t>
+            </a:r>
+          </a:p>
+        </p:txBody>
+      </p:sp>
       <p:sp>
         <p:nvSpPr>
           <p:cNvPr id="2" name="TekstSylinder 1">
@@ -4729,8 +10554,8 @@
         </p:nvSpPr>
         <p:spPr>
           <a:xfrm>
-            <a:off x="1285875" y="2088971"/>
-            <a:ext cx="3666388" cy="1631216"/>
+            <a:off x="6199251" y="2225090"/>
+            <a:ext cx="2888932" cy="1631216"/>
           </a:xfrm>
           <a:prstGeom prst="rect">
             <a:avLst/>
@@ -4752,7 +10577,7 @@
                 <a:latin typeface="Yu Gothic UI Semibold" panose="020B0700000000000000" pitchFamily="34" charset="-128"/>
                 <a:ea typeface="Yu Gothic UI Semibold" panose="020B0700000000000000" pitchFamily="34" charset="-128"/>
               </a:rPr>
-              <a:t>Oliver         -Systemutvikler</a:t>
+              <a:t>Oliver         -Update</a:t>
             </a:r>
           </a:p>
           <a:p>
@@ -4775,8 +10600,19 @@
                 <a:latin typeface="Yu Gothic UI Semibold" panose="020B0700000000000000" pitchFamily="34" charset="-128"/>
                 <a:ea typeface="Yu Gothic UI Semibold" panose="020B0700000000000000" pitchFamily="34" charset="-128"/>
               </a:rPr>
-              <a:t>Ariel           -Lead-designer</a:t>
-            </a:r>
+              <a:t>Ariel           -</a:t>
+            </a:r>
+            <a:r>
+              <a:rPr lang="nb-NO" sz="2000" dirty="0" err="1">
+                <a:latin typeface="Yu Gothic UI Semibold" panose="020B0700000000000000" pitchFamily="34" charset="-128"/>
+                <a:ea typeface="Yu Gothic UI Semibold" panose="020B0700000000000000" pitchFamily="34" charset="-128"/>
+              </a:rPr>
+              <a:t>Delete</a:t>
+            </a:r>
+            <a:endParaRPr lang="nb-NO" sz="2000" dirty="0">
+              <a:latin typeface="Yu Gothic UI Semibold" panose="020B0700000000000000" pitchFamily="34" charset="-128"/>
+              <a:ea typeface="Yu Gothic UI Semibold" panose="020B0700000000000000" pitchFamily="34" charset="-128"/>
+            </a:endParaRPr>
           </a:p>
           <a:p>
             <a:pPr marL="342900" indent="-342900">
@@ -4798,8 +10634,19 @@
                 <a:latin typeface="Yu Gothic UI Semibold" panose="020B0700000000000000" pitchFamily="34" charset="-128"/>
                 <a:ea typeface="Yu Gothic UI Semibold" panose="020B0700000000000000" pitchFamily="34" charset="-128"/>
               </a:rPr>
-              <a:t>Jonas         -Arkitekt</a:t>
-            </a:r>
+              <a:t>Jonas         -</a:t>
+            </a:r>
+            <a:r>
+              <a:rPr lang="nb-NO" sz="2000" dirty="0" err="1">
+                <a:latin typeface="Yu Gothic UI Semibold" panose="020B0700000000000000" pitchFamily="34" charset="-128"/>
+                <a:ea typeface="Yu Gothic UI Semibold" panose="020B0700000000000000" pitchFamily="34" charset="-128"/>
+              </a:rPr>
+              <a:t>Create</a:t>
+            </a:r>
+            <a:endParaRPr lang="nb-NO" sz="2000" dirty="0">
+              <a:latin typeface="Yu Gothic UI Semibold" panose="020B0700000000000000" pitchFamily="34" charset="-128"/>
+              <a:ea typeface="Yu Gothic UI Semibold" panose="020B0700000000000000" pitchFamily="34" charset="-128"/>
+            </a:endParaRPr>
           </a:p>
         </p:txBody>
       </p:sp>
@@ -4952,6 +10799,94 @@
           </a:prstGeom>
         </p:spPr>
       </p:pic>
+      <p:sp>
+        <p:nvSpPr>
+          <p:cNvPr id="9" name="TekstSylinder 8">
+            <a:extLst>
+              <a:ext uri="{FF2B5EF4-FFF2-40B4-BE49-F238E27FC236}">
+                <a16:creationId xmlns:a16="http://schemas.microsoft.com/office/drawing/2014/main" id="{780DBFC7-4D06-AA7C-6499-38A5E649AC0D}"/>
+              </a:ext>
+            </a:extLst>
+          </p:cNvPr>
+          <p:cNvSpPr txBox="1"/>
+          <p:nvPr/>
+        </p:nvSpPr>
+        <p:spPr>
+          <a:xfrm>
+            <a:off x="1438275" y="2241371"/>
+            <a:ext cx="3666388" cy="1631216"/>
+          </a:xfrm>
+          <a:prstGeom prst="rect">
+            <a:avLst/>
+          </a:prstGeom>
+          <a:noFill/>
+        </p:spPr>
+        <p:txBody>
+          <a:bodyPr wrap="none" rtlCol="0">
+            <a:spAutoFit/>
+          </a:bodyPr>
+          <a:lstStyle/>
+          <a:p>
+            <a:pPr marL="342900" indent="-342900">
+              <a:buFont typeface="Arial" panose="020B0604020202020204" pitchFamily="34" charset="0"/>
+              <a:buChar char="•"/>
+            </a:pPr>
+            <a:r>
+              <a:rPr lang="nb-NO" sz="2000" dirty="0">
+                <a:latin typeface="Yu Gothic UI Semibold" panose="020B0700000000000000" pitchFamily="34" charset="-128"/>
+                <a:ea typeface="Yu Gothic UI Semibold" panose="020B0700000000000000" pitchFamily="34" charset="-128"/>
+              </a:rPr>
+              <a:t>Oliver         -Systemutvikler</a:t>
+            </a:r>
+          </a:p>
+          <a:p>
+            <a:pPr marL="342900" indent="-342900">
+              <a:buFont typeface="Arial" panose="020B0604020202020204" pitchFamily="34" charset="0"/>
+              <a:buChar char="•"/>
+            </a:pPr>
+            <a:endParaRPr lang="nb-NO" sz="2000" dirty="0">
+              <a:latin typeface="Yu Gothic UI Semibold" panose="020B0700000000000000" pitchFamily="34" charset="-128"/>
+              <a:ea typeface="Yu Gothic UI Semibold" panose="020B0700000000000000" pitchFamily="34" charset="-128"/>
+            </a:endParaRPr>
+          </a:p>
+          <a:p>
+            <a:pPr marL="342900" indent="-342900">
+              <a:buFont typeface="Arial" panose="020B0604020202020204" pitchFamily="34" charset="0"/>
+              <a:buChar char="•"/>
+            </a:pPr>
+            <a:r>
+              <a:rPr lang="nb-NO" sz="2000" dirty="0">
+                <a:latin typeface="Yu Gothic UI Semibold" panose="020B0700000000000000" pitchFamily="34" charset="-128"/>
+                <a:ea typeface="Yu Gothic UI Semibold" panose="020B0700000000000000" pitchFamily="34" charset="-128"/>
+              </a:rPr>
+              <a:t>Ariel           -Lead-designer</a:t>
+            </a:r>
+          </a:p>
+          <a:p>
+            <a:pPr marL="342900" indent="-342900">
+              <a:buFont typeface="Arial" panose="020B0604020202020204" pitchFamily="34" charset="0"/>
+              <a:buChar char="•"/>
+            </a:pPr>
+            <a:endParaRPr lang="nb-NO" sz="2000" dirty="0">
+              <a:latin typeface="Yu Gothic UI Semibold" panose="020B0700000000000000" pitchFamily="34" charset="-128"/>
+              <a:ea typeface="Yu Gothic UI Semibold" panose="020B0700000000000000" pitchFamily="34" charset="-128"/>
+            </a:endParaRPr>
+          </a:p>
+          <a:p>
+            <a:pPr marL="342900" indent="-342900">
+              <a:buFont typeface="Arial" panose="020B0604020202020204" pitchFamily="34" charset="0"/>
+              <a:buChar char="•"/>
+            </a:pPr>
+            <a:r>
+              <a:rPr lang="nb-NO" sz="2000" dirty="0">
+                <a:latin typeface="Yu Gothic UI Semibold" panose="020B0700000000000000" pitchFamily="34" charset="-128"/>
+                <a:ea typeface="Yu Gothic UI Semibold" panose="020B0700000000000000" pitchFamily="34" charset="-128"/>
+              </a:rPr>
+              <a:t>Jonas         -Arkitekt</a:t>
+            </a:r>
+          </a:p>
+        </p:txBody>
+      </p:sp>
     </p:spTree>
     <p:extLst>
       <p:ext uri="{BB962C8B-B14F-4D97-AF65-F5344CB8AC3E}">
@@ -5165,6 +11100,189 @@
                       </p:childTnLst>
                     </p:cTn>
                   </p:par>
+                  <p:par>
+                    <p:cTn id="18" fill="hold">
+                      <p:stCondLst>
+                        <p:cond delay="indefinite"/>
+                      </p:stCondLst>
+                      <p:childTnLst>
+                        <p:par>
+                          <p:cTn id="19" fill="hold">
+                            <p:stCondLst>
+                              <p:cond delay="0"/>
+                            </p:stCondLst>
+                            <p:childTnLst>
+                              <p:par>
+                                <p:cTn id="20" presetID="10" presetClass="entr" presetSubtype="0" fill="hold" nodeType="clickEffect">
+                                  <p:stCondLst>
+                                    <p:cond delay="0"/>
+                                  </p:stCondLst>
+                                  <p:childTnLst>
+                                    <p:set>
+                                      <p:cBhvr>
+                                        <p:cTn id="21" dur="1" fill="hold">
+                                          <p:stCondLst>
+                                            <p:cond delay="0"/>
+                                          </p:stCondLst>
+                                        </p:cTn>
+                                        <p:tgtEl>
+                                          <p:spTgt spid="9">
+                                            <p:txEl>
+                                              <p:pRg st="0" end="0"/>
+                                            </p:txEl>
+                                          </p:spTgt>
+                                        </p:tgtEl>
+                                        <p:attrNameLst>
+                                          <p:attrName>style.visibility</p:attrName>
+                                        </p:attrNameLst>
+                                      </p:cBhvr>
+                                      <p:to>
+                                        <p:strVal val="visible"/>
+                                      </p:to>
+                                    </p:set>
+                                    <p:animEffect transition="in" filter="fade">
+                                      <p:cBhvr>
+                                        <p:cTn id="22" dur="500"/>
+                                        <p:tgtEl>
+                                          <p:spTgt spid="9">
+                                            <p:txEl>
+                                              <p:pRg st="0" end="0"/>
+                                            </p:txEl>
+                                          </p:spTgt>
+                                        </p:tgtEl>
+                                      </p:cBhvr>
+                                    </p:animEffect>
+                                  </p:childTnLst>
+                                </p:cTn>
+                              </p:par>
+                            </p:childTnLst>
+                          </p:cTn>
+                        </p:par>
+                      </p:childTnLst>
+                    </p:cTn>
+                  </p:par>
+                  <p:par>
+                    <p:cTn id="23" fill="hold">
+                      <p:stCondLst>
+                        <p:cond delay="indefinite"/>
+                      </p:stCondLst>
+                      <p:childTnLst>
+                        <p:par>
+                          <p:cTn id="24" fill="hold">
+                            <p:stCondLst>
+                              <p:cond delay="0"/>
+                            </p:stCondLst>
+                            <p:childTnLst>
+                              <p:par>
+                                <p:cTn id="25" presetID="10" presetClass="entr" presetSubtype="0" fill="hold" nodeType="clickEffect">
+                                  <p:stCondLst>
+                                    <p:cond delay="0"/>
+                                  </p:stCondLst>
+                                  <p:childTnLst>
+                                    <p:set>
+                                      <p:cBhvr>
+                                        <p:cTn id="26" dur="1" fill="hold">
+                                          <p:stCondLst>
+                                            <p:cond delay="0"/>
+                                          </p:stCondLst>
+                                        </p:cTn>
+                                        <p:tgtEl>
+                                          <p:spTgt spid="9">
+                                            <p:txEl>
+                                              <p:pRg st="2" end="2"/>
+                                            </p:txEl>
+                                          </p:spTgt>
+                                        </p:tgtEl>
+                                        <p:attrNameLst>
+                                          <p:attrName>style.visibility</p:attrName>
+                                        </p:attrNameLst>
+                                      </p:cBhvr>
+                                      <p:to>
+                                        <p:strVal val="visible"/>
+                                      </p:to>
+                                    </p:set>
+                                    <p:animEffect transition="in" filter="fade">
+                                      <p:cBhvr>
+                                        <p:cTn id="27" dur="500"/>
+                                        <p:tgtEl>
+                                          <p:spTgt spid="9">
+                                            <p:txEl>
+                                              <p:pRg st="2" end="2"/>
+                                            </p:txEl>
+                                          </p:spTgt>
+                                        </p:tgtEl>
+                                      </p:cBhvr>
+                                    </p:animEffect>
+                                  </p:childTnLst>
+                                </p:cTn>
+                              </p:par>
+                            </p:childTnLst>
+                          </p:cTn>
+                        </p:par>
+                      </p:childTnLst>
+                    </p:cTn>
+                  </p:par>
+                  <p:par>
+                    <p:cTn id="28" fill="hold">
+                      <p:stCondLst>
+                        <p:cond delay="indefinite"/>
+                      </p:stCondLst>
+                      <p:childTnLst>
+                        <p:par>
+                          <p:cTn id="29" fill="hold">
+                            <p:stCondLst>
+                              <p:cond delay="0"/>
+                            </p:stCondLst>
+                            <p:childTnLst>
+                              <p:par>
+                                <p:cTn id="30" presetID="10" presetClass="entr" presetSubtype="0" fill="hold" nodeType="clickEffect">
+                                  <p:stCondLst>
+                                    <p:cond delay="0"/>
+                                  </p:stCondLst>
+                                  <p:childTnLst>
+                                    <p:set>
+                                      <p:cBhvr>
+                                        <p:cTn id="31" dur="1" fill="hold">
+                                          <p:stCondLst>
+                                            <p:cond delay="0"/>
+                                          </p:stCondLst>
+                                        </p:cTn>
+                                        <p:tgtEl>
+                                          <p:spTgt spid="9">
+                                            <p:txEl>
+                                              <p:pRg st="4" end="4"/>
+                                            </p:txEl>
+                                          </p:spTgt>
+                                        </p:tgtEl>
+                                        <p:attrNameLst>
+                                          <p:attrName>style.visibility</p:attrName>
+                                        </p:attrNameLst>
+                                      </p:cBhvr>
+                                      <p:to>
+                                        <p:strVal val="visible"/>
+                                      </p:to>
+                                    </p:set>
+                                    <p:animEffect transition="in" filter="fade">
+                                      <p:cBhvr>
+                                        <p:cTn id="32" dur="500"/>
+                                        <p:tgtEl>
+                                          <p:spTgt spid="9">
+                                            <p:txEl>
+                                              <p:pRg st="4" end="4"/>
+                                            </p:txEl>
+                                          </p:spTgt>
+                                        </p:tgtEl>
+                                      </p:cBhvr>
+                                    </p:animEffect>
+                                  </p:childTnLst>
+                                </p:cTn>
+                              </p:par>
+                            </p:childTnLst>
+                          </p:cTn>
+                        </p:par>
+                      </p:childTnLst>
+                    </p:cTn>
+                  </p:par>
                 </p:childTnLst>
               </p:cTn>
               <p:prevCondLst>
@@ -5190,7 +11308,7 @@
 </p:sld>
 </file>
 
-<file path=ppt/slides/slide11.xml><?xml version="1.0" encoding="utf-8"?>
+<file path=ppt/slides/slide14.xml><?xml version="1.0" encoding="utf-8"?>
 <p:sld xmlns:a="http://schemas.openxmlformats.org/drawingml/2006/main" xmlns:r="http://schemas.openxmlformats.org/officeDocument/2006/relationships" xmlns:p="http://schemas.openxmlformats.org/presentationml/2006/main">
   <p:cSld>
     <p:spTree>
@@ -5886,7 +12004,7 @@
 </p:sld>
 </file>
 
-<file path=ppt/slides/slide12.xml><?xml version="1.0" encoding="utf-8"?>
+<file path=ppt/slides/slide15.xml><?xml version="1.0" encoding="utf-8"?>
 <p:sld xmlns:a="http://schemas.openxmlformats.org/drawingml/2006/main" xmlns:r="http://schemas.openxmlformats.org/officeDocument/2006/relationships" xmlns:p="http://schemas.openxmlformats.org/presentationml/2006/main">
   <p:cSld>
     <p:spTree>
@@ -6582,7 +12700,7 @@
 </p:sld>
 </file>
 
-<file path=ppt/slides/slide13.xml><?xml version="1.0" encoding="utf-8"?>
+<file path=ppt/slides/slide16.xml><?xml version="1.0" encoding="utf-8"?>
 <p:sld xmlns:a="http://schemas.openxmlformats.org/drawingml/2006/main" xmlns:r="http://schemas.openxmlformats.org/officeDocument/2006/relationships" xmlns:p="http://schemas.openxmlformats.org/presentationml/2006/main">
   <p:cSld>
     <p:spTree>
@@ -7085,7 +13203,7 @@
         </p:nvSpPr>
         <p:spPr>
           <a:xfrm>
-            <a:off x="1171575" y="684851"/>
+            <a:off x="1171575" y="356171"/>
             <a:ext cx="2608406" cy="923330"/>
           </a:xfrm>
           <a:prstGeom prst="rect">
@@ -7124,7 +13242,7 @@
         <p:spPr>
           <a:xfrm>
             <a:off x="1114721" y="1556500"/>
-            <a:ext cx="4795004" cy="3477875"/>
+            <a:ext cx="4755137" cy="4401205"/>
           </a:xfrm>
           <a:prstGeom prst="rect">
             <a:avLst/>
@@ -7147,6 +13265,25 @@
                 <a:ea typeface="Yu Gothic UI Semibold" panose="020B0700000000000000" pitchFamily="34" charset="-128"/>
               </a:rPr>
               <a:t>Hva er bedriftsportalen?</a:t>
+            </a:r>
+          </a:p>
+          <a:p>
+            <a:endParaRPr lang="nb-NO" sz="2000" dirty="0">
+              <a:latin typeface="Yu Gothic UI Semibold" panose="020B0700000000000000" pitchFamily="34" charset="-128"/>
+              <a:ea typeface="Yu Gothic UI Semibold" panose="020B0700000000000000" pitchFamily="34" charset="-128"/>
+            </a:endParaRPr>
+          </a:p>
+          <a:p>
+            <a:pPr marL="342900" indent="-342900">
+              <a:buFont typeface="Arial" panose="020B0604020202020204" pitchFamily="34" charset="0"/>
+              <a:buChar char="•"/>
+            </a:pPr>
+            <a:r>
+              <a:rPr lang="nb-NO" sz="2000" dirty="0">
+                <a:latin typeface="Yu Gothic UI Semibold" panose="020B0700000000000000" pitchFamily="34" charset="-128"/>
+                <a:ea typeface="Yu Gothic UI Semibold" panose="020B0700000000000000" pitchFamily="34" charset="-128"/>
+              </a:rPr>
+              <a:t>CRUD</a:t>
             </a:r>
           </a:p>
           <a:p>
@@ -7169,7 +13306,72 @@
                 <a:latin typeface="Yu Gothic UI Semibold" panose="020B0700000000000000" pitchFamily="34" charset="-128"/>
                 <a:ea typeface="Yu Gothic UI Semibold" panose="020B0700000000000000" pitchFamily="34" charset="-128"/>
               </a:rPr>
-              <a:t>CRUD</a:t>
+              <a:t>Nøkkelegenskaper</a:t>
+            </a:r>
+          </a:p>
+          <a:p>
+            <a:pPr marL="342900" indent="-342900">
+              <a:buFont typeface="Arial" panose="020B0604020202020204" pitchFamily="34" charset="0"/>
+              <a:buChar char="•"/>
+            </a:pPr>
+            <a:endParaRPr lang="nb-NO" sz="2000" dirty="0">
+              <a:latin typeface="Yu Gothic UI Semibold" panose="020B0700000000000000" pitchFamily="34" charset="-128"/>
+              <a:ea typeface="Yu Gothic UI Semibold" panose="020B0700000000000000" pitchFamily="34" charset="-128"/>
+            </a:endParaRPr>
+          </a:p>
+          <a:p>
+            <a:pPr marL="342900" indent="-342900">
+              <a:buFont typeface="Arial" panose="020B0604020202020204" pitchFamily="34" charset="0"/>
+              <a:buChar char="•"/>
+            </a:pPr>
+            <a:r>
+              <a:rPr lang="nb-NO" sz="2000" dirty="0">
+                <a:latin typeface="Yu Gothic UI Semibold" panose="020B0700000000000000" pitchFamily="34" charset="-128"/>
+                <a:ea typeface="Yu Gothic UI Semibold" panose="020B0700000000000000" pitchFamily="34" charset="-128"/>
+              </a:rPr>
+              <a:t>Kravspesifikasjon</a:t>
+            </a:r>
+          </a:p>
+          <a:p>
+            <a:pPr marL="342900" indent="-342900">
+              <a:buFont typeface="Arial" panose="020B0604020202020204" pitchFamily="34" charset="0"/>
+              <a:buChar char="•"/>
+            </a:pPr>
+            <a:endParaRPr lang="nb-NO" sz="2000" dirty="0">
+              <a:latin typeface="Yu Gothic UI Semibold" panose="020B0700000000000000" pitchFamily="34" charset="-128"/>
+              <a:ea typeface="Yu Gothic UI Semibold" panose="020B0700000000000000" pitchFamily="34" charset="-128"/>
+            </a:endParaRPr>
+          </a:p>
+          <a:p>
+            <a:pPr marL="342900" indent="-342900">
+              <a:buFont typeface="Arial" panose="020B0604020202020204" pitchFamily="34" charset="0"/>
+              <a:buChar char="•"/>
+            </a:pPr>
+            <a:r>
+              <a:rPr lang="nb-NO" sz="2000" dirty="0">
+                <a:latin typeface="Yu Gothic UI Semibold" panose="020B0700000000000000" pitchFamily="34" charset="-128"/>
+                <a:ea typeface="Yu Gothic UI Semibold" panose="020B0700000000000000" pitchFamily="34" charset="-128"/>
+              </a:rPr>
+              <a:t>ER-diagram</a:t>
+            </a:r>
+          </a:p>
+          <a:p>
+            <a:endParaRPr lang="nb-NO" sz="2000" dirty="0">
+              <a:latin typeface="Yu Gothic UI Semibold" panose="020B0700000000000000" pitchFamily="34" charset="-128"/>
+              <a:ea typeface="Yu Gothic UI Semibold" panose="020B0700000000000000" pitchFamily="34" charset="-128"/>
+            </a:endParaRPr>
+          </a:p>
+          <a:p>
+            <a:pPr marL="285750" indent="-285750">
+              <a:buFont typeface="Arial" panose="020B0604020202020204" pitchFamily="34" charset="0"/>
+              <a:buChar char="•"/>
+            </a:pPr>
+            <a:r>
+              <a:rPr lang="nb-NO" sz="2000" dirty="0">
+                <a:latin typeface="Yu Gothic UI Semibold" panose="020B0700000000000000" pitchFamily="34" charset="-128"/>
+                <a:ea typeface="Yu Gothic UI Semibold" panose="020B0700000000000000" pitchFamily="34" charset="-128"/>
+              </a:rPr>
+              <a:t>GDPR</a:t>
             </a:r>
           </a:p>
           <a:p>
@@ -7187,13 +13389,10 @@
               <a:buFont typeface="Arial" panose="020B0604020202020204" pitchFamily="34" charset="0"/>
               <a:buChar char="•"/>
             </a:pPr>
-            <a:r>
-              <a:rPr lang="nb-NO" sz="2000" dirty="0">
-                <a:latin typeface="Yu Gothic UI Semibold" panose="020B0700000000000000" pitchFamily="34" charset="-128"/>
-                <a:ea typeface="Yu Gothic UI Semibold" panose="020B0700000000000000" pitchFamily="34" charset="-128"/>
-              </a:rPr>
-              <a:t>GDPR</a:t>
-            </a:r>
+            <a:endParaRPr lang="nb-NO" sz="2000" dirty="0">
+              <a:latin typeface="Yu Gothic UI Semibold" panose="020B0700000000000000" pitchFamily="34" charset="-128"/>
+              <a:ea typeface="Yu Gothic UI Semibold" panose="020B0700000000000000" pitchFamily="34" charset="-128"/>
+            </a:endParaRPr>
           </a:p>
           <a:p>
             <a:pPr marL="285750" indent="-285750">
@@ -7205,8 +13404,111 @@
               <a:ea typeface="Yu Gothic UI Semibold" panose="020B0700000000000000" pitchFamily="34" charset="-128"/>
             </a:endParaRPr>
           </a:p>
-          <a:p>
-            <a:pPr marL="285750" indent="-285750">
+        </p:txBody>
+      </p:sp>
+      <p:sp>
+        <p:nvSpPr>
+          <p:cNvPr id="9" name="TekstSylinder 8">
+            <a:extLst>
+              <a:ext uri="{FF2B5EF4-FFF2-40B4-BE49-F238E27FC236}">
+                <a16:creationId xmlns:a16="http://schemas.microsoft.com/office/drawing/2014/main" id="{69B589C0-852F-4831-3E9D-3B3D5F46BC00}"/>
+              </a:ext>
+            </a:extLst>
+          </p:cNvPr>
+          <p:cNvSpPr txBox="1"/>
+          <p:nvPr/>
+        </p:nvSpPr>
+        <p:spPr>
+          <a:xfrm>
+            <a:off x="1114721" y="5773039"/>
+            <a:ext cx="3922869" cy="400110"/>
+          </a:xfrm>
+          <a:prstGeom prst="rect">
+            <a:avLst/>
+          </a:prstGeom>
+          <a:noFill/>
+        </p:spPr>
+        <p:txBody>
+          <a:bodyPr wrap="none" rtlCol="0">
+            <a:spAutoFit/>
+          </a:bodyPr>
+          <a:lstStyle/>
+          <a:p>
+            <a:r>
+              <a:rPr lang="nb-NO" sz="2000" dirty="0">
+                <a:latin typeface="Yu Gothic UI Semibold" panose="020B0700000000000000" pitchFamily="34" charset="-128"/>
+                <a:ea typeface="Yu Gothic UI Semibold" panose="020B0700000000000000" pitchFamily="34" charset="-128"/>
+              </a:rPr>
+              <a:t>Bare å stille spørsmål underveis!</a:t>
+            </a:r>
+          </a:p>
+        </p:txBody>
+      </p:sp>
+      <p:pic>
+        <p:nvPicPr>
+          <p:cNvPr id="3" name="Bilde 2" descr="Et bilde som inneholder Font, Grafikk, skjermbilde, tekst&#10;&#10;Automatisk generert beskrivelse">
+            <a:extLst>
+              <a:ext uri="{FF2B5EF4-FFF2-40B4-BE49-F238E27FC236}">
+                <a16:creationId xmlns:a16="http://schemas.microsoft.com/office/drawing/2014/main" id="{F651C939-8525-4050-D9A8-88748D064326}"/>
+              </a:ext>
+            </a:extLst>
+          </p:cNvPr>
+          <p:cNvPicPr>
+            <a:picLocks noChangeAspect="1"/>
+          </p:cNvPicPr>
+          <p:nvPr/>
+        </p:nvPicPr>
+        <p:blipFill>
+          <a:blip r:embed="rId3">
+            <a:extLst>
+              <a:ext uri="{28A0092B-C50C-407E-A947-70E740481C1C}">
+                <a14:useLocalDpi xmlns:a14="http://schemas.microsoft.com/office/drawing/2010/main" val="0"/>
+              </a:ext>
+            </a:extLst>
+          </a:blip>
+          <a:stretch>
+            <a:fillRect/>
+          </a:stretch>
+        </p:blipFill>
+        <p:spPr>
+          <a:xfrm>
+            <a:off x="9618917" y="5095462"/>
+            <a:ext cx="2487740" cy="1801175"/>
+          </a:xfrm>
+          <a:prstGeom prst="rect">
+            <a:avLst/>
+          </a:prstGeom>
+        </p:spPr>
+      </p:pic>
+      <p:sp>
+        <p:nvSpPr>
+          <p:cNvPr id="2" name="TekstSylinder 1">
+            <a:extLst>
+              <a:ext uri="{FF2B5EF4-FFF2-40B4-BE49-F238E27FC236}">
+                <a16:creationId xmlns:a16="http://schemas.microsoft.com/office/drawing/2014/main" id="{B56E9E75-0B40-870F-BFF5-8328211F5EB2}"/>
+              </a:ext>
+            </a:extLst>
+          </p:cNvPr>
+          <p:cNvSpPr txBox="1"/>
+          <p:nvPr/>
+        </p:nvSpPr>
+        <p:spPr>
+          <a:xfrm>
+            <a:off x="6107650" y="1472926"/>
+            <a:ext cx="4755137" cy="1938992"/>
+          </a:xfrm>
+          <a:prstGeom prst="rect">
+            <a:avLst/>
+          </a:prstGeom>
+          <a:noFill/>
+        </p:spPr>
+        <p:txBody>
+          <a:bodyPr wrap="square" rtlCol="0">
+            <a:spAutoFit/>
+          </a:bodyPr>
+          <a:lstStyle/>
+          <a:p>
+            <a:pPr marL="342900" indent="-342900">
               <a:buFont typeface="Arial" panose="020B0604020202020204" pitchFamily="34" charset="0"/>
               <a:buChar char="•"/>
             </a:pPr>
@@ -7219,7 +13521,66 @@
             </a:r>
           </a:p>
           <a:p>
-            <a:pPr marL="285750" indent="-285750">
+            <a:r>
+              <a:rPr lang="nb-NO" sz="2000" dirty="0">
+                <a:latin typeface="Yu Gothic UI Semibold" panose="020B0700000000000000" pitchFamily="34" charset="-128"/>
+                <a:ea typeface="Yu Gothic UI Semibold" panose="020B0700000000000000" pitchFamily="34" charset="-128"/>
+              </a:rPr>
+              <a:t>	</a:t>
+            </a:r>
+          </a:p>
+          <a:p>
+            <a:pPr marL="342900" indent="-342900">
+              <a:buFont typeface="Arial" panose="020B0604020202020204" pitchFamily="34" charset="0"/>
+              <a:buChar char="•"/>
+            </a:pPr>
+            <a:r>
+              <a:rPr lang="nb-NO" sz="2000" dirty="0" err="1">
+                <a:latin typeface="Yu Gothic UI Semibold" panose="020B0700000000000000" pitchFamily="34" charset="-128"/>
+                <a:ea typeface="Yu Gothic UI Semibold" panose="020B0700000000000000" pitchFamily="34" charset="-128"/>
+              </a:rPr>
+              <a:t>Trello</a:t>
+            </a:r>
+            <a:r>
+              <a:rPr lang="nb-NO" sz="2000" dirty="0">
+                <a:latin typeface="Yu Gothic UI Semibold" panose="020B0700000000000000" pitchFamily="34" charset="-128"/>
+                <a:ea typeface="Yu Gothic UI Semibold" panose="020B0700000000000000" pitchFamily="34" charset="-128"/>
+              </a:rPr>
+              <a:t> og </a:t>
+            </a:r>
+            <a:r>
+              <a:rPr lang="nb-NO" sz="2000" dirty="0" err="1">
+                <a:latin typeface="Yu Gothic UI Semibold" panose="020B0700000000000000" pitchFamily="34" charset="-128"/>
+                <a:ea typeface="Yu Gothic UI Semibold" panose="020B0700000000000000" pitchFamily="34" charset="-128"/>
+              </a:rPr>
+              <a:t>Github</a:t>
+            </a:r>
+            <a:endParaRPr lang="nb-NO" sz="2000" dirty="0">
+              <a:latin typeface="Yu Gothic UI Semibold" panose="020B0700000000000000" pitchFamily="34" charset="-128"/>
+              <a:ea typeface="Yu Gothic UI Semibold" panose="020B0700000000000000" pitchFamily="34" charset="-128"/>
+            </a:endParaRPr>
+          </a:p>
+          <a:p>
+            <a:endParaRPr lang="nb-NO" sz="2000" dirty="0">
+              <a:latin typeface="Yu Gothic UI Semibold" panose="020B0700000000000000" pitchFamily="34" charset="-128"/>
+              <a:ea typeface="Yu Gothic UI Semibold" panose="020B0700000000000000" pitchFamily="34" charset="-128"/>
+            </a:endParaRPr>
+          </a:p>
+          <a:p>
+            <a:pPr marL="342900" indent="-342900">
+              <a:buFont typeface="Arial" panose="020B0604020202020204" pitchFamily="34" charset="0"/>
+              <a:buChar char="•"/>
+            </a:pPr>
+            <a:r>
+              <a:rPr lang="nb-NO" sz="2000" dirty="0">
+                <a:latin typeface="Yu Gothic UI Semibold" panose="020B0700000000000000" pitchFamily="34" charset="-128"/>
+                <a:ea typeface="Yu Gothic UI Semibold" panose="020B0700000000000000" pitchFamily="34" charset="-128"/>
+              </a:rPr>
+              <a:t>Demonstrasjon av tjenesten og kode</a:t>
+            </a:r>
+          </a:p>
+          <a:p>
+            <a:pPr marL="342900" indent="-342900">
               <a:buFont typeface="Arial" panose="020B0604020202020204" pitchFamily="34" charset="0"/>
               <a:buChar char="•"/>
             </a:pPr>
@@ -7228,125 +13589,8 @@
               <a:ea typeface="Yu Gothic UI Semibold" panose="020B0700000000000000" pitchFamily="34" charset="-128"/>
             </a:endParaRPr>
           </a:p>
-          <a:p>
-            <a:pPr marL="285750" indent="-285750">
-              <a:buFont typeface="Arial" panose="020B0604020202020204" pitchFamily="34" charset="0"/>
-              <a:buChar char="•"/>
-            </a:pPr>
-            <a:r>
-              <a:rPr lang="nb-NO" sz="2000" dirty="0" err="1">
-                <a:latin typeface="Yu Gothic UI Semibold" panose="020B0700000000000000" pitchFamily="34" charset="-128"/>
-                <a:ea typeface="Yu Gothic UI Semibold" panose="020B0700000000000000" pitchFamily="34" charset="-128"/>
-              </a:rPr>
-              <a:t>Trello</a:t>
-            </a:r>
-            <a:r>
-              <a:rPr lang="nb-NO" sz="2000" dirty="0">
-                <a:latin typeface="Yu Gothic UI Semibold" panose="020B0700000000000000" pitchFamily="34" charset="-128"/>
-                <a:ea typeface="Yu Gothic UI Semibold" panose="020B0700000000000000" pitchFamily="34" charset="-128"/>
-              </a:rPr>
-              <a:t> og Github</a:t>
-            </a:r>
-          </a:p>
-          <a:p>
-            <a:pPr marL="285750" indent="-285750">
-              <a:buFont typeface="Arial" panose="020B0604020202020204" pitchFamily="34" charset="0"/>
-              <a:buChar char="•"/>
-            </a:pPr>
-            <a:endParaRPr lang="nb-NO" sz="2000" dirty="0">
-              <a:latin typeface="Yu Gothic UI Semibold" panose="020B0700000000000000" pitchFamily="34" charset="-128"/>
-              <a:ea typeface="Yu Gothic UI Semibold" panose="020B0700000000000000" pitchFamily="34" charset="-128"/>
-            </a:endParaRPr>
-          </a:p>
-          <a:p>
-            <a:pPr marL="285750" indent="-285750">
-              <a:buFont typeface="Arial" panose="020B0604020202020204" pitchFamily="34" charset="0"/>
-              <a:buChar char="•"/>
-            </a:pPr>
-            <a:r>
-              <a:rPr lang="nb-NO" sz="2000" dirty="0">
-                <a:latin typeface="Yu Gothic UI Semibold" panose="020B0700000000000000" pitchFamily="34" charset="-128"/>
-                <a:ea typeface="Yu Gothic UI Semibold" panose="020B0700000000000000" pitchFamily="34" charset="-128"/>
-              </a:rPr>
-              <a:t>Demonstrasjon av tjenesten og kode</a:t>
-            </a:r>
-          </a:p>
-        </p:txBody>
-      </p:sp>
-      <p:sp>
-        <p:nvSpPr>
-          <p:cNvPr id="9" name="TekstSylinder 8">
-            <a:extLst>
-              <a:ext uri="{FF2B5EF4-FFF2-40B4-BE49-F238E27FC236}">
-                <a16:creationId xmlns:a16="http://schemas.microsoft.com/office/drawing/2014/main" id="{69B589C0-852F-4831-3E9D-3B3D5F46BC00}"/>
-              </a:ext>
-            </a:extLst>
-          </p:cNvPr>
-          <p:cNvSpPr txBox="1"/>
-          <p:nvPr/>
-        </p:nvSpPr>
-        <p:spPr>
-          <a:xfrm>
-            <a:off x="1114721" y="5773039"/>
-            <a:ext cx="3922869" cy="400110"/>
-          </a:xfrm>
-          <a:prstGeom prst="rect">
-            <a:avLst/>
-          </a:prstGeom>
-          <a:noFill/>
-        </p:spPr>
-        <p:txBody>
-          <a:bodyPr wrap="none" rtlCol="0">
-            <a:spAutoFit/>
-          </a:bodyPr>
-          <a:lstStyle/>
-          <a:p>
-            <a:r>
-              <a:rPr lang="nb-NO" sz="2000" dirty="0">
-                <a:latin typeface="Yu Gothic UI Semibold" panose="020B0700000000000000" pitchFamily="34" charset="-128"/>
-                <a:ea typeface="Yu Gothic UI Semibold" panose="020B0700000000000000" pitchFamily="34" charset="-128"/>
-              </a:rPr>
-              <a:t>Bare å stille spørsmål underveis!</a:t>
-            </a:r>
-          </a:p>
-        </p:txBody>
-      </p:sp>
-      <p:pic>
-        <p:nvPicPr>
-          <p:cNvPr id="3" name="Bilde 2" descr="Et bilde som inneholder Font, Grafikk, skjermbilde, tekst&#10;&#10;Automatisk generert beskrivelse">
-            <a:extLst>
-              <a:ext uri="{FF2B5EF4-FFF2-40B4-BE49-F238E27FC236}">
-                <a16:creationId xmlns:a16="http://schemas.microsoft.com/office/drawing/2014/main" id="{F651C939-8525-4050-D9A8-88748D064326}"/>
-              </a:ext>
-            </a:extLst>
-          </p:cNvPr>
-          <p:cNvPicPr>
-            <a:picLocks noChangeAspect="1"/>
-          </p:cNvPicPr>
-          <p:nvPr/>
-        </p:nvPicPr>
-        <p:blipFill>
-          <a:blip r:embed="rId3">
-            <a:extLst>
-              <a:ext uri="{28A0092B-C50C-407E-A947-70E740481C1C}">
-                <a14:useLocalDpi xmlns:a14="http://schemas.microsoft.com/office/drawing/2010/main" val="0"/>
-              </a:ext>
-            </a:extLst>
-          </a:blip>
-          <a:stretch>
-            <a:fillRect/>
-          </a:stretch>
-        </p:blipFill>
-        <p:spPr>
-          <a:xfrm>
-            <a:off x="9618917" y="5095462"/>
-            <a:ext cx="2487740" cy="1801175"/>
-          </a:xfrm>
-          <a:prstGeom prst="rect">
-            <a:avLst/>
-          </a:prstGeom>
-        </p:spPr>
-      </p:pic>
+        </p:txBody>
+      </p:sp>
     </p:spTree>
     <p:extLst>
       <p:ext uri="{BB962C8B-B14F-4D97-AF65-F5344CB8AC3E}">
@@ -7756,7 +14000,7 @@
                             </p:stCondLst>
                             <p:childTnLst>
                               <p:par>
-                                <p:cTn id="35" presetID="10" presetClass="entr" presetSubtype="0" fill="hold" nodeType="clickEffect">
+                                <p:cTn id="35" presetID="1" presetClass="entr" presetSubtype="0" fill="hold" nodeType="clickEffect">
                                   <p:stCondLst>
                                     <p:cond delay="0"/>
                                   </p:stCondLst>
@@ -7764,6 +14008,202 @@
                                     <p:set>
                                       <p:cBhvr>
                                         <p:cTn id="36" dur="1" fill="hold">
+                                          <p:stCondLst>
+                                            <p:cond delay="0"/>
+                                          </p:stCondLst>
+                                        </p:cTn>
+                                        <p:tgtEl>
+                                          <p:spTgt spid="2">
+                                            <p:txEl>
+                                              <p:pRg st="4" end="4"/>
+                                            </p:txEl>
+                                          </p:spTgt>
+                                        </p:tgtEl>
+                                        <p:attrNameLst>
+                                          <p:attrName>style.visibility</p:attrName>
+                                        </p:attrNameLst>
+                                      </p:cBhvr>
+                                      <p:to>
+                                        <p:strVal val="visible"/>
+                                      </p:to>
+                                    </p:set>
+                                  </p:childTnLst>
+                                </p:cTn>
+                              </p:par>
+                            </p:childTnLst>
+                          </p:cTn>
+                        </p:par>
+                      </p:childTnLst>
+                    </p:cTn>
+                  </p:par>
+                  <p:par>
+                    <p:cTn id="37" fill="hold">
+                      <p:stCondLst>
+                        <p:cond delay="indefinite"/>
+                      </p:stCondLst>
+                      <p:childTnLst>
+                        <p:par>
+                          <p:cTn id="38" fill="hold">
+                            <p:stCondLst>
+                              <p:cond delay="0"/>
+                            </p:stCondLst>
+                            <p:childTnLst>
+                              <p:par>
+                                <p:cTn id="39" presetID="1" presetClass="entr" presetSubtype="0" fill="hold" nodeType="clickEffect">
+                                  <p:stCondLst>
+                                    <p:cond delay="0"/>
+                                  </p:stCondLst>
+                                  <p:childTnLst>
+                                    <p:set>
+                                      <p:cBhvr>
+                                        <p:cTn id="40" dur="1" fill="hold">
+                                          <p:stCondLst>
+                                            <p:cond delay="0"/>
+                                          </p:stCondLst>
+                                        </p:cTn>
+                                        <p:tgtEl>
+                                          <p:spTgt spid="2">
+                                            <p:txEl>
+                                              <p:pRg st="1" end="1"/>
+                                            </p:txEl>
+                                          </p:spTgt>
+                                        </p:tgtEl>
+                                        <p:attrNameLst>
+                                          <p:attrName>style.visibility</p:attrName>
+                                        </p:attrNameLst>
+                                      </p:cBhvr>
+                                      <p:to>
+                                        <p:strVal val="visible"/>
+                                      </p:to>
+                                    </p:set>
+                                  </p:childTnLst>
+                                </p:cTn>
+                              </p:par>
+                            </p:childTnLst>
+                          </p:cTn>
+                        </p:par>
+                      </p:childTnLst>
+                    </p:cTn>
+                  </p:par>
+                  <p:par>
+                    <p:cTn id="41" fill="hold">
+                      <p:stCondLst>
+                        <p:cond delay="indefinite"/>
+                      </p:stCondLst>
+                      <p:childTnLst>
+                        <p:par>
+                          <p:cTn id="42" fill="hold">
+                            <p:stCondLst>
+                              <p:cond delay="0"/>
+                            </p:stCondLst>
+                            <p:childTnLst>
+                              <p:par>
+                                <p:cTn id="43" presetID="1" presetClass="entr" presetSubtype="0" fill="hold" nodeType="clickEffect">
+                                  <p:stCondLst>
+                                    <p:cond delay="0"/>
+                                  </p:stCondLst>
+                                  <p:childTnLst>
+                                    <p:set>
+                                      <p:cBhvr>
+                                        <p:cTn id="44" dur="1" fill="hold">
+                                          <p:stCondLst>
+                                            <p:cond delay="0"/>
+                                          </p:stCondLst>
+                                        </p:cTn>
+                                        <p:tgtEl>
+                                          <p:spTgt spid="2">
+                                            <p:txEl>
+                                              <p:pRg st="2" end="2"/>
+                                            </p:txEl>
+                                          </p:spTgt>
+                                        </p:tgtEl>
+                                        <p:attrNameLst>
+                                          <p:attrName>style.visibility</p:attrName>
+                                        </p:attrNameLst>
+                                      </p:cBhvr>
+                                      <p:to>
+                                        <p:strVal val="visible"/>
+                                      </p:to>
+                                    </p:set>
+                                  </p:childTnLst>
+                                </p:cTn>
+                              </p:par>
+                            </p:childTnLst>
+                          </p:cTn>
+                        </p:par>
+                      </p:childTnLst>
+                    </p:cTn>
+                  </p:par>
+                  <p:par>
+                    <p:cTn id="45" fill="hold">
+                      <p:stCondLst>
+                        <p:cond delay="indefinite"/>
+                      </p:stCondLst>
+                      <p:childTnLst>
+                        <p:par>
+                          <p:cTn id="46" fill="hold">
+                            <p:stCondLst>
+                              <p:cond delay="0"/>
+                            </p:stCondLst>
+                            <p:childTnLst>
+                              <p:par>
+                                <p:cTn id="47" presetID="1" presetClass="entr" presetSubtype="0" fill="hold" nodeType="clickEffect">
+                                  <p:stCondLst>
+                                    <p:cond delay="0"/>
+                                  </p:stCondLst>
+                                  <p:childTnLst>
+                                    <p:set>
+                                      <p:cBhvr>
+                                        <p:cTn id="48" dur="1" fill="hold">
+                                          <p:stCondLst>
+                                            <p:cond delay="0"/>
+                                          </p:stCondLst>
+                                        </p:cTn>
+                                        <p:tgtEl>
+                                          <p:spTgt spid="2">
+                                            <p:txEl>
+                                              <p:pRg st="0" end="0"/>
+                                            </p:txEl>
+                                          </p:spTgt>
+                                        </p:tgtEl>
+                                        <p:attrNameLst>
+                                          <p:attrName>style.visibility</p:attrName>
+                                        </p:attrNameLst>
+                                      </p:cBhvr>
+                                      <p:to>
+                                        <p:strVal val="visible"/>
+                                      </p:to>
+                                    </p:set>
+                                  </p:childTnLst>
+                                </p:cTn>
+                              </p:par>
+                            </p:childTnLst>
+                          </p:cTn>
+                        </p:par>
+                      </p:childTnLst>
+                    </p:cTn>
+                  </p:par>
+                  <p:par>
+                    <p:cTn id="49" fill="hold">
+                      <p:stCondLst>
+                        <p:cond delay="indefinite"/>
+                      </p:stCondLst>
+                      <p:childTnLst>
+                        <p:par>
+                          <p:cTn id="50" fill="hold">
+                            <p:stCondLst>
+                              <p:cond delay="0"/>
+                            </p:stCondLst>
+                            <p:childTnLst>
+                              <p:par>
+                                <p:cTn id="51" presetID="1" presetClass="entr" presetSubtype="0" fill="hold" nodeType="clickEffect">
+                                  <p:stCondLst>
+                                    <p:cond delay="0"/>
+                                  </p:stCondLst>
+                                  <p:childTnLst>
+                                    <p:set>
+                                      <p:cBhvr>
+                                        <p:cTn id="52" dur="1" fill="hold">
                                           <p:stCondLst>
                                             <p:cond delay="0"/>
                                           </p:stCondLst>
@@ -7783,18 +14223,6 @@
                                         <p:strVal val="visible"/>
                                       </p:to>
                                     </p:set>
-                                    <p:animEffect transition="in" filter="fade">
-                                      <p:cBhvr>
-                                        <p:cTn id="37" dur="500"/>
-                                        <p:tgtEl>
-                                          <p:spTgt spid="9">
-                                            <p:txEl>
-                                              <p:pRg st="0" end="0"/>
-                                            </p:txEl>
-                                          </p:spTgt>
-                                        </p:tgtEl>
-                                      </p:cBhvr>
-                                    </p:animEffect>
                                   </p:childTnLst>
                                 </p:cTn>
                               </p:par>
@@ -7953,7 +14381,10 @@
               <a:buChar char="•"/>
             </a:pPr>
             <a:r>
-              <a:rPr lang="nb-NO" sz="2400" dirty="0"/>
+              <a:rPr lang="nb-NO" sz="2400" b="1" dirty="0">
+                <a:latin typeface="Yu Gothic" panose="020B0400000000000000" pitchFamily="34" charset="-128"/>
+                <a:ea typeface="Yu Gothic" panose="020B0400000000000000" pitchFamily="34" charset="-128"/>
+              </a:rPr>
               <a:t>En Platform for administrering av kunder og deres ansatte</a:t>
             </a:r>
           </a:p>
@@ -7962,7 +14393,10 @@
               <a:buFont typeface="Arial" panose="020B0604020202020204" pitchFamily="34" charset="0"/>
               <a:buChar char="•"/>
             </a:pPr>
-            <a:endParaRPr lang="nb-NO" sz="2400" dirty="0"/>
+            <a:endParaRPr lang="nb-NO" sz="2400" b="1" dirty="0">
+              <a:latin typeface="Yu Gothic" panose="020B0400000000000000" pitchFamily="34" charset="-128"/>
+              <a:ea typeface="Yu Gothic" panose="020B0400000000000000" pitchFamily="34" charset="-128"/>
+            </a:endParaRPr>
           </a:p>
           <a:p>
             <a:pPr marL="285750" indent="-285750">
@@ -7970,7 +14404,10 @@
               <a:buChar char="•"/>
             </a:pPr>
             <a:r>
-              <a:rPr lang="nb-NO" sz="2400" dirty="0"/>
+              <a:rPr lang="nb-NO" sz="2400" b="1" dirty="0">
+                <a:latin typeface="Yu Gothic" panose="020B0400000000000000" pitchFamily="34" charset="-128"/>
+                <a:ea typeface="Yu Gothic" panose="020B0400000000000000" pitchFamily="34" charset="-128"/>
+              </a:rPr>
               <a:t>Et system som tilrettelegger for oppretting, redigering og sletting av kunder og deres ansatte</a:t>
             </a:r>
           </a:p>
@@ -7979,7 +14416,10 @@
               <a:buFont typeface="Arial" panose="020B0604020202020204" pitchFamily="34" charset="0"/>
               <a:buChar char="•"/>
             </a:pPr>
-            <a:endParaRPr lang="nb-NO" sz="2400" dirty="0"/>
+            <a:endParaRPr lang="nb-NO" sz="2400" b="1" dirty="0">
+              <a:latin typeface="Yu Gothic" panose="020B0400000000000000" pitchFamily="34" charset="-128"/>
+              <a:ea typeface="Yu Gothic" panose="020B0400000000000000" pitchFamily="34" charset="-128"/>
+            </a:endParaRPr>
           </a:p>
           <a:p>
             <a:pPr marL="285750" indent="-285750">
@@ -7987,7 +14427,10 @@
               <a:buChar char="•"/>
             </a:pPr>
             <a:r>
-              <a:rPr lang="nb-NO" sz="2400" dirty="0"/>
+              <a:rPr lang="nb-NO" sz="2400" b="1" dirty="0">
+                <a:latin typeface="Yu Gothic" panose="020B0400000000000000" pitchFamily="34" charset="-128"/>
+                <a:ea typeface="Yu Gothic" panose="020B0400000000000000" pitchFamily="34" charset="-128"/>
+              </a:rPr>
               <a:t>Brukervennlig, effektivt og trygt!</a:t>
             </a:r>
           </a:p>
@@ -11671,6 +18114,106 @@
           <a:chExt cx="0" cy="0"/>
         </a:xfrm>
       </p:grpSpPr>
+      <p:sp>
+        <p:nvSpPr>
+          <p:cNvPr id="10" name="TekstSylinder 9">
+            <a:extLst>
+              <a:ext uri="{FF2B5EF4-FFF2-40B4-BE49-F238E27FC236}">
+                <a16:creationId xmlns:a16="http://schemas.microsoft.com/office/drawing/2014/main" id="{1A7DAA38-29E5-ADA5-05BD-B759A504B5C0}"/>
+              </a:ext>
+            </a:extLst>
+          </p:cNvPr>
+          <p:cNvSpPr txBox="1"/>
+          <p:nvPr/>
+        </p:nvSpPr>
+        <p:spPr>
+          <a:xfrm>
+            <a:off x="-2579694" y="3584586"/>
+            <a:ext cx="2097049" cy="1477328"/>
+          </a:xfrm>
+          <a:prstGeom prst="rect">
+            <a:avLst/>
+          </a:prstGeom>
+          <a:noFill/>
+        </p:spPr>
+        <p:txBody>
+          <a:bodyPr wrap="none" rtlCol="0">
+            <a:spAutoFit/>
+          </a:bodyPr>
+          <a:lstStyle/>
+          <a:p>
+            <a:r>
+              <a:rPr lang="nb-NO" sz="7200" dirty="0" err="1">
+                <a:latin typeface="Yu Gothic UI Semibold" panose="020B0700000000000000" pitchFamily="34" charset="-128"/>
+                <a:ea typeface="Yu Gothic UI Semibold" panose="020B0700000000000000" pitchFamily="34" charset="-128"/>
+              </a:rPr>
+              <a:t>D</a:t>
+            </a:r>
+            <a:r>
+              <a:rPr lang="nb-NO" sz="4400" dirty="0" err="1">
+                <a:latin typeface="Yu Gothic UI Semibold" panose="020B0700000000000000" pitchFamily="34" charset="-128"/>
+                <a:ea typeface="Yu Gothic UI Semibold" panose="020B0700000000000000" pitchFamily="34" charset="-128"/>
+              </a:rPr>
+              <a:t>elete</a:t>
+            </a:r>
+            <a:endParaRPr lang="nb-NO" sz="4400" dirty="0">
+              <a:latin typeface="Yu Gothic UI Semibold" panose="020B0700000000000000" pitchFamily="34" charset="-128"/>
+              <a:ea typeface="Yu Gothic UI Semibold" panose="020B0700000000000000" pitchFamily="34" charset="-128"/>
+            </a:endParaRPr>
+          </a:p>
+          <a:p>
+            <a:endParaRPr lang="nb-NO" dirty="0"/>
+          </a:p>
+        </p:txBody>
+      </p:sp>
+      <p:sp>
+        <p:nvSpPr>
+          <p:cNvPr id="2" name="TekstSylinder 1">
+            <a:extLst>
+              <a:ext uri="{FF2B5EF4-FFF2-40B4-BE49-F238E27FC236}">
+                <a16:creationId xmlns:a16="http://schemas.microsoft.com/office/drawing/2014/main" id="{4C90F41D-9157-4146-B4E3-746C0CF71E2F}"/>
+              </a:ext>
+            </a:extLst>
+          </p:cNvPr>
+          <p:cNvSpPr txBox="1"/>
+          <p:nvPr/>
+        </p:nvSpPr>
+        <p:spPr>
+          <a:xfrm>
+            <a:off x="1135057" y="-1445949"/>
+            <a:ext cx="2311851" cy="1477328"/>
+          </a:xfrm>
+          <a:prstGeom prst="rect">
+            <a:avLst/>
+          </a:prstGeom>
+          <a:noFill/>
+        </p:spPr>
+        <p:txBody>
+          <a:bodyPr wrap="square" rtlCol="0">
+            <a:spAutoFit/>
+          </a:bodyPr>
+          <a:lstStyle/>
+          <a:p>
+            <a:r>
+              <a:rPr lang="nb-NO" sz="7200" dirty="0">
+                <a:latin typeface="Yu Gothic UI Semibold" panose="020B0700000000000000" pitchFamily="34" charset="-128"/>
+                <a:ea typeface="Yu Gothic UI Semibold" panose="020B0700000000000000" pitchFamily="34" charset="-128"/>
+              </a:rPr>
+              <a:t>R</a:t>
+            </a:r>
+            <a:r>
+              <a:rPr lang="nb-NO" sz="4400" dirty="0">
+                <a:latin typeface="Yu Gothic UI Semibold" panose="020B0700000000000000" pitchFamily="34" charset="-128"/>
+                <a:ea typeface="Yu Gothic UI Semibold" panose="020B0700000000000000" pitchFamily="34" charset="-128"/>
+              </a:rPr>
+              <a:t>ead</a:t>
+            </a:r>
+          </a:p>
+          <a:p>
+            <a:endParaRPr lang="nb-NO" dirty="0"/>
+          </a:p>
+        </p:txBody>
+      </p:sp>
       <p:pic>
         <p:nvPicPr>
           <p:cNvPr id="5" name="Bilde 4">
@@ -11703,10 +18246,10 @@
       </p:pic>
       <p:sp>
         <p:nvSpPr>
-          <p:cNvPr id="8" name="TekstSylinder 7">
-            <a:extLst>
-              <a:ext uri="{FF2B5EF4-FFF2-40B4-BE49-F238E27FC236}">
-                <a16:creationId xmlns:a16="http://schemas.microsoft.com/office/drawing/2014/main" id="{FE77365E-0A23-CBB0-B1A0-80452C3AC1C7}"/>
+          <p:cNvPr id="3" name="TekstSylinder 2">
+            <a:extLst>
+              <a:ext uri="{FF2B5EF4-FFF2-40B4-BE49-F238E27FC236}">
+                <a16:creationId xmlns:a16="http://schemas.microsoft.com/office/drawing/2014/main" id="{0045C8E8-D241-015D-9A17-0D3D4CAC9BD2}"/>
               </a:ext>
             </a:extLst>
           </p:cNvPr>
@@ -11715,7 +18258,174 @@
         </p:nvSpPr>
         <p:spPr>
           <a:xfrm>
-            <a:off x="1069804" y="-1326028"/>
+            <a:off x="1135056" y="-1477328"/>
+            <a:ext cx="2311851" cy="1477328"/>
+          </a:xfrm>
+          <a:prstGeom prst="rect">
+            <a:avLst/>
+          </a:prstGeom>
+          <a:noFill/>
+        </p:spPr>
+        <p:txBody>
+          <a:bodyPr wrap="none" rtlCol="0">
+            <a:spAutoFit/>
+          </a:bodyPr>
+          <a:lstStyle/>
+          <a:p>
+            <a:r>
+              <a:rPr lang="nb-NO" sz="7200" dirty="0">
+                <a:latin typeface="Yu Gothic UI Semibold" panose="020B0700000000000000" pitchFamily="34" charset="-128"/>
+                <a:ea typeface="Yu Gothic UI Semibold" panose="020B0700000000000000" pitchFamily="34" charset="-128"/>
+              </a:rPr>
+              <a:t>U</a:t>
+            </a:r>
+            <a:r>
+              <a:rPr lang="nb-NO" sz="4400" dirty="0">
+                <a:latin typeface="Yu Gothic UI Semibold" panose="020B0700000000000000" pitchFamily="34" charset="-128"/>
+                <a:ea typeface="Yu Gothic UI Semibold" panose="020B0700000000000000" pitchFamily="34" charset="-128"/>
+              </a:rPr>
+              <a:t>pdate</a:t>
+            </a:r>
+          </a:p>
+          <a:p>
+            <a:endParaRPr lang="nb-NO" dirty="0"/>
+          </a:p>
+        </p:txBody>
+      </p:sp>
+      <p:sp>
+        <p:nvSpPr>
+          <p:cNvPr id="11" name="TekstSylinder 10">
+            <a:extLst>
+              <a:ext uri="{FF2B5EF4-FFF2-40B4-BE49-F238E27FC236}">
+                <a16:creationId xmlns:a16="http://schemas.microsoft.com/office/drawing/2014/main" id="{62FB0E21-6322-9FD7-1CEC-8650BBE298FE}"/>
+              </a:ext>
+            </a:extLst>
+          </p:cNvPr>
+          <p:cNvSpPr txBox="1"/>
+          <p:nvPr/>
+        </p:nvSpPr>
+        <p:spPr>
+          <a:xfrm>
+            <a:off x="-6521621" y="1720840"/>
+            <a:ext cx="6362700" cy="3416320"/>
+          </a:xfrm>
+          <a:prstGeom prst="rect">
+            <a:avLst/>
+          </a:prstGeom>
+          <a:noFill/>
+        </p:spPr>
+        <p:txBody>
+          <a:bodyPr wrap="square" rtlCol="0">
+            <a:spAutoFit/>
+          </a:bodyPr>
+          <a:lstStyle/>
+          <a:p>
+            <a:pPr marL="285750" indent="-285750">
+              <a:buFont typeface="Arial" panose="020B0604020202020204" pitchFamily="34" charset="0"/>
+              <a:buChar char="•"/>
+            </a:pPr>
+            <a:r>
+              <a:rPr lang="nb-NO" sz="2400" dirty="0"/>
+              <a:t>Vi lagrer informasjon og håndterer den etter lovverket gitt av GDPR</a:t>
+            </a:r>
+          </a:p>
+          <a:p>
+            <a:pPr marL="285750" indent="-285750">
+              <a:buFont typeface="Arial" panose="020B0604020202020204" pitchFamily="34" charset="0"/>
+              <a:buChar char="•"/>
+            </a:pPr>
+            <a:endParaRPr lang="nb-NO" sz="2400" dirty="0"/>
+          </a:p>
+          <a:p>
+            <a:pPr marL="285750" indent="-285750">
+              <a:buFont typeface="Arial" panose="020B0604020202020204" pitchFamily="34" charset="0"/>
+              <a:buChar char="•"/>
+            </a:pPr>
+            <a:r>
+              <a:rPr lang="nb-NO" sz="2400" dirty="0"/>
+              <a:t>Brukere av tjenesten godkjenner Terms </a:t>
+            </a:r>
+            <a:r>
+              <a:rPr lang="nb-NO" sz="2400" dirty="0" err="1"/>
+              <a:t>of</a:t>
+            </a:r>
+            <a:r>
+              <a:rPr lang="nb-NO" sz="2400" dirty="0"/>
+              <a:t> Service og velger å delta frivillig</a:t>
+            </a:r>
+          </a:p>
+          <a:p>
+            <a:pPr marL="285750" indent="-285750">
+              <a:buFont typeface="Arial" panose="020B0604020202020204" pitchFamily="34" charset="0"/>
+              <a:buChar char="•"/>
+            </a:pPr>
+            <a:endParaRPr lang="nb-NO" sz="2400" dirty="0"/>
+          </a:p>
+          <a:p>
+            <a:pPr marL="285750" indent="-285750">
+              <a:buFont typeface="Arial" panose="020B0604020202020204" pitchFamily="34" charset="0"/>
+              <a:buChar char="•"/>
+            </a:pPr>
+            <a:r>
+              <a:rPr lang="nb-NO" sz="2400" dirty="0"/>
+              <a:t>Kun nødvendig informasjon lagres og slettes dersom det ikke lenger en noe hensikt å beholde den</a:t>
+            </a:r>
+          </a:p>
+        </p:txBody>
+      </p:sp>
+      <p:sp>
+        <p:nvSpPr>
+          <p:cNvPr id="12" name="TekstSylinder 11">
+            <a:extLst>
+              <a:ext uri="{FF2B5EF4-FFF2-40B4-BE49-F238E27FC236}">
+                <a16:creationId xmlns:a16="http://schemas.microsoft.com/office/drawing/2014/main" id="{38EE360A-D982-6F84-EA22-AB5ECBB4B1F2}"/>
+              </a:ext>
+            </a:extLst>
+          </p:cNvPr>
+          <p:cNvSpPr txBox="1"/>
+          <p:nvPr/>
+        </p:nvSpPr>
+        <p:spPr>
+          <a:xfrm>
+            <a:off x="12493454" y="2684959"/>
+            <a:ext cx="1662635" cy="769441"/>
+          </a:xfrm>
+          <a:prstGeom prst="rect">
+            <a:avLst/>
+          </a:prstGeom>
+          <a:noFill/>
+        </p:spPr>
+        <p:txBody>
+          <a:bodyPr wrap="none" rtlCol="0">
+            <a:spAutoFit/>
+          </a:bodyPr>
+          <a:lstStyle/>
+          <a:p>
+            <a:r>
+              <a:rPr lang="nb-NO" sz="4400" dirty="0">
+                <a:latin typeface="Yu Gothic UI Semibold" panose="020B0700000000000000" pitchFamily="34" charset="-128"/>
+                <a:ea typeface="Yu Gothic UI Semibold" panose="020B0700000000000000" pitchFamily="34" charset="-128"/>
+              </a:rPr>
+              <a:t>GDPR</a:t>
+            </a:r>
+          </a:p>
+        </p:txBody>
+      </p:sp>
+      <p:sp>
+        <p:nvSpPr>
+          <p:cNvPr id="14" name="TekstSylinder 13">
+            <a:extLst>
+              <a:ext uri="{FF2B5EF4-FFF2-40B4-BE49-F238E27FC236}">
+                <a16:creationId xmlns:a16="http://schemas.microsoft.com/office/drawing/2014/main" id="{0885B8CA-E097-5CDD-F8E4-18F853B7CC5E}"/>
+              </a:ext>
+            </a:extLst>
+          </p:cNvPr>
+          <p:cNvSpPr txBox="1"/>
+          <p:nvPr/>
+        </p:nvSpPr>
+        <p:spPr>
+          <a:xfrm>
+            <a:off x="-2579694" y="243512"/>
             <a:ext cx="2097049" cy="1477328"/>
           </a:xfrm>
           <a:prstGeom prst="rect">
@@ -11753,198 +18463,12 @@
           </a:p>
         </p:txBody>
       </p:sp>
-      <p:sp>
-        <p:nvSpPr>
-          <p:cNvPr id="7" name="TekstSylinder 6">
-            <a:extLst>
-              <a:ext uri="{FF2B5EF4-FFF2-40B4-BE49-F238E27FC236}">
-                <a16:creationId xmlns:a16="http://schemas.microsoft.com/office/drawing/2014/main" id="{59E2C451-096F-6B46-BAE5-FF779C8E983F}"/>
-              </a:ext>
-            </a:extLst>
-          </p:cNvPr>
-          <p:cNvSpPr txBox="1"/>
-          <p:nvPr/>
-        </p:nvSpPr>
-        <p:spPr>
-          <a:xfrm>
-            <a:off x="8575504" y="2743200"/>
-            <a:ext cx="1662635" cy="769441"/>
-          </a:xfrm>
-          <a:prstGeom prst="rect">
-            <a:avLst/>
-          </a:prstGeom>
-          <a:noFill/>
-        </p:spPr>
-        <p:txBody>
-          <a:bodyPr wrap="none" rtlCol="0">
-            <a:spAutoFit/>
-          </a:bodyPr>
-          <a:lstStyle/>
-          <a:p>
-            <a:r>
-              <a:rPr lang="nb-NO" sz="4400" dirty="0">
-                <a:latin typeface="Yu Gothic UI Semibold" panose="020B0700000000000000" pitchFamily="34" charset="-128"/>
-                <a:ea typeface="Yu Gothic UI Semibold" panose="020B0700000000000000" pitchFamily="34" charset="-128"/>
-              </a:rPr>
-              <a:t>GDPR</a:t>
-            </a:r>
-          </a:p>
-        </p:txBody>
-      </p:sp>
-      <p:sp>
-        <p:nvSpPr>
-          <p:cNvPr id="9" name="TekstSylinder 8">
-            <a:extLst>
-              <a:ext uri="{FF2B5EF4-FFF2-40B4-BE49-F238E27FC236}">
-                <a16:creationId xmlns:a16="http://schemas.microsoft.com/office/drawing/2014/main" id="{C18EAA59-7692-32AB-3676-166E638AFB70}"/>
-              </a:ext>
-            </a:extLst>
-          </p:cNvPr>
-          <p:cNvSpPr txBox="1"/>
-          <p:nvPr/>
-        </p:nvSpPr>
-        <p:spPr>
-          <a:xfrm>
-            <a:off x="833228" y="636091"/>
-            <a:ext cx="6362700" cy="4524315"/>
-          </a:xfrm>
-          <a:prstGeom prst="rect">
-            <a:avLst/>
-          </a:prstGeom>
-          <a:noFill/>
-        </p:spPr>
-        <p:txBody>
-          <a:bodyPr wrap="square" rtlCol="0">
-            <a:spAutoFit/>
-          </a:bodyPr>
-          <a:lstStyle/>
-          <a:p>
-            <a:pPr marL="285750" indent="-285750">
-              <a:buFont typeface="Arial" panose="020B0604020202020204" pitchFamily="34" charset="0"/>
-              <a:buChar char="•"/>
-            </a:pPr>
-            <a:r>
-              <a:rPr lang="nb-NO" sz="2400" dirty="0">
-                <a:latin typeface="Yu Gothic" panose="020B0400000000000000" pitchFamily="34" charset="-128"/>
-                <a:ea typeface="Yu Gothic" panose="020B0400000000000000" pitchFamily="34" charset="-128"/>
-              </a:rPr>
-              <a:t>Vi lagrer informasjon og håndterer den etter lovverket gitt av GDPR</a:t>
-            </a:r>
-          </a:p>
-          <a:p>
-            <a:pPr marL="285750" indent="-285750">
-              <a:buFont typeface="Arial" panose="020B0604020202020204" pitchFamily="34" charset="0"/>
-              <a:buChar char="•"/>
-            </a:pPr>
-            <a:endParaRPr lang="nb-NO" sz="2400" dirty="0">
-              <a:latin typeface="Yu Gothic" panose="020B0400000000000000" pitchFamily="34" charset="-128"/>
-              <a:ea typeface="Yu Gothic" panose="020B0400000000000000" pitchFamily="34" charset="-128"/>
-            </a:endParaRPr>
-          </a:p>
-          <a:p>
-            <a:pPr marL="285750" indent="-285750">
-              <a:buFont typeface="Arial" panose="020B0604020202020204" pitchFamily="34" charset="0"/>
-              <a:buChar char="•"/>
-            </a:pPr>
-            <a:r>
-              <a:rPr lang="nb-NO" sz="2400" dirty="0">
-                <a:latin typeface="Yu Gothic" panose="020B0400000000000000" pitchFamily="34" charset="-128"/>
-                <a:ea typeface="Yu Gothic" panose="020B0400000000000000" pitchFamily="34" charset="-128"/>
-              </a:rPr>
-              <a:t>Brukere av tjenesten godkjenner </a:t>
-            </a:r>
-          </a:p>
-          <a:p>
-            <a:r>
-              <a:rPr lang="nb-NO" sz="2400" dirty="0">
-                <a:latin typeface="Yu Gothic" panose="020B0400000000000000" pitchFamily="34" charset="-128"/>
-                <a:ea typeface="Yu Gothic" panose="020B0400000000000000" pitchFamily="34" charset="-128"/>
-              </a:rPr>
-              <a:t>    Terms </a:t>
-            </a:r>
-            <a:r>
-              <a:rPr lang="nb-NO" sz="2400" dirty="0" err="1">
-                <a:latin typeface="Yu Gothic" panose="020B0400000000000000" pitchFamily="34" charset="-128"/>
-                <a:ea typeface="Yu Gothic" panose="020B0400000000000000" pitchFamily="34" charset="-128"/>
-              </a:rPr>
-              <a:t>of</a:t>
-            </a:r>
-            <a:r>
-              <a:rPr lang="nb-NO" sz="2400" dirty="0">
-                <a:latin typeface="Yu Gothic" panose="020B0400000000000000" pitchFamily="34" charset="-128"/>
-                <a:ea typeface="Yu Gothic" panose="020B0400000000000000" pitchFamily="34" charset="-128"/>
-              </a:rPr>
-              <a:t> Service og velger å delta frivillig</a:t>
-            </a:r>
-          </a:p>
-          <a:p>
-            <a:pPr marL="285750" indent="-285750">
-              <a:buFont typeface="Arial" panose="020B0604020202020204" pitchFamily="34" charset="0"/>
-              <a:buChar char="•"/>
-            </a:pPr>
-            <a:endParaRPr lang="nb-NO" sz="2400" dirty="0">
-              <a:latin typeface="Yu Gothic" panose="020B0400000000000000" pitchFamily="34" charset="-128"/>
-              <a:ea typeface="Yu Gothic" panose="020B0400000000000000" pitchFamily="34" charset="-128"/>
-            </a:endParaRPr>
-          </a:p>
-          <a:p>
-            <a:pPr marL="285750" indent="-285750">
-              <a:buFont typeface="Arial" panose="020B0604020202020204" pitchFamily="34" charset="0"/>
-              <a:buChar char="•"/>
-            </a:pPr>
-            <a:r>
-              <a:rPr lang="nb-NO" sz="2400" dirty="0">
-                <a:latin typeface="Yu Gothic" panose="020B0400000000000000" pitchFamily="34" charset="-128"/>
-                <a:ea typeface="Yu Gothic" panose="020B0400000000000000" pitchFamily="34" charset="-128"/>
-              </a:rPr>
-              <a:t>Kun nødvendig informasjon lagres og slettes dersom det ikke lenger en noe hensikt å beholde den</a:t>
-            </a:r>
-          </a:p>
-          <a:p>
-            <a:pPr marL="285750" indent="-285750">
-              <a:buFont typeface="Arial" panose="020B0604020202020204" pitchFamily="34" charset="0"/>
-              <a:buChar char="•"/>
-            </a:pPr>
-            <a:endParaRPr lang="nb-NO" sz="2400" dirty="0">
-              <a:latin typeface="Yu Gothic" panose="020B0400000000000000" pitchFamily="34" charset="-128"/>
-              <a:ea typeface="Yu Gothic" panose="020B0400000000000000" pitchFamily="34" charset="-128"/>
-            </a:endParaRPr>
-          </a:p>
-          <a:p>
-            <a:pPr marL="285750" indent="-285750">
-              <a:buFont typeface="Arial" panose="020B0604020202020204" pitchFamily="34" charset="0"/>
-              <a:buChar char="•"/>
-            </a:pPr>
-            <a:r>
-              <a:rPr lang="nb-NO" sz="2400" dirty="0">
-                <a:latin typeface="Yu Gothic" panose="020B0400000000000000" pitchFamily="34" charset="-128"/>
-                <a:ea typeface="Yu Gothic" panose="020B0400000000000000" pitchFamily="34" charset="-128"/>
-              </a:rPr>
-              <a:t>Bruker innlogging gjøres trygt ved bruk av </a:t>
-            </a:r>
-            <a:r>
-              <a:rPr lang="nb-NO" sz="2400" dirty="0" err="1">
-                <a:latin typeface="Yu Gothic" panose="020B0400000000000000" pitchFamily="34" charset="-128"/>
-                <a:ea typeface="Yu Gothic" panose="020B0400000000000000" pitchFamily="34" charset="-128"/>
-              </a:rPr>
-              <a:t>hashing</a:t>
-            </a:r>
-            <a:r>
-              <a:rPr lang="nb-NO" sz="2400" dirty="0">
-                <a:latin typeface="Yu Gothic" panose="020B0400000000000000" pitchFamily="34" charset="-128"/>
-                <a:ea typeface="Yu Gothic" panose="020B0400000000000000" pitchFamily="34" charset="-128"/>
-              </a:rPr>
-              <a:t> og CSRF-tokens</a:t>
-            </a:r>
-          </a:p>
-        </p:txBody>
-      </p:sp>
       <p:pic>
         <p:nvPicPr>
-          <p:cNvPr id="2" name="Bilde 1">
-            <a:extLst>
-              <a:ext uri="{FF2B5EF4-FFF2-40B4-BE49-F238E27FC236}">
-                <a16:creationId xmlns:a16="http://schemas.microsoft.com/office/drawing/2014/main" id="{AE1F0002-1BD4-1921-F464-ACC93CC6A74A}"/>
+          <p:cNvPr id="6" name="Bilde 5">
+            <a:extLst>
+              <a:ext uri="{FF2B5EF4-FFF2-40B4-BE49-F238E27FC236}">
+                <a16:creationId xmlns:a16="http://schemas.microsoft.com/office/drawing/2014/main" id="{BB756BAA-4AB3-7B30-3208-BB985F099B6B}"/>
               </a:ext>
             </a:extLst>
           </p:cNvPr>
@@ -11961,7 +18485,7 @@
         </p:blipFill>
         <p:spPr>
           <a:xfrm>
-            <a:off x="662516" y="7233199"/>
+            <a:off x="638132" y="7768224"/>
             <a:ext cx="5338611" cy="2050511"/>
           </a:xfrm>
           <a:prstGeom prst="rect">
@@ -11971,10 +18495,10 @@
       </p:pic>
       <p:pic>
         <p:nvPicPr>
-          <p:cNvPr id="3" name="Bilde 2">
-            <a:extLst>
-              <a:ext uri="{FF2B5EF4-FFF2-40B4-BE49-F238E27FC236}">
-                <a16:creationId xmlns:a16="http://schemas.microsoft.com/office/drawing/2014/main" id="{EDCB2721-F85D-90DF-348A-E6652BAF266C}"/>
+          <p:cNvPr id="7" name="Bilde 6">
+            <a:extLst>
+              <a:ext uri="{FF2B5EF4-FFF2-40B4-BE49-F238E27FC236}">
+                <a16:creationId xmlns:a16="http://schemas.microsoft.com/office/drawing/2014/main" id="{78AE2C29-E015-8119-875A-552C96E79802}"/>
               </a:ext>
             </a:extLst>
           </p:cNvPr>
@@ -11991,7 +18515,7 @@
         </p:blipFill>
         <p:spPr>
           <a:xfrm>
-            <a:off x="6129854" y="7241911"/>
+            <a:off x="6096000" y="7621349"/>
             <a:ext cx="5253326" cy="2344259"/>
           </a:xfrm>
           <a:prstGeom prst="rect">
@@ -12001,10 +18525,10 @@
       </p:pic>
       <p:sp>
         <p:nvSpPr>
-          <p:cNvPr id="6" name="Sirkel: hul 5">
-            <a:extLst>
-              <a:ext uri="{FF2B5EF4-FFF2-40B4-BE49-F238E27FC236}">
-                <a16:creationId xmlns:a16="http://schemas.microsoft.com/office/drawing/2014/main" id="{DA930D1F-0C07-0687-4BCC-22F2EFA348F6}"/>
+          <p:cNvPr id="8" name="Sirkel: hul 7">
+            <a:extLst>
+              <a:ext uri="{FF2B5EF4-FFF2-40B4-BE49-F238E27FC236}">
+                <a16:creationId xmlns:a16="http://schemas.microsoft.com/office/drawing/2014/main" id="{795920CC-C2E2-CB4F-D6E7-C3473CAFE7CA}"/>
               </a:ext>
             </a:extLst>
           </p:cNvPr>
@@ -12013,7 +18537,7 @@
         </p:nvSpPr>
         <p:spPr>
           <a:xfrm>
-            <a:off x="4856040" y="8527228"/>
+            <a:off x="4831656" y="9108259"/>
             <a:ext cx="697583" cy="656223"/>
           </a:xfrm>
           <a:prstGeom prst="donut">
@@ -12057,10 +18581,10 @@
       </p:sp>
       <p:cxnSp>
         <p:nvCxnSpPr>
-          <p:cNvPr id="10" name="Rett pilkobling 9">
-            <a:extLst>
-              <a:ext uri="{FF2B5EF4-FFF2-40B4-BE49-F238E27FC236}">
-                <a16:creationId xmlns:a16="http://schemas.microsoft.com/office/drawing/2014/main" id="{67D0C621-EE45-AD56-E746-AAD7E708189F}"/>
+          <p:cNvPr id="9" name="Rett pilkobling 8">
+            <a:extLst>
+              <a:ext uri="{FF2B5EF4-FFF2-40B4-BE49-F238E27FC236}">
+                <a16:creationId xmlns:a16="http://schemas.microsoft.com/office/drawing/2014/main" id="{D7F11093-39DB-5181-810B-E3EA509D2DBD}"/>
               </a:ext>
             </a:extLst>
           </p:cNvPr>
@@ -12071,7 +18595,7 @@
         </p:nvCxnSpPr>
         <p:spPr>
           <a:xfrm>
-            <a:off x="4727313" y="8258454"/>
+            <a:off x="4702929" y="8839485"/>
             <a:ext cx="358060" cy="268774"/>
           </a:xfrm>
           <a:prstGeom prst="straightConnector1">
@@ -12101,10 +18625,10 @@
       </p:cxnSp>
       <p:sp>
         <p:nvSpPr>
-          <p:cNvPr id="11" name="Sirkel: hul 10">
-            <a:extLst>
-              <a:ext uri="{FF2B5EF4-FFF2-40B4-BE49-F238E27FC236}">
-                <a16:creationId xmlns:a16="http://schemas.microsoft.com/office/drawing/2014/main" id="{9B5720E2-1E2A-AB71-F4C9-DAF04120DE0C}"/>
+          <p:cNvPr id="13" name="Sirkel: hul 12">
+            <a:extLst>
+              <a:ext uri="{FF2B5EF4-FFF2-40B4-BE49-F238E27FC236}">
+                <a16:creationId xmlns:a16="http://schemas.microsoft.com/office/drawing/2014/main" id="{03DB1FB4-C6CB-B307-9827-E0CDE8B9C142}"/>
               </a:ext>
             </a:extLst>
           </p:cNvPr>
@@ -12113,8 +18637,8 @@
         </p:nvSpPr>
         <p:spPr>
           <a:xfrm>
-            <a:off x="10340268" y="8527228"/>
-            <a:ext cx="697583" cy="656223"/>
+            <a:off x="10353161" y="8989101"/>
+            <a:ext cx="673578" cy="656223"/>
           </a:xfrm>
           <a:prstGeom prst="donut">
             <a:avLst>
@@ -12157,10 +18681,10 @@
       </p:sp>
       <p:cxnSp>
         <p:nvCxnSpPr>
-          <p:cNvPr id="12" name="Rett pilkobling 11">
-            <a:extLst>
-              <a:ext uri="{FF2B5EF4-FFF2-40B4-BE49-F238E27FC236}">
-                <a16:creationId xmlns:a16="http://schemas.microsoft.com/office/drawing/2014/main" id="{E1957962-390C-C2A6-62E8-A026642780A0}"/>
+          <p:cNvPr id="15" name="Rett pilkobling 14">
+            <a:extLst>
+              <a:ext uri="{FF2B5EF4-FFF2-40B4-BE49-F238E27FC236}">
+                <a16:creationId xmlns:a16="http://schemas.microsoft.com/office/drawing/2014/main" id="{CF4D6DF2-05DB-C570-7938-8A23646EF21F}"/>
               </a:ext>
             </a:extLst>
           </p:cNvPr>
@@ -12171,7 +18695,7 @@
         </p:nvCxnSpPr>
         <p:spPr>
           <a:xfrm>
-            <a:off x="10065924" y="8283855"/>
+            <a:off x="10041325" y="8748128"/>
             <a:ext cx="367536" cy="278255"/>
           </a:xfrm>
           <a:prstGeom prst="straightConnector1">
@@ -12201,10 +18725,10 @@
       </p:cxnSp>
       <p:pic>
         <p:nvPicPr>
-          <p:cNvPr id="13" name="Bilde 12" descr="Et bilde som inneholder Font, Grafikk, skjermbilde, tekst&#10;&#10;Automatisk generert beskrivelse">
-            <a:extLst>
-              <a:ext uri="{FF2B5EF4-FFF2-40B4-BE49-F238E27FC236}">
-                <a16:creationId xmlns:a16="http://schemas.microsoft.com/office/drawing/2014/main" id="{FDEA77EF-CA15-3373-5FB4-9D9CDB7C3318}"/>
+          <p:cNvPr id="16" name="Bilde 15" descr="Et bilde som inneholder Font, Grafikk, skjermbilde, tekst&#10;&#10;Automatisk generert beskrivelse">
+            <a:extLst>
+              <a:ext uri="{FF2B5EF4-FFF2-40B4-BE49-F238E27FC236}">
+                <a16:creationId xmlns:a16="http://schemas.microsoft.com/office/drawing/2014/main" id="{57E64A46-B8CE-48EE-9A2F-7C280B56D35F}"/>
               </a:ext>
             </a:extLst>
           </p:cNvPr>
@@ -12235,10 +18759,401 @@
           </a:prstGeom>
         </p:spPr>
       </p:pic>
+      <p:sp>
+        <p:nvSpPr>
+          <p:cNvPr id="4" name="TekstSylinder 3">
+            <a:extLst>
+              <a:ext uri="{FF2B5EF4-FFF2-40B4-BE49-F238E27FC236}">
+                <a16:creationId xmlns:a16="http://schemas.microsoft.com/office/drawing/2014/main" id="{46F2E95D-554F-185A-BF7A-B06ED62793CF}"/>
+              </a:ext>
+            </a:extLst>
+          </p:cNvPr>
+          <p:cNvSpPr txBox="1"/>
+          <p:nvPr/>
+        </p:nvSpPr>
+        <p:spPr>
+          <a:xfrm>
+            <a:off x="3459282" y="371017"/>
+            <a:ext cx="5291833" cy="769441"/>
+          </a:xfrm>
+          <a:prstGeom prst="rect">
+            <a:avLst/>
+          </a:prstGeom>
+          <a:noFill/>
+        </p:spPr>
+        <p:txBody>
+          <a:bodyPr wrap="none" rtlCol="0">
+            <a:spAutoFit/>
+          </a:bodyPr>
+          <a:lstStyle/>
+          <a:p>
+            <a:r>
+              <a:rPr lang="nb-NO" sz="4400" b="1" dirty="0">
+                <a:latin typeface="Yu Gothic" panose="020B0400000000000000" pitchFamily="34" charset="-128"/>
+                <a:ea typeface="Yu Gothic" panose="020B0400000000000000" pitchFamily="34" charset="-128"/>
+              </a:rPr>
+              <a:t>Nøkkelegenskaper</a:t>
+            </a:r>
+          </a:p>
+        </p:txBody>
+      </p:sp>
+      <p:sp>
+        <p:nvSpPr>
+          <p:cNvPr id="17" name="TekstSylinder 16">
+            <a:extLst>
+              <a:ext uri="{FF2B5EF4-FFF2-40B4-BE49-F238E27FC236}">
+                <a16:creationId xmlns:a16="http://schemas.microsoft.com/office/drawing/2014/main" id="{CBC92115-F06D-2AB8-A5A4-E4F44DE598D0}"/>
+              </a:ext>
+            </a:extLst>
+          </p:cNvPr>
+          <p:cNvSpPr txBox="1"/>
+          <p:nvPr/>
+        </p:nvSpPr>
+        <p:spPr>
+          <a:xfrm>
+            <a:off x="769384" y="1340035"/>
+            <a:ext cx="5508471" cy="4708981"/>
+          </a:xfrm>
+          <a:prstGeom prst="rect">
+            <a:avLst/>
+          </a:prstGeom>
+          <a:noFill/>
+        </p:spPr>
+        <p:txBody>
+          <a:bodyPr wrap="square" rtlCol="0">
+            <a:spAutoFit/>
+          </a:bodyPr>
+          <a:lstStyle/>
+          <a:p>
+            <a:pPr marL="342900" indent="-342900">
+              <a:buFont typeface="Arial" panose="020B0604020202020204" pitchFamily="34" charset="0"/>
+              <a:buChar char="•"/>
+            </a:pPr>
+            <a:r>
+              <a:rPr lang="nb-NO" sz="2000" b="1" dirty="0">
+                <a:latin typeface="Yu Gothic" panose="020B0400000000000000" pitchFamily="34" charset="-128"/>
+                <a:ea typeface="Yu Gothic" panose="020B0400000000000000" pitchFamily="34" charset="-128"/>
+              </a:rPr>
+              <a:t>Innlogging med to faktor autentisering</a:t>
+            </a:r>
+          </a:p>
+          <a:p>
+            <a:pPr marL="342900" indent="-342900">
+              <a:buFont typeface="Arial" panose="020B0604020202020204" pitchFamily="34" charset="0"/>
+              <a:buChar char="•"/>
+            </a:pPr>
+            <a:endParaRPr lang="nb-NO" sz="2000" b="1" dirty="0">
+              <a:latin typeface="Yu Gothic" panose="020B0400000000000000" pitchFamily="34" charset="-128"/>
+              <a:ea typeface="Yu Gothic" panose="020B0400000000000000" pitchFamily="34" charset="-128"/>
+            </a:endParaRPr>
+          </a:p>
+          <a:p>
+            <a:pPr marL="342900" indent="-342900">
+              <a:buFont typeface="Arial" panose="020B0604020202020204" pitchFamily="34" charset="0"/>
+              <a:buChar char="•"/>
+            </a:pPr>
+            <a:r>
+              <a:rPr lang="nb-NO" sz="2000" b="1" dirty="0">
+                <a:latin typeface="Yu Gothic" panose="020B0400000000000000" pitchFamily="34" charset="-128"/>
+                <a:ea typeface="Yu Gothic" panose="020B0400000000000000" pitchFamily="34" charset="-128"/>
+              </a:rPr>
+              <a:t>Kunder kan redigere egen profil</a:t>
+            </a:r>
+          </a:p>
+          <a:p>
+            <a:pPr marL="342900" indent="-342900">
+              <a:buFont typeface="Arial" panose="020B0604020202020204" pitchFamily="34" charset="0"/>
+              <a:buChar char="•"/>
+            </a:pPr>
+            <a:endParaRPr lang="nb-NO" sz="2000" b="1" dirty="0">
+              <a:latin typeface="Yu Gothic" panose="020B0400000000000000" pitchFamily="34" charset="-128"/>
+              <a:ea typeface="Yu Gothic" panose="020B0400000000000000" pitchFamily="34" charset="-128"/>
+            </a:endParaRPr>
+          </a:p>
+          <a:p>
+            <a:pPr marL="342900" indent="-342900">
+              <a:buFont typeface="Arial" panose="020B0604020202020204" pitchFamily="34" charset="0"/>
+              <a:buChar char="•"/>
+            </a:pPr>
+            <a:r>
+              <a:rPr lang="nb-NO" sz="2000" b="1" dirty="0">
+                <a:latin typeface="Yu Gothic" panose="020B0400000000000000" pitchFamily="34" charset="-128"/>
+                <a:ea typeface="Yu Gothic" panose="020B0400000000000000" pitchFamily="34" charset="-128"/>
+              </a:rPr>
+              <a:t>Profilbilder for kunder</a:t>
+            </a:r>
+          </a:p>
+          <a:p>
+            <a:pPr marL="342900" indent="-342900">
+              <a:buFont typeface="Arial" panose="020B0604020202020204" pitchFamily="34" charset="0"/>
+              <a:buChar char="•"/>
+            </a:pPr>
+            <a:endParaRPr lang="nb-NO" sz="2000" b="1" dirty="0">
+              <a:latin typeface="Yu Gothic" panose="020B0400000000000000" pitchFamily="34" charset="-128"/>
+              <a:ea typeface="Yu Gothic" panose="020B0400000000000000" pitchFamily="34" charset="-128"/>
+            </a:endParaRPr>
+          </a:p>
+          <a:p>
+            <a:pPr marL="342900" indent="-342900">
+              <a:buFont typeface="Arial" panose="020B0604020202020204" pitchFamily="34" charset="0"/>
+              <a:buChar char="•"/>
+            </a:pPr>
+            <a:r>
+              <a:rPr lang="nb-NO" sz="2000" b="1" dirty="0">
+                <a:latin typeface="Yu Gothic" panose="020B0400000000000000" pitchFamily="34" charset="-128"/>
+                <a:ea typeface="Yu Gothic" panose="020B0400000000000000" pitchFamily="34" charset="-128"/>
+              </a:rPr>
+              <a:t>Terms </a:t>
+            </a:r>
+            <a:r>
+              <a:rPr lang="nb-NO" sz="2000" b="1" dirty="0" err="1">
+                <a:latin typeface="Yu Gothic" panose="020B0400000000000000" pitchFamily="34" charset="-128"/>
+                <a:ea typeface="Yu Gothic" panose="020B0400000000000000" pitchFamily="34" charset="-128"/>
+              </a:rPr>
+              <a:t>of</a:t>
+            </a:r>
+            <a:r>
+              <a:rPr lang="nb-NO" sz="2000" b="1" dirty="0">
+                <a:latin typeface="Yu Gothic" panose="020B0400000000000000" pitchFamily="34" charset="-128"/>
+                <a:ea typeface="Yu Gothic" panose="020B0400000000000000" pitchFamily="34" charset="-128"/>
+              </a:rPr>
+              <a:t> Service</a:t>
+            </a:r>
+          </a:p>
+          <a:p>
+            <a:pPr marL="342900" indent="-342900">
+              <a:buFont typeface="Arial" panose="020B0604020202020204" pitchFamily="34" charset="0"/>
+              <a:buChar char="•"/>
+            </a:pPr>
+            <a:endParaRPr lang="nb-NO" sz="2000" b="1" dirty="0">
+              <a:latin typeface="Yu Gothic" panose="020B0400000000000000" pitchFamily="34" charset="-128"/>
+              <a:ea typeface="Yu Gothic" panose="020B0400000000000000" pitchFamily="34" charset="-128"/>
+            </a:endParaRPr>
+          </a:p>
+          <a:p>
+            <a:pPr marL="342900" indent="-342900">
+              <a:buFont typeface="Arial" panose="020B0604020202020204" pitchFamily="34" charset="0"/>
+              <a:buChar char="•"/>
+            </a:pPr>
+            <a:r>
+              <a:rPr lang="nb-NO" sz="2000" b="1" dirty="0">
+                <a:latin typeface="Yu Gothic" panose="020B0400000000000000" pitchFamily="34" charset="-128"/>
+                <a:ea typeface="Yu Gothic" panose="020B0400000000000000" pitchFamily="34" charset="-128"/>
+              </a:rPr>
+              <a:t>Avanserte Søke algoritmer og import av postnummer</a:t>
+            </a:r>
+          </a:p>
+          <a:p>
+            <a:pPr marL="342900" indent="-342900">
+              <a:buFont typeface="Arial" panose="020B0604020202020204" pitchFamily="34" charset="0"/>
+              <a:buChar char="•"/>
+            </a:pPr>
+            <a:endParaRPr lang="nb-NO" sz="2000" b="1" dirty="0">
+              <a:latin typeface="Yu Gothic" panose="020B0400000000000000" pitchFamily="34" charset="-128"/>
+              <a:ea typeface="Yu Gothic" panose="020B0400000000000000" pitchFamily="34" charset="-128"/>
+            </a:endParaRPr>
+          </a:p>
+          <a:p>
+            <a:pPr marL="342900" indent="-342900">
+              <a:buFont typeface="Arial" panose="020B0604020202020204" pitchFamily="34" charset="0"/>
+              <a:buChar char="•"/>
+            </a:pPr>
+            <a:r>
+              <a:rPr lang="nb-NO" sz="2000" b="1" dirty="0">
+                <a:latin typeface="Yu Gothic" panose="020B0400000000000000" pitchFamily="34" charset="-128"/>
+                <a:ea typeface="Yu Gothic" panose="020B0400000000000000" pitchFamily="34" charset="-128"/>
+              </a:rPr>
+              <a:t>Over 5000 linjer med kode</a:t>
+            </a:r>
+          </a:p>
+          <a:p>
+            <a:pPr marL="342900" indent="-342900">
+              <a:buFont typeface="Arial" panose="020B0604020202020204" pitchFamily="34" charset="0"/>
+              <a:buChar char="•"/>
+            </a:pPr>
+            <a:endParaRPr lang="nb-NO" sz="2000" b="1" dirty="0">
+              <a:latin typeface="Yu Gothic" panose="020B0400000000000000" pitchFamily="34" charset="-128"/>
+              <a:ea typeface="Yu Gothic" panose="020B0400000000000000" pitchFamily="34" charset="-128"/>
+            </a:endParaRPr>
+          </a:p>
+          <a:p>
+            <a:endParaRPr lang="nb-NO" sz="2000" b="1" dirty="0">
+              <a:latin typeface="Yu Gothic" panose="020B0400000000000000" pitchFamily="34" charset="-128"/>
+              <a:ea typeface="Yu Gothic" panose="020B0400000000000000" pitchFamily="34" charset="-128"/>
+            </a:endParaRPr>
+          </a:p>
+          <a:p>
+            <a:endParaRPr lang="nb-NO" sz="2000" b="1" dirty="0">
+              <a:latin typeface="Yu Gothic" panose="020B0400000000000000" pitchFamily="34" charset="-128"/>
+              <a:ea typeface="Yu Gothic" panose="020B0400000000000000" pitchFamily="34" charset="-128"/>
+            </a:endParaRPr>
+          </a:p>
+        </p:txBody>
+      </p:sp>
+      <p:sp>
+        <p:nvSpPr>
+          <p:cNvPr id="18" name="TekstSylinder 17">
+            <a:extLst>
+              <a:ext uri="{FF2B5EF4-FFF2-40B4-BE49-F238E27FC236}">
+                <a16:creationId xmlns:a16="http://schemas.microsoft.com/office/drawing/2014/main" id="{0D1B5719-527D-E601-8311-CF51EEF0AA90}"/>
+              </a:ext>
+            </a:extLst>
+          </p:cNvPr>
+          <p:cNvSpPr txBox="1"/>
+          <p:nvPr/>
+        </p:nvSpPr>
+        <p:spPr>
+          <a:xfrm>
+            <a:off x="6277855" y="1340035"/>
+            <a:ext cx="4658648" cy="3477875"/>
+          </a:xfrm>
+          <a:prstGeom prst="rect">
+            <a:avLst/>
+          </a:prstGeom>
+          <a:noFill/>
+        </p:spPr>
+        <p:txBody>
+          <a:bodyPr wrap="none" rtlCol="0">
+            <a:spAutoFit/>
+          </a:bodyPr>
+          <a:lstStyle/>
+          <a:p>
+            <a:pPr marL="342900" indent="-342900">
+              <a:buFont typeface="Arial" panose="020B0604020202020204" pitchFamily="34" charset="0"/>
+              <a:buChar char="•"/>
+            </a:pPr>
+            <a:r>
+              <a:rPr lang="nb-NO" sz="2000" b="1" dirty="0">
+                <a:latin typeface="Yu Gothic" panose="020B0400000000000000" pitchFamily="34" charset="-128"/>
+                <a:ea typeface="Yu Gothic" panose="020B0400000000000000" pitchFamily="34" charset="-128"/>
+              </a:rPr>
+              <a:t>Brukervennlig grensesnitt</a:t>
+            </a:r>
+          </a:p>
+          <a:p>
+            <a:pPr marL="342900" indent="-342900">
+              <a:buFont typeface="Arial" panose="020B0604020202020204" pitchFamily="34" charset="0"/>
+              <a:buChar char="•"/>
+            </a:pPr>
+            <a:endParaRPr lang="nb-NO" sz="2000" b="1" dirty="0">
+              <a:latin typeface="Yu Gothic" panose="020B0400000000000000" pitchFamily="34" charset="-128"/>
+              <a:ea typeface="Yu Gothic" panose="020B0400000000000000" pitchFamily="34" charset="-128"/>
+            </a:endParaRPr>
+          </a:p>
+          <a:p>
+            <a:pPr marL="342900" indent="-342900">
+              <a:buFont typeface="Arial" panose="020B0604020202020204" pitchFamily="34" charset="0"/>
+              <a:buChar char="•"/>
+            </a:pPr>
+            <a:r>
+              <a:rPr lang="nb-NO" sz="2000" b="1" dirty="0">
+                <a:latin typeface="Yu Gothic" panose="020B0400000000000000" pitchFamily="34" charset="-128"/>
+                <a:ea typeface="Yu Gothic" panose="020B0400000000000000" pitchFamily="34" charset="-128"/>
+              </a:rPr>
+              <a:t>Dark mode</a:t>
+            </a:r>
+          </a:p>
+          <a:p>
+            <a:endParaRPr lang="nb-NO" sz="2000" b="1" dirty="0">
+              <a:latin typeface="Yu Gothic" panose="020B0400000000000000" pitchFamily="34" charset="-128"/>
+              <a:ea typeface="Yu Gothic" panose="020B0400000000000000" pitchFamily="34" charset="-128"/>
+            </a:endParaRPr>
+          </a:p>
+          <a:p>
+            <a:pPr marL="342900" indent="-342900">
+              <a:buFont typeface="Arial" panose="020B0604020202020204" pitchFamily="34" charset="0"/>
+              <a:buChar char="•"/>
+            </a:pPr>
+            <a:r>
+              <a:rPr lang="nb-NO" sz="2000" b="1" dirty="0">
+                <a:latin typeface="Yu Gothic" panose="020B0400000000000000" pitchFamily="34" charset="-128"/>
+                <a:ea typeface="Yu Gothic" panose="020B0400000000000000" pitchFamily="34" charset="-128"/>
+              </a:rPr>
+              <a:t>Kan opprette fler kunder sømløst</a:t>
+            </a:r>
+          </a:p>
+          <a:p>
+            <a:pPr marL="342900" indent="-342900">
+              <a:buFont typeface="Arial" panose="020B0604020202020204" pitchFamily="34" charset="0"/>
+              <a:buChar char="•"/>
+            </a:pPr>
+            <a:endParaRPr lang="nb-NO" sz="2000" b="1" dirty="0">
+              <a:latin typeface="Yu Gothic" panose="020B0400000000000000" pitchFamily="34" charset="-128"/>
+              <a:ea typeface="Yu Gothic" panose="020B0400000000000000" pitchFamily="34" charset="-128"/>
+            </a:endParaRPr>
+          </a:p>
+          <a:p>
+            <a:pPr marL="342900" indent="-342900">
+              <a:buFont typeface="Arial" panose="020B0604020202020204" pitchFamily="34" charset="0"/>
+              <a:buChar char="•"/>
+            </a:pPr>
+            <a:r>
+              <a:rPr lang="nb-NO" sz="2000" b="1" dirty="0" err="1">
+                <a:latin typeface="Yu Gothic" panose="020B0400000000000000" pitchFamily="34" charset="-128"/>
+                <a:ea typeface="Yu Gothic" panose="020B0400000000000000" pitchFamily="34" charset="-128"/>
+              </a:rPr>
+              <a:t>Admin</a:t>
+            </a:r>
+            <a:r>
+              <a:rPr lang="nb-NO" sz="2000" b="1" dirty="0">
+                <a:latin typeface="Yu Gothic" panose="020B0400000000000000" pitchFamily="34" charset="-128"/>
+                <a:ea typeface="Yu Gothic" panose="020B0400000000000000" pitchFamily="34" charset="-128"/>
+              </a:rPr>
+              <a:t> panel</a:t>
+            </a:r>
+          </a:p>
+          <a:p>
+            <a:pPr marL="342900" indent="-342900">
+              <a:buFont typeface="Arial" panose="020B0604020202020204" pitchFamily="34" charset="0"/>
+              <a:buChar char="•"/>
+            </a:pPr>
+            <a:endParaRPr lang="nb-NO" sz="2000" b="1" dirty="0">
+              <a:latin typeface="Yu Gothic" panose="020B0400000000000000" pitchFamily="34" charset="-128"/>
+              <a:ea typeface="Yu Gothic" panose="020B0400000000000000" pitchFamily="34" charset="-128"/>
+            </a:endParaRPr>
+          </a:p>
+          <a:p>
+            <a:pPr marL="342900" indent="-342900">
+              <a:buFont typeface="Arial" panose="020B0604020202020204" pitchFamily="34" charset="0"/>
+              <a:buChar char="•"/>
+            </a:pPr>
+            <a:r>
+              <a:rPr lang="nb-NO" sz="2000" b="1" dirty="0">
+                <a:latin typeface="Yu Gothic" panose="020B0400000000000000" pitchFamily="34" charset="-128"/>
+                <a:ea typeface="Yu Gothic" panose="020B0400000000000000" pitchFamily="34" charset="-128"/>
+              </a:rPr>
+              <a:t>Visuell profil</a:t>
+            </a:r>
+          </a:p>
+          <a:p>
+            <a:pPr marL="342900" indent="-342900">
+              <a:buFont typeface="Arial" panose="020B0604020202020204" pitchFamily="34" charset="0"/>
+              <a:buChar char="•"/>
+            </a:pPr>
+            <a:endParaRPr lang="nb-NO" sz="2000" b="1" dirty="0">
+              <a:latin typeface="Yu Gothic" panose="020B0400000000000000" pitchFamily="34" charset="-128"/>
+              <a:ea typeface="Yu Gothic" panose="020B0400000000000000" pitchFamily="34" charset="-128"/>
+            </a:endParaRPr>
+          </a:p>
+          <a:p>
+            <a:pPr marL="342900" indent="-342900">
+              <a:buFont typeface="Arial" panose="020B0604020202020204" pitchFamily="34" charset="0"/>
+              <a:buChar char="•"/>
+            </a:pPr>
+            <a:r>
+              <a:rPr lang="nb-NO" sz="2000" b="1" dirty="0">
+                <a:latin typeface="Yu Gothic" panose="020B0400000000000000" pitchFamily="34" charset="-128"/>
+                <a:ea typeface="Yu Gothic" panose="020B0400000000000000" pitchFamily="34" charset="-128"/>
+              </a:rPr>
+              <a:t>Trygghet og bruk av GDPR</a:t>
+            </a:r>
+          </a:p>
+        </p:txBody>
+      </p:sp>
     </p:spTree>
     <p:extLst>
       <p:ext uri="{BB962C8B-B14F-4D97-AF65-F5344CB8AC3E}">
-        <p14:creationId xmlns:p14="http://schemas.microsoft.com/office/powerpoint/2010/main" val="2824055414"/>
+        <p14:creationId xmlns:p14="http://schemas.microsoft.com/office/powerpoint/2010/main" val="3577009080"/>
       </p:ext>
     </p:extLst>
   </p:cSld>
@@ -12278,7 +19193,7 @@
                             </p:stCondLst>
                             <p:childTnLst>
                               <p:par>
-                                <p:cTn id="5" presetID="10" presetClass="entr" presetSubtype="0" fill="hold" nodeType="clickEffect">
+                                <p:cTn id="5" presetID="1" presetClass="entr" presetSubtype="0" fill="hold" nodeType="clickEffect">
                                   <p:stCondLst>
                                     <p:cond delay="0"/>
                                   </p:stCondLst>
@@ -12291,7 +19206,7 @@
                                           </p:stCondLst>
                                         </p:cTn>
                                         <p:tgtEl>
-                                          <p:spTgt spid="9">
+                                          <p:spTgt spid="17">
                                             <p:txEl>
                                               <p:pRg st="0" end="0"/>
                                             </p:txEl>
@@ -12305,18 +19220,6 @@
                                         <p:strVal val="visible"/>
                                       </p:to>
                                     </p:set>
-                                    <p:animEffect transition="in" filter="fade">
-                                      <p:cBhvr>
-                                        <p:cTn id="7" dur="500"/>
-                                        <p:tgtEl>
-                                          <p:spTgt spid="9">
-                                            <p:txEl>
-                                              <p:pRg st="0" end="0"/>
-                                            </p:txEl>
-                                          </p:spTgt>
-                                        </p:tgtEl>
-                                      </p:cBhvr>
-                                    </p:animEffect>
                                   </p:childTnLst>
                                 </p:cTn>
                               </p:par>
@@ -12327,32 +19230,32 @@
                     </p:cTn>
                   </p:par>
                   <p:par>
-                    <p:cTn id="8" fill="hold">
+                    <p:cTn id="7" fill="hold">
                       <p:stCondLst>
                         <p:cond delay="indefinite"/>
                       </p:stCondLst>
                       <p:childTnLst>
                         <p:par>
-                          <p:cTn id="9" fill="hold">
+                          <p:cTn id="8" fill="hold">
                             <p:stCondLst>
                               <p:cond delay="0"/>
                             </p:stCondLst>
                             <p:childTnLst>
                               <p:par>
-                                <p:cTn id="10" presetID="10" presetClass="entr" presetSubtype="0" fill="hold" nodeType="clickEffect">
+                                <p:cTn id="9" presetID="1" presetClass="entr" presetSubtype="0" fill="hold" nodeType="clickEffect">
                                   <p:stCondLst>
                                     <p:cond delay="0"/>
                                   </p:stCondLst>
                                   <p:childTnLst>
                                     <p:set>
                                       <p:cBhvr>
-                                        <p:cTn id="11" dur="1" fill="hold">
+                                        <p:cTn id="10" dur="1" fill="hold">
                                           <p:stCondLst>
                                             <p:cond delay="0"/>
                                           </p:stCondLst>
                                         </p:cTn>
                                         <p:tgtEl>
-                                          <p:spTgt spid="9">
+                                          <p:spTgt spid="17">
                                             <p:txEl>
                                               <p:pRg st="2" end="2"/>
                                             </p:txEl>
@@ -12366,18 +19269,6 @@
                                         <p:strVal val="visible"/>
                                       </p:to>
                                     </p:set>
-                                    <p:animEffect transition="in" filter="fade">
-                                      <p:cBhvr>
-                                        <p:cTn id="12" dur="500"/>
-                                        <p:tgtEl>
-                                          <p:spTgt spid="9">
-                                            <p:txEl>
-                                              <p:pRg st="2" end="2"/>
-                                            </p:txEl>
-                                          </p:spTgt>
-                                        </p:tgtEl>
-                                      </p:cBhvr>
-                                    </p:animEffect>
                                   </p:childTnLst>
                                 </p:cTn>
                               </p:par>
@@ -12388,34 +19279,34 @@
                     </p:cTn>
                   </p:par>
                   <p:par>
-                    <p:cTn id="13" fill="hold">
+                    <p:cTn id="11" fill="hold">
                       <p:stCondLst>
                         <p:cond delay="indefinite"/>
                       </p:stCondLst>
                       <p:childTnLst>
                         <p:par>
-                          <p:cTn id="14" fill="hold">
+                          <p:cTn id="12" fill="hold">
                             <p:stCondLst>
                               <p:cond delay="0"/>
                             </p:stCondLst>
                             <p:childTnLst>
                               <p:par>
-                                <p:cTn id="15" presetID="10" presetClass="entr" presetSubtype="0" fill="hold" nodeType="clickEffect">
+                                <p:cTn id="13" presetID="1" presetClass="entr" presetSubtype="0" fill="hold" nodeType="clickEffect">
                                   <p:stCondLst>
                                     <p:cond delay="0"/>
                                   </p:stCondLst>
                                   <p:childTnLst>
                                     <p:set>
                                       <p:cBhvr>
-                                        <p:cTn id="16" dur="1" fill="hold">
+                                        <p:cTn id="14" dur="1" fill="hold">
                                           <p:stCondLst>
                                             <p:cond delay="0"/>
                                           </p:stCondLst>
                                         </p:cTn>
                                         <p:tgtEl>
-                                          <p:spTgt spid="9">
+                                          <p:spTgt spid="17">
                                             <p:txEl>
-                                              <p:pRg st="3" end="3"/>
+                                              <p:pRg st="4" end="4"/>
                                             </p:txEl>
                                           </p:spTgt>
                                         </p:tgtEl>
@@ -12427,18 +19318,6 @@
                                         <p:strVal val="visible"/>
                                       </p:to>
                                     </p:set>
-                                    <p:animEffect transition="in" filter="fade">
-                                      <p:cBhvr>
-                                        <p:cTn id="17" dur="500"/>
-                                        <p:tgtEl>
-                                          <p:spTgt spid="9">
-                                            <p:txEl>
-                                              <p:pRg st="3" end="3"/>
-                                            </p:txEl>
-                                          </p:spTgt>
-                                        </p:tgtEl>
-                                      </p:cBhvr>
-                                    </p:animEffect>
                                   </p:childTnLst>
                                 </p:cTn>
                               </p:par>
@@ -12449,34 +19328,34 @@
                     </p:cTn>
                   </p:par>
                   <p:par>
-                    <p:cTn id="18" fill="hold">
+                    <p:cTn id="15" fill="hold">
                       <p:stCondLst>
                         <p:cond delay="indefinite"/>
                       </p:stCondLst>
                       <p:childTnLst>
                         <p:par>
-                          <p:cTn id="19" fill="hold">
+                          <p:cTn id="16" fill="hold">
                             <p:stCondLst>
                               <p:cond delay="0"/>
                             </p:stCondLst>
                             <p:childTnLst>
                               <p:par>
-                                <p:cTn id="20" presetID="10" presetClass="entr" presetSubtype="0" fill="hold" nodeType="clickEffect">
+                                <p:cTn id="17" presetID="1" presetClass="entr" presetSubtype="0" fill="hold" nodeType="clickEffect">
                                   <p:stCondLst>
                                     <p:cond delay="0"/>
                                   </p:stCondLst>
                                   <p:childTnLst>
                                     <p:set>
                                       <p:cBhvr>
-                                        <p:cTn id="21" dur="1" fill="hold">
+                                        <p:cTn id="18" dur="1" fill="hold">
                                           <p:stCondLst>
                                             <p:cond delay="0"/>
                                           </p:stCondLst>
                                         </p:cTn>
                                         <p:tgtEl>
-                                          <p:spTgt spid="9">
+                                          <p:spTgt spid="17">
                                             <p:txEl>
-                                              <p:pRg st="5" end="5"/>
+                                              <p:pRg st="6" end="6"/>
                                             </p:txEl>
                                           </p:spTgt>
                                         </p:tgtEl>
@@ -12488,18 +19367,55 @@
                                         <p:strVal val="visible"/>
                                       </p:to>
                                     </p:set>
-                                    <p:animEffect transition="in" filter="fade">
+                                  </p:childTnLst>
+                                </p:cTn>
+                              </p:par>
+                            </p:childTnLst>
+                          </p:cTn>
+                        </p:par>
+                      </p:childTnLst>
+                    </p:cTn>
+                  </p:par>
+                  <p:par>
+                    <p:cTn id="19" fill="hold">
+                      <p:stCondLst>
+                        <p:cond delay="indefinite"/>
+                      </p:stCondLst>
+                      <p:childTnLst>
+                        <p:par>
+                          <p:cTn id="20" fill="hold">
+                            <p:stCondLst>
+                              <p:cond delay="0"/>
+                            </p:stCondLst>
+                            <p:childTnLst>
+                              <p:par>
+                                <p:cTn id="21" presetID="1" presetClass="entr" presetSubtype="0" fill="hold" nodeType="clickEffect">
+                                  <p:stCondLst>
+                                    <p:cond delay="0"/>
+                                  </p:stCondLst>
+                                  <p:childTnLst>
+                                    <p:set>
                                       <p:cBhvr>
-                                        <p:cTn id="22" dur="500"/>
+                                        <p:cTn id="22" dur="1" fill="hold">
+                                          <p:stCondLst>
+                                            <p:cond delay="0"/>
+                                          </p:stCondLst>
+                                        </p:cTn>
                                         <p:tgtEl>
-                                          <p:spTgt spid="9">
+                                          <p:spTgt spid="17">
                                             <p:txEl>
-                                              <p:pRg st="5" end="5"/>
+                                              <p:pRg st="8" end="8"/>
                                             </p:txEl>
                                           </p:spTgt>
                                         </p:tgtEl>
+                                        <p:attrNameLst>
+                                          <p:attrName>style.visibility</p:attrName>
+                                        </p:attrNameLst>
                                       </p:cBhvr>
-                                    </p:animEffect>
+                                      <p:to>
+                                        <p:strVal val="visible"/>
+                                      </p:to>
+                                    </p:set>
                                   </p:childTnLst>
                                 </p:cTn>
                               </p:par>
@@ -12522,7 +19438,7 @@
                             </p:stCondLst>
                             <p:childTnLst>
                               <p:par>
-                                <p:cTn id="25" presetID="10" presetClass="entr" presetSubtype="0" fill="hold" nodeType="clickEffect">
+                                <p:cTn id="25" presetID="1" presetClass="entr" presetSubtype="0" fill="hold" nodeType="clickEffect">
                                   <p:stCondLst>
                                     <p:cond delay="0"/>
                                   </p:stCondLst>
@@ -12535,9 +19451,9 @@
                                           </p:stCondLst>
                                         </p:cTn>
                                         <p:tgtEl>
-                                          <p:spTgt spid="9">
+                                          <p:spTgt spid="17">
                                             <p:txEl>
-                                              <p:pRg st="7" end="7"/>
+                                              <p:pRg st="10" end="10"/>
                                             </p:txEl>
                                           </p:spTgt>
                                         </p:tgtEl>
@@ -12549,18 +19465,300 @@
                                         <p:strVal val="visible"/>
                                       </p:to>
                                     </p:set>
-                                    <p:animEffect transition="in" filter="fade">
+                                  </p:childTnLst>
+                                </p:cTn>
+                              </p:par>
+                            </p:childTnLst>
+                          </p:cTn>
+                        </p:par>
+                      </p:childTnLst>
+                    </p:cTn>
+                  </p:par>
+                  <p:par>
+                    <p:cTn id="27" fill="hold">
+                      <p:stCondLst>
+                        <p:cond delay="indefinite"/>
+                      </p:stCondLst>
+                      <p:childTnLst>
+                        <p:par>
+                          <p:cTn id="28" fill="hold">
+                            <p:stCondLst>
+                              <p:cond delay="0"/>
+                            </p:stCondLst>
+                            <p:childTnLst>
+                              <p:par>
+                                <p:cTn id="29" presetID="1" presetClass="entr" presetSubtype="0" fill="hold" nodeType="clickEffect">
+                                  <p:stCondLst>
+                                    <p:cond delay="0"/>
+                                  </p:stCondLst>
+                                  <p:childTnLst>
+                                    <p:set>
                                       <p:cBhvr>
-                                        <p:cTn id="27" dur="500"/>
+                                        <p:cTn id="30" dur="1" fill="hold">
+                                          <p:stCondLst>
+                                            <p:cond delay="0"/>
+                                          </p:stCondLst>
+                                        </p:cTn>
                                         <p:tgtEl>
-                                          <p:spTgt spid="9">
+                                          <p:spTgt spid="18">
                                             <p:txEl>
-                                              <p:pRg st="7" end="7"/>
+                                              <p:pRg st="0" end="0"/>
                                             </p:txEl>
                                           </p:spTgt>
                                         </p:tgtEl>
+                                        <p:attrNameLst>
+                                          <p:attrName>style.visibility</p:attrName>
+                                        </p:attrNameLst>
                                       </p:cBhvr>
-                                    </p:animEffect>
+                                      <p:to>
+                                        <p:strVal val="visible"/>
+                                      </p:to>
+                                    </p:set>
+                                  </p:childTnLst>
+                                </p:cTn>
+                              </p:par>
+                            </p:childTnLst>
+                          </p:cTn>
+                        </p:par>
+                      </p:childTnLst>
+                    </p:cTn>
+                  </p:par>
+                  <p:par>
+                    <p:cTn id="31" fill="hold">
+                      <p:stCondLst>
+                        <p:cond delay="indefinite"/>
+                      </p:stCondLst>
+                      <p:childTnLst>
+                        <p:par>
+                          <p:cTn id="32" fill="hold">
+                            <p:stCondLst>
+                              <p:cond delay="0"/>
+                            </p:stCondLst>
+                            <p:childTnLst>
+                              <p:par>
+                                <p:cTn id="33" presetID="1" presetClass="entr" presetSubtype="0" fill="hold" nodeType="clickEffect">
+                                  <p:stCondLst>
+                                    <p:cond delay="0"/>
+                                  </p:stCondLst>
+                                  <p:childTnLst>
+                                    <p:set>
+                                      <p:cBhvr>
+                                        <p:cTn id="34" dur="1" fill="hold">
+                                          <p:stCondLst>
+                                            <p:cond delay="0"/>
+                                          </p:stCondLst>
+                                        </p:cTn>
+                                        <p:tgtEl>
+                                          <p:spTgt spid="18">
+                                            <p:txEl>
+                                              <p:pRg st="2" end="2"/>
+                                            </p:txEl>
+                                          </p:spTgt>
+                                        </p:tgtEl>
+                                        <p:attrNameLst>
+                                          <p:attrName>style.visibility</p:attrName>
+                                        </p:attrNameLst>
+                                      </p:cBhvr>
+                                      <p:to>
+                                        <p:strVal val="visible"/>
+                                      </p:to>
+                                    </p:set>
+                                  </p:childTnLst>
+                                </p:cTn>
+                              </p:par>
+                            </p:childTnLst>
+                          </p:cTn>
+                        </p:par>
+                      </p:childTnLst>
+                    </p:cTn>
+                  </p:par>
+                  <p:par>
+                    <p:cTn id="35" fill="hold">
+                      <p:stCondLst>
+                        <p:cond delay="indefinite"/>
+                      </p:stCondLst>
+                      <p:childTnLst>
+                        <p:par>
+                          <p:cTn id="36" fill="hold">
+                            <p:stCondLst>
+                              <p:cond delay="0"/>
+                            </p:stCondLst>
+                            <p:childTnLst>
+                              <p:par>
+                                <p:cTn id="37" presetID="1" presetClass="entr" presetSubtype="0" fill="hold" nodeType="clickEffect">
+                                  <p:stCondLst>
+                                    <p:cond delay="0"/>
+                                  </p:stCondLst>
+                                  <p:childTnLst>
+                                    <p:set>
+                                      <p:cBhvr>
+                                        <p:cTn id="38" dur="1" fill="hold">
+                                          <p:stCondLst>
+                                            <p:cond delay="0"/>
+                                          </p:stCondLst>
+                                        </p:cTn>
+                                        <p:tgtEl>
+                                          <p:spTgt spid="18">
+                                            <p:txEl>
+                                              <p:pRg st="4" end="4"/>
+                                            </p:txEl>
+                                          </p:spTgt>
+                                        </p:tgtEl>
+                                        <p:attrNameLst>
+                                          <p:attrName>style.visibility</p:attrName>
+                                        </p:attrNameLst>
+                                      </p:cBhvr>
+                                      <p:to>
+                                        <p:strVal val="visible"/>
+                                      </p:to>
+                                    </p:set>
+                                  </p:childTnLst>
+                                </p:cTn>
+                              </p:par>
+                            </p:childTnLst>
+                          </p:cTn>
+                        </p:par>
+                      </p:childTnLst>
+                    </p:cTn>
+                  </p:par>
+                  <p:par>
+                    <p:cTn id="39" fill="hold">
+                      <p:stCondLst>
+                        <p:cond delay="indefinite"/>
+                      </p:stCondLst>
+                      <p:childTnLst>
+                        <p:par>
+                          <p:cTn id="40" fill="hold">
+                            <p:stCondLst>
+                              <p:cond delay="0"/>
+                            </p:stCondLst>
+                            <p:childTnLst>
+                              <p:par>
+                                <p:cTn id="41" presetID="1" presetClass="entr" presetSubtype="0" fill="hold" nodeType="clickEffect">
+                                  <p:stCondLst>
+                                    <p:cond delay="0"/>
+                                  </p:stCondLst>
+                                  <p:childTnLst>
+                                    <p:set>
+                                      <p:cBhvr>
+                                        <p:cTn id="42" dur="1" fill="hold">
+                                          <p:stCondLst>
+                                            <p:cond delay="0"/>
+                                          </p:stCondLst>
+                                        </p:cTn>
+                                        <p:tgtEl>
+                                          <p:spTgt spid="18">
+                                            <p:txEl>
+                                              <p:pRg st="6" end="6"/>
+                                            </p:txEl>
+                                          </p:spTgt>
+                                        </p:tgtEl>
+                                        <p:attrNameLst>
+                                          <p:attrName>style.visibility</p:attrName>
+                                        </p:attrNameLst>
+                                      </p:cBhvr>
+                                      <p:to>
+                                        <p:strVal val="visible"/>
+                                      </p:to>
+                                    </p:set>
+                                  </p:childTnLst>
+                                </p:cTn>
+                              </p:par>
+                            </p:childTnLst>
+                          </p:cTn>
+                        </p:par>
+                      </p:childTnLst>
+                    </p:cTn>
+                  </p:par>
+                  <p:par>
+                    <p:cTn id="43" fill="hold">
+                      <p:stCondLst>
+                        <p:cond delay="indefinite"/>
+                      </p:stCondLst>
+                      <p:childTnLst>
+                        <p:par>
+                          <p:cTn id="44" fill="hold">
+                            <p:stCondLst>
+                              <p:cond delay="0"/>
+                            </p:stCondLst>
+                            <p:childTnLst>
+                              <p:par>
+                                <p:cTn id="45" presetID="1" presetClass="entr" presetSubtype="0" fill="hold" nodeType="clickEffect">
+                                  <p:stCondLst>
+                                    <p:cond delay="0"/>
+                                  </p:stCondLst>
+                                  <p:childTnLst>
+                                    <p:set>
+                                      <p:cBhvr>
+                                        <p:cTn id="46" dur="1" fill="hold">
+                                          <p:stCondLst>
+                                            <p:cond delay="0"/>
+                                          </p:stCondLst>
+                                        </p:cTn>
+                                        <p:tgtEl>
+                                          <p:spTgt spid="18">
+                                            <p:txEl>
+                                              <p:pRg st="8" end="8"/>
+                                            </p:txEl>
+                                          </p:spTgt>
+                                        </p:tgtEl>
+                                        <p:attrNameLst>
+                                          <p:attrName>style.visibility</p:attrName>
+                                        </p:attrNameLst>
+                                      </p:cBhvr>
+                                      <p:to>
+                                        <p:strVal val="visible"/>
+                                      </p:to>
+                                    </p:set>
+                                  </p:childTnLst>
+                                </p:cTn>
+                              </p:par>
+                            </p:childTnLst>
+                          </p:cTn>
+                        </p:par>
+                      </p:childTnLst>
+                    </p:cTn>
+                  </p:par>
+                  <p:par>
+                    <p:cTn id="47" fill="hold">
+                      <p:stCondLst>
+                        <p:cond delay="indefinite"/>
+                      </p:stCondLst>
+                      <p:childTnLst>
+                        <p:par>
+                          <p:cTn id="48" fill="hold">
+                            <p:stCondLst>
+                              <p:cond delay="0"/>
+                            </p:stCondLst>
+                            <p:childTnLst>
+                              <p:par>
+                                <p:cTn id="49" presetID="1" presetClass="entr" presetSubtype="0" fill="hold" nodeType="clickEffect">
+                                  <p:stCondLst>
+                                    <p:cond delay="0"/>
+                                  </p:stCondLst>
+                                  <p:childTnLst>
+                                    <p:set>
+                                      <p:cBhvr>
+                                        <p:cTn id="50" dur="1" fill="hold">
+                                          <p:stCondLst>
+                                            <p:cond delay="0"/>
+                                          </p:stCondLst>
+                                        </p:cTn>
+                                        <p:tgtEl>
+                                          <p:spTgt spid="18">
+                                            <p:txEl>
+                                              <p:pRg st="10" end="10"/>
+                                            </p:txEl>
+                                          </p:spTgt>
+                                        </p:tgtEl>
+                                        <p:attrNameLst>
+                                          <p:attrName>style.visibility</p:attrName>
+                                        </p:attrNameLst>
+                                      </p:cBhvr>
+                                      <p:to>
+                                        <p:strVal val="visible"/>
+                                      </p:to>
+                                    </p:set>
                                   </p:childTnLst>
                                 </p:cTn>
                               </p:par>
